--- a/diplom.pptx
+++ b/diplom.pptx
@@ -18,6 +18,15 @@
     <p:sldId id="266" r:id="rId12"/>
     <p:sldId id="267" r:id="rId13"/>
     <p:sldId id="268" r:id="rId14"/>
+    <p:sldId id="269" r:id="rId15"/>
+    <p:sldId id="270" r:id="rId16"/>
+    <p:sldId id="271" r:id="rId17"/>
+    <p:sldId id="272" r:id="rId18"/>
+    <p:sldId id="273" r:id="rId19"/>
+    <p:sldId id="274" r:id="rId20"/>
+    <p:sldId id="275" r:id="rId21"/>
+    <p:sldId id="276" r:id="rId22"/>
+    <p:sldId id="277" r:id="rId23"/>
   </p:sldIdLst>
   <p:sldSz cx="12192000" cy="6858000"/>
   <p:notesSz cx="6858000" cy="9144000"/>
@@ -116,7 +125,8237 @@
       </a:defRPr>
     </a:lvl9pPr>
   </p:defaultTextStyle>
+  <p:extLst>
+    <p:ext uri="{EFAFB233-063F-42B5-8137-9DF3F51BA10A}">
+      <p15:sldGuideLst xmlns:p15="http://schemas.microsoft.com/office/powerpoint/2012/main"/>
+    </p:ext>
+  </p:extLst>
 </p:presentation>
+</file>
+
+<file path=ppt/charts/chart1.xml><?xml version="1.0" encoding="utf-8"?>
+<c:chartSpace xmlns:c="http://schemas.openxmlformats.org/drawingml/2006/chart" xmlns:a="http://schemas.openxmlformats.org/drawingml/2006/main" xmlns:r="http://schemas.openxmlformats.org/officeDocument/2006/relationships" xmlns:c16r2="http://schemas.microsoft.com/office/drawing/2015/06/chart">
+  <c:date1904 val="0"/>
+  <c:lang val="ru-RU"/>
+  <c:roundedCorners val="0"/>
+  <mc:AlternateContent xmlns:mc="http://schemas.openxmlformats.org/markup-compatibility/2006">
+    <mc:Choice xmlns:c14="http://schemas.microsoft.com/office/drawing/2007/8/2/chart" Requires="c14">
+      <c14:style val="102"/>
+    </mc:Choice>
+    <mc:Fallback>
+      <c:style val="2"/>
+    </mc:Fallback>
+  </mc:AlternateContent>
+  <c:chart>
+    <c:autoTitleDeleted val="0"/>
+    <c:plotArea>
+      <c:layout>
+        <c:manualLayout>
+          <c:layoutTarget val="inner"/>
+          <c:xMode val="edge"/>
+          <c:yMode val="edge"/>
+          <c:x val="4.0475105349142129E-2"/>
+          <c:y val="4.5569767579957482E-2"/>
+          <c:w val="0.88783249021246646"/>
+          <c:h val="0.91102514506769827"/>
+        </c:manualLayout>
+      </c:layout>
+      <c:scatterChart>
+        <c:scatterStyle val="smoothMarker"/>
+        <c:varyColors val="0"/>
+        <c:ser>
+          <c:idx val="0"/>
+          <c:order val="0"/>
+          <c:tx>
+            <c:v>L_inf</c:v>
+          </c:tx>
+          <c:spPr>
+            <a:ln w="19050" cap="rnd">
+              <a:solidFill>
+                <a:schemeClr val="accent1"/>
+              </a:solidFill>
+              <a:round/>
+            </a:ln>
+            <a:effectLst/>
+          </c:spPr>
+          <c:marker>
+            <c:symbol val="circle"/>
+            <c:size val="5"/>
+            <c:spPr>
+              <a:solidFill>
+                <a:schemeClr val="accent1"/>
+              </a:solidFill>
+              <a:ln w="9525">
+                <a:solidFill>
+                  <a:schemeClr val="accent1"/>
+                </a:solidFill>
+              </a:ln>
+              <a:effectLst/>
+            </c:spPr>
+          </c:marker>
+          <c:xVal>
+            <c:numRef>
+              <c:f>Лист1!$X$62:$X$78</c:f>
+              <c:numCache>
+                <c:formatCode>General</c:formatCode>
+                <c:ptCount val="17"/>
+                <c:pt idx="0">
+                  <c:v>4.5371337460874302E-3</c:v>
+                </c:pt>
+                <c:pt idx="1">
+                  <c:v>3.7429515020397102E-3</c:v>
+                </c:pt>
+                <c:pt idx="2">
+                  <c:v>2.9494266625268201E-3</c:v>
+                </c:pt>
+                <c:pt idx="3">
+                  <c:v>2.2443159152172E-3</c:v>
+                </c:pt>
+                <c:pt idx="4">
+                  <c:v>1.45611669404697E-3</c:v>
+                </c:pt>
+                <c:pt idx="5">
+                  <c:v>7.3995548758683195E-4</c:v>
+                </c:pt>
+                <c:pt idx="6">
+                  <c:v>5.9215412224577005E-4</c:v>
+                </c:pt>
+                <c:pt idx="7">
+                  <c:v>4.3971840760824497E-4</c:v>
+                </c:pt>
+                <c:pt idx="8">
+                  <c:v>3.7374997196285801E-4</c:v>
+                </c:pt>
+                <c:pt idx="9">
+                  <c:v>2.9856510365332901E-4</c:v>
+                </c:pt>
+                <c:pt idx="10">
+                  <c:v>2.59337571786468E-4</c:v>
+                </c:pt>
+                <c:pt idx="11">
+                  <c:v>2.23692471596135E-4</c:v>
+                </c:pt>
+                <c:pt idx="12">
+                  <c:v>1.8527084450529501E-4</c:v>
+                </c:pt>
+                <c:pt idx="13">
+                  <c:v>1.4831424293613101E-4</c:v>
+                </c:pt>
+                <c:pt idx="14">
+                  <c:v>1.11619191723465E-4</c:v>
+                </c:pt>
+                <c:pt idx="15" formatCode="0.00E+00">
+                  <c:v>7.4443977717700399E-5</c:v>
+                </c:pt>
+                <c:pt idx="16" formatCode="0.00E+00">
+                  <c:v>5.9338654044515602E-5</c:v>
+                </c:pt>
+              </c:numCache>
+            </c:numRef>
+          </c:xVal>
+          <c:yVal>
+            <c:numRef>
+              <c:f>Лист1!$E$68:$E$84</c:f>
+              <c:numCache>
+                <c:formatCode>0.000000</c:formatCode>
+                <c:ptCount val="17"/>
+                <c:pt idx="0">
+                  <c:v>0.561829590041796</c:v>
+                </c:pt>
+                <c:pt idx="1">
+                  <c:v>0.55267463555769003</c:v>
+                </c:pt>
+                <c:pt idx="2">
+                  <c:v>0.50714177014205397</c:v>
+                </c:pt>
+                <c:pt idx="3">
+                  <c:v>0.46749159409135699</c:v>
+                </c:pt>
+                <c:pt idx="4">
+                  <c:v>0.40635462959046997</c:v>
+                </c:pt>
+                <c:pt idx="5">
+                  <c:v>0.29907718786621001</c:v>
+                </c:pt>
+                <c:pt idx="6">
+                  <c:v>0.269925642829977</c:v>
+                </c:pt>
+                <c:pt idx="7">
+                  <c:v>0.22709006704951701</c:v>
+                </c:pt>
+                <c:pt idx="8">
+                  <c:v>0.19869416024275299</c:v>
+                </c:pt>
+                <c:pt idx="9">
+                  <c:v>0.17413397906308001</c:v>
+                </c:pt>
+                <c:pt idx="10">
+                  <c:v>0.14966984738724801</c:v>
+                </c:pt>
+                <c:pt idx="11">
+                  <c:v>0.12900560672178901</c:v>
+                </c:pt>
+                <c:pt idx="12">
+                  <c:v>0.104003233842237</c:v>
+                </c:pt>
+                <c:pt idx="13">
+                  <c:v>8.3045589614499996E-2</c:v>
+                </c:pt>
+                <c:pt idx="14">
+                  <c:v>5.9363244899250101E-2</c:v>
+                </c:pt>
+                <c:pt idx="15">
+                  <c:v>4.0292889834041203E-2</c:v>
+                </c:pt>
+                <c:pt idx="16">
+                  <c:v>3.3392623332516601E-2</c:v>
+                </c:pt>
+              </c:numCache>
+            </c:numRef>
+          </c:yVal>
+          <c:smooth val="1"/>
+          <c:extLst>
+            <c:ext xmlns:c16="http://schemas.microsoft.com/office/drawing/2014/chart" uri="{C3380CC4-5D6E-409C-BE32-E72D297353CC}">
+              <c16:uniqueId val="{00000000-3DC1-47A7-964B-56C3CC22CD21}"/>
+            </c:ext>
+          </c:extLst>
+        </c:ser>
+        <c:ser>
+          <c:idx val="1"/>
+          <c:order val="1"/>
+          <c:tx>
+            <c:v>L_1</c:v>
+          </c:tx>
+          <c:spPr>
+            <a:ln w="19050" cap="rnd">
+              <a:solidFill>
+                <a:schemeClr val="accent2"/>
+              </a:solidFill>
+              <a:round/>
+            </a:ln>
+            <a:effectLst/>
+          </c:spPr>
+          <c:marker>
+            <c:symbol val="circle"/>
+            <c:size val="5"/>
+            <c:spPr>
+              <a:solidFill>
+                <a:schemeClr val="accent2"/>
+              </a:solidFill>
+              <a:ln w="9525">
+                <a:solidFill>
+                  <a:schemeClr val="accent2"/>
+                </a:solidFill>
+              </a:ln>
+              <a:effectLst/>
+            </c:spPr>
+          </c:marker>
+          <c:xVal>
+            <c:numRef>
+              <c:f>Лист1!$X$62:$X$80</c:f>
+              <c:numCache>
+                <c:formatCode>General</c:formatCode>
+                <c:ptCount val="19"/>
+                <c:pt idx="0">
+                  <c:v>4.5371337460874302E-3</c:v>
+                </c:pt>
+                <c:pt idx="1">
+                  <c:v>3.7429515020397102E-3</c:v>
+                </c:pt>
+                <c:pt idx="2">
+                  <c:v>2.9494266625268201E-3</c:v>
+                </c:pt>
+                <c:pt idx="3">
+                  <c:v>2.2443159152172E-3</c:v>
+                </c:pt>
+                <c:pt idx="4">
+                  <c:v>1.45611669404697E-3</c:v>
+                </c:pt>
+                <c:pt idx="5">
+                  <c:v>7.3995548758683195E-4</c:v>
+                </c:pt>
+                <c:pt idx="6">
+                  <c:v>5.9215412224577005E-4</c:v>
+                </c:pt>
+                <c:pt idx="7">
+                  <c:v>4.3971840760824497E-4</c:v>
+                </c:pt>
+                <c:pt idx="8">
+                  <c:v>3.7374997196285801E-4</c:v>
+                </c:pt>
+                <c:pt idx="9">
+                  <c:v>2.9856510365332901E-4</c:v>
+                </c:pt>
+                <c:pt idx="10">
+                  <c:v>2.59337571786468E-4</c:v>
+                </c:pt>
+                <c:pt idx="11">
+                  <c:v>2.23692471596135E-4</c:v>
+                </c:pt>
+                <c:pt idx="12">
+                  <c:v>1.8527084450529501E-4</c:v>
+                </c:pt>
+                <c:pt idx="13">
+                  <c:v>1.4831424293613101E-4</c:v>
+                </c:pt>
+                <c:pt idx="14">
+                  <c:v>1.11619191723465E-4</c:v>
+                </c:pt>
+                <c:pt idx="15" formatCode="0.00E+00">
+                  <c:v>7.4443977717700399E-5</c:v>
+                </c:pt>
+                <c:pt idx="16" formatCode="0.00E+00">
+                  <c:v>5.9338654044515602E-5</c:v>
+                </c:pt>
+                <c:pt idx="17" formatCode="0.00E+00">
+                  <c:v>5.2105073705123903E-5</c:v>
+                </c:pt>
+                <c:pt idx="18" formatCode="0.00E+00">
+                  <c:v>4.4494558633576102E-5</c:v>
+                </c:pt>
+              </c:numCache>
+            </c:numRef>
+          </c:xVal>
+          <c:yVal>
+            <c:numRef>
+              <c:f>Лист1!$F$68:$F$84</c:f>
+              <c:numCache>
+                <c:formatCode>0.000000</c:formatCode>
+                <c:ptCount val="17"/>
+                <c:pt idx="0">
+                  <c:v>8.7238584581511305E-2</c:v>
+                </c:pt>
+                <c:pt idx="1">
+                  <c:v>8.4176037805162807E-2</c:v>
+                </c:pt>
+                <c:pt idx="2">
+                  <c:v>7.8477145199694398E-2</c:v>
+                </c:pt>
+                <c:pt idx="3">
+                  <c:v>7.1615571544550394E-2</c:v>
+                </c:pt>
+                <c:pt idx="4">
+                  <c:v>6.01540381593016E-2</c:v>
+                </c:pt>
+                <c:pt idx="5">
+                  <c:v>4.2735697844984502E-2</c:v>
+                </c:pt>
+                <c:pt idx="6">
+                  <c:v>3.7002516978969599E-2</c:v>
+                </c:pt>
+                <c:pt idx="7">
+                  <c:v>3.10185836849797E-2</c:v>
+                </c:pt>
+                <c:pt idx="8">
+                  <c:v>2.68934541405721E-2</c:v>
+                </c:pt>
+                <c:pt idx="9">
+                  <c:v>2.2134736101667499E-2</c:v>
+                </c:pt>
+                <c:pt idx="10">
+                  <c:v>1.9304701932579001E-2</c:v>
+                </c:pt>
+                <c:pt idx="11">
+                  <c:v>1.6753867489073E-2</c:v>
+                </c:pt>
+                <c:pt idx="12">
+                  <c:v>1.3513103182555299E-2</c:v>
+                </c:pt>
+                <c:pt idx="13" formatCode="General">
+                  <c:v>1.04935542709959E-2</c:v>
+                </c:pt>
+                <c:pt idx="14" formatCode="General">
+                  <c:v>7.3986390856359803E-3</c:v>
+                </c:pt>
+                <c:pt idx="15" formatCode="General">
+                  <c:v>5.0227924732655204E-3</c:v>
+                </c:pt>
+                <c:pt idx="16" formatCode="General">
+                  <c:v>4.1507288817466403E-3</c:v>
+                </c:pt>
+              </c:numCache>
+            </c:numRef>
+          </c:yVal>
+          <c:smooth val="1"/>
+          <c:extLst>
+            <c:ext xmlns:c16="http://schemas.microsoft.com/office/drawing/2014/chart" uri="{C3380CC4-5D6E-409C-BE32-E72D297353CC}">
+              <c16:uniqueId val="{00000001-3DC1-47A7-964B-56C3CC22CD21}"/>
+            </c:ext>
+          </c:extLst>
+        </c:ser>
+        <c:ser>
+          <c:idx val="2"/>
+          <c:order val="2"/>
+          <c:tx>
+            <c:v>L_2</c:v>
+          </c:tx>
+          <c:spPr>
+            <a:ln w="19050" cap="rnd">
+              <a:solidFill>
+                <a:schemeClr val="accent3"/>
+              </a:solidFill>
+              <a:round/>
+            </a:ln>
+            <a:effectLst/>
+          </c:spPr>
+          <c:marker>
+            <c:symbol val="circle"/>
+            <c:size val="5"/>
+            <c:spPr>
+              <a:solidFill>
+                <a:schemeClr val="accent3"/>
+              </a:solidFill>
+              <a:ln w="9525">
+                <a:solidFill>
+                  <a:schemeClr val="accent3"/>
+                </a:solidFill>
+              </a:ln>
+              <a:effectLst/>
+            </c:spPr>
+          </c:marker>
+          <c:xVal>
+            <c:numRef>
+              <c:f>Лист1!$X$62:$X$80</c:f>
+              <c:numCache>
+                <c:formatCode>General</c:formatCode>
+                <c:ptCount val="19"/>
+                <c:pt idx="0">
+                  <c:v>4.5371337460874302E-3</c:v>
+                </c:pt>
+                <c:pt idx="1">
+                  <c:v>3.7429515020397102E-3</c:v>
+                </c:pt>
+                <c:pt idx="2">
+                  <c:v>2.9494266625268201E-3</c:v>
+                </c:pt>
+                <c:pt idx="3">
+                  <c:v>2.2443159152172E-3</c:v>
+                </c:pt>
+                <c:pt idx="4">
+                  <c:v>1.45611669404697E-3</c:v>
+                </c:pt>
+                <c:pt idx="5">
+                  <c:v>7.3995548758683195E-4</c:v>
+                </c:pt>
+                <c:pt idx="6">
+                  <c:v>5.9215412224577005E-4</c:v>
+                </c:pt>
+                <c:pt idx="7">
+                  <c:v>4.3971840760824497E-4</c:v>
+                </c:pt>
+                <c:pt idx="8">
+                  <c:v>3.7374997196285801E-4</c:v>
+                </c:pt>
+                <c:pt idx="9">
+                  <c:v>2.9856510365332901E-4</c:v>
+                </c:pt>
+                <c:pt idx="10">
+                  <c:v>2.59337571786468E-4</c:v>
+                </c:pt>
+                <c:pt idx="11">
+                  <c:v>2.23692471596135E-4</c:v>
+                </c:pt>
+                <c:pt idx="12">
+                  <c:v>1.8527084450529501E-4</c:v>
+                </c:pt>
+                <c:pt idx="13">
+                  <c:v>1.4831424293613101E-4</c:v>
+                </c:pt>
+                <c:pt idx="14">
+                  <c:v>1.11619191723465E-4</c:v>
+                </c:pt>
+                <c:pt idx="15" formatCode="0.00E+00">
+                  <c:v>7.4443977717700399E-5</c:v>
+                </c:pt>
+                <c:pt idx="16" formatCode="0.00E+00">
+                  <c:v>5.9338654044515602E-5</c:v>
+                </c:pt>
+                <c:pt idx="17" formatCode="0.00E+00">
+                  <c:v>5.2105073705123903E-5</c:v>
+                </c:pt>
+                <c:pt idx="18" formatCode="0.00E+00">
+                  <c:v>4.4494558633576102E-5</c:v>
+                </c:pt>
+              </c:numCache>
+            </c:numRef>
+          </c:xVal>
+          <c:yVal>
+            <c:numRef>
+              <c:f>Лист1!$G$68:$G$84</c:f>
+              <c:numCache>
+                <c:formatCode>0.000000</c:formatCode>
+                <c:ptCount val="17"/>
+                <c:pt idx="0">
+                  <c:v>8.1040821035306809E-3</c:v>
+                </c:pt>
+                <c:pt idx="1">
+                  <c:v>7.17938634848237E-3</c:v>
+                </c:pt>
+                <c:pt idx="2">
+                  <c:v>6.0501296652517899E-3</c:v>
+                </c:pt>
+                <c:pt idx="3">
+                  <c:v>4.8157277390372304E-3</c:v>
+                </c:pt>
+                <c:pt idx="4">
+                  <c:v>3.3405951707213802E-3</c:v>
+                </c:pt>
+                <c:pt idx="5">
+                  <c:v>1.7426047655655799E-3</c:v>
+                </c:pt>
+                <c:pt idx="6">
+                  <c:v>1.3564516361027901E-3</c:v>
+                </c:pt>
+                <c:pt idx="7">
+                  <c:v>9.9008031355991301E-4</c:v>
+                </c:pt>
+                <c:pt idx="8">
+                  <c:v>7.9116033228529396E-4</c:v>
+                </c:pt>
+                <c:pt idx="9">
+                  <c:v>5.9416459454305498E-4</c:v>
+                </c:pt>
+                <c:pt idx="10">
+                  <c:v>4.8319091319308998E-4</c:v>
+                </c:pt>
+                <c:pt idx="11">
+                  <c:v>3.8815413725989598E-4</c:v>
+                </c:pt>
+                <c:pt idx="12">
+                  <c:v>2.8717481045053498E-4</c:v>
+                </c:pt>
+                <c:pt idx="13">
+                  <c:v>2.0034042149437599E-4</c:v>
+                </c:pt>
+                <c:pt idx="14">
+                  <c:v>1.23606887716292E-4</c:v>
+                </c:pt>
+                <c:pt idx="15" formatCode="0.00E+00">
+                  <c:v>6.8711762005812697E-5</c:v>
+                </c:pt>
+                <c:pt idx="16" formatCode="0.00E+00">
+                  <c:v>5.0896064243367701E-5</c:v>
+                </c:pt>
+              </c:numCache>
+            </c:numRef>
+          </c:yVal>
+          <c:smooth val="1"/>
+          <c:extLst>
+            <c:ext xmlns:c16="http://schemas.microsoft.com/office/drawing/2014/chart" uri="{C3380CC4-5D6E-409C-BE32-E72D297353CC}">
+              <c16:uniqueId val="{00000002-3DC1-47A7-964B-56C3CC22CD21}"/>
+            </c:ext>
+          </c:extLst>
+        </c:ser>
+        <c:dLbls>
+          <c:showLegendKey val="0"/>
+          <c:showVal val="0"/>
+          <c:showCatName val="0"/>
+          <c:showSerName val="0"/>
+          <c:showPercent val="0"/>
+          <c:showBubbleSize val="0"/>
+        </c:dLbls>
+        <c:axId val="577425208"/>
+        <c:axId val="577422256"/>
+      </c:scatterChart>
+      <c:valAx>
+        <c:axId val="577425208"/>
+        <c:scaling>
+          <c:logBase val="10"/>
+          <c:orientation val="maxMin"/>
+          <c:max val="1.0000000000000002E-2"/>
+          <c:min val="5.0000000000000023E-5"/>
+        </c:scaling>
+        <c:delete val="0"/>
+        <c:axPos val="b"/>
+        <c:majorGridlines>
+          <c:spPr>
+            <a:ln w="9525" cap="flat" cmpd="sng" algn="ctr">
+              <a:solidFill>
+                <a:schemeClr val="tx1">
+                  <a:lumMod val="15000"/>
+                  <a:lumOff val="85000"/>
+                </a:schemeClr>
+              </a:solidFill>
+              <a:round/>
+            </a:ln>
+            <a:effectLst/>
+          </c:spPr>
+        </c:majorGridlines>
+        <c:title>
+          <c:tx>
+            <c:rich>
+              <a:bodyPr rot="0" spcFirstLastPara="1" vertOverflow="ellipsis" vert="horz" wrap="square" anchor="ctr" anchorCtr="1"/>
+              <a:lstStyle/>
+              <a:p>
+                <a:pPr>
+                  <a:defRPr sz="1000" b="0" i="0" u="none" strike="noStrike" kern="1200" baseline="0">
+                    <a:solidFill>
+                      <a:schemeClr val="tx1">
+                        <a:lumMod val="65000"/>
+                        <a:lumOff val="35000"/>
+                      </a:schemeClr>
+                    </a:solidFill>
+                    <a:latin typeface="+mn-lt"/>
+                    <a:ea typeface="+mn-ea"/>
+                    <a:cs typeface="+mn-cs"/>
+                  </a:defRPr>
+                </a:pPr>
+                <a:r>
+                  <a:rPr lang="ru-RU"/>
+                  <a:t>Шаг,</a:t>
+                </a:r>
+                <a:r>
+                  <a:rPr lang="ru-RU" baseline="0"/>
+                  <a:t> </a:t>
+                </a:r>
+                <a:r>
+                  <a:rPr lang="en-US" baseline="0"/>
+                  <a:t>h^2</a:t>
+                </a:r>
+              </a:p>
+              <a:p>
+                <a:pPr>
+                  <a:defRPr/>
+                </a:pPr>
+                <a:endParaRPr lang="ru-RU"/>
+              </a:p>
+            </c:rich>
+          </c:tx>
+          <c:layout>
+            <c:manualLayout>
+              <c:xMode val="edge"/>
+              <c:yMode val="edge"/>
+              <c:x val="0.50132364799012763"/>
+              <c:y val="3.2879912835431942E-3"/>
+            </c:manualLayout>
+          </c:layout>
+          <c:overlay val="0"/>
+          <c:spPr>
+            <a:noFill/>
+            <a:ln>
+              <a:noFill/>
+            </a:ln>
+            <a:effectLst/>
+          </c:spPr>
+          <c:txPr>
+            <a:bodyPr rot="0" spcFirstLastPara="1" vertOverflow="ellipsis" vert="horz" wrap="square" anchor="ctr" anchorCtr="1"/>
+            <a:lstStyle/>
+            <a:p>
+              <a:pPr>
+                <a:defRPr sz="1000" b="0" i="0" u="none" strike="noStrike" kern="1200" baseline="0">
+                  <a:solidFill>
+                    <a:schemeClr val="tx1">
+                      <a:lumMod val="65000"/>
+                      <a:lumOff val="35000"/>
+                    </a:schemeClr>
+                  </a:solidFill>
+                  <a:latin typeface="+mn-lt"/>
+                  <a:ea typeface="+mn-ea"/>
+                  <a:cs typeface="+mn-cs"/>
+                </a:defRPr>
+              </a:pPr>
+              <a:endParaRPr lang="ru-RU"/>
+            </a:p>
+          </c:txPr>
+        </c:title>
+        <c:numFmt formatCode="0.00E+00" sourceLinked="0"/>
+        <c:majorTickMark val="out"/>
+        <c:minorTickMark val="none"/>
+        <c:tickLblPos val="nextTo"/>
+        <c:spPr>
+          <a:noFill/>
+          <a:ln w="9525" cap="flat" cmpd="sng" algn="ctr">
+            <a:solidFill>
+              <a:schemeClr val="tx1">
+                <a:lumMod val="25000"/>
+                <a:lumOff val="75000"/>
+              </a:schemeClr>
+            </a:solidFill>
+            <a:round/>
+          </a:ln>
+          <a:effectLst/>
+        </c:spPr>
+        <c:txPr>
+          <a:bodyPr rot="0" spcFirstLastPara="1" vertOverflow="ellipsis" wrap="square" anchor="b" anchorCtr="0"/>
+          <a:lstStyle/>
+          <a:p>
+            <a:pPr>
+              <a:defRPr sz="900" b="0" i="0" u="none" strike="noStrike" kern="1200" baseline="0">
+                <a:solidFill>
+                  <a:schemeClr val="tx1">
+                    <a:lumMod val="65000"/>
+                    <a:lumOff val="35000"/>
+                  </a:schemeClr>
+                </a:solidFill>
+                <a:latin typeface="+mn-lt"/>
+                <a:ea typeface="+mn-ea"/>
+                <a:cs typeface="+mn-cs"/>
+              </a:defRPr>
+            </a:pPr>
+            <a:endParaRPr lang="ru-RU"/>
+          </a:p>
+        </c:txPr>
+        <c:crossAx val="577422256"/>
+        <c:crosses val="autoZero"/>
+        <c:crossBetween val="midCat"/>
+      </c:valAx>
+      <c:valAx>
+        <c:axId val="577422256"/>
+        <c:scaling>
+          <c:logBase val="10"/>
+          <c:orientation val="minMax"/>
+        </c:scaling>
+        <c:delete val="0"/>
+        <c:axPos val="r"/>
+        <c:majorGridlines>
+          <c:spPr>
+            <a:ln w="9525" cap="flat" cmpd="sng" algn="ctr">
+              <a:solidFill>
+                <a:schemeClr val="tx1">
+                  <a:lumMod val="15000"/>
+                  <a:lumOff val="85000"/>
+                </a:schemeClr>
+              </a:solidFill>
+              <a:round/>
+            </a:ln>
+            <a:effectLst/>
+          </c:spPr>
+        </c:majorGridlines>
+        <c:title>
+          <c:tx>
+            <c:rich>
+              <a:bodyPr rot="-5400000" spcFirstLastPara="1" vertOverflow="ellipsis" vert="horz" wrap="square" anchor="ctr" anchorCtr="1"/>
+              <a:lstStyle/>
+              <a:p>
+                <a:pPr>
+                  <a:defRPr sz="1000" b="0" i="0" u="none" strike="noStrike" kern="1200" baseline="0">
+                    <a:solidFill>
+                      <a:schemeClr val="tx1">
+                        <a:lumMod val="65000"/>
+                        <a:lumOff val="35000"/>
+                      </a:schemeClr>
+                    </a:solidFill>
+                    <a:latin typeface="+mn-lt"/>
+                    <a:ea typeface="+mn-ea"/>
+                    <a:cs typeface="+mn-cs"/>
+                  </a:defRPr>
+                </a:pPr>
+                <a:r>
+                  <a:rPr lang="ru-RU"/>
+                  <a:t>Ошибка</a:t>
+                </a:r>
+              </a:p>
+            </c:rich>
+          </c:tx>
+          <c:layout>
+            <c:manualLayout>
+              <c:xMode val="edge"/>
+              <c:yMode val="edge"/>
+              <c:x val="1.2902447746124344E-2"/>
+              <c:y val="0.43461930380874336"/>
+            </c:manualLayout>
+          </c:layout>
+          <c:overlay val="0"/>
+          <c:spPr>
+            <a:noFill/>
+            <a:ln>
+              <a:noFill/>
+            </a:ln>
+            <a:effectLst/>
+          </c:spPr>
+          <c:txPr>
+            <a:bodyPr rot="-5400000" spcFirstLastPara="1" vertOverflow="ellipsis" vert="horz" wrap="square" anchor="ctr" anchorCtr="1"/>
+            <a:lstStyle/>
+            <a:p>
+              <a:pPr>
+                <a:defRPr sz="1000" b="0" i="0" u="none" strike="noStrike" kern="1200" baseline="0">
+                  <a:solidFill>
+                    <a:schemeClr val="tx1">
+                      <a:lumMod val="65000"/>
+                      <a:lumOff val="35000"/>
+                    </a:schemeClr>
+                  </a:solidFill>
+                  <a:latin typeface="+mn-lt"/>
+                  <a:ea typeface="+mn-ea"/>
+                  <a:cs typeface="+mn-cs"/>
+                </a:defRPr>
+              </a:pPr>
+              <a:endParaRPr lang="ru-RU"/>
+            </a:p>
+          </c:txPr>
+        </c:title>
+        <c:numFmt formatCode="0.00E+00" sourceLinked="0"/>
+        <c:majorTickMark val="out"/>
+        <c:minorTickMark val="out"/>
+        <c:tickLblPos val="nextTo"/>
+        <c:spPr>
+          <a:noFill/>
+          <a:ln w="9525" cap="flat" cmpd="sng" algn="ctr">
+            <a:solidFill>
+              <a:schemeClr val="tx1">
+                <a:lumMod val="25000"/>
+                <a:lumOff val="75000"/>
+              </a:schemeClr>
+            </a:solidFill>
+            <a:round/>
+          </a:ln>
+          <a:effectLst/>
+        </c:spPr>
+        <c:txPr>
+          <a:bodyPr rot="-60000000" spcFirstLastPara="1" vertOverflow="ellipsis" vert="horz" wrap="square" anchor="ctr" anchorCtr="1"/>
+          <a:lstStyle/>
+          <a:p>
+            <a:pPr>
+              <a:defRPr sz="900" b="0" i="0" u="none" strike="noStrike" kern="1200" baseline="0">
+                <a:solidFill>
+                  <a:schemeClr val="tx1">
+                    <a:lumMod val="65000"/>
+                    <a:lumOff val="35000"/>
+                  </a:schemeClr>
+                </a:solidFill>
+                <a:latin typeface="+mn-lt"/>
+                <a:ea typeface="+mn-ea"/>
+                <a:cs typeface="+mn-cs"/>
+              </a:defRPr>
+            </a:pPr>
+            <a:endParaRPr lang="ru-RU"/>
+          </a:p>
+        </c:txPr>
+        <c:crossAx val="577425208"/>
+        <c:crosses val="autoZero"/>
+        <c:crossBetween val="midCat"/>
+      </c:valAx>
+      <c:spPr>
+        <a:noFill/>
+        <a:ln>
+          <a:noFill/>
+        </a:ln>
+        <a:effectLst/>
+      </c:spPr>
+    </c:plotArea>
+    <c:legend>
+      <c:legendPos val="r"/>
+      <c:layout>
+        <c:manualLayout>
+          <c:xMode val="edge"/>
+          <c:yMode val="edge"/>
+          <c:x val="0.22632178991873567"/>
+          <c:y val="0.62958136295730505"/>
+          <c:w val="8.5138233499975458E-2"/>
+          <c:h val="0.14443753018747121"/>
+        </c:manualLayout>
+      </c:layout>
+      <c:overlay val="0"/>
+      <c:spPr>
+        <a:noFill/>
+        <a:ln>
+          <a:noFill/>
+        </a:ln>
+        <a:effectLst/>
+      </c:spPr>
+      <c:txPr>
+        <a:bodyPr rot="0" spcFirstLastPara="1" vertOverflow="ellipsis" vert="horz" wrap="square" anchor="ctr" anchorCtr="1"/>
+        <a:lstStyle/>
+        <a:p>
+          <a:pPr>
+            <a:defRPr sz="900" b="0" i="0" u="none" strike="noStrike" kern="1200" baseline="0">
+              <a:solidFill>
+                <a:schemeClr val="tx1">
+                  <a:lumMod val="65000"/>
+                  <a:lumOff val="35000"/>
+                </a:schemeClr>
+              </a:solidFill>
+              <a:latin typeface="+mn-lt"/>
+              <a:ea typeface="+mn-ea"/>
+              <a:cs typeface="+mn-cs"/>
+            </a:defRPr>
+          </a:pPr>
+          <a:endParaRPr lang="ru-RU"/>
+        </a:p>
+      </c:txPr>
+    </c:legend>
+    <c:plotVisOnly val="1"/>
+    <c:dispBlanksAs val="gap"/>
+    <c:extLst>
+      <c:ext xmlns:c16r3="http://schemas.microsoft.com/office/drawing/2017/03/chart" uri="{56B9EC1D-385E-4148-901F-78D8002777C0}">
+        <c16r3:dataDisplayOptions16>
+          <c16r3:dispNaAsBlank val="1"/>
+        </c16r3:dataDisplayOptions16>
+      </c:ext>
+    </c:extLst>
+    <c:showDLblsOverMax val="0"/>
+  </c:chart>
+  <c:spPr>
+    <a:noFill/>
+    <a:ln>
+      <a:noFill/>
+    </a:ln>
+    <a:effectLst/>
+  </c:spPr>
+  <c:txPr>
+    <a:bodyPr/>
+    <a:lstStyle/>
+    <a:p>
+      <a:pPr>
+        <a:defRPr/>
+      </a:pPr>
+      <a:endParaRPr lang="ru-RU"/>
+    </a:p>
+  </c:txPr>
+  <c:externalData r:id="rId3">
+    <c:autoUpdate val="0"/>
+  </c:externalData>
+</c:chartSpace>
+</file>
+
+<file path=ppt/charts/chart2.xml><?xml version="1.0" encoding="utf-8"?>
+<c:chartSpace xmlns:c="http://schemas.openxmlformats.org/drawingml/2006/chart" xmlns:a="http://schemas.openxmlformats.org/drawingml/2006/main" xmlns:r="http://schemas.openxmlformats.org/officeDocument/2006/relationships" xmlns:c16r2="http://schemas.microsoft.com/office/drawing/2015/06/chart">
+  <c:date1904 val="0"/>
+  <c:lang val="ru-RU"/>
+  <c:roundedCorners val="0"/>
+  <mc:AlternateContent xmlns:mc="http://schemas.openxmlformats.org/markup-compatibility/2006">
+    <mc:Choice xmlns:c14="http://schemas.microsoft.com/office/drawing/2007/8/2/chart" Requires="c14">
+      <c14:style val="102"/>
+    </mc:Choice>
+    <mc:Fallback>
+      <c:style val="2"/>
+    </mc:Fallback>
+  </mc:AlternateContent>
+  <c:chart>
+    <c:autoTitleDeleted val="0"/>
+    <c:plotArea>
+      <c:layout>
+        <c:manualLayout>
+          <c:layoutTarget val="inner"/>
+          <c:xMode val="edge"/>
+          <c:yMode val="edge"/>
+          <c:x val="3.5264106031282536E-2"/>
+          <c:y val="9.6424513645743962E-2"/>
+          <c:w val="0.92444719093657601"/>
+          <c:h val="0.87978985663948706"/>
+        </c:manualLayout>
+      </c:layout>
+      <c:scatterChart>
+        <c:scatterStyle val="smoothMarker"/>
+        <c:varyColors val="0"/>
+        <c:ser>
+          <c:idx val="0"/>
+          <c:order val="0"/>
+          <c:tx>
+            <c:v>L_inf</c:v>
+          </c:tx>
+          <c:spPr>
+            <a:ln w="19050" cap="rnd">
+              <a:solidFill>
+                <a:schemeClr val="accent1"/>
+              </a:solidFill>
+              <a:round/>
+            </a:ln>
+            <a:effectLst/>
+          </c:spPr>
+          <c:marker>
+            <c:symbol val="circle"/>
+            <c:size val="5"/>
+            <c:spPr>
+              <a:solidFill>
+                <a:schemeClr val="accent1"/>
+              </a:solidFill>
+              <a:ln w="9525">
+                <a:solidFill>
+                  <a:schemeClr val="accent1"/>
+                </a:solidFill>
+              </a:ln>
+              <a:effectLst/>
+            </c:spPr>
+          </c:marker>
+          <c:xVal>
+            <c:numRef>
+              <c:f>Лист1!$AM$201:$AM$216</c:f>
+              <c:numCache>
+                <c:formatCode>General</c:formatCode>
+                <c:ptCount val="16"/>
+                <c:pt idx="0">
+                  <c:v>4.5371337460874302E-3</c:v>
+                </c:pt>
+                <c:pt idx="1">
+                  <c:v>3.7429515020397102E-3</c:v>
+                </c:pt>
+                <c:pt idx="2">
+                  <c:v>2.9494266625268201E-3</c:v>
+                </c:pt>
+                <c:pt idx="3">
+                  <c:v>2.2443159152172E-3</c:v>
+                </c:pt>
+                <c:pt idx="4">
+                  <c:v>1.45611669404697E-3</c:v>
+                </c:pt>
+                <c:pt idx="5">
+                  <c:v>7.3995548758683195E-4</c:v>
+                </c:pt>
+                <c:pt idx="6">
+                  <c:v>5.9215412224577005E-4</c:v>
+                </c:pt>
+                <c:pt idx="7">
+                  <c:v>4.3971840760824497E-4</c:v>
+                </c:pt>
+                <c:pt idx="8">
+                  <c:v>3.7374997196285801E-4</c:v>
+                </c:pt>
+                <c:pt idx="9">
+                  <c:v>2.9856510365332901E-4</c:v>
+                </c:pt>
+                <c:pt idx="10">
+                  <c:v>2.59337571786468E-4</c:v>
+                </c:pt>
+                <c:pt idx="11">
+                  <c:v>2.23692471596135E-4</c:v>
+                </c:pt>
+                <c:pt idx="12">
+                  <c:v>1.8527084450529501E-4</c:v>
+                </c:pt>
+                <c:pt idx="13">
+                  <c:v>1.4831424293613101E-4</c:v>
+                </c:pt>
+                <c:pt idx="14">
+                  <c:v>1.11619191723465E-4</c:v>
+                </c:pt>
+                <c:pt idx="15" formatCode="0.00E+00">
+                  <c:v>7.4443977717700399E-5</c:v>
+                </c:pt>
+              </c:numCache>
+            </c:numRef>
+          </c:xVal>
+          <c:yVal>
+            <c:numRef>
+              <c:f>Лист1!$AC$200:$AC$216</c:f>
+              <c:numCache>
+                <c:formatCode>0.000000</c:formatCode>
+                <c:ptCount val="17"/>
+                <c:pt idx="0">
+                  <c:v>9.7889702538017695E-2</c:v>
+                </c:pt>
+                <c:pt idx="1">
+                  <c:v>8.3860866138322498E-2</c:v>
+                </c:pt>
+                <c:pt idx="2">
+                  <c:v>5.9120654045952098E-2</c:v>
+                </c:pt>
+                <c:pt idx="3">
+                  <c:v>4.15081441316794E-2</c:v>
+                </c:pt>
+                <c:pt idx="4">
+                  <c:v>2.2847295973824101E-2</c:v>
+                </c:pt>
+                <c:pt idx="5">
+                  <c:v>6.5537413564400399E-3</c:v>
+                </c:pt>
+                <c:pt idx="6">
+                  <c:v>4.5320720544321704E-3</c:v>
+                </c:pt>
+                <c:pt idx="7">
+                  <c:v>2.3296481585333099E-3</c:v>
+                </c:pt>
+                <c:pt idx="8">
+                  <c:v>1.36028211115113E-3</c:v>
+                </c:pt>
+                <c:pt idx="9">
+                  <c:v>6.7474161001701495E-4</c:v>
+                </c:pt>
+                <c:pt idx="10">
+                  <c:v>6.3297144339247104E-4</c:v>
+                </c:pt>
+                <c:pt idx="11">
+                  <c:v>7.5021732646740602E-4</c:v>
+                </c:pt>
+                <c:pt idx="12">
+                  <c:v>5.7368936855917098E-4</c:v>
+                </c:pt>
+                <c:pt idx="13">
+                  <c:v>4.13802881154223E-4</c:v>
+                </c:pt>
+                <c:pt idx="14">
+                  <c:v>1.4774267089756501E-4</c:v>
+                </c:pt>
+                <c:pt idx="15">
+                  <c:v>7.0845147242093399E-5</c:v>
+                </c:pt>
+                <c:pt idx="16">
+                  <c:v>5.26258961222048E-5</c:v>
+                </c:pt>
+              </c:numCache>
+            </c:numRef>
+          </c:yVal>
+          <c:smooth val="1"/>
+          <c:extLst>
+            <c:ext xmlns:c16="http://schemas.microsoft.com/office/drawing/2014/chart" uri="{C3380CC4-5D6E-409C-BE32-E72D297353CC}">
+              <c16:uniqueId val="{00000000-D44C-43FA-AB11-2A4F61B4FBCF}"/>
+            </c:ext>
+          </c:extLst>
+        </c:ser>
+        <c:ser>
+          <c:idx val="1"/>
+          <c:order val="1"/>
+          <c:tx>
+            <c:v>L_1</c:v>
+          </c:tx>
+          <c:spPr>
+            <a:ln w="19050" cap="rnd">
+              <a:solidFill>
+                <a:schemeClr val="accent2"/>
+              </a:solidFill>
+              <a:round/>
+            </a:ln>
+            <a:effectLst/>
+          </c:spPr>
+          <c:marker>
+            <c:symbol val="circle"/>
+            <c:size val="5"/>
+            <c:spPr>
+              <a:solidFill>
+                <a:schemeClr val="accent2"/>
+              </a:solidFill>
+              <a:ln w="9525">
+                <a:solidFill>
+                  <a:schemeClr val="accent2"/>
+                </a:solidFill>
+              </a:ln>
+              <a:effectLst/>
+            </c:spPr>
+          </c:marker>
+          <c:xVal>
+            <c:numRef>
+              <c:f>Лист1!$AM$201:$AM$216</c:f>
+              <c:numCache>
+                <c:formatCode>General</c:formatCode>
+                <c:ptCount val="16"/>
+                <c:pt idx="0">
+                  <c:v>4.5371337460874302E-3</c:v>
+                </c:pt>
+                <c:pt idx="1">
+                  <c:v>3.7429515020397102E-3</c:v>
+                </c:pt>
+                <c:pt idx="2">
+                  <c:v>2.9494266625268201E-3</c:v>
+                </c:pt>
+                <c:pt idx="3">
+                  <c:v>2.2443159152172E-3</c:v>
+                </c:pt>
+                <c:pt idx="4">
+                  <c:v>1.45611669404697E-3</c:v>
+                </c:pt>
+                <c:pt idx="5">
+                  <c:v>7.3995548758683195E-4</c:v>
+                </c:pt>
+                <c:pt idx="6">
+                  <c:v>5.9215412224577005E-4</c:v>
+                </c:pt>
+                <c:pt idx="7">
+                  <c:v>4.3971840760824497E-4</c:v>
+                </c:pt>
+                <c:pt idx="8">
+                  <c:v>3.7374997196285801E-4</c:v>
+                </c:pt>
+                <c:pt idx="9">
+                  <c:v>2.9856510365332901E-4</c:v>
+                </c:pt>
+                <c:pt idx="10">
+                  <c:v>2.59337571786468E-4</c:v>
+                </c:pt>
+                <c:pt idx="11">
+                  <c:v>2.23692471596135E-4</c:v>
+                </c:pt>
+                <c:pt idx="12">
+                  <c:v>1.8527084450529501E-4</c:v>
+                </c:pt>
+                <c:pt idx="13">
+                  <c:v>1.4831424293613101E-4</c:v>
+                </c:pt>
+                <c:pt idx="14">
+                  <c:v>1.11619191723465E-4</c:v>
+                </c:pt>
+                <c:pt idx="15" formatCode="0.00E+00">
+                  <c:v>7.4443977717700399E-5</c:v>
+                </c:pt>
+              </c:numCache>
+            </c:numRef>
+          </c:xVal>
+          <c:yVal>
+            <c:numRef>
+              <c:f>Лист1!$AD$200:$AD$216</c:f>
+              <c:numCache>
+                <c:formatCode>0.000000</c:formatCode>
+                <c:ptCount val="17"/>
+                <c:pt idx="0">
+                  <c:v>1.4963742565984437E-2</c:v>
+                </c:pt>
+                <c:pt idx="1">
+                  <c:v>1.2229324102081968E-2</c:v>
+                </c:pt>
+                <c:pt idx="2">
+                  <c:v>9.6849200703178553E-3</c:v>
+                </c:pt>
+                <c:pt idx="3">
+                  <c:v>6.4289363353992506E-3</c:v>
+                </c:pt>
+                <c:pt idx="4">
+                  <c:v>3.2587940159201434E-3</c:v>
+                </c:pt>
+                <c:pt idx="5">
+                  <c:v>1.0423796566610452E-3</c:v>
+                </c:pt>
+                <c:pt idx="6">
+                  <c:v>6.3031772961717682E-4</c:v>
+                </c:pt>
+                <c:pt idx="7">
+                  <c:v>3.1962602725318733E-4</c:v>
+                </c:pt>
+                <c:pt idx="8">
+                  <c:v>1.823626930559379E-4</c:v>
+                </c:pt>
+                <c:pt idx="9">
+                  <c:v>1.1131657805089672E-4</c:v>
+                </c:pt>
+                <c:pt idx="10">
+                  <c:v>1.0829948030956382E-4</c:v>
+                </c:pt>
+                <c:pt idx="11">
+                  <c:v>1.1197633674619167E-4</c:v>
+                </c:pt>
+                <c:pt idx="12">
+                  <c:v>9.1829197113362692E-5</c:v>
+                </c:pt>
+                <c:pt idx="13">
+                  <c:v>6.2007083293574503E-5</c:v>
+                </c:pt>
+                <c:pt idx="14">
+                  <c:v>2.06593061176273E-5</c:v>
+                </c:pt>
+                <c:pt idx="15">
+                  <c:v>9.0203471208330506E-6</c:v>
+                </c:pt>
+                <c:pt idx="16">
+                  <c:v>6.2518184656315397E-6</c:v>
+                </c:pt>
+              </c:numCache>
+            </c:numRef>
+          </c:yVal>
+          <c:smooth val="1"/>
+          <c:extLst>
+            <c:ext xmlns:c16="http://schemas.microsoft.com/office/drawing/2014/chart" uri="{C3380CC4-5D6E-409C-BE32-E72D297353CC}">
+              <c16:uniqueId val="{00000001-D44C-43FA-AB11-2A4F61B4FBCF}"/>
+            </c:ext>
+          </c:extLst>
+        </c:ser>
+        <c:ser>
+          <c:idx val="2"/>
+          <c:order val="2"/>
+          <c:tx>
+            <c:v>L_2</c:v>
+          </c:tx>
+          <c:spPr>
+            <a:ln w="19050" cap="rnd">
+              <a:solidFill>
+                <a:schemeClr val="accent3"/>
+              </a:solidFill>
+              <a:round/>
+            </a:ln>
+            <a:effectLst/>
+          </c:spPr>
+          <c:marker>
+            <c:symbol val="circle"/>
+            <c:size val="5"/>
+            <c:spPr>
+              <a:solidFill>
+                <a:schemeClr val="accent3"/>
+              </a:solidFill>
+              <a:ln w="9525">
+                <a:solidFill>
+                  <a:schemeClr val="accent3"/>
+                </a:solidFill>
+              </a:ln>
+              <a:effectLst/>
+            </c:spPr>
+          </c:marker>
+          <c:xVal>
+            <c:numRef>
+              <c:f>Лист1!$AM$201:$AM$216</c:f>
+              <c:numCache>
+                <c:formatCode>General</c:formatCode>
+                <c:ptCount val="16"/>
+                <c:pt idx="0">
+                  <c:v>4.5371337460874302E-3</c:v>
+                </c:pt>
+                <c:pt idx="1">
+                  <c:v>3.7429515020397102E-3</c:v>
+                </c:pt>
+                <c:pt idx="2">
+                  <c:v>2.9494266625268201E-3</c:v>
+                </c:pt>
+                <c:pt idx="3">
+                  <c:v>2.2443159152172E-3</c:v>
+                </c:pt>
+                <c:pt idx="4">
+                  <c:v>1.45611669404697E-3</c:v>
+                </c:pt>
+                <c:pt idx="5">
+                  <c:v>7.3995548758683195E-4</c:v>
+                </c:pt>
+                <c:pt idx="6">
+                  <c:v>5.9215412224577005E-4</c:v>
+                </c:pt>
+                <c:pt idx="7">
+                  <c:v>4.3971840760824497E-4</c:v>
+                </c:pt>
+                <c:pt idx="8">
+                  <c:v>3.7374997196285801E-4</c:v>
+                </c:pt>
+                <c:pt idx="9">
+                  <c:v>2.9856510365332901E-4</c:v>
+                </c:pt>
+                <c:pt idx="10">
+                  <c:v>2.59337571786468E-4</c:v>
+                </c:pt>
+                <c:pt idx="11">
+                  <c:v>2.23692471596135E-4</c:v>
+                </c:pt>
+                <c:pt idx="12">
+                  <c:v>1.8527084450529501E-4</c:v>
+                </c:pt>
+                <c:pt idx="13">
+                  <c:v>1.4831424293613101E-4</c:v>
+                </c:pt>
+                <c:pt idx="14">
+                  <c:v>1.11619191723465E-4</c:v>
+                </c:pt>
+                <c:pt idx="15" formatCode="0.00E+00">
+                  <c:v>7.4443977717700399E-5</c:v>
+                </c:pt>
+              </c:numCache>
+            </c:numRef>
+          </c:xVal>
+          <c:yVal>
+            <c:numRef>
+              <c:f>Лист1!$AE$200:$AE$216</c:f>
+              <c:numCache>
+                <c:formatCode>0.000E+00</c:formatCode>
+                <c:ptCount val="17"/>
+                <c:pt idx="0">
+                  <c:v>1.51246744498338E-3</c:v>
+                </c:pt>
+                <c:pt idx="1">
+                  <c:v>1.1375566054886599E-3</c:v>
+                </c:pt>
+                <c:pt idx="2">
+                  <c:v>7.8046387444106395E-4</c:v>
+                </c:pt>
+                <c:pt idx="3">
+                  <c:v>4.6972535971139798E-4</c:v>
+                </c:pt>
+                <c:pt idx="4">
+                  <c:v>1.9355438150533399E-4</c:v>
+                </c:pt>
+                <c:pt idx="5">
+                  <c:v>4.27089011876491E-5</c:v>
+                </c:pt>
+                <c:pt idx="6">
+                  <c:v>2.3811363189860202E-5</c:v>
+                </c:pt>
+                <c:pt idx="7">
+                  <c:v>9.7567608070918304E-6</c:v>
+                </c:pt>
+                <c:pt idx="8">
+                  <c:v>5.0145577733959797E-6</c:v>
+                </c:pt>
+                <c:pt idx="9">
+                  <c:v>2.6251842312635102E-6</c:v>
+                </c:pt>
+                <c:pt idx="10">
+                  <c:v>2.3826819098564998E-6</c:v>
+                </c:pt>
+                <c:pt idx="11">
+                  <c:v>2.4281998614665802E-6</c:v>
+                </c:pt>
+                <c:pt idx="12">
+                  <c:v>1.838546229016E-6</c:v>
+                </c:pt>
+                <c:pt idx="13">
+                  <c:v>1.1306842136565499E-6</c:v>
+                </c:pt>
+                <c:pt idx="14">
+                  <c:v>3.1191445392064699E-7</c:v>
+                </c:pt>
+                <c:pt idx="15">
+                  <c:v>1.1469110714523301E-7</c:v>
+                </c:pt>
+                <c:pt idx="16">
+                  <c:v>6.8896746181446094E-8</c:v>
+                </c:pt>
+              </c:numCache>
+            </c:numRef>
+          </c:yVal>
+          <c:smooth val="1"/>
+          <c:extLst>
+            <c:ext xmlns:c16="http://schemas.microsoft.com/office/drawing/2014/chart" uri="{C3380CC4-5D6E-409C-BE32-E72D297353CC}">
+              <c16:uniqueId val="{00000002-D44C-43FA-AB11-2A4F61B4FBCF}"/>
+            </c:ext>
+          </c:extLst>
+        </c:ser>
+        <c:dLbls>
+          <c:showLegendKey val="0"/>
+          <c:showVal val="0"/>
+          <c:showCatName val="0"/>
+          <c:showSerName val="0"/>
+          <c:showPercent val="0"/>
+          <c:showBubbleSize val="0"/>
+        </c:dLbls>
+        <c:axId val="708370064"/>
+        <c:axId val="708375968"/>
+      </c:scatterChart>
+      <c:valAx>
+        <c:axId val="708370064"/>
+        <c:scaling>
+          <c:logBase val="10"/>
+          <c:orientation val="maxMin"/>
+          <c:max val="1.0000000000000002E-2"/>
+          <c:min val="5.0000000000000023E-5"/>
+        </c:scaling>
+        <c:delete val="0"/>
+        <c:axPos val="b"/>
+        <c:majorGridlines>
+          <c:spPr>
+            <a:ln w="9525" cap="flat" cmpd="sng" algn="ctr">
+              <a:solidFill>
+                <a:schemeClr val="tx1">
+                  <a:lumMod val="15000"/>
+                  <a:lumOff val="85000"/>
+                </a:schemeClr>
+              </a:solidFill>
+              <a:round/>
+            </a:ln>
+            <a:effectLst/>
+          </c:spPr>
+        </c:majorGridlines>
+        <c:title>
+          <c:tx>
+            <c:rich>
+              <a:bodyPr rot="0" spcFirstLastPara="1" vertOverflow="ellipsis" vert="horz" wrap="square" anchor="ctr" anchorCtr="1"/>
+              <a:lstStyle/>
+              <a:p>
+                <a:pPr>
+                  <a:defRPr sz="1000" b="0" i="0" u="none" strike="noStrike" kern="1200" baseline="0">
+                    <a:solidFill>
+                      <a:schemeClr val="tx1">
+                        <a:lumMod val="65000"/>
+                        <a:lumOff val="35000"/>
+                      </a:schemeClr>
+                    </a:solidFill>
+                    <a:latin typeface="+mn-lt"/>
+                    <a:ea typeface="+mn-ea"/>
+                    <a:cs typeface="+mn-cs"/>
+                  </a:defRPr>
+                </a:pPr>
+                <a:r>
+                  <a:rPr lang="ru-RU"/>
+                  <a:t>Шаг,</a:t>
+                </a:r>
+                <a:r>
+                  <a:rPr lang="ru-RU" baseline="0"/>
+                  <a:t> </a:t>
+                </a:r>
+                <a:r>
+                  <a:rPr lang="en-US" baseline="0"/>
+                  <a:t>h*2</a:t>
+                </a:r>
+              </a:p>
+            </c:rich>
+          </c:tx>
+          <c:layout>
+            <c:manualLayout>
+              <c:xMode val="edge"/>
+              <c:yMode val="edge"/>
+              <c:x val="0.49002106382271843"/>
+              <c:y val="3.0032182972281933E-2"/>
+            </c:manualLayout>
+          </c:layout>
+          <c:overlay val="0"/>
+          <c:spPr>
+            <a:noFill/>
+            <a:ln>
+              <a:noFill/>
+            </a:ln>
+            <a:effectLst/>
+          </c:spPr>
+          <c:txPr>
+            <a:bodyPr rot="0" spcFirstLastPara="1" vertOverflow="ellipsis" vert="horz" wrap="square" anchor="ctr" anchorCtr="1"/>
+            <a:lstStyle/>
+            <a:p>
+              <a:pPr>
+                <a:defRPr sz="1000" b="0" i="0" u="none" strike="noStrike" kern="1200" baseline="0">
+                  <a:solidFill>
+                    <a:schemeClr val="tx1">
+                      <a:lumMod val="65000"/>
+                      <a:lumOff val="35000"/>
+                    </a:schemeClr>
+                  </a:solidFill>
+                  <a:latin typeface="+mn-lt"/>
+                  <a:ea typeface="+mn-ea"/>
+                  <a:cs typeface="+mn-cs"/>
+                </a:defRPr>
+              </a:pPr>
+              <a:endParaRPr lang="ru-RU"/>
+            </a:p>
+          </c:txPr>
+        </c:title>
+        <c:numFmt formatCode="0.00E+00" sourceLinked="0"/>
+        <c:majorTickMark val="none"/>
+        <c:minorTickMark val="none"/>
+        <c:tickLblPos val="nextTo"/>
+        <c:spPr>
+          <a:noFill/>
+          <a:ln w="9525" cap="flat" cmpd="sng" algn="ctr">
+            <a:solidFill>
+              <a:schemeClr val="tx1">
+                <a:lumMod val="25000"/>
+                <a:lumOff val="75000"/>
+              </a:schemeClr>
+            </a:solidFill>
+            <a:round/>
+          </a:ln>
+          <a:effectLst/>
+        </c:spPr>
+        <c:txPr>
+          <a:bodyPr rot="-60000000" spcFirstLastPara="1" vertOverflow="ellipsis" vert="horz" wrap="square" anchor="ctr" anchorCtr="1"/>
+          <a:lstStyle/>
+          <a:p>
+            <a:pPr>
+              <a:defRPr sz="900" b="0" i="0" u="none" strike="noStrike" kern="1200" baseline="0">
+                <a:solidFill>
+                  <a:schemeClr val="tx1">
+                    <a:lumMod val="65000"/>
+                    <a:lumOff val="35000"/>
+                  </a:schemeClr>
+                </a:solidFill>
+                <a:latin typeface="+mn-lt"/>
+                <a:ea typeface="+mn-ea"/>
+                <a:cs typeface="+mn-cs"/>
+              </a:defRPr>
+            </a:pPr>
+            <a:endParaRPr lang="ru-RU"/>
+          </a:p>
+        </c:txPr>
+        <c:crossAx val="708375968"/>
+        <c:crosses val="autoZero"/>
+        <c:crossBetween val="midCat"/>
+      </c:valAx>
+      <c:valAx>
+        <c:axId val="708375968"/>
+        <c:scaling>
+          <c:logBase val="10"/>
+          <c:orientation val="minMax"/>
+        </c:scaling>
+        <c:delete val="0"/>
+        <c:axPos val="r"/>
+        <c:majorGridlines>
+          <c:spPr>
+            <a:ln w="9525" cap="flat" cmpd="sng" algn="ctr">
+              <a:solidFill>
+                <a:schemeClr val="tx1">
+                  <a:lumMod val="15000"/>
+                  <a:lumOff val="85000"/>
+                </a:schemeClr>
+              </a:solidFill>
+              <a:round/>
+            </a:ln>
+            <a:effectLst/>
+          </c:spPr>
+        </c:majorGridlines>
+        <c:title>
+          <c:tx>
+            <c:rich>
+              <a:bodyPr rot="-5400000" spcFirstLastPara="1" vertOverflow="ellipsis" vert="horz" wrap="square" anchor="ctr" anchorCtr="1"/>
+              <a:lstStyle/>
+              <a:p>
+                <a:pPr>
+                  <a:defRPr sz="1000" b="0" i="0" u="none" strike="noStrike" kern="1200" baseline="0">
+                    <a:solidFill>
+                      <a:schemeClr val="tx1">
+                        <a:lumMod val="65000"/>
+                        <a:lumOff val="35000"/>
+                      </a:schemeClr>
+                    </a:solidFill>
+                    <a:latin typeface="+mn-lt"/>
+                    <a:ea typeface="+mn-ea"/>
+                    <a:cs typeface="+mn-cs"/>
+                  </a:defRPr>
+                </a:pPr>
+                <a:r>
+                  <a:rPr lang="ru-RU"/>
+                  <a:t>Ошибка</a:t>
+                </a:r>
+              </a:p>
+            </c:rich>
+          </c:tx>
+          <c:layout>
+            <c:manualLayout>
+              <c:xMode val="edge"/>
+              <c:yMode val="edge"/>
+              <c:x val="1.2991527957739529E-2"/>
+              <c:y val="0.43332782109829165"/>
+            </c:manualLayout>
+          </c:layout>
+          <c:overlay val="0"/>
+          <c:spPr>
+            <a:noFill/>
+            <a:ln>
+              <a:noFill/>
+            </a:ln>
+            <a:effectLst/>
+          </c:spPr>
+          <c:txPr>
+            <a:bodyPr rot="-5400000" spcFirstLastPara="1" vertOverflow="ellipsis" vert="horz" wrap="square" anchor="ctr" anchorCtr="1"/>
+            <a:lstStyle/>
+            <a:p>
+              <a:pPr>
+                <a:defRPr sz="1000" b="0" i="0" u="none" strike="noStrike" kern="1200" baseline="0">
+                  <a:solidFill>
+                    <a:schemeClr val="tx1">
+                      <a:lumMod val="65000"/>
+                      <a:lumOff val="35000"/>
+                    </a:schemeClr>
+                  </a:solidFill>
+                  <a:latin typeface="+mn-lt"/>
+                  <a:ea typeface="+mn-ea"/>
+                  <a:cs typeface="+mn-cs"/>
+                </a:defRPr>
+              </a:pPr>
+              <a:endParaRPr lang="ru-RU"/>
+            </a:p>
+          </c:txPr>
+        </c:title>
+        <c:numFmt formatCode="0.0E+00" sourceLinked="0"/>
+        <c:majorTickMark val="none"/>
+        <c:minorTickMark val="none"/>
+        <c:tickLblPos val="nextTo"/>
+        <c:spPr>
+          <a:noFill/>
+          <a:ln w="9525" cap="flat" cmpd="sng" algn="ctr">
+            <a:solidFill>
+              <a:schemeClr val="tx1">
+                <a:lumMod val="25000"/>
+                <a:lumOff val="75000"/>
+              </a:schemeClr>
+            </a:solidFill>
+            <a:round/>
+          </a:ln>
+          <a:effectLst/>
+        </c:spPr>
+        <c:txPr>
+          <a:bodyPr rot="-60000000" spcFirstLastPara="1" vertOverflow="ellipsis" vert="horz" wrap="square" anchor="ctr" anchorCtr="1"/>
+          <a:lstStyle/>
+          <a:p>
+            <a:pPr>
+              <a:defRPr sz="900" b="0" i="0" u="none" strike="noStrike" kern="1200" baseline="0">
+                <a:solidFill>
+                  <a:schemeClr val="tx1">
+                    <a:lumMod val="65000"/>
+                    <a:lumOff val="35000"/>
+                  </a:schemeClr>
+                </a:solidFill>
+                <a:latin typeface="+mn-lt"/>
+                <a:ea typeface="+mn-ea"/>
+                <a:cs typeface="+mn-cs"/>
+              </a:defRPr>
+            </a:pPr>
+            <a:endParaRPr lang="ru-RU"/>
+          </a:p>
+        </c:txPr>
+        <c:crossAx val="708370064"/>
+        <c:crosses val="autoZero"/>
+        <c:crossBetween val="midCat"/>
+      </c:valAx>
+      <c:spPr>
+        <a:noFill/>
+        <a:ln>
+          <a:noFill/>
+        </a:ln>
+        <a:effectLst/>
+      </c:spPr>
+    </c:plotArea>
+    <c:plotVisOnly val="1"/>
+    <c:dispBlanksAs val="gap"/>
+    <c:extLst>
+      <c:ext xmlns:c16r3="http://schemas.microsoft.com/office/drawing/2017/03/chart" uri="{56B9EC1D-385E-4148-901F-78D8002777C0}">
+        <c16r3:dataDisplayOptions16>
+          <c16r3:dispNaAsBlank val="1"/>
+        </c16r3:dataDisplayOptions16>
+      </c:ext>
+    </c:extLst>
+    <c:showDLblsOverMax val="0"/>
+  </c:chart>
+  <c:spPr>
+    <a:noFill/>
+    <a:ln>
+      <a:noFill/>
+    </a:ln>
+    <a:effectLst/>
+  </c:spPr>
+  <c:txPr>
+    <a:bodyPr/>
+    <a:lstStyle/>
+    <a:p>
+      <a:pPr>
+        <a:defRPr/>
+      </a:pPr>
+      <a:endParaRPr lang="ru-RU"/>
+    </a:p>
+  </c:txPr>
+  <c:externalData r:id="rId3">
+    <c:autoUpdate val="0"/>
+  </c:externalData>
+</c:chartSpace>
+</file>
+
+<file path=ppt/charts/chart3.xml><?xml version="1.0" encoding="utf-8"?>
+<c:chartSpace xmlns:c="http://schemas.openxmlformats.org/drawingml/2006/chart" xmlns:a="http://schemas.openxmlformats.org/drawingml/2006/main" xmlns:r="http://schemas.openxmlformats.org/officeDocument/2006/relationships" xmlns:c16r2="http://schemas.microsoft.com/office/drawing/2015/06/chart">
+  <c:date1904 val="0"/>
+  <c:lang val="ru-RU"/>
+  <c:roundedCorners val="0"/>
+  <mc:AlternateContent xmlns:mc="http://schemas.openxmlformats.org/markup-compatibility/2006">
+    <mc:Choice xmlns:c14="http://schemas.microsoft.com/office/drawing/2007/8/2/chart" Requires="c14">
+      <c14:style val="102"/>
+    </mc:Choice>
+    <mc:Fallback>
+      <c:style val="2"/>
+    </mc:Fallback>
+  </mc:AlternateContent>
+  <c:chart>
+    <c:autoTitleDeleted val="0"/>
+    <c:plotArea>
+      <c:layout>
+        <c:manualLayout>
+          <c:layoutTarget val="inner"/>
+          <c:xMode val="edge"/>
+          <c:yMode val="edge"/>
+          <c:x val="4.0475105349142129E-2"/>
+          <c:y val="4.5569767579957482E-2"/>
+          <c:w val="0.88783249021246646"/>
+          <c:h val="0.91102514506769827"/>
+        </c:manualLayout>
+      </c:layout>
+      <c:scatterChart>
+        <c:scatterStyle val="smoothMarker"/>
+        <c:varyColors val="0"/>
+        <c:ser>
+          <c:idx val="0"/>
+          <c:order val="0"/>
+          <c:tx>
+            <c:v>L_inf</c:v>
+          </c:tx>
+          <c:spPr>
+            <a:ln w="19050" cap="rnd">
+              <a:solidFill>
+                <a:schemeClr val="accent1"/>
+              </a:solidFill>
+              <a:round/>
+            </a:ln>
+            <a:effectLst/>
+          </c:spPr>
+          <c:marker>
+            <c:symbol val="circle"/>
+            <c:size val="5"/>
+            <c:spPr>
+              <a:solidFill>
+                <a:schemeClr val="accent1"/>
+              </a:solidFill>
+              <a:ln w="9525">
+                <a:solidFill>
+                  <a:schemeClr val="accent1"/>
+                </a:solidFill>
+              </a:ln>
+              <a:effectLst/>
+            </c:spPr>
+          </c:marker>
+          <c:xVal>
+            <c:numRef>
+              <c:f>Лист1!$M$143:$M$155</c:f>
+              <c:numCache>
+                <c:formatCode>General</c:formatCode>
+                <c:ptCount val="13"/>
+                <c:pt idx="0">
+                  <c:v>5.9215412224577005E-4</c:v>
+                </c:pt>
+                <c:pt idx="1">
+                  <c:v>4.3971840760824497E-4</c:v>
+                </c:pt>
+                <c:pt idx="2">
+                  <c:v>3.7374997196285801E-4</c:v>
+                </c:pt>
+                <c:pt idx="3">
+                  <c:v>2.9856510365332901E-4</c:v>
+                </c:pt>
+                <c:pt idx="4">
+                  <c:v>2.59337571786468E-4</c:v>
+                </c:pt>
+                <c:pt idx="5">
+                  <c:v>2.23692471596135E-4</c:v>
+                </c:pt>
+                <c:pt idx="6">
+                  <c:v>1.8527084450529501E-4</c:v>
+                </c:pt>
+                <c:pt idx="7">
+                  <c:v>1.4831424293613101E-4</c:v>
+                </c:pt>
+                <c:pt idx="8">
+                  <c:v>1.11619191723465E-4</c:v>
+                </c:pt>
+                <c:pt idx="9" formatCode="0.00E+00">
+                  <c:v>7.4443977717700399E-5</c:v>
+                </c:pt>
+                <c:pt idx="10" formatCode="0.00E+00">
+                  <c:v>5.9338654044515602E-5</c:v>
+                </c:pt>
+                <c:pt idx="11" formatCode="0.00E+00">
+                  <c:v>5.2105073705123903E-5</c:v>
+                </c:pt>
+                <c:pt idx="12" formatCode="0.00E+00">
+                  <c:v>4.4494558633576102E-5</c:v>
+                </c:pt>
+              </c:numCache>
+            </c:numRef>
+          </c:xVal>
+          <c:yVal>
+            <c:numRef>
+              <c:f>Лист1!$R$143:$R$155</c:f>
+              <c:numCache>
+                <c:formatCode>General</c:formatCode>
+                <c:ptCount val="13"/>
+                <c:pt idx="0">
+                  <c:v>0.529562066961759</c:v>
+                </c:pt>
+                <c:pt idx="1">
+                  <c:v>0.45319292090840602</c:v>
+                </c:pt>
+                <c:pt idx="2">
+                  <c:v>0.38816431639962401</c:v>
+                </c:pt>
+                <c:pt idx="3">
+                  <c:v>0.32036040858088199</c:v>
+                </c:pt>
+                <c:pt idx="4">
+                  <c:v>0.27941717136778199</c:v>
+                </c:pt>
+                <c:pt idx="5">
+                  <c:v>0.23676826417936001</c:v>
+                </c:pt>
+                <c:pt idx="6">
+                  <c:v>0.178366890521687</c:v>
+                </c:pt>
+                <c:pt idx="7">
+                  <c:v>0.141398388540281</c:v>
+                </c:pt>
+                <c:pt idx="8">
+                  <c:v>7.9532821642288795E-2</c:v>
+                </c:pt>
+                <c:pt idx="9">
+                  <c:v>4.4896634778247402E-2</c:v>
+                </c:pt>
+                <c:pt idx="10">
+                  <c:v>2.95394302455265E-2</c:v>
+                </c:pt>
+                <c:pt idx="11">
+                  <c:v>2.4511570966154701E-2</c:v>
+                </c:pt>
+                <c:pt idx="12">
+                  <c:v>1.9007996864900099E-2</c:v>
+                </c:pt>
+              </c:numCache>
+            </c:numRef>
+          </c:yVal>
+          <c:smooth val="1"/>
+          <c:extLst>
+            <c:ext xmlns:c16="http://schemas.microsoft.com/office/drawing/2014/chart" uri="{C3380CC4-5D6E-409C-BE32-E72D297353CC}">
+              <c16:uniqueId val="{00000000-5020-4216-B19B-6CDC11F68841}"/>
+            </c:ext>
+          </c:extLst>
+        </c:ser>
+        <c:ser>
+          <c:idx val="1"/>
+          <c:order val="1"/>
+          <c:tx>
+            <c:v>L_1</c:v>
+          </c:tx>
+          <c:spPr>
+            <a:ln w="19050" cap="rnd">
+              <a:solidFill>
+                <a:schemeClr val="accent2"/>
+              </a:solidFill>
+              <a:round/>
+            </a:ln>
+            <a:effectLst/>
+          </c:spPr>
+          <c:marker>
+            <c:symbol val="circle"/>
+            <c:size val="5"/>
+            <c:spPr>
+              <a:solidFill>
+                <a:schemeClr val="accent2"/>
+              </a:solidFill>
+              <a:ln w="9525">
+                <a:solidFill>
+                  <a:schemeClr val="accent2"/>
+                </a:solidFill>
+              </a:ln>
+              <a:effectLst/>
+            </c:spPr>
+          </c:marker>
+          <c:xVal>
+            <c:numRef>
+              <c:f>Лист1!$M$143:$M$155</c:f>
+              <c:numCache>
+                <c:formatCode>General</c:formatCode>
+                <c:ptCount val="13"/>
+                <c:pt idx="0">
+                  <c:v>5.9215412224577005E-4</c:v>
+                </c:pt>
+                <c:pt idx="1">
+                  <c:v>4.3971840760824497E-4</c:v>
+                </c:pt>
+                <c:pt idx="2">
+                  <c:v>3.7374997196285801E-4</c:v>
+                </c:pt>
+                <c:pt idx="3">
+                  <c:v>2.9856510365332901E-4</c:v>
+                </c:pt>
+                <c:pt idx="4">
+                  <c:v>2.59337571786468E-4</c:v>
+                </c:pt>
+                <c:pt idx="5">
+                  <c:v>2.23692471596135E-4</c:v>
+                </c:pt>
+                <c:pt idx="6">
+                  <c:v>1.8527084450529501E-4</c:v>
+                </c:pt>
+                <c:pt idx="7">
+                  <c:v>1.4831424293613101E-4</c:v>
+                </c:pt>
+                <c:pt idx="8">
+                  <c:v>1.11619191723465E-4</c:v>
+                </c:pt>
+                <c:pt idx="9" formatCode="0.00E+00">
+                  <c:v>7.4443977717700399E-5</c:v>
+                </c:pt>
+                <c:pt idx="10" formatCode="0.00E+00">
+                  <c:v>5.9338654044515602E-5</c:v>
+                </c:pt>
+                <c:pt idx="11" formatCode="0.00E+00">
+                  <c:v>5.2105073705123903E-5</c:v>
+                </c:pt>
+                <c:pt idx="12" formatCode="0.00E+00">
+                  <c:v>4.4494558633576102E-5</c:v>
+                </c:pt>
+              </c:numCache>
+            </c:numRef>
+          </c:xVal>
+          <c:yVal>
+            <c:numRef>
+              <c:f>Лист1!$S$143:$S$155</c:f>
+              <c:numCache>
+                <c:formatCode>0.000000</c:formatCode>
+                <c:ptCount val="13"/>
+                <c:pt idx="0">
+                  <c:v>2.62602053353029E-3</c:v>
+                </c:pt>
+                <c:pt idx="1">
+                  <c:v>2.0878274647993102E-3</c:v>
+                </c:pt>
+                <c:pt idx="2">
+                  <c:v>1.69315287188346E-3</c:v>
+                </c:pt>
+                <c:pt idx="3">
+                  <c:v>1.2974175603425501E-3</c:v>
+                </c:pt>
+                <c:pt idx="4">
+                  <c:v>1.0263508978993799E-3</c:v>
+                </c:pt>
+                <c:pt idx="5">
+                  <c:v>8.8034057179422695E-4</c:v>
+                </c:pt>
+                <c:pt idx="6">
+                  <c:v>7.5246618628657701E-4</c:v>
+                </c:pt>
+                <c:pt idx="7">
+                  <c:v>5.1563400554356295E-4</c:v>
+                </c:pt>
+                <c:pt idx="8">
+                  <c:v>2.39424197790847E-4</c:v>
+                </c:pt>
+                <c:pt idx="9">
+                  <c:v>1.28452634795095E-4</c:v>
+                </c:pt>
+                <c:pt idx="10" formatCode="0.00E+00">
+                  <c:v>8.7925879898850297E-5</c:v>
+                </c:pt>
+                <c:pt idx="11" formatCode="0.00E+00">
+                  <c:v>6.6517849089256303E-5</c:v>
+                </c:pt>
+                <c:pt idx="12" formatCode="0.00E+00">
+                  <c:v>4.9546838256868198E-5</c:v>
+                </c:pt>
+              </c:numCache>
+            </c:numRef>
+          </c:yVal>
+          <c:smooth val="1"/>
+          <c:extLst>
+            <c:ext xmlns:c16="http://schemas.microsoft.com/office/drawing/2014/chart" uri="{C3380CC4-5D6E-409C-BE32-E72D297353CC}">
+              <c16:uniqueId val="{00000001-5020-4216-B19B-6CDC11F68841}"/>
+            </c:ext>
+          </c:extLst>
+        </c:ser>
+        <c:ser>
+          <c:idx val="2"/>
+          <c:order val="2"/>
+          <c:tx>
+            <c:v>L_2</c:v>
+          </c:tx>
+          <c:spPr>
+            <a:ln w="19050" cap="rnd">
+              <a:solidFill>
+                <a:schemeClr val="accent3"/>
+              </a:solidFill>
+              <a:round/>
+            </a:ln>
+            <a:effectLst/>
+          </c:spPr>
+          <c:marker>
+            <c:symbol val="circle"/>
+            <c:size val="5"/>
+            <c:spPr>
+              <a:solidFill>
+                <a:schemeClr val="accent3"/>
+              </a:solidFill>
+              <a:ln w="9525">
+                <a:solidFill>
+                  <a:schemeClr val="accent3"/>
+                </a:solidFill>
+              </a:ln>
+              <a:effectLst/>
+            </c:spPr>
+          </c:marker>
+          <c:xVal>
+            <c:numRef>
+              <c:f>Лист1!$M$143:$M$155</c:f>
+              <c:numCache>
+                <c:formatCode>General</c:formatCode>
+                <c:ptCount val="13"/>
+                <c:pt idx="0">
+                  <c:v>5.9215412224577005E-4</c:v>
+                </c:pt>
+                <c:pt idx="1">
+                  <c:v>4.3971840760824497E-4</c:v>
+                </c:pt>
+                <c:pt idx="2">
+                  <c:v>3.7374997196285801E-4</c:v>
+                </c:pt>
+                <c:pt idx="3">
+                  <c:v>2.9856510365332901E-4</c:v>
+                </c:pt>
+                <c:pt idx="4">
+                  <c:v>2.59337571786468E-4</c:v>
+                </c:pt>
+                <c:pt idx="5">
+                  <c:v>2.23692471596135E-4</c:v>
+                </c:pt>
+                <c:pt idx="6">
+                  <c:v>1.8527084450529501E-4</c:v>
+                </c:pt>
+                <c:pt idx="7">
+                  <c:v>1.4831424293613101E-4</c:v>
+                </c:pt>
+                <c:pt idx="8">
+                  <c:v>1.11619191723465E-4</c:v>
+                </c:pt>
+                <c:pt idx="9" formatCode="0.00E+00">
+                  <c:v>7.4443977717700399E-5</c:v>
+                </c:pt>
+                <c:pt idx="10" formatCode="0.00E+00">
+                  <c:v>5.9338654044515602E-5</c:v>
+                </c:pt>
+                <c:pt idx="11" formatCode="0.00E+00">
+                  <c:v>5.2105073705123903E-5</c:v>
+                </c:pt>
+                <c:pt idx="12" formatCode="0.00E+00">
+                  <c:v>4.4494558633576102E-5</c:v>
+                </c:pt>
+              </c:numCache>
+            </c:numRef>
+          </c:xVal>
+          <c:yVal>
+            <c:numRef>
+              <c:f>Лист1!$T$143:$T$155</c:f>
+              <c:numCache>
+                <c:formatCode>0.000000</c:formatCode>
+                <c:ptCount val="13"/>
+                <c:pt idx="0">
+                  <c:v>4.4303203167898902E-4</c:v>
+                </c:pt>
+                <c:pt idx="1">
+                  <c:v>3.1759080796412201E-4</c:v>
+                </c:pt>
+                <c:pt idx="2">
+                  <c:v>2.55373350194328E-4</c:v>
+                </c:pt>
+                <c:pt idx="3">
+                  <c:v>1.6929240416092099E-4</c:v>
+                </c:pt>
+                <c:pt idx="4">
+                  <c:v>1.3412420891825599E-4</c:v>
+                </c:pt>
+                <c:pt idx="5">
+                  <c:v>1.08595451093036E-4</c:v>
+                </c:pt>
+                <c:pt idx="6" formatCode="0.00E+00">
+                  <c:v>8.5061857747731597E-5</c:v>
+                </c:pt>
+                <c:pt idx="7" formatCode="0.00E+00">
+                  <c:v>5.4826198158407001E-5</c:v>
+                </c:pt>
+                <c:pt idx="8" formatCode="0.00E+00">
+                  <c:v>2.3417734458865399E-5</c:v>
+                </c:pt>
+                <c:pt idx="9" formatCode="0.00E+00">
+                  <c:v>1.1022110780386401E-5</c:v>
+                </c:pt>
+                <c:pt idx="10" formatCode="0.00E+00">
+                  <c:v>6.56694716957006E-6</c:v>
+                </c:pt>
+                <c:pt idx="11" formatCode="0.00E+00">
+                  <c:v>4.7985640033532899E-6</c:v>
+                </c:pt>
+                <c:pt idx="12" formatCode="0.00E+00">
+                  <c:v>3.2057865922361201E-6</c:v>
+                </c:pt>
+              </c:numCache>
+            </c:numRef>
+          </c:yVal>
+          <c:smooth val="1"/>
+          <c:extLst>
+            <c:ext xmlns:c16="http://schemas.microsoft.com/office/drawing/2014/chart" uri="{C3380CC4-5D6E-409C-BE32-E72D297353CC}">
+              <c16:uniqueId val="{00000002-5020-4216-B19B-6CDC11F68841}"/>
+            </c:ext>
+          </c:extLst>
+        </c:ser>
+        <c:dLbls>
+          <c:showLegendKey val="0"/>
+          <c:showVal val="0"/>
+          <c:showCatName val="0"/>
+          <c:showSerName val="0"/>
+          <c:showPercent val="0"/>
+          <c:showBubbleSize val="0"/>
+        </c:dLbls>
+        <c:axId val="577425208"/>
+        <c:axId val="577422256"/>
+      </c:scatterChart>
+      <c:valAx>
+        <c:axId val="577425208"/>
+        <c:scaling>
+          <c:logBase val="10"/>
+          <c:orientation val="maxMin"/>
+          <c:max val="1.0000000000000002E-3"/>
+          <c:min val="3.0000000000000011E-5"/>
+        </c:scaling>
+        <c:delete val="0"/>
+        <c:axPos val="b"/>
+        <c:majorGridlines>
+          <c:spPr>
+            <a:ln w="9525" cap="flat" cmpd="sng" algn="ctr">
+              <a:solidFill>
+                <a:schemeClr val="tx1">
+                  <a:lumMod val="15000"/>
+                  <a:lumOff val="85000"/>
+                </a:schemeClr>
+              </a:solidFill>
+              <a:round/>
+            </a:ln>
+            <a:effectLst/>
+          </c:spPr>
+        </c:majorGridlines>
+        <c:title>
+          <c:tx>
+            <c:rich>
+              <a:bodyPr rot="0" spcFirstLastPara="1" vertOverflow="ellipsis" vert="horz" wrap="square" anchor="ctr" anchorCtr="1"/>
+              <a:lstStyle/>
+              <a:p>
+                <a:pPr>
+                  <a:defRPr sz="1000" b="0" i="0" u="none" strike="noStrike" kern="1200" baseline="0">
+                    <a:solidFill>
+                      <a:schemeClr val="tx1">
+                        <a:lumMod val="65000"/>
+                        <a:lumOff val="35000"/>
+                      </a:schemeClr>
+                    </a:solidFill>
+                    <a:latin typeface="+mn-lt"/>
+                    <a:ea typeface="+mn-ea"/>
+                    <a:cs typeface="+mn-cs"/>
+                  </a:defRPr>
+                </a:pPr>
+                <a:r>
+                  <a:rPr lang="ru-RU"/>
+                  <a:t>Шаг,</a:t>
+                </a:r>
+                <a:r>
+                  <a:rPr lang="ru-RU" baseline="0"/>
+                  <a:t> </a:t>
+                </a:r>
+                <a:r>
+                  <a:rPr lang="en-US" baseline="0"/>
+                  <a:t>h^2</a:t>
+                </a:r>
+              </a:p>
+              <a:p>
+                <a:pPr>
+                  <a:defRPr/>
+                </a:pPr>
+                <a:endParaRPr lang="ru-RU"/>
+              </a:p>
+            </c:rich>
+          </c:tx>
+          <c:layout>
+            <c:manualLayout>
+              <c:xMode val="edge"/>
+              <c:yMode val="edge"/>
+              <c:x val="0.50132364799012763"/>
+              <c:y val="3.2879912835431942E-3"/>
+            </c:manualLayout>
+          </c:layout>
+          <c:overlay val="0"/>
+          <c:spPr>
+            <a:noFill/>
+            <a:ln>
+              <a:noFill/>
+            </a:ln>
+            <a:effectLst/>
+          </c:spPr>
+          <c:txPr>
+            <a:bodyPr rot="0" spcFirstLastPara="1" vertOverflow="ellipsis" vert="horz" wrap="square" anchor="ctr" anchorCtr="1"/>
+            <a:lstStyle/>
+            <a:p>
+              <a:pPr>
+                <a:defRPr sz="1000" b="0" i="0" u="none" strike="noStrike" kern="1200" baseline="0">
+                  <a:solidFill>
+                    <a:schemeClr val="tx1">
+                      <a:lumMod val="65000"/>
+                      <a:lumOff val="35000"/>
+                    </a:schemeClr>
+                  </a:solidFill>
+                  <a:latin typeface="+mn-lt"/>
+                  <a:ea typeface="+mn-ea"/>
+                  <a:cs typeface="+mn-cs"/>
+                </a:defRPr>
+              </a:pPr>
+              <a:endParaRPr lang="ru-RU"/>
+            </a:p>
+          </c:txPr>
+        </c:title>
+        <c:numFmt formatCode="0.00E+00" sourceLinked="0"/>
+        <c:majorTickMark val="out"/>
+        <c:minorTickMark val="none"/>
+        <c:tickLblPos val="nextTo"/>
+        <c:spPr>
+          <a:noFill/>
+          <a:ln w="9525" cap="flat" cmpd="sng" algn="ctr">
+            <a:solidFill>
+              <a:schemeClr val="tx1">
+                <a:lumMod val="25000"/>
+                <a:lumOff val="75000"/>
+              </a:schemeClr>
+            </a:solidFill>
+            <a:round/>
+          </a:ln>
+          <a:effectLst/>
+        </c:spPr>
+        <c:txPr>
+          <a:bodyPr rot="0" spcFirstLastPara="1" vertOverflow="ellipsis" wrap="square" anchor="b" anchorCtr="0"/>
+          <a:lstStyle/>
+          <a:p>
+            <a:pPr>
+              <a:defRPr sz="900" b="0" i="0" u="none" strike="noStrike" kern="1200" baseline="0">
+                <a:solidFill>
+                  <a:schemeClr val="tx1">
+                    <a:lumMod val="65000"/>
+                    <a:lumOff val="35000"/>
+                  </a:schemeClr>
+                </a:solidFill>
+                <a:latin typeface="+mn-lt"/>
+                <a:ea typeface="+mn-ea"/>
+                <a:cs typeface="+mn-cs"/>
+              </a:defRPr>
+            </a:pPr>
+            <a:endParaRPr lang="ru-RU"/>
+          </a:p>
+        </c:txPr>
+        <c:crossAx val="577422256"/>
+        <c:crosses val="autoZero"/>
+        <c:crossBetween val="midCat"/>
+      </c:valAx>
+      <c:valAx>
+        <c:axId val="577422256"/>
+        <c:scaling>
+          <c:logBase val="10"/>
+          <c:orientation val="minMax"/>
+        </c:scaling>
+        <c:delete val="0"/>
+        <c:axPos val="r"/>
+        <c:majorGridlines>
+          <c:spPr>
+            <a:ln w="9525" cap="flat" cmpd="sng" algn="ctr">
+              <a:solidFill>
+                <a:schemeClr val="tx1">
+                  <a:lumMod val="15000"/>
+                  <a:lumOff val="85000"/>
+                </a:schemeClr>
+              </a:solidFill>
+              <a:round/>
+            </a:ln>
+            <a:effectLst/>
+          </c:spPr>
+        </c:majorGridlines>
+        <c:title>
+          <c:tx>
+            <c:rich>
+              <a:bodyPr rot="-5400000" spcFirstLastPara="1" vertOverflow="ellipsis" vert="horz" wrap="square" anchor="ctr" anchorCtr="1"/>
+              <a:lstStyle/>
+              <a:p>
+                <a:pPr>
+                  <a:defRPr sz="1000" b="0" i="0" u="none" strike="noStrike" kern="1200" baseline="0">
+                    <a:solidFill>
+                      <a:schemeClr val="tx1">
+                        <a:lumMod val="65000"/>
+                        <a:lumOff val="35000"/>
+                      </a:schemeClr>
+                    </a:solidFill>
+                    <a:latin typeface="+mn-lt"/>
+                    <a:ea typeface="+mn-ea"/>
+                    <a:cs typeface="+mn-cs"/>
+                  </a:defRPr>
+                </a:pPr>
+                <a:r>
+                  <a:rPr lang="ru-RU"/>
+                  <a:t>Ошибка</a:t>
+                </a:r>
+              </a:p>
+            </c:rich>
+          </c:tx>
+          <c:layout>
+            <c:manualLayout>
+              <c:xMode val="edge"/>
+              <c:yMode val="edge"/>
+              <c:x val="1.2902447746124344E-2"/>
+              <c:y val="0.43461930380874336"/>
+            </c:manualLayout>
+          </c:layout>
+          <c:overlay val="0"/>
+          <c:spPr>
+            <a:noFill/>
+            <a:ln>
+              <a:noFill/>
+            </a:ln>
+            <a:effectLst/>
+          </c:spPr>
+          <c:txPr>
+            <a:bodyPr rot="-5400000" spcFirstLastPara="1" vertOverflow="ellipsis" vert="horz" wrap="square" anchor="ctr" anchorCtr="1"/>
+            <a:lstStyle/>
+            <a:p>
+              <a:pPr>
+                <a:defRPr sz="1000" b="0" i="0" u="none" strike="noStrike" kern="1200" baseline="0">
+                  <a:solidFill>
+                    <a:schemeClr val="tx1">
+                      <a:lumMod val="65000"/>
+                      <a:lumOff val="35000"/>
+                    </a:schemeClr>
+                  </a:solidFill>
+                  <a:latin typeface="+mn-lt"/>
+                  <a:ea typeface="+mn-ea"/>
+                  <a:cs typeface="+mn-cs"/>
+                </a:defRPr>
+              </a:pPr>
+              <a:endParaRPr lang="ru-RU"/>
+            </a:p>
+          </c:txPr>
+        </c:title>
+        <c:numFmt formatCode="0.00E+00" sourceLinked="0"/>
+        <c:majorTickMark val="out"/>
+        <c:minorTickMark val="out"/>
+        <c:tickLblPos val="nextTo"/>
+        <c:spPr>
+          <a:noFill/>
+          <a:ln w="9525" cap="flat" cmpd="sng" algn="ctr">
+            <a:solidFill>
+              <a:schemeClr val="tx1">
+                <a:lumMod val="25000"/>
+                <a:lumOff val="75000"/>
+              </a:schemeClr>
+            </a:solidFill>
+            <a:round/>
+          </a:ln>
+          <a:effectLst/>
+        </c:spPr>
+        <c:txPr>
+          <a:bodyPr rot="-60000000" spcFirstLastPara="1" vertOverflow="ellipsis" vert="horz" wrap="square" anchor="ctr" anchorCtr="1"/>
+          <a:lstStyle/>
+          <a:p>
+            <a:pPr>
+              <a:defRPr sz="900" b="0" i="0" u="none" strike="noStrike" kern="1200" baseline="0">
+                <a:solidFill>
+                  <a:schemeClr val="tx1">
+                    <a:lumMod val="65000"/>
+                    <a:lumOff val="35000"/>
+                  </a:schemeClr>
+                </a:solidFill>
+                <a:latin typeface="+mn-lt"/>
+                <a:ea typeface="+mn-ea"/>
+                <a:cs typeface="+mn-cs"/>
+              </a:defRPr>
+            </a:pPr>
+            <a:endParaRPr lang="ru-RU"/>
+          </a:p>
+        </c:txPr>
+        <c:crossAx val="577425208"/>
+        <c:crosses val="autoZero"/>
+        <c:crossBetween val="midCat"/>
+      </c:valAx>
+      <c:spPr>
+        <a:noFill/>
+        <a:ln>
+          <a:noFill/>
+        </a:ln>
+        <a:effectLst/>
+      </c:spPr>
+    </c:plotArea>
+    <c:legend>
+      <c:legendPos val="r"/>
+      <c:layout>
+        <c:manualLayout>
+          <c:xMode val="edge"/>
+          <c:yMode val="edge"/>
+          <c:x val="0.22632178991873567"/>
+          <c:y val="0.62958136295730505"/>
+          <c:w val="8.5138233499975458E-2"/>
+          <c:h val="0.14443753018747121"/>
+        </c:manualLayout>
+      </c:layout>
+      <c:overlay val="0"/>
+      <c:spPr>
+        <a:noFill/>
+        <a:ln>
+          <a:noFill/>
+        </a:ln>
+        <a:effectLst/>
+      </c:spPr>
+      <c:txPr>
+        <a:bodyPr rot="0" spcFirstLastPara="1" vertOverflow="ellipsis" vert="horz" wrap="square" anchor="ctr" anchorCtr="1"/>
+        <a:lstStyle/>
+        <a:p>
+          <a:pPr>
+            <a:defRPr sz="900" b="0" i="0" u="none" strike="noStrike" kern="1200" baseline="0">
+              <a:solidFill>
+                <a:schemeClr val="tx1">
+                  <a:lumMod val="65000"/>
+                  <a:lumOff val="35000"/>
+                </a:schemeClr>
+              </a:solidFill>
+              <a:latin typeface="+mn-lt"/>
+              <a:ea typeface="+mn-ea"/>
+              <a:cs typeface="+mn-cs"/>
+            </a:defRPr>
+          </a:pPr>
+          <a:endParaRPr lang="ru-RU"/>
+        </a:p>
+      </c:txPr>
+    </c:legend>
+    <c:plotVisOnly val="1"/>
+    <c:dispBlanksAs val="gap"/>
+    <c:extLst>
+      <c:ext xmlns:c16r3="http://schemas.microsoft.com/office/drawing/2017/03/chart" uri="{56B9EC1D-385E-4148-901F-78D8002777C0}">
+        <c16r3:dataDisplayOptions16>
+          <c16r3:dispNaAsBlank val="1"/>
+        </c16r3:dataDisplayOptions16>
+      </c:ext>
+    </c:extLst>
+    <c:showDLblsOverMax val="0"/>
+  </c:chart>
+  <c:spPr>
+    <a:noFill/>
+    <a:ln>
+      <a:noFill/>
+    </a:ln>
+    <a:effectLst/>
+  </c:spPr>
+  <c:txPr>
+    <a:bodyPr/>
+    <a:lstStyle/>
+    <a:p>
+      <a:pPr>
+        <a:defRPr/>
+      </a:pPr>
+      <a:endParaRPr lang="ru-RU"/>
+    </a:p>
+  </c:txPr>
+  <c:externalData r:id="rId3">
+    <c:autoUpdate val="0"/>
+  </c:externalData>
+</c:chartSpace>
+</file>
+
+<file path=ppt/charts/chart4.xml><?xml version="1.0" encoding="utf-8"?>
+<c:chartSpace xmlns:c="http://schemas.openxmlformats.org/drawingml/2006/chart" xmlns:a="http://schemas.openxmlformats.org/drawingml/2006/main" xmlns:r="http://schemas.openxmlformats.org/officeDocument/2006/relationships" xmlns:c16r2="http://schemas.microsoft.com/office/drawing/2015/06/chart">
+  <c:date1904 val="0"/>
+  <c:lang val="ru-RU"/>
+  <c:roundedCorners val="0"/>
+  <mc:AlternateContent xmlns:mc="http://schemas.openxmlformats.org/markup-compatibility/2006">
+    <mc:Choice xmlns:c14="http://schemas.microsoft.com/office/drawing/2007/8/2/chart" Requires="c14">
+      <c14:style val="102"/>
+    </mc:Choice>
+    <mc:Fallback>
+      <c:style val="2"/>
+    </mc:Fallback>
+  </mc:AlternateContent>
+  <c:chart>
+    <c:autoTitleDeleted val="0"/>
+    <c:plotArea>
+      <c:layout>
+        <c:manualLayout>
+          <c:layoutTarget val="inner"/>
+          <c:xMode val="edge"/>
+          <c:yMode val="edge"/>
+          <c:x val="5.5342140933701524E-2"/>
+          <c:y val="6.5740031690210046E-2"/>
+          <c:w val="0.88783249021246646"/>
+          <c:h val="0.91102514506769827"/>
+        </c:manualLayout>
+      </c:layout>
+      <c:scatterChart>
+        <c:scatterStyle val="smoothMarker"/>
+        <c:varyColors val="0"/>
+        <c:ser>
+          <c:idx val="0"/>
+          <c:order val="0"/>
+          <c:tx>
+            <c:v>L_inf</c:v>
+          </c:tx>
+          <c:spPr>
+            <a:ln w="19050" cap="rnd">
+              <a:solidFill>
+                <a:schemeClr val="accent1"/>
+              </a:solidFill>
+              <a:round/>
+            </a:ln>
+            <a:effectLst/>
+          </c:spPr>
+          <c:marker>
+            <c:symbol val="circle"/>
+            <c:size val="5"/>
+            <c:spPr>
+              <a:solidFill>
+                <a:schemeClr val="accent1"/>
+              </a:solidFill>
+              <a:ln w="9525">
+                <a:solidFill>
+                  <a:schemeClr val="accent1"/>
+                </a:solidFill>
+              </a:ln>
+              <a:effectLst/>
+            </c:spPr>
+          </c:marker>
+          <c:xVal>
+            <c:numRef>
+              <c:f>Лист1!$M$142:$M$155</c:f>
+              <c:numCache>
+                <c:formatCode>General</c:formatCode>
+                <c:ptCount val="14"/>
+                <c:pt idx="0">
+                  <c:v>7.3995548758683195E-4</c:v>
+                </c:pt>
+                <c:pt idx="1">
+                  <c:v>5.9215412224577005E-4</c:v>
+                </c:pt>
+                <c:pt idx="2">
+                  <c:v>4.3971840760824497E-4</c:v>
+                </c:pt>
+                <c:pt idx="3">
+                  <c:v>3.7374997196285801E-4</c:v>
+                </c:pt>
+                <c:pt idx="4">
+                  <c:v>2.9856510365332901E-4</c:v>
+                </c:pt>
+                <c:pt idx="5">
+                  <c:v>2.59337571786468E-4</c:v>
+                </c:pt>
+                <c:pt idx="6">
+                  <c:v>2.23692471596135E-4</c:v>
+                </c:pt>
+                <c:pt idx="7">
+                  <c:v>1.8527084450529501E-4</c:v>
+                </c:pt>
+                <c:pt idx="8">
+                  <c:v>1.4831424293613101E-4</c:v>
+                </c:pt>
+                <c:pt idx="9">
+                  <c:v>1.11619191723465E-4</c:v>
+                </c:pt>
+                <c:pt idx="10" formatCode="0.00E+00">
+                  <c:v>7.4443977717700399E-5</c:v>
+                </c:pt>
+                <c:pt idx="11" formatCode="0.00E+00">
+                  <c:v>5.9338654044515602E-5</c:v>
+                </c:pt>
+                <c:pt idx="12" formatCode="0.00E+00">
+                  <c:v>5.2105073705123903E-5</c:v>
+                </c:pt>
+                <c:pt idx="13" formatCode="0.00E+00">
+                  <c:v>4.4494558633576102E-5</c:v>
+                </c:pt>
+              </c:numCache>
+            </c:numRef>
+          </c:xVal>
+          <c:yVal>
+            <c:numRef>
+              <c:f>Лист1!$AB$120:$AB$133</c:f>
+              <c:numCache>
+                <c:formatCode>0.000000</c:formatCode>
+                <c:ptCount val="14"/>
+                <c:pt idx="0">
+                  <c:v>0.337754594950403</c:v>
+                </c:pt>
+                <c:pt idx="1">
+                  <c:v>0.31656524574345102</c:v>
+                </c:pt>
+                <c:pt idx="2">
+                  <c:v>0.27682979848501699</c:v>
+                </c:pt>
+                <c:pt idx="3">
+                  <c:v>0.25466060597928902</c:v>
+                </c:pt>
+                <c:pt idx="4">
+                  <c:v>0.22172231466303999</c:v>
+                </c:pt>
+                <c:pt idx="5">
+                  <c:v>0.208590130494478</c:v>
+                </c:pt>
+                <c:pt idx="6">
+                  <c:v>0.18984614864356</c:v>
+                </c:pt>
+                <c:pt idx="7">
+                  <c:v>0.17385532229035</c:v>
+                </c:pt>
+                <c:pt idx="8">
+                  <c:v>0.15811573727859199</c:v>
+                </c:pt>
+                <c:pt idx="9">
+                  <c:v>0.124131323786841</c:v>
+                </c:pt>
+                <c:pt idx="10">
+                  <c:v>0.11063526131106</c:v>
+                </c:pt>
+                <c:pt idx="11">
+                  <c:v>9.3043688809657896E-2</c:v>
+                </c:pt>
+                <c:pt idx="12">
+                  <c:v>9.2710793534351396E-2</c:v>
+                </c:pt>
+                <c:pt idx="13">
+                  <c:v>8.4929911798028002E-2</c:v>
+                </c:pt>
+              </c:numCache>
+            </c:numRef>
+          </c:yVal>
+          <c:smooth val="1"/>
+          <c:extLst>
+            <c:ext xmlns:c16="http://schemas.microsoft.com/office/drawing/2014/chart" uri="{C3380CC4-5D6E-409C-BE32-E72D297353CC}">
+              <c16:uniqueId val="{00000000-5CFA-42B6-9B78-999DA89C2EFB}"/>
+            </c:ext>
+          </c:extLst>
+        </c:ser>
+        <c:ser>
+          <c:idx val="1"/>
+          <c:order val="1"/>
+          <c:tx>
+            <c:v>L_1</c:v>
+          </c:tx>
+          <c:spPr>
+            <a:ln w="19050" cap="rnd">
+              <a:solidFill>
+                <a:schemeClr val="accent2"/>
+              </a:solidFill>
+              <a:round/>
+            </a:ln>
+            <a:effectLst/>
+          </c:spPr>
+          <c:marker>
+            <c:symbol val="circle"/>
+            <c:size val="5"/>
+            <c:spPr>
+              <a:solidFill>
+                <a:schemeClr val="accent2"/>
+              </a:solidFill>
+              <a:ln w="9525">
+                <a:solidFill>
+                  <a:schemeClr val="accent2"/>
+                </a:solidFill>
+              </a:ln>
+              <a:effectLst/>
+            </c:spPr>
+          </c:marker>
+          <c:xVal>
+            <c:numRef>
+              <c:f>Лист1!$M$142:$M$155</c:f>
+              <c:numCache>
+                <c:formatCode>General</c:formatCode>
+                <c:ptCount val="14"/>
+                <c:pt idx="0">
+                  <c:v>7.3995548758683195E-4</c:v>
+                </c:pt>
+                <c:pt idx="1">
+                  <c:v>5.9215412224577005E-4</c:v>
+                </c:pt>
+                <c:pt idx="2">
+                  <c:v>4.3971840760824497E-4</c:v>
+                </c:pt>
+                <c:pt idx="3">
+                  <c:v>3.7374997196285801E-4</c:v>
+                </c:pt>
+                <c:pt idx="4">
+                  <c:v>2.9856510365332901E-4</c:v>
+                </c:pt>
+                <c:pt idx="5">
+                  <c:v>2.59337571786468E-4</c:v>
+                </c:pt>
+                <c:pt idx="6">
+                  <c:v>2.23692471596135E-4</c:v>
+                </c:pt>
+                <c:pt idx="7">
+                  <c:v>1.8527084450529501E-4</c:v>
+                </c:pt>
+                <c:pt idx="8">
+                  <c:v>1.4831424293613101E-4</c:v>
+                </c:pt>
+                <c:pt idx="9">
+                  <c:v>1.11619191723465E-4</c:v>
+                </c:pt>
+                <c:pt idx="10" formatCode="0.00E+00">
+                  <c:v>7.4443977717700399E-5</c:v>
+                </c:pt>
+                <c:pt idx="11" formatCode="0.00E+00">
+                  <c:v>5.9338654044515602E-5</c:v>
+                </c:pt>
+                <c:pt idx="12" formatCode="0.00E+00">
+                  <c:v>5.2105073705123903E-5</c:v>
+                </c:pt>
+                <c:pt idx="13" formatCode="0.00E+00">
+                  <c:v>4.4494558633576102E-5</c:v>
+                </c:pt>
+              </c:numCache>
+            </c:numRef>
+          </c:xVal>
+          <c:yVal>
+            <c:numRef>
+              <c:f>Лист1!$AC$120:$AC$133</c:f>
+              <c:numCache>
+                <c:formatCode>0.000000</c:formatCode>
+                <c:ptCount val="14"/>
+                <c:pt idx="0">
+                  <c:v>3.0612137545489699E-3</c:v>
+                </c:pt>
+                <c:pt idx="1">
+                  <c:v>2.20816851712118E-3</c:v>
+                </c:pt>
+                <c:pt idx="2">
+                  <c:v>1.47821076692697E-3</c:v>
+                </c:pt>
+                <c:pt idx="3">
+                  <c:v>1.1875623190681099E-3</c:v>
+                </c:pt>
+                <c:pt idx="4">
+                  <c:v>9.809028183394759E-4</c:v>
+                </c:pt>
+                <c:pt idx="5">
+                  <c:v>8.8121453557530205E-4</c:v>
+                </c:pt>
+                <c:pt idx="6">
+                  <c:v>8.2472424524062304E-4</c:v>
+                </c:pt>
+                <c:pt idx="7">
+                  <c:v>7.4681663069530596E-4</c:v>
+                </c:pt>
+                <c:pt idx="8">
+                  <c:v>5.7781948447992398E-4</c:v>
+                </c:pt>
+                <c:pt idx="9">
+                  <c:v>3.9308578448426498E-4</c:v>
+                </c:pt>
+                <c:pt idx="10">
+                  <c:v>2.77223710577791E-4</c:v>
+                </c:pt>
+                <c:pt idx="11" formatCode="0.00E+00">
+                  <c:v>2.3289945890965001E-4</c:v>
+                </c:pt>
+                <c:pt idx="12" formatCode="0.00E+00">
+                  <c:v>2.05390167051809E-4</c:v>
+                </c:pt>
+                <c:pt idx="13" formatCode="0.00E+00">
+                  <c:v>1.8051825170640399E-4</c:v>
+                </c:pt>
+              </c:numCache>
+            </c:numRef>
+          </c:yVal>
+          <c:smooth val="1"/>
+          <c:extLst>
+            <c:ext xmlns:c16="http://schemas.microsoft.com/office/drawing/2014/chart" uri="{C3380CC4-5D6E-409C-BE32-E72D297353CC}">
+              <c16:uniqueId val="{00000001-5CFA-42B6-9B78-999DA89C2EFB}"/>
+            </c:ext>
+          </c:extLst>
+        </c:ser>
+        <c:ser>
+          <c:idx val="2"/>
+          <c:order val="2"/>
+          <c:tx>
+            <c:v>L_2</c:v>
+          </c:tx>
+          <c:spPr>
+            <a:ln w="19050" cap="rnd">
+              <a:solidFill>
+                <a:schemeClr val="accent3"/>
+              </a:solidFill>
+              <a:round/>
+            </a:ln>
+            <a:effectLst/>
+          </c:spPr>
+          <c:marker>
+            <c:symbol val="circle"/>
+            <c:size val="5"/>
+            <c:spPr>
+              <a:solidFill>
+                <a:schemeClr val="accent3"/>
+              </a:solidFill>
+              <a:ln w="9525">
+                <a:solidFill>
+                  <a:schemeClr val="accent3"/>
+                </a:solidFill>
+              </a:ln>
+              <a:effectLst/>
+            </c:spPr>
+          </c:marker>
+          <c:xVal>
+            <c:numRef>
+              <c:f>Лист1!$M$142:$M$155</c:f>
+              <c:numCache>
+                <c:formatCode>General</c:formatCode>
+                <c:ptCount val="14"/>
+                <c:pt idx="0">
+                  <c:v>7.3995548758683195E-4</c:v>
+                </c:pt>
+                <c:pt idx="1">
+                  <c:v>5.9215412224577005E-4</c:v>
+                </c:pt>
+                <c:pt idx="2">
+                  <c:v>4.3971840760824497E-4</c:v>
+                </c:pt>
+                <c:pt idx="3">
+                  <c:v>3.7374997196285801E-4</c:v>
+                </c:pt>
+                <c:pt idx="4">
+                  <c:v>2.9856510365332901E-4</c:v>
+                </c:pt>
+                <c:pt idx="5">
+                  <c:v>2.59337571786468E-4</c:v>
+                </c:pt>
+                <c:pt idx="6">
+                  <c:v>2.23692471596135E-4</c:v>
+                </c:pt>
+                <c:pt idx="7">
+                  <c:v>1.8527084450529501E-4</c:v>
+                </c:pt>
+                <c:pt idx="8">
+                  <c:v>1.4831424293613101E-4</c:v>
+                </c:pt>
+                <c:pt idx="9">
+                  <c:v>1.11619191723465E-4</c:v>
+                </c:pt>
+                <c:pt idx="10" formatCode="0.00E+00">
+                  <c:v>7.4443977717700399E-5</c:v>
+                </c:pt>
+                <c:pt idx="11" formatCode="0.00E+00">
+                  <c:v>5.9338654044515602E-5</c:v>
+                </c:pt>
+                <c:pt idx="12" formatCode="0.00E+00">
+                  <c:v>5.2105073705123903E-5</c:v>
+                </c:pt>
+                <c:pt idx="13" formatCode="0.00E+00">
+                  <c:v>4.4494558633576102E-5</c:v>
+                </c:pt>
+              </c:numCache>
+            </c:numRef>
+          </c:xVal>
+          <c:yVal>
+            <c:numRef>
+              <c:f>Лист1!$AD$120:$AD$133</c:f>
+              <c:numCache>
+                <c:formatCode>0.000000</c:formatCode>
+                <c:ptCount val="14"/>
+                <c:pt idx="0" formatCode="General">
+                  <c:v>3.8898729275513901E-4</c:v>
+                </c:pt>
+                <c:pt idx="1">
+                  <c:v>2.5974834167724701E-4</c:v>
+                </c:pt>
+                <c:pt idx="2">
+                  <c:v>1.67894625110637E-4</c:v>
+                </c:pt>
+                <c:pt idx="3">
+                  <c:v>1.3362602340523199E-4</c:v>
+                </c:pt>
+                <c:pt idx="4">
+                  <c:v>9.3283294906730798E-5</c:v>
+                </c:pt>
+                <c:pt idx="5">
+                  <c:v>7.9794566461649399E-5</c:v>
+                </c:pt>
+                <c:pt idx="6">
+                  <c:v>6.7264512420312398E-5</c:v>
+                </c:pt>
+                <c:pt idx="7" formatCode="0.00E+00">
+                  <c:v>5.74016089319881E-5</c:v>
+                </c:pt>
+                <c:pt idx="8" formatCode="0.00E+00">
+                  <c:v>4.0998476342018499E-5</c:v>
+                </c:pt>
+                <c:pt idx="9" formatCode="0.00E+00">
+                  <c:v>2.5474001156290101E-5</c:v>
+                </c:pt>
+                <c:pt idx="10" formatCode="0.00E+00">
+                  <c:v>1.5731059142698099E-5</c:v>
+                </c:pt>
+                <c:pt idx="11" formatCode="0.00E+00">
+                  <c:v>1.1769152687442E-5</c:v>
+                </c:pt>
+                <c:pt idx="12" formatCode="0.00E+00">
+                  <c:v>1.00738119069725E-5</c:v>
+                </c:pt>
+                <c:pt idx="13" formatCode="0.00E+00">
+                  <c:v>8.1760058504985399E-6</c:v>
+                </c:pt>
+              </c:numCache>
+            </c:numRef>
+          </c:yVal>
+          <c:smooth val="1"/>
+          <c:extLst>
+            <c:ext xmlns:c16="http://schemas.microsoft.com/office/drawing/2014/chart" uri="{C3380CC4-5D6E-409C-BE32-E72D297353CC}">
+              <c16:uniqueId val="{00000002-5CFA-42B6-9B78-999DA89C2EFB}"/>
+            </c:ext>
+          </c:extLst>
+        </c:ser>
+        <c:dLbls>
+          <c:showLegendKey val="0"/>
+          <c:showVal val="0"/>
+          <c:showCatName val="0"/>
+          <c:showSerName val="0"/>
+          <c:showPercent val="0"/>
+          <c:showBubbleSize val="0"/>
+        </c:dLbls>
+        <c:axId val="577425208"/>
+        <c:axId val="577422256"/>
+      </c:scatterChart>
+      <c:valAx>
+        <c:axId val="577425208"/>
+        <c:scaling>
+          <c:logBase val="10"/>
+          <c:orientation val="maxMin"/>
+          <c:max val="1.0000000000000002E-3"/>
+          <c:min val="3.0000000000000011E-5"/>
+        </c:scaling>
+        <c:delete val="0"/>
+        <c:axPos val="b"/>
+        <c:majorGridlines>
+          <c:spPr>
+            <a:ln w="9525" cap="flat" cmpd="sng" algn="ctr">
+              <a:solidFill>
+                <a:schemeClr val="tx1">
+                  <a:lumMod val="15000"/>
+                  <a:lumOff val="85000"/>
+                </a:schemeClr>
+              </a:solidFill>
+              <a:round/>
+            </a:ln>
+            <a:effectLst/>
+          </c:spPr>
+        </c:majorGridlines>
+        <c:title>
+          <c:tx>
+            <c:rich>
+              <a:bodyPr rot="0" spcFirstLastPara="1" vertOverflow="ellipsis" vert="horz" wrap="square" anchor="ctr" anchorCtr="1"/>
+              <a:lstStyle/>
+              <a:p>
+                <a:pPr>
+                  <a:defRPr sz="1000" b="0" i="0" u="none" strike="noStrike" kern="1200" baseline="0">
+                    <a:solidFill>
+                      <a:schemeClr val="tx1">
+                        <a:lumMod val="65000"/>
+                        <a:lumOff val="35000"/>
+                      </a:schemeClr>
+                    </a:solidFill>
+                    <a:latin typeface="+mn-lt"/>
+                    <a:ea typeface="+mn-ea"/>
+                    <a:cs typeface="+mn-cs"/>
+                  </a:defRPr>
+                </a:pPr>
+                <a:r>
+                  <a:rPr lang="ru-RU"/>
+                  <a:t>Шаг,</a:t>
+                </a:r>
+                <a:r>
+                  <a:rPr lang="ru-RU" baseline="0"/>
+                  <a:t> </a:t>
+                </a:r>
+                <a:r>
+                  <a:rPr lang="en-US" baseline="0"/>
+                  <a:t>h^2</a:t>
+                </a:r>
+              </a:p>
+              <a:p>
+                <a:pPr>
+                  <a:defRPr/>
+                </a:pPr>
+                <a:endParaRPr lang="ru-RU"/>
+              </a:p>
+            </c:rich>
+          </c:tx>
+          <c:layout>
+            <c:manualLayout>
+              <c:xMode val="edge"/>
+              <c:yMode val="edge"/>
+              <c:x val="0.50132364799012763"/>
+              <c:y val="3.2879912835431942E-3"/>
+            </c:manualLayout>
+          </c:layout>
+          <c:overlay val="0"/>
+          <c:spPr>
+            <a:noFill/>
+            <a:ln>
+              <a:noFill/>
+            </a:ln>
+            <a:effectLst/>
+          </c:spPr>
+          <c:txPr>
+            <a:bodyPr rot="0" spcFirstLastPara="1" vertOverflow="ellipsis" vert="horz" wrap="square" anchor="ctr" anchorCtr="1"/>
+            <a:lstStyle/>
+            <a:p>
+              <a:pPr>
+                <a:defRPr sz="1000" b="0" i="0" u="none" strike="noStrike" kern="1200" baseline="0">
+                  <a:solidFill>
+                    <a:schemeClr val="tx1">
+                      <a:lumMod val="65000"/>
+                      <a:lumOff val="35000"/>
+                    </a:schemeClr>
+                  </a:solidFill>
+                  <a:latin typeface="+mn-lt"/>
+                  <a:ea typeface="+mn-ea"/>
+                  <a:cs typeface="+mn-cs"/>
+                </a:defRPr>
+              </a:pPr>
+              <a:endParaRPr lang="ru-RU"/>
+            </a:p>
+          </c:txPr>
+        </c:title>
+        <c:numFmt formatCode="0.00E+00" sourceLinked="0"/>
+        <c:majorTickMark val="out"/>
+        <c:minorTickMark val="none"/>
+        <c:tickLblPos val="nextTo"/>
+        <c:spPr>
+          <a:noFill/>
+          <a:ln w="9525" cap="flat" cmpd="sng" algn="ctr">
+            <a:solidFill>
+              <a:schemeClr val="tx1">
+                <a:lumMod val="25000"/>
+                <a:lumOff val="75000"/>
+              </a:schemeClr>
+            </a:solidFill>
+            <a:round/>
+          </a:ln>
+          <a:effectLst/>
+        </c:spPr>
+        <c:txPr>
+          <a:bodyPr rot="0" spcFirstLastPara="1" vertOverflow="ellipsis" wrap="square" anchor="b" anchorCtr="0"/>
+          <a:lstStyle/>
+          <a:p>
+            <a:pPr>
+              <a:defRPr sz="900" b="0" i="0" u="none" strike="noStrike" kern="1200" baseline="0">
+                <a:solidFill>
+                  <a:schemeClr val="tx1">
+                    <a:lumMod val="65000"/>
+                    <a:lumOff val="35000"/>
+                  </a:schemeClr>
+                </a:solidFill>
+                <a:latin typeface="+mn-lt"/>
+                <a:ea typeface="+mn-ea"/>
+                <a:cs typeface="+mn-cs"/>
+              </a:defRPr>
+            </a:pPr>
+            <a:endParaRPr lang="ru-RU"/>
+          </a:p>
+        </c:txPr>
+        <c:crossAx val="577422256"/>
+        <c:crosses val="autoZero"/>
+        <c:crossBetween val="midCat"/>
+      </c:valAx>
+      <c:valAx>
+        <c:axId val="577422256"/>
+        <c:scaling>
+          <c:logBase val="10"/>
+          <c:orientation val="minMax"/>
+        </c:scaling>
+        <c:delete val="0"/>
+        <c:axPos val="r"/>
+        <c:majorGridlines>
+          <c:spPr>
+            <a:ln w="9525" cap="flat" cmpd="sng" algn="ctr">
+              <a:solidFill>
+                <a:schemeClr val="tx1">
+                  <a:lumMod val="15000"/>
+                  <a:lumOff val="85000"/>
+                </a:schemeClr>
+              </a:solidFill>
+              <a:round/>
+            </a:ln>
+            <a:effectLst/>
+          </c:spPr>
+        </c:majorGridlines>
+        <c:title>
+          <c:tx>
+            <c:rich>
+              <a:bodyPr rot="-5400000" spcFirstLastPara="1" vertOverflow="ellipsis" vert="horz" wrap="square" anchor="ctr" anchorCtr="1"/>
+              <a:lstStyle/>
+              <a:p>
+                <a:pPr>
+                  <a:defRPr sz="1000" b="0" i="0" u="none" strike="noStrike" kern="1200" baseline="0">
+                    <a:solidFill>
+                      <a:schemeClr val="tx1">
+                        <a:lumMod val="65000"/>
+                        <a:lumOff val="35000"/>
+                      </a:schemeClr>
+                    </a:solidFill>
+                    <a:latin typeface="+mn-lt"/>
+                    <a:ea typeface="+mn-ea"/>
+                    <a:cs typeface="+mn-cs"/>
+                  </a:defRPr>
+                </a:pPr>
+                <a:r>
+                  <a:rPr lang="ru-RU"/>
+                  <a:t>Ошибка</a:t>
+                </a:r>
+              </a:p>
+            </c:rich>
+          </c:tx>
+          <c:layout>
+            <c:manualLayout>
+              <c:xMode val="edge"/>
+              <c:yMode val="edge"/>
+              <c:x val="1.2902447746124344E-2"/>
+              <c:y val="0.43461930380874336"/>
+            </c:manualLayout>
+          </c:layout>
+          <c:overlay val="0"/>
+          <c:spPr>
+            <a:noFill/>
+            <a:ln>
+              <a:noFill/>
+            </a:ln>
+            <a:effectLst/>
+          </c:spPr>
+          <c:txPr>
+            <a:bodyPr rot="-5400000" spcFirstLastPara="1" vertOverflow="ellipsis" vert="horz" wrap="square" anchor="ctr" anchorCtr="1"/>
+            <a:lstStyle/>
+            <a:p>
+              <a:pPr>
+                <a:defRPr sz="1000" b="0" i="0" u="none" strike="noStrike" kern="1200" baseline="0">
+                  <a:solidFill>
+                    <a:schemeClr val="tx1">
+                      <a:lumMod val="65000"/>
+                      <a:lumOff val="35000"/>
+                    </a:schemeClr>
+                  </a:solidFill>
+                  <a:latin typeface="+mn-lt"/>
+                  <a:ea typeface="+mn-ea"/>
+                  <a:cs typeface="+mn-cs"/>
+                </a:defRPr>
+              </a:pPr>
+              <a:endParaRPr lang="ru-RU"/>
+            </a:p>
+          </c:txPr>
+        </c:title>
+        <c:numFmt formatCode="0.000000E+00" sourceLinked="0"/>
+        <c:majorTickMark val="out"/>
+        <c:minorTickMark val="out"/>
+        <c:tickLblPos val="nextTo"/>
+        <c:spPr>
+          <a:noFill/>
+          <a:ln w="9525" cap="flat" cmpd="sng" algn="ctr">
+            <a:solidFill>
+              <a:schemeClr val="tx1">
+                <a:lumMod val="25000"/>
+                <a:lumOff val="75000"/>
+              </a:schemeClr>
+            </a:solidFill>
+            <a:round/>
+          </a:ln>
+          <a:effectLst/>
+        </c:spPr>
+        <c:txPr>
+          <a:bodyPr rot="-60000000" spcFirstLastPara="1" vertOverflow="ellipsis" vert="horz" wrap="square" anchor="ctr" anchorCtr="1"/>
+          <a:lstStyle/>
+          <a:p>
+            <a:pPr>
+              <a:defRPr sz="900" b="0" i="0" u="none" strike="noStrike" kern="1200" baseline="0">
+                <a:solidFill>
+                  <a:schemeClr val="tx1">
+                    <a:lumMod val="65000"/>
+                    <a:lumOff val="35000"/>
+                  </a:schemeClr>
+                </a:solidFill>
+                <a:latin typeface="+mn-lt"/>
+                <a:ea typeface="+mn-ea"/>
+                <a:cs typeface="+mn-cs"/>
+              </a:defRPr>
+            </a:pPr>
+            <a:endParaRPr lang="ru-RU"/>
+          </a:p>
+        </c:txPr>
+        <c:crossAx val="577425208"/>
+        <c:crosses val="autoZero"/>
+        <c:crossBetween val="midCat"/>
+      </c:valAx>
+      <c:spPr>
+        <a:noFill/>
+        <a:ln>
+          <a:noFill/>
+        </a:ln>
+        <a:effectLst/>
+      </c:spPr>
+    </c:plotArea>
+    <c:legend>
+      <c:legendPos val="r"/>
+      <c:layout>
+        <c:manualLayout>
+          <c:xMode val="edge"/>
+          <c:yMode val="edge"/>
+          <c:x val="0.69073681210346249"/>
+          <c:y val="0.30766284201294458"/>
+          <c:w val="0.18562101895594671"/>
+          <c:h val="0.25722797598685493"/>
+        </c:manualLayout>
+      </c:layout>
+      <c:overlay val="0"/>
+      <c:spPr>
+        <a:noFill/>
+        <a:ln>
+          <a:noFill/>
+        </a:ln>
+        <a:effectLst/>
+      </c:spPr>
+      <c:txPr>
+        <a:bodyPr rot="0" spcFirstLastPara="1" vertOverflow="ellipsis" vert="horz" wrap="square" anchor="ctr" anchorCtr="1"/>
+        <a:lstStyle/>
+        <a:p>
+          <a:pPr>
+            <a:defRPr sz="900" b="0" i="0" u="none" strike="noStrike" kern="1200" baseline="0">
+              <a:solidFill>
+                <a:schemeClr val="tx1">
+                  <a:lumMod val="65000"/>
+                  <a:lumOff val="35000"/>
+                </a:schemeClr>
+              </a:solidFill>
+              <a:latin typeface="+mn-lt"/>
+              <a:ea typeface="+mn-ea"/>
+              <a:cs typeface="+mn-cs"/>
+            </a:defRPr>
+          </a:pPr>
+          <a:endParaRPr lang="ru-RU"/>
+        </a:p>
+      </c:txPr>
+    </c:legend>
+    <c:plotVisOnly val="1"/>
+    <c:dispBlanksAs val="gap"/>
+    <c:extLst>
+      <c:ext xmlns:c16r3="http://schemas.microsoft.com/office/drawing/2017/03/chart" uri="{56B9EC1D-385E-4148-901F-78D8002777C0}">
+        <c16r3:dataDisplayOptions16>
+          <c16r3:dispNaAsBlank val="1"/>
+        </c16r3:dataDisplayOptions16>
+      </c:ext>
+    </c:extLst>
+    <c:showDLblsOverMax val="0"/>
+  </c:chart>
+  <c:spPr>
+    <a:noFill/>
+    <a:ln>
+      <a:noFill/>
+    </a:ln>
+    <a:effectLst/>
+  </c:spPr>
+  <c:txPr>
+    <a:bodyPr/>
+    <a:lstStyle/>
+    <a:p>
+      <a:pPr>
+        <a:defRPr/>
+      </a:pPr>
+      <a:endParaRPr lang="ru-RU"/>
+    </a:p>
+  </c:txPr>
+  <c:externalData r:id="rId3">
+    <c:autoUpdate val="0"/>
+  </c:externalData>
+</c:chartSpace>
+</file>
+
+<file path=ppt/charts/chart5.xml><?xml version="1.0" encoding="utf-8"?>
+<c:chartSpace xmlns:c="http://schemas.openxmlformats.org/drawingml/2006/chart" xmlns:a="http://schemas.openxmlformats.org/drawingml/2006/main" xmlns:r="http://schemas.openxmlformats.org/officeDocument/2006/relationships" xmlns:c16r2="http://schemas.microsoft.com/office/drawing/2015/06/chart">
+  <c:date1904 val="0"/>
+  <c:lang val="ru-RU"/>
+  <c:roundedCorners val="0"/>
+  <mc:AlternateContent xmlns:mc="http://schemas.openxmlformats.org/markup-compatibility/2006">
+    <mc:Choice xmlns:c14="http://schemas.microsoft.com/office/drawing/2007/8/2/chart" Requires="c14">
+      <c14:style val="102"/>
+    </mc:Choice>
+    <mc:Fallback>
+      <c:style val="2"/>
+    </mc:Fallback>
+  </mc:AlternateContent>
+  <c:chart>
+    <c:autoTitleDeleted val="0"/>
+    <c:plotArea>
+      <c:layout>
+        <c:manualLayout>
+          <c:layoutTarget val="inner"/>
+          <c:xMode val="edge"/>
+          <c:yMode val="edge"/>
+          <c:x val="5.115257592209508E-2"/>
+          <c:y val="4.194848101937973E-2"/>
+          <c:w val="0.88783249021246646"/>
+          <c:h val="0.91102514506769827"/>
+        </c:manualLayout>
+      </c:layout>
+      <c:scatterChart>
+        <c:scatterStyle val="smoothMarker"/>
+        <c:varyColors val="0"/>
+        <c:ser>
+          <c:idx val="0"/>
+          <c:order val="0"/>
+          <c:tx>
+            <c:v>L_inf</c:v>
+          </c:tx>
+          <c:spPr>
+            <a:ln w="19050" cap="rnd">
+              <a:solidFill>
+                <a:schemeClr val="accent1"/>
+              </a:solidFill>
+              <a:round/>
+            </a:ln>
+            <a:effectLst/>
+          </c:spPr>
+          <c:marker>
+            <c:symbol val="circle"/>
+            <c:size val="5"/>
+            <c:spPr>
+              <a:solidFill>
+                <a:schemeClr val="accent1"/>
+              </a:solidFill>
+              <a:ln w="9525">
+                <a:solidFill>
+                  <a:schemeClr val="accent1"/>
+                </a:solidFill>
+              </a:ln>
+              <a:effectLst/>
+            </c:spPr>
+          </c:marker>
+          <c:xVal>
+            <c:numRef>
+              <c:f>Лист1!$M$142:$M$155</c:f>
+              <c:numCache>
+                <c:formatCode>General</c:formatCode>
+                <c:ptCount val="14"/>
+                <c:pt idx="0">
+                  <c:v>7.3995548758683195E-4</c:v>
+                </c:pt>
+                <c:pt idx="1">
+                  <c:v>5.9215412224577005E-4</c:v>
+                </c:pt>
+                <c:pt idx="2">
+                  <c:v>4.3971840760824497E-4</c:v>
+                </c:pt>
+                <c:pt idx="3">
+                  <c:v>3.7374997196285801E-4</c:v>
+                </c:pt>
+                <c:pt idx="4">
+                  <c:v>2.9856510365332901E-4</c:v>
+                </c:pt>
+                <c:pt idx="5">
+                  <c:v>2.59337571786468E-4</c:v>
+                </c:pt>
+                <c:pt idx="6">
+                  <c:v>2.23692471596135E-4</c:v>
+                </c:pt>
+                <c:pt idx="7">
+                  <c:v>1.8527084450529501E-4</c:v>
+                </c:pt>
+                <c:pt idx="8">
+                  <c:v>1.4831424293613101E-4</c:v>
+                </c:pt>
+                <c:pt idx="9">
+                  <c:v>1.11619191723465E-4</c:v>
+                </c:pt>
+                <c:pt idx="10" formatCode="0.00E+00">
+                  <c:v>7.4443977717700399E-5</c:v>
+                </c:pt>
+                <c:pt idx="11" formatCode="0.00E+00">
+                  <c:v>5.9338654044515602E-5</c:v>
+                </c:pt>
+                <c:pt idx="12" formatCode="0.00E+00">
+                  <c:v>5.2105073705123903E-5</c:v>
+                </c:pt>
+                <c:pt idx="13" formatCode="0.00E+00">
+                  <c:v>4.4494558633576102E-5</c:v>
+                </c:pt>
+              </c:numCache>
+            </c:numRef>
+          </c:xVal>
+          <c:yVal>
+            <c:numRef>
+              <c:f>Лист1!$AB$142:$AB$154</c:f>
+              <c:numCache>
+                <c:formatCode>0.000000</c:formatCode>
+                <c:ptCount val="13"/>
+                <c:pt idx="0">
+                  <c:v>0.27873321541215201</c:v>
+                </c:pt>
+                <c:pt idx="1">
+                  <c:v>0.24762051668442001</c:v>
+                </c:pt>
+                <c:pt idx="2">
+                  <c:v>0.213364808261406</c:v>
+                </c:pt>
+                <c:pt idx="3">
+                  <c:v>0.21900305388351099</c:v>
+                </c:pt>
+                <c:pt idx="4">
+                  <c:v>0.226536449772332</c:v>
+                </c:pt>
+                <c:pt idx="5">
+                  <c:v>0.20247843139487701</c:v>
+                </c:pt>
+                <c:pt idx="6">
+                  <c:v>0.211663316255986</c:v>
+                </c:pt>
+                <c:pt idx="7">
+                  <c:v>0.21248937267829501</c:v>
+                </c:pt>
+                <c:pt idx="8">
+                  <c:v>0.16423319627890701</c:v>
+                </c:pt>
+                <c:pt idx="9">
+                  <c:v>0.15891532128635699</c:v>
+                </c:pt>
+                <c:pt idx="10">
+                  <c:v>0.14696384900707901</c:v>
+                </c:pt>
+                <c:pt idx="11">
+                  <c:v>0.13123561068658701</c:v>
+                </c:pt>
+                <c:pt idx="12">
+                  <c:v>0.132838619926303</c:v>
+                </c:pt>
+              </c:numCache>
+            </c:numRef>
+          </c:yVal>
+          <c:smooth val="1"/>
+          <c:extLst>
+            <c:ext xmlns:c16="http://schemas.microsoft.com/office/drawing/2014/chart" uri="{C3380CC4-5D6E-409C-BE32-E72D297353CC}">
+              <c16:uniqueId val="{00000000-4280-49A5-999D-9C95962FF3B1}"/>
+            </c:ext>
+          </c:extLst>
+        </c:ser>
+        <c:ser>
+          <c:idx val="1"/>
+          <c:order val="1"/>
+          <c:tx>
+            <c:v>L_1</c:v>
+          </c:tx>
+          <c:spPr>
+            <a:ln w="19050" cap="rnd">
+              <a:solidFill>
+                <a:schemeClr val="accent2"/>
+              </a:solidFill>
+              <a:round/>
+            </a:ln>
+            <a:effectLst/>
+          </c:spPr>
+          <c:marker>
+            <c:symbol val="circle"/>
+            <c:size val="5"/>
+            <c:spPr>
+              <a:solidFill>
+                <a:schemeClr val="accent2"/>
+              </a:solidFill>
+              <a:ln w="9525">
+                <a:solidFill>
+                  <a:schemeClr val="accent2"/>
+                </a:solidFill>
+              </a:ln>
+              <a:effectLst/>
+            </c:spPr>
+          </c:marker>
+          <c:xVal>
+            <c:numRef>
+              <c:f>Лист1!$M$142:$M$155</c:f>
+              <c:numCache>
+                <c:formatCode>General</c:formatCode>
+                <c:ptCount val="14"/>
+                <c:pt idx="0">
+                  <c:v>7.3995548758683195E-4</c:v>
+                </c:pt>
+                <c:pt idx="1">
+                  <c:v>5.9215412224577005E-4</c:v>
+                </c:pt>
+                <c:pt idx="2">
+                  <c:v>4.3971840760824497E-4</c:v>
+                </c:pt>
+                <c:pt idx="3">
+                  <c:v>3.7374997196285801E-4</c:v>
+                </c:pt>
+                <c:pt idx="4">
+                  <c:v>2.9856510365332901E-4</c:v>
+                </c:pt>
+                <c:pt idx="5">
+                  <c:v>2.59337571786468E-4</c:v>
+                </c:pt>
+                <c:pt idx="6">
+                  <c:v>2.23692471596135E-4</c:v>
+                </c:pt>
+                <c:pt idx="7">
+                  <c:v>1.8527084450529501E-4</c:v>
+                </c:pt>
+                <c:pt idx="8">
+                  <c:v>1.4831424293613101E-4</c:v>
+                </c:pt>
+                <c:pt idx="9">
+                  <c:v>1.11619191723465E-4</c:v>
+                </c:pt>
+                <c:pt idx="10" formatCode="0.00E+00">
+                  <c:v>7.4443977717700399E-5</c:v>
+                </c:pt>
+                <c:pt idx="11" formatCode="0.00E+00">
+                  <c:v>5.9338654044515602E-5</c:v>
+                </c:pt>
+                <c:pt idx="12" formatCode="0.00E+00">
+                  <c:v>5.2105073705123903E-5</c:v>
+                </c:pt>
+                <c:pt idx="13" formatCode="0.00E+00">
+                  <c:v>4.4494558633576102E-5</c:v>
+                </c:pt>
+              </c:numCache>
+            </c:numRef>
+          </c:xVal>
+          <c:yVal>
+            <c:numRef>
+              <c:f>Лист1!$AC$142:$AC$154</c:f>
+              <c:numCache>
+                <c:formatCode>0.000000</c:formatCode>
+                <c:ptCount val="13"/>
+                <c:pt idx="0">
+                  <c:v>6.1428061260186996E-3</c:v>
+                </c:pt>
+                <c:pt idx="1">
+                  <c:v>5.0353272658139204E-3</c:v>
+                </c:pt>
+                <c:pt idx="2">
+                  <c:v>4.5130498015997101E-3</c:v>
+                </c:pt>
+                <c:pt idx="3">
+                  <c:v>3.7006100273686898E-3</c:v>
+                </c:pt>
+                <c:pt idx="4">
+                  <c:v>3.48085932918663E-3</c:v>
+                </c:pt>
+                <c:pt idx="5">
+                  <c:v>3.0394898496356498E-3</c:v>
+                </c:pt>
+                <c:pt idx="6">
+                  <c:v>2.7392896726920902E-3</c:v>
+                </c:pt>
+                <c:pt idx="7">
+                  <c:v>2.2048616908232998E-3</c:v>
+                </c:pt>
+                <c:pt idx="8">
+                  <c:v>1.7032854711423601E-3</c:v>
+                </c:pt>
+                <c:pt idx="9">
+                  <c:v>1.3791034424831801E-3</c:v>
+                </c:pt>
+                <c:pt idx="10" formatCode="0.00E+00">
+                  <c:v>1.13013605759889E-3</c:v>
+                </c:pt>
+                <c:pt idx="11" formatCode="0.00E+00">
+                  <c:v>1.0033179293974701E-3</c:v>
+                </c:pt>
+                <c:pt idx="12" formatCode="0.00E+00">
+                  <c:v>9.1846000982499201E-4</c:v>
+                </c:pt>
+              </c:numCache>
+            </c:numRef>
+          </c:yVal>
+          <c:smooth val="1"/>
+          <c:extLst>
+            <c:ext xmlns:c16="http://schemas.microsoft.com/office/drawing/2014/chart" uri="{C3380CC4-5D6E-409C-BE32-E72D297353CC}">
+              <c16:uniqueId val="{00000001-4280-49A5-999D-9C95962FF3B1}"/>
+            </c:ext>
+          </c:extLst>
+        </c:ser>
+        <c:ser>
+          <c:idx val="2"/>
+          <c:order val="2"/>
+          <c:tx>
+            <c:v>L_2</c:v>
+          </c:tx>
+          <c:spPr>
+            <a:ln w="19050" cap="rnd">
+              <a:solidFill>
+                <a:schemeClr val="accent3"/>
+              </a:solidFill>
+              <a:round/>
+            </a:ln>
+            <a:effectLst/>
+          </c:spPr>
+          <c:marker>
+            <c:symbol val="circle"/>
+            <c:size val="5"/>
+            <c:spPr>
+              <a:solidFill>
+                <a:schemeClr val="accent3"/>
+              </a:solidFill>
+              <a:ln w="9525">
+                <a:solidFill>
+                  <a:schemeClr val="accent3"/>
+                </a:solidFill>
+              </a:ln>
+              <a:effectLst/>
+            </c:spPr>
+          </c:marker>
+          <c:xVal>
+            <c:numRef>
+              <c:f>Лист1!$M$142:$M$155</c:f>
+              <c:numCache>
+                <c:formatCode>General</c:formatCode>
+                <c:ptCount val="14"/>
+                <c:pt idx="0">
+                  <c:v>7.3995548758683195E-4</c:v>
+                </c:pt>
+                <c:pt idx="1">
+                  <c:v>5.9215412224577005E-4</c:v>
+                </c:pt>
+                <c:pt idx="2">
+                  <c:v>4.3971840760824497E-4</c:v>
+                </c:pt>
+                <c:pt idx="3">
+                  <c:v>3.7374997196285801E-4</c:v>
+                </c:pt>
+                <c:pt idx="4">
+                  <c:v>2.9856510365332901E-4</c:v>
+                </c:pt>
+                <c:pt idx="5">
+                  <c:v>2.59337571786468E-4</c:v>
+                </c:pt>
+                <c:pt idx="6">
+                  <c:v>2.23692471596135E-4</c:v>
+                </c:pt>
+                <c:pt idx="7">
+                  <c:v>1.8527084450529501E-4</c:v>
+                </c:pt>
+                <c:pt idx="8">
+                  <c:v>1.4831424293613101E-4</c:v>
+                </c:pt>
+                <c:pt idx="9">
+                  <c:v>1.11619191723465E-4</c:v>
+                </c:pt>
+                <c:pt idx="10" formatCode="0.00E+00">
+                  <c:v>7.4443977717700399E-5</c:v>
+                </c:pt>
+                <c:pt idx="11" formatCode="0.00E+00">
+                  <c:v>5.9338654044515602E-5</c:v>
+                </c:pt>
+                <c:pt idx="12" formatCode="0.00E+00">
+                  <c:v>5.2105073705123903E-5</c:v>
+                </c:pt>
+                <c:pt idx="13" formatCode="0.00E+00">
+                  <c:v>4.4494558633576102E-5</c:v>
+                </c:pt>
+              </c:numCache>
+            </c:numRef>
+          </c:xVal>
+          <c:yVal>
+            <c:numRef>
+              <c:f>Лист1!$AD$142:$AD$154</c:f>
+              <c:numCache>
+                <c:formatCode>0.000000</c:formatCode>
+                <c:ptCount val="13"/>
+                <c:pt idx="0">
+                  <c:v>5.5020904058449504E-4</c:v>
+                </c:pt>
+                <c:pt idx="1">
+                  <c:v>4.2348894517642299E-4</c:v>
+                </c:pt>
+                <c:pt idx="2">
+                  <c:v>3.5266789212110797E-4</c:v>
+                </c:pt>
+                <c:pt idx="3">
+                  <c:v>2.7225010880974201E-4</c:v>
+                </c:pt>
+                <c:pt idx="4">
+                  <c:v>2.4718515930871701E-4</c:v>
+                </c:pt>
+                <c:pt idx="5">
+                  <c:v>2.00558746536237E-4</c:v>
+                </c:pt>
+                <c:pt idx="6" formatCode="0.00E+00">
+                  <c:v>1.73147041599121E-4</c:v>
+                </c:pt>
+                <c:pt idx="7" formatCode="0.00E+00">
+                  <c:v>1.3335722436982601E-4</c:v>
+                </c:pt>
+                <c:pt idx="8" formatCode="0.00E+00">
+                  <c:v>9.7106967089112298E-5</c:v>
+                </c:pt>
+                <c:pt idx="9" formatCode="0.00E+00">
+                  <c:v>6.9518769725533794E-5</c:v>
+                </c:pt>
+                <c:pt idx="10" formatCode="0.00E+00">
+                  <c:v>5.4052527653900001E-5</c:v>
+                </c:pt>
+                <c:pt idx="11" formatCode="0.00E+00">
+                  <c:v>4.5164588103918798E-5</c:v>
+                </c:pt>
+                <c:pt idx="12" formatCode="0.00E+00">
+                  <c:v>3.98054117664042E-5</c:v>
+                </c:pt>
+              </c:numCache>
+            </c:numRef>
+          </c:yVal>
+          <c:smooth val="1"/>
+          <c:extLst>
+            <c:ext xmlns:c16="http://schemas.microsoft.com/office/drawing/2014/chart" uri="{C3380CC4-5D6E-409C-BE32-E72D297353CC}">
+              <c16:uniqueId val="{00000002-4280-49A5-999D-9C95962FF3B1}"/>
+            </c:ext>
+          </c:extLst>
+        </c:ser>
+        <c:dLbls>
+          <c:showLegendKey val="0"/>
+          <c:showVal val="0"/>
+          <c:showCatName val="0"/>
+          <c:showSerName val="0"/>
+          <c:showPercent val="0"/>
+          <c:showBubbleSize val="0"/>
+        </c:dLbls>
+        <c:axId val="577425208"/>
+        <c:axId val="577422256"/>
+      </c:scatterChart>
+      <c:valAx>
+        <c:axId val="577425208"/>
+        <c:scaling>
+          <c:logBase val="10"/>
+          <c:orientation val="maxMin"/>
+          <c:max val="1.0000000000000002E-3"/>
+          <c:min val="3.0000000000000011E-5"/>
+        </c:scaling>
+        <c:delete val="0"/>
+        <c:axPos val="b"/>
+        <c:majorGridlines>
+          <c:spPr>
+            <a:ln w="9525" cap="flat" cmpd="sng" algn="ctr">
+              <a:solidFill>
+                <a:schemeClr val="tx1">
+                  <a:lumMod val="15000"/>
+                  <a:lumOff val="85000"/>
+                </a:schemeClr>
+              </a:solidFill>
+              <a:round/>
+            </a:ln>
+            <a:effectLst/>
+          </c:spPr>
+        </c:majorGridlines>
+        <c:title>
+          <c:tx>
+            <c:rich>
+              <a:bodyPr rot="0" spcFirstLastPara="1" vertOverflow="ellipsis" vert="horz" wrap="square" anchor="ctr" anchorCtr="1"/>
+              <a:lstStyle/>
+              <a:p>
+                <a:pPr>
+                  <a:defRPr sz="1000" b="0" i="0" u="none" strike="noStrike" kern="1200" baseline="0">
+                    <a:solidFill>
+                      <a:schemeClr val="tx1">
+                        <a:lumMod val="65000"/>
+                        <a:lumOff val="35000"/>
+                      </a:schemeClr>
+                    </a:solidFill>
+                    <a:latin typeface="+mn-lt"/>
+                    <a:ea typeface="+mn-ea"/>
+                    <a:cs typeface="+mn-cs"/>
+                  </a:defRPr>
+                </a:pPr>
+                <a:r>
+                  <a:rPr lang="ru-RU"/>
+                  <a:t>Шаг,</a:t>
+                </a:r>
+                <a:r>
+                  <a:rPr lang="ru-RU" baseline="0"/>
+                  <a:t> </a:t>
+                </a:r>
+                <a:r>
+                  <a:rPr lang="en-US" baseline="0"/>
+                  <a:t>h^2</a:t>
+                </a:r>
+              </a:p>
+              <a:p>
+                <a:pPr>
+                  <a:defRPr/>
+                </a:pPr>
+                <a:endParaRPr lang="ru-RU"/>
+              </a:p>
+            </c:rich>
+          </c:tx>
+          <c:layout>
+            <c:manualLayout>
+              <c:xMode val="edge"/>
+              <c:yMode val="edge"/>
+              <c:x val="0.50132364799012763"/>
+              <c:y val="3.2879912835431942E-3"/>
+            </c:manualLayout>
+          </c:layout>
+          <c:overlay val="0"/>
+          <c:spPr>
+            <a:noFill/>
+            <a:ln>
+              <a:noFill/>
+            </a:ln>
+            <a:effectLst/>
+          </c:spPr>
+          <c:txPr>
+            <a:bodyPr rot="0" spcFirstLastPara="1" vertOverflow="ellipsis" vert="horz" wrap="square" anchor="ctr" anchorCtr="1"/>
+            <a:lstStyle/>
+            <a:p>
+              <a:pPr>
+                <a:defRPr sz="1000" b="0" i="0" u="none" strike="noStrike" kern="1200" baseline="0">
+                  <a:solidFill>
+                    <a:schemeClr val="tx1">
+                      <a:lumMod val="65000"/>
+                      <a:lumOff val="35000"/>
+                    </a:schemeClr>
+                  </a:solidFill>
+                  <a:latin typeface="+mn-lt"/>
+                  <a:ea typeface="+mn-ea"/>
+                  <a:cs typeface="+mn-cs"/>
+                </a:defRPr>
+              </a:pPr>
+              <a:endParaRPr lang="ru-RU"/>
+            </a:p>
+          </c:txPr>
+        </c:title>
+        <c:numFmt formatCode="0.00E+00" sourceLinked="0"/>
+        <c:majorTickMark val="out"/>
+        <c:minorTickMark val="none"/>
+        <c:tickLblPos val="nextTo"/>
+        <c:spPr>
+          <a:noFill/>
+          <a:ln w="9525" cap="flat" cmpd="sng" algn="ctr">
+            <a:solidFill>
+              <a:schemeClr val="tx1">
+                <a:lumMod val="25000"/>
+                <a:lumOff val="75000"/>
+              </a:schemeClr>
+            </a:solidFill>
+            <a:round/>
+          </a:ln>
+          <a:effectLst/>
+        </c:spPr>
+        <c:txPr>
+          <a:bodyPr rot="0" spcFirstLastPara="1" vertOverflow="ellipsis" wrap="square" anchor="b" anchorCtr="0"/>
+          <a:lstStyle/>
+          <a:p>
+            <a:pPr>
+              <a:defRPr sz="900" b="0" i="0" u="none" strike="noStrike" kern="1200" baseline="0">
+                <a:solidFill>
+                  <a:schemeClr val="tx1">
+                    <a:lumMod val="65000"/>
+                    <a:lumOff val="35000"/>
+                  </a:schemeClr>
+                </a:solidFill>
+                <a:latin typeface="+mn-lt"/>
+                <a:ea typeface="+mn-ea"/>
+                <a:cs typeface="+mn-cs"/>
+              </a:defRPr>
+            </a:pPr>
+            <a:endParaRPr lang="ru-RU"/>
+          </a:p>
+        </c:txPr>
+        <c:crossAx val="577422256"/>
+        <c:crosses val="autoZero"/>
+        <c:crossBetween val="midCat"/>
+      </c:valAx>
+      <c:valAx>
+        <c:axId val="577422256"/>
+        <c:scaling>
+          <c:logBase val="10"/>
+          <c:orientation val="minMax"/>
+        </c:scaling>
+        <c:delete val="0"/>
+        <c:axPos val="r"/>
+        <c:majorGridlines>
+          <c:spPr>
+            <a:ln w="9525" cap="flat" cmpd="sng" algn="ctr">
+              <a:solidFill>
+                <a:schemeClr val="tx1">
+                  <a:lumMod val="15000"/>
+                  <a:lumOff val="85000"/>
+                </a:schemeClr>
+              </a:solidFill>
+              <a:round/>
+            </a:ln>
+            <a:effectLst/>
+          </c:spPr>
+        </c:majorGridlines>
+        <c:title>
+          <c:tx>
+            <c:rich>
+              <a:bodyPr rot="-5400000" spcFirstLastPara="1" vertOverflow="ellipsis" vert="horz" wrap="square" anchor="ctr" anchorCtr="1"/>
+              <a:lstStyle/>
+              <a:p>
+                <a:pPr>
+                  <a:defRPr sz="1000" b="0" i="0" u="none" strike="noStrike" kern="1200" baseline="0">
+                    <a:solidFill>
+                      <a:schemeClr val="tx1">
+                        <a:lumMod val="65000"/>
+                        <a:lumOff val="35000"/>
+                      </a:schemeClr>
+                    </a:solidFill>
+                    <a:latin typeface="+mn-lt"/>
+                    <a:ea typeface="+mn-ea"/>
+                    <a:cs typeface="+mn-cs"/>
+                  </a:defRPr>
+                </a:pPr>
+                <a:r>
+                  <a:rPr lang="ru-RU"/>
+                  <a:t>Ошибка</a:t>
+                </a:r>
+              </a:p>
+            </c:rich>
+          </c:tx>
+          <c:layout>
+            <c:manualLayout>
+              <c:xMode val="edge"/>
+              <c:yMode val="edge"/>
+              <c:x val="1.2902447746124344E-2"/>
+              <c:y val="0.43461930380874336"/>
+            </c:manualLayout>
+          </c:layout>
+          <c:overlay val="0"/>
+          <c:spPr>
+            <a:noFill/>
+            <a:ln>
+              <a:noFill/>
+            </a:ln>
+            <a:effectLst/>
+          </c:spPr>
+          <c:txPr>
+            <a:bodyPr rot="-5400000" spcFirstLastPara="1" vertOverflow="ellipsis" vert="horz" wrap="square" anchor="ctr" anchorCtr="1"/>
+            <a:lstStyle/>
+            <a:p>
+              <a:pPr>
+                <a:defRPr sz="1000" b="0" i="0" u="none" strike="noStrike" kern="1200" baseline="0">
+                  <a:solidFill>
+                    <a:schemeClr val="tx1">
+                      <a:lumMod val="65000"/>
+                      <a:lumOff val="35000"/>
+                    </a:schemeClr>
+                  </a:solidFill>
+                  <a:latin typeface="+mn-lt"/>
+                  <a:ea typeface="+mn-ea"/>
+                  <a:cs typeface="+mn-cs"/>
+                </a:defRPr>
+              </a:pPr>
+              <a:endParaRPr lang="ru-RU"/>
+            </a:p>
+          </c:txPr>
+        </c:title>
+        <c:numFmt formatCode="0.00E+00" sourceLinked="0"/>
+        <c:majorTickMark val="out"/>
+        <c:minorTickMark val="out"/>
+        <c:tickLblPos val="nextTo"/>
+        <c:spPr>
+          <a:noFill/>
+          <a:ln w="9525" cap="flat" cmpd="sng" algn="ctr">
+            <a:solidFill>
+              <a:schemeClr val="tx1">
+                <a:lumMod val="25000"/>
+                <a:lumOff val="75000"/>
+              </a:schemeClr>
+            </a:solidFill>
+            <a:round/>
+          </a:ln>
+          <a:effectLst/>
+        </c:spPr>
+        <c:txPr>
+          <a:bodyPr rot="-60000000" spcFirstLastPara="1" vertOverflow="ellipsis" vert="horz" wrap="square" anchor="ctr" anchorCtr="1"/>
+          <a:lstStyle/>
+          <a:p>
+            <a:pPr>
+              <a:defRPr sz="900" b="0" i="0" u="none" strike="noStrike" kern="1200" baseline="0">
+                <a:solidFill>
+                  <a:schemeClr val="tx1">
+                    <a:lumMod val="65000"/>
+                    <a:lumOff val="35000"/>
+                  </a:schemeClr>
+                </a:solidFill>
+                <a:latin typeface="+mn-lt"/>
+                <a:ea typeface="+mn-ea"/>
+                <a:cs typeface="+mn-cs"/>
+              </a:defRPr>
+            </a:pPr>
+            <a:endParaRPr lang="ru-RU"/>
+          </a:p>
+        </c:txPr>
+        <c:crossAx val="577425208"/>
+        <c:crosses val="autoZero"/>
+        <c:crossBetween val="midCat"/>
+      </c:valAx>
+      <c:spPr>
+        <a:noFill/>
+        <a:ln>
+          <a:noFill/>
+        </a:ln>
+        <a:effectLst/>
+      </c:spPr>
+    </c:plotArea>
+    <c:legend>
+      <c:legendPos val="r"/>
+      <c:layout>
+        <c:manualLayout>
+          <c:xMode val="edge"/>
+          <c:yMode val="edge"/>
+          <c:x val="0.79756877782967073"/>
+          <c:y val="0.34996518287731471"/>
+          <c:w val="8.5073298607593398E-2"/>
+          <c:h val="0.13878109419445525"/>
+        </c:manualLayout>
+      </c:layout>
+      <c:overlay val="0"/>
+      <c:spPr>
+        <a:noFill/>
+        <a:ln>
+          <a:noFill/>
+        </a:ln>
+        <a:effectLst/>
+      </c:spPr>
+      <c:txPr>
+        <a:bodyPr rot="0" spcFirstLastPara="1" vertOverflow="ellipsis" vert="horz" wrap="square" anchor="ctr" anchorCtr="1"/>
+        <a:lstStyle/>
+        <a:p>
+          <a:pPr>
+            <a:defRPr sz="900" b="0" i="0" u="none" strike="noStrike" kern="1200" baseline="0">
+              <a:solidFill>
+                <a:schemeClr val="tx1">
+                  <a:lumMod val="65000"/>
+                  <a:lumOff val="35000"/>
+                </a:schemeClr>
+              </a:solidFill>
+              <a:latin typeface="+mn-lt"/>
+              <a:ea typeface="+mn-ea"/>
+              <a:cs typeface="+mn-cs"/>
+            </a:defRPr>
+          </a:pPr>
+          <a:endParaRPr lang="ru-RU"/>
+        </a:p>
+      </c:txPr>
+    </c:legend>
+    <c:plotVisOnly val="1"/>
+    <c:dispBlanksAs val="gap"/>
+    <c:extLst>
+      <c:ext xmlns:c16r3="http://schemas.microsoft.com/office/drawing/2017/03/chart" uri="{56B9EC1D-385E-4148-901F-78D8002777C0}">
+        <c16r3:dataDisplayOptions16>
+          <c16r3:dispNaAsBlank val="1"/>
+        </c16r3:dataDisplayOptions16>
+      </c:ext>
+    </c:extLst>
+    <c:showDLblsOverMax val="0"/>
+  </c:chart>
+  <c:spPr>
+    <a:noFill/>
+    <a:ln>
+      <a:noFill/>
+    </a:ln>
+    <a:effectLst/>
+  </c:spPr>
+  <c:txPr>
+    <a:bodyPr/>
+    <a:lstStyle/>
+    <a:p>
+      <a:pPr>
+        <a:defRPr/>
+      </a:pPr>
+      <a:endParaRPr lang="ru-RU"/>
+    </a:p>
+  </c:txPr>
+  <c:externalData r:id="rId3">
+    <c:autoUpdate val="0"/>
+  </c:externalData>
+</c:chartSpace>
+</file>
+
+<file path=ppt/charts/chart6.xml><?xml version="1.0" encoding="utf-8"?>
+<c:chartSpace xmlns:c="http://schemas.openxmlformats.org/drawingml/2006/chart" xmlns:a="http://schemas.openxmlformats.org/drawingml/2006/main" xmlns:r="http://schemas.openxmlformats.org/officeDocument/2006/relationships" xmlns:c16r2="http://schemas.microsoft.com/office/drawing/2015/06/chart">
+  <c:date1904 val="0"/>
+  <c:lang val="ru-RU"/>
+  <c:roundedCorners val="0"/>
+  <mc:AlternateContent xmlns:mc="http://schemas.openxmlformats.org/markup-compatibility/2006">
+    <mc:Choice xmlns:c14="http://schemas.microsoft.com/office/drawing/2007/8/2/chart" Requires="c14">
+      <c14:style val="102"/>
+    </mc:Choice>
+    <mc:Fallback>
+      <c:style val="2"/>
+    </mc:Fallback>
+  </mc:AlternateContent>
+  <c:chart>
+    <c:autoTitleDeleted val="0"/>
+    <c:plotArea>
+      <c:layout>
+        <c:manualLayout>
+          <c:layoutTarget val="inner"/>
+          <c:xMode val="edge"/>
+          <c:yMode val="edge"/>
+          <c:x val="4.0443071198378686E-2"/>
+          <c:y val="9.3699515347334408E-2"/>
+          <c:w val="0.92444719093657601"/>
+          <c:h val="0.87978985663948706"/>
+        </c:manualLayout>
+      </c:layout>
+      <c:scatterChart>
+        <c:scatterStyle val="smoothMarker"/>
+        <c:varyColors val="0"/>
+        <c:ser>
+          <c:idx val="0"/>
+          <c:order val="0"/>
+          <c:tx>
+            <c:v>L_inf</c:v>
+          </c:tx>
+          <c:spPr>
+            <a:ln w="19050" cap="rnd">
+              <a:solidFill>
+                <a:schemeClr val="accent1"/>
+              </a:solidFill>
+              <a:round/>
+            </a:ln>
+            <a:effectLst/>
+          </c:spPr>
+          <c:marker>
+            <c:symbol val="circle"/>
+            <c:size val="5"/>
+            <c:spPr>
+              <a:solidFill>
+                <a:schemeClr val="accent1"/>
+              </a:solidFill>
+              <a:ln w="9525">
+                <a:solidFill>
+                  <a:schemeClr val="accent1"/>
+                </a:solidFill>
+              </a:ln>
+              <a:effectLst/>
+            </c:spPr>
+          </c:marker>
+          <c:xVal>
+            <c:numRef>
+              <c:f>Лист1!$AM$201:$AM$216</c:f>
+              <c:numCache>
+                <c:formatCode>General</c:formatCode>
+                <c:ptCount val="16"/>
+                <c:pt idx="0">
+                  <c:v>4.5371337460874302E-3</c:v>
+                </c:pt>
+                <c:pt idx="1">
+                  <c:v>3.7429515020397102E-3</c:v>
+                </c:pt>
+                <c:pt idx="2">
+                  <c:v>2.9494266625268201E-3</c:v>
+                </c:pt>
+                <c:pt idx="3">
+                  <c:v>2.2443159152172E-3</c:v>
+                </c:pt>
+                <c:pt idx="4">
+                  <c:v>1.45611669404697E-3</c:v>
+                </c:pt>
+                <c:pt idx="5">
+                  <c:v>7.3995548758683195E-4</c:v>
+                </c:pt>
+                <c:pt idx="6">
+                  <c:v>5.9215412224577005E-4</c:v>
+                </c:pt>
+                <c:pt idx="7">
+                  <c:v>4.3971840760824497E-4</c:v>
+                </c:pt>
+                <c:pt idx="8">
+                  <c:v>3.7374997196285801E-4</c:v>
+                </c:pt>
+                <c:pt idx="9">
+                  <c:v>2.9856510365332901E-4</c:v>
+                </c:pt>
+                <c:pt idx="10">
+                  <c:v>2.59337571786468E-4</c:v>
+                </c:pt>
+                <c:pt idx="11">
+                  <c:v>2.23692471596135E-4</c:v>
+                </c:pt>
+                <c:pt idx="12">
+                  <c:v>1.8527084450529501E-4</c:v>
+                </c:pt>
+                <c:pt idx="13">
+                  <c:v>1.4831424293613101E-4</c:v>
+                </c:pt>
+                <c:pt idx="14">
+                  <c:v>1.11619191723465E-4</c:v>
+                </c:pt>
+                <c:pt idx="15" formatCode="0.00E+00">
+                  <c:v>7.4443977717700399E-5</c:v>
+                </c:pt>
+              </c:numCache>
+            </c:numRef>
+          </c:xVal>
+          <c:yVal>
+            <c:numRef>
+              <c:f>Лист1!$AC$233:$AC$249</c:f>
+              <c:numCache>
+                <c:formatCode>0.000000</c:formatCode>
+                <c:ptCount val="17"/>
+                <c:pt idx="0">
+                  <c:v>0.55919402667399198</c:v>
+                </c:pt>
+                <c:pt idx="1">
+                  <c:v>0.52946076879588</c:v>
+                </c:pt>
+                <c:pt idx="2">
+                  <c:v>0.49620923179714499</c:v>
+                </c:pt>
+                <c:pt idx="3">
+                  <c:v>0.45163205928662598</c:v>
+                </c:pt>
+                <c:pt idx="4">
+                  <c:v>0.38971745848681899</c:v>
+                </c:pt>
+                <c:pt idx="5">
+                  <c:v>0.28000272605870602</c:v>
+                </c:pt>
+                <c:pt idx="6">
+                  <c:v>0.25225843518264501</c:v>
+                </c:pt>
+                <c:pt idx="7">
+                  <c:v>0.21011319466940501</c:v>
+                </c:pt>
+                <c:pt idx="8">
+                  <c:v>0.181565504897157</c:v>
+                </c:pt>
+                <c:pt idx="9">
+                  <c:v>0.15952345877705101</c:v>
+                </c:pt>
+                <c:pt idx="10">
+                  <c:v>0.144059677355552</c:v>
+                </c:pt>
+                <c:pt idx="11">
+                  <c:v>0.11745512554762801</c:v>
+                </c:pt>
+                <c:pt idx="12">
+                  <c:v>9.3779298816309503E-2</c:v>
+                </c:pt>
+                <c:pt idx="13">
+                  <c:v>8.2294214190776302E-2</c:v>
+                </c:pt>
+                <c:pt idx="14">
+                  <c:v>5.2417620075022299E-2</c:v>
+                </c:pt>
+                <c:pt idx="15">
+                  <c:v>3.8433559097376099E-2</c:v>
+                </c:pt>
+                <c:pt idx="16">
+                  <c:v>2.8604304090621601E-2</c:v>
+                </c:pt>
+              </c:numCache>
+            </c:numRef>
+          </c:yVal>
+          <c:smooth val="1"/>
+          <c:extLst>
+            <c:ext xmlns:c16="http://schemas.microsoft.com/office/drawing/2014/chart" uri="{C3380CC4-5D6E-409C-BE32-E72D297353CC}">
+              <c16:uniqueId val="{00000000-18DF-4C5E-B38E-6ABC63B2867A}"/>
+            </c:ext>
+          </c:extLst>
+        </c:ser>
+        <c:ser>
+          <c:idx val="1"/>
+          <c:order val="1"/>
+          <c:tx>
+            <c:v>L_1</c:v>
+          </c:tx>
+          <c:spPr>
+            <a:ln w="19050" cap="rnd">
+              <a:solidFill>
+                <a:schemeClr val="accent2"/>
+              </a:solidFill>
+              <a:round/>
+            </a:ln>
+            <a:effectLst/>
+          </c:spPr>
+          <c:marker>
+            <c:symbol val="circle"/>
+            <c:size val="5"/>
+            <c:spPr>
+              <a:solidFill>
+                <a:schemeClr val="accent2"/>
+              </a:solidFill>
+              <a:ln w="9525">
+                <a:solidFill>
+                  <a:schemeClr val="accent2"/>
+                </a:solidFill>
+              </a:ln>
+              <a:effectLst/>
+            </c:spPr>
+          </c:marker>
+          <c:xVal>
+            <c:numRef>
+              <c:f>Лист1!$AM$201:$AM$216</c:f>
+              <c:numCache>
+                <c:formatCode>General</c:formatCode>
+                <c:ptCount val="16"/>
+                <c:pt idx="0">
+                  <c:v>4.5371337460874302E-3</c:v>
+                </c:pt>
+                <c:pt idx="1">
+                  <c:v>3.7429515020397102E-3</c:v>
+                </c:pt>
+                <c:pt idx="2">
+                  <c:v>2.9494266625268201E-3</c:v>
+                </c:pt>
+                <c:pt idx="3">
+                  <c:v>2.2443159152172E-3</c:v>
+                </c:pt>
+                <c:pt idx="4">
+                  <c:v>1.45611669404697E-3</c:v>
+                </c:pt>
+                <c:pt idx="5">
+                  <c:v>7.3995548758683195E-4</c:v>
+                </c:pt>
+                <c:pt idx="6">
+                  <c:v>5.9215412224577005E-4</c:v>
+                </c:pt>
+                <c:pt idx="7">
+                  <c:v>4.3971840760824497E-4</c:v>
+                </c:pt>
+                <c:pt idx="8">
+                  <c:v>3.7374997196285801E-4</c:v>
+                </c:pt>
+                <c:pt idx="9">
+                  <c:v>2.9856510365332901E-4</c:v>
+                </c:pt>
+                <c:pt idx="10">
+                  <c:v>2.59337571786468E-4</c:v>
+                </c:pt>
+                <c:pt idx="11">
+                  <c:v>2.23692471596135E-4</c:v>
+                </c:pt>
+                <c:pt idx="12">
+                  <c:v>1.8527084450529501E-4</c:v>
+                </c:pt>
+                <c:pt idx="13">
+                  <c:v>1.4831424293613101E-4</c:v>
+                </c:pt>
+                <c:pt idx="14">
+                  <c:v>1.11619191723465E-4</c:v>
+                </c:pt>
+                <c:pt idx="15" formatCode="0.00E+00">
+                  <c:v>7.4443977717700399E-5</c:v>
+                </c:pt>
+              </c:numCache>
+            </c:numRef>
+          </c:xVal>
+          <c:yVal>
+            <c:numRef>
+              <c:f>Лист1!$AD$233:$AD$249</c:f>
+              <c:numCache>
+                <c:formatCode>0.000000</c:formatCode>
+                <c:ptCount val="17"/>
+                <c:pt idx="0">
+                  <c:v>8.1668870300895993E-2</c:v>
+                </c:pt>
+                <c:pt idx="1">
+                  <c:v>8.0033908219532504E-2</c:v>
+                </c:pt>
+                <c:pt idx="2">
+                  <c:v>7.4412715087190606E-2</c:v>
+                </c:pt>
+                <c:pt idx="3">
+                  <c:v>6.7014041982296199E-2</c:v>
+                </c:pt>
+                <c:pt idx="4">
+                  <c:v>5.5150012011143501E-2</c:v>
+                </c:pt>
+                <c:pt idx="5">
+                  <c:v>3.8315782872036297E-2</c:v>
+                </c:pt>
+                <c:pt idx="6">
+                  <c:v>3.3444864697446397E-2</c:v>
+                </c:pt>
+                <c:pt idx="7">
+                  <c:v>2.81580363847455E-2</c:v>
+                </c:pt>
+                <c:pt idx="8">
+                  <c:v>2.43444310564114E-2</c:v>
+                </c:pt>
+                <c:pt idx="9">
+                  <c:v>1.9924039716314301E-2</c:v>
+                </c:pt>
+                <c:pt idx="10">
+                  <c:v>1.7161742495717499E-2</c:v>
+                </c:pt>
+                <c:pt idx="11">
+                  <c:v>1.45803457402409E-2</c:v>
+                </c:pt>
+                <c:pt idx="12">
+                  <c:v>1.24075846785989E-2</c:v>
+                </c:pt>
+                <c:pt idx="13">
+                  <c:v>1.01795103288683E-2</c:v>
+                </c:pt>
+                <c:pt idx="14">
+                  <c:v>7.3407934061815597E-3</c:v>
+                </c:pt>
+                <c:pt idx="15">
+                  <c:v>4.5100636280851099E-3</c:v>
+                </c:pt>
+                <c:pt idx="16">
+                  <c:v>3.6165171021684799E-3</c:v>
+                </c:pt>
+              </c:numCache>
+            </c:numRef>
+          </c:yVal>
+          <c:smooth val="1"/>
+          <c:extLst>
+            <c:ext xmlns:c16="http://schemas.microsoft.com/office/drawing/2014/chart" uri="{C3380CC4-5D6E-409C-BE32-E72D297353CC}">
+              <c16:uniqueId val="{00000001-18DF-4C5E-B38E-6ABC63B2867A}"/>
+            </c:ext>
+          </c:extLst>
+        </c:ser>
+        <c:ser>
+          <c:idx val="2"/>
+          <c:order val="2"/>
+          <c:tx>
+            <c:v>L_2</c:v>
+          </c:tx>
+          <c:spPr>
+            <a:ln w="19050" cap="rnd">
+              <a:solidFill>
+                <a:schemeClr val="accent3"/>
+              </a:solidFill>
+              <a:round/>
+            </a:ln>
+            <a:effectLst/>
+          </c:spPr>
+          <c:marker>
+            <c:symbol val="circle"/>
+            <c:size val="5"/>
+            <c:spPr>
+              <a:solidFill>
+                <a:schemeClr val="accent3"/>
+              </a:solidFill>
+              <a:ln w="9525">
+                <a:solidFill>
+                  <a:schemeClr val="accent3"/>
+                </a:solidFill>
+              </a:ln>
+              <a:effectLst/>
+            </c:spPr>
+          </c:marker>
+          <c:xVal>
+            <c:numRef>
+              <c:f>Лист1!$AM$201:$AM$216</c:f>
+              <c:numCache>
+                <c:formatCode>General</c:formatCode>
+                <c:ptCount val="16"/>
+                <c:pt idx="0">
+                  <c:v>4.5371337460874302E-3</c:v>
+                </c:pt>
+                <c:pt idx="1">
+                  <c:v>3.7429515020397102E-3</c:v>
+                </c:pt>
+                <c:pt idx="2">
+                  <c:v>2.9494266625268201E-3</c:v>
+                </c:pt>
+                <c:pt idx="3">
+                  <c:v>2.2443159152172E-3</c:v>
+                </c:pt>
+                <c:pt idx="4">
+                  <c:v>1.45611669404697E-3</c:v>
+                </c:pt>
+                <c:pt idx="5">
+                  <c:v>7.3995548758683195E-4</c:v>
+                </c:pt>
+                <c:pt idx="6">
+                  <c:v>5.9215412224577005E-4</c:v>
+                </c:pt>
+                <c:pt idx="7">
+                  <c:v>4.3971840760824497E-4</c:v>
+                </c:pt>
+                <c:pt idx="8">
+                  <c:v>3.7374997196285801E-4</c:v>
+                </c:pt>
+                <c:pt idx="9">
+                  <c:v>2.9856510365332901E-4</c:v>
+                </c:pt>
+                <c:pt idx="10">
+                  <c:v>2.59337571786468E-4</c:v>
+                </c:pt>
+                <c:pt idx="11">
+                  <c:v>2.23692471596135E-4</c:v>
+                </c:pt>
+                <c:pt idx="12">
+                  <c:v>1.8527084450529501E-4</c:v>
+                </c:pt>
+                <c:pt idx="13">
+                  <c:v>1.4831424293613101E-4</c:v>
+                </c:pt>
+                <c:pt idx="14">
+                  <c:v>1.11619191723465E-4</c:v>
+                </c:pt>
+                <c:pt idx="15" formatCode="0.00E+00">
+                  <c:v>7.4443977717700399E-5</c:v>
+                </c:pt>
+              </c:numCache>
+            </c:numRef>
+          </c:xVal>
+          <c:yVal>
+            <c:numRef>
+              <c:f>Лист1!$AE$233:$AE$249</c:f>
+              <c:numCache>
+                <c:formatCode>0.000000</c:formatCode>
+                <c:ptCount val="17"/>
+                <c:pt idx="0">
+                  <c:v>7.8555762762585694E-3</c:v>
+                </c:pt>
+                <c:pt idx="1">
+                  <c:v>6.9821517565714399E-3</c:v>
+                </c:pt>
+                <c:pt idx="2">
+                  <c:v>5.91541139237682E-3</c:v>
+                </c:pt>
+                <c:pt idx="3">
+                  <c:v>4.6310795492434101E-3</c:v>
+                </c:pt>
+                <c:pt idx="4">
+                  <c:v>3.1909963904343101E-3</c:v>
+                </c:pt>
+                <c:pt idx="5">
+                  <c:v>1.6428754938470501E-3</c:v>
+                </c:pt>
+                <c:pt idx="6">
+                  <c:v>1.29108345166329E-3</c:v>
+                </c:pt>
+                <c:pt idx="7">
+                  <c:v>9.4245330784448395E-4</c:v>
+                </c:pt>
+                <c:pt idx="8">
+                  <c:v>7.5173473546134503E-4</c:v>
+                </c:pt>
+                <c:pt idx="9">
+                  <c:v>5.6513923191285295E-4</c:v>
+                </c:pt>
+                <c:pt idx="10">
+                  <c:v>4.6066812049887001E-4</c:v>
+                </c:pt>
+                <c:pt idx="11">
+                  <c:v>3.6159708159825898E-4</c:v>
+                </c:pt>
+                <c:pt idx="12">
+                  <c:v>2.72782354811608E-4</c:v>
+                </c:pt>
+                <c:pt idx="13">
+                  <c:v>1.9658074071453099E-4</c:v>
+                </c:pt>
+                <c:pt idx="14">
+                  <c:v>1.19523203164417E-4</c:v>
+                </c:pt>
+                <c:pt idx="15" formatCode="0.00E+00">
+                  <c:v>6.4368678370002998E-5</c:v>
+                </c:pt>
+                <c:pt idx="16" formatCode="0.00E+00">
+                  <c:v>4.7166244375626901E-5</c:v>
+                </c:pt>
+              </c:numCache>
+            </c:numRef>
+          </c:yVal>
+          <c:smooth val="1"/>
+          <c:extLst>
+            <c:ext xmlns:c16="http://schemas.microsoft.com/office/drawing/2014/chart" uri="{C3380CC4-5D6E-409C-BE32-E72D297353CC}">
+              <c16:uniqueId val="{00000002-18DF-4C5E-B38E-6ABC63B2867A}"/>
+            </c:ext>
+          </c:extLst>
+        </c:ser>
+        <c:dLbls>
+          <c:showLegendKey val="0"/>
+          <c:showVal val="0"/>
+          <c:showCatName val="0"/>
+          <c:showSerName val="0"/>
+          <c:showPercent val="0"/>
+          <c:showBubbleSize val="0"/>
+        </c:dLbls>
+        <c:axId val="708370064"/>
+        <c:axId val="708375968"/>
+      </c:scatterChart>
+      <c:valAx>
+        <c:axId val="708370064"/>
+        <c:scaling>
+          <c:logBase val="10"/>
+          <c:orientation val="maxMin"/>
+          <c:max val="1.0000000000000002E-2"/>
+          <c:min val="5.0000000000000023E-5"/>
+        </c:scaling>
+        <c:delete val="0"/>
+        <c:axPos val="b"/>
+        <c:majorGridlines>
+          <c:spPr>
+            <a:ln w="9525" cap="flat" cmpd="sng" algn="ctr">
+              <a:solidFill>
+                <a:schemeClr val="tx1">
+                  <a:lumMod val="15000"/>
+                  <a:lumOff val="85000"/>
+                </a:schemeClr>
+              </a:solidFill>
+              <a:round/>
+            </a:ln>
+            <a:effectLst/>
+          </c:spPr>
+        </c:majorGridlines>
+        <c:title>
+          <c:tx>
+            <c:rich>
+              <a:bodyPr rot="0" spcFirstLastPara="1" vertOverflow="ellipsis" vert="horz" wrap="square" anchor="ctr" anchorCtr="1"/>
+              <a:lstStyle/>
+              <a:p>
+                <a:pPr>
+                  <a:defRPr sz="1000" b="0" i="0" u="none" strike="noStrike" kern="1200" baseline="0">
+                    <a:solidFill>
+                      <a:schemeClr val="tx1">
+                        <a:lumMod val="65000"/>
+                        <a:lumOff val="35000"/>
+                      </a:schemeClr>
+                    </a:solidFill>
+                    <a:latin typeface="+mn-lt"/>
+                    <a:ea typeface="+mn-ea"/>
+                    <a:cs typeface="+mn-cs"/>
+                  </a:defRPr>
+                </a:pPr>
+                <a:r>
+                  <a:rPr lang="ru-RU"/>
+                  <a:t>Шаг,</a:t>
+                </a:r>
+                <a:r>
+                  <a:rPr lang="ru-RU" baseline="0"/>
+                  <a:t> </a:t>
+                </a:r>
+                <a:r>
+                  <a:rPr lang="en-US" baseline="0"/>
+                  <a:t>h*2</a:t>
+                </a:r>
+              </a:p>
+            </c:rich>
+          </c:tx>
+          <c:layout>
+            <c:manualLayout>
+              <c:xMode val="edge"/>
+              <c:yMode val="edge"/>
+              <c:x val="0.49002106382271843"/>
+              <c:y val="3.0032182972281933E-2"/>
+            </c:manualLayout>
+          </c:layout>
+          <c:overlay val="0"/>
+          <c:spPr>
+            <a:noFill/>
+            <a:ln>
+              <a:noFill/>
+            </a:ln>
+            <a:effectLst/>
+          </c:spPr>
+          <c:txPr>
+            <a:bodyPr rot="0" spcFirstLastPara="1" vertOverflow="ellipsis" vert="horz" wrap="square" anchor="ctr" anchorCtr="1"/>
+            <a:lstStyle/>
+            <a:p>
+              <a:pPr>
+                <a:defRPr sz="1000" b="0" i="0" u="none" strike="noStrike" kern="1200" baseline="0">
+                  <a:solidFill>
+                    <a:schemeClr val="tx1">
+                      <a:lumMod val="65000"/>
+                      <a:lumOff val="35000"/>
+                    </a:schemeClr>
+                  </a:solidFill>
+                  <a:latin typeface="+mn-lt"/>
+                  <a:ea typeface="+mn-ea"/>
+                  <a:cs typeface="+mn-cs"/>
+                </a:defRPr>
+              </a:pPr>
+              <a:endParaRPr lang="ru-RU"/>
+            </a:p>
+          </c:txPr>
+        </c:title>
+        <c:numFmt formatCode="General" sourceLinked="1"/>
+        <c:majorTickMark val="none"/>
+        <c:minorTickMark val="none"/>
+        <c:tickLblPos val="nextTo"/>
+        <c:spPr>
+          <a:noFill/>
+          <a:ln w="9525" cap="flat" cmpd="sng" algn="ctr">
+            <a:solidFill>
+              <a:schemeClr val="tx1">
+                <a:lumMod val="25000"/>
+                <a:lumOff val="75000"/>
+              </a:schemeClr>
+            </a:solidFill>
+            <a:round/>
+          </a:ln>
+          <a:effectLst/>
+        </c:spPr>
+        <c:txPr>
+          <a:bodyPr rot="-60000000" spcFirstLastPara="1" vertOverflow="ellipsis" vert="horz" wrap="square" anchor="ctr" anchorCtr="1"/>
+          <a:lstStyle/>
+          <a:p>
+            <a:pPr>
+              <a:defRPr sz="900" b="0" i="0" u="none" strike="noStrike" kern="1200" baseline="0">
+                <a:solidFill>
+                  <a:schemeClr val="tx1">
+                    <a:lumMod val="65000"/>
+                    <a:lumOff val="35000"/>
+                  </a:schemeClr>
+                </a:solidFill>
+                <a:latin typeface="+mn-lt"/>
+                <a:ea typeface="+mn-ea"/>
+                <a:cs typeface="+mn-cs"/>
+              </a:defRPr>
+            </a:pPr>
+            <a:endParaRPr lang="ru-RU"/>
+          </a:p>
+        </c:txPr>
+        <c:crossAx val="708375968"/>
+        <c:crosses val="autoZero"/>
+        <c:crossBetween val="midCat"/>
+      </c:valAx>
+      <c:valAx>
+        <c:axId val="708375968"/>
+        <c:scaling>
+          <c:logBase val="10"/>
+          <c:orientation val="minMax"/>
+        </c:scaling>
+        <c:delete val="0"/>
+        <c:axPos val="r"/>
+        <c:majorGridlines>
+          <c:spPr>
+            <a:ln w="9525" cap="flat" cmpd="sng" algn="ctr">
+              <a:solidFill>
+                <a:schemeClr val="tx1">
+                  <a:lumMod val="15000"/>
+                  <a:lumOff val="85000"/>
+                </a:schemeClr>
+              </a:solidFill>
+              <a:round/>
+            </a:ln>
+            <a:effectLst/>
+          </c:spPr>
+        </c:majorGridlines>
+        <c:title>
+          <c:tx>
+            <c:rich>
+              <a:bodyPr rot="-5400000" spcFirstLastPara="1" vertOverflow="ellipsis" vert="horz" wrap="square" anchor="ctr" anchorCtr="1"/>
+              <a:lstStyle/>
+              <a:p>
+                <a:pPr>
+                  <a:defRPr sz="1000" b="0" i="0" u="none" strike="noStrike" kern="1200" baseline="0">
+                    <a:solidFill>
+                      <a:schemeClr val="tx1">
+                        <a:lumMod val="65000"/>
+                        <a:lumOff val="35000"/>
+                      </a:schemeClr>
+                    </a:solidFill>
+                    <a:latin typeface="+mn-lt"/>
+                    <a:ea typeface="+mn-ea"/>
+                    <a:cs typeface="+mn-cs"/>
+                  </a:defRPr>
+                </a:pPr>
+                <a:r>
+                  <a:rPr lang="ru-RU"/>
+                  <a:t>Ошибка</a:t>
+                </a:r>
+              </a:p>
+            </c:rich>
+          </c:tx>
+          <c:layout>
+            <c:manualLayout>
+              <c:xMode val="edge"/>
+              <c:yMode val="edge"/>
+              <c:x val="1.2991527957739529E-2"/>
+              <c:y val="0.43332782109829165"/>
+            </c:manualLayout>
+          </c:layout>
+          <c:overlay val="0"/>
+          <c:spPr>
+            <a:noFill/>
+            <a:ln>
+              <a:noFill/>
+            </a:ln>
+            <a:effectLst/>
+          </c:spPr>
+          <c:txPr>
+            <a:bodyPr rot="-5400000" spcFirstLastPara="1" vertOverflow="ellipsis" vert="horz" wrap="square" anchor="ctr" anchorCtr="1"/>
+            <a:lstStyle/>
+            <a:p>
+              <a:pPr>
+                <a:defRPr sz="1000" b="0" i="0" u="none" strike="noStrike" kern="1200" baseline="0">
+                  <a:solidFill>
+                    <a:schemeClr val="tx1">
+                      <a:lumMod val="65000"/>
+                      <a:lumOff val="35000"/>
+                    </a:schemeClr>
+                  </a:solidFill>
+                  <a:latin typeface="+mn-lt"/>
+                  <a:ea typeface="+mn-ea"/>
+                  <a:cs typeface="+mn-cs"/>
+                </a:defRPr>
+              </a:pPr>
+              <a:endParaRPr lang="ru-RU"/>
+            </a:p>
+          </c:txPr>
+        </c:title>
+        <c:numFmt formatCode="0.000000" sourceLinked="1"/>
+        <c:majorTickMark val="none"/>
+        <c:minorTickMark val="none"/>
+        <c:tickLblPos val="nextTo"/>
+        <c:spPr>
+          <a:noFill/>
+          <a:ln w="9525" cap="flat" cmpd="sng" algn="ctr">
+            <a:solidFill>
+              <a:schemeClr val="tx1">
+                <a:lumMod val="25000"/>
+                <a:lumOff val="75000"/>
+              </a:schemeClr>
+            </a:solidFill>
+            <a:round/>
+          </a:ln>
+          <a:effectLst/>
+        </c:spPr>
+        <c:txPr>
+          <a:bodyPr rot="-60000000" spcFirstLastPara="1" vertOverflow="ellipsis" vert="horz" wrap="square" anchor="ctr" anchorCtr="1"/>
+          <a:lstStyle/>
+          <a:p>
+            <a:pPr>
+              <a:defRPr sz="900" b="0" i="0" u="none" strike="noStrike" kern="1200" baseline="0">
+                <a:solidFill>
+                  <a:schemeClr val="tx1">
+                    <a:lumMod val="65000"/>
+                    <a:lumOff val="35000"/>
+                  </a:schemeClr>
+                </a:solidFill>
+                <a:latin typeface="+mn-lt"/>
+                <a:ea typeface="+mn-ea"/>
+                <a:cs typeface="+mn-cs"/>
+              </a:defRPr>
+            </a:pPr>
+            <a:endParaRPr lang="ru-RU"/>
+          </a:p>
+        </c:txPr>
+        <c:crossAx val="708370064"/>
+        <c:crosses val="autoZero"/>
+        <c:crossBetween val="midCat"/>
+      </c:valAx>
+      <c:spPr>
+        <a:noFill/>
+        <a:ln>
+          <a:noFill/>
+        </a:ln>
+        <a:effectLst/>
+      </c:spPr>
+    </c:plotArea>
+    <c:plotVisOnly val="1"/>
+    <c:dispBlanksAs val="gap"/>
+    <c:extLst>
+      <c:ext xmlns:c16r3="http://schemas.microsoft.com/office/drawing/2017/03/chart" uri="{56B9EC1D-385E-4148-901F-78D8002777C0}">
+        <c16r3:dataDisplayOptions16>
+          <c16r3:dispNaAsBlank val="1"/>
+        </c16r3:dataDisplayOptions16>
+      </c:ext>
+    </c:extLst>
+    <c:showDLblsOverMax val="0"/>
+  </c:chart>
+  <c:spPr>
+    <a:noFill/>
+    <a:ln>
+      <a:noFill/>
+    </a:ln>
+    <a:effectLst/>
+  </c:spPr>
+  <c:txPr>
+    <a:bodyPr/>
+    <a:lstStyle/>
+    <a:p>
+      <a:pPr>
+        <a:defRPr/>
+      </a:pPr>
+      <a:endParaRPr lang="ru-RU"/>
+    </a:p>
+  </c:txPr>
+  <c:externalData r:id="rId3">
+    <c:autoUpdate val="0"/>
+  </c:externalData>
+</c:chartSpace>
+</file>
+
+<file path=ppt/charts/colors1.xml><?xml version="1.0" encoding="utf-8"?>
+<cs:colorStyle xmlns:cs="http://schemas.microsoft.com/office/drawing/2012/chartStyle" xmlns:a="http://schemas.openxmlformats.org/drawingml/2006/main" meth="cycle" id="10">
+  <a:schemeClr val="accent1"/>
+  <a:schemeClr val="accent2"/>
+  <a:schemeClr val="accent3"/>
+  <a:schemeClr val="accent4"/>
+  <a:schemeClr val="accent5"/>
+  <a:schemeClr val="accent6"/>
+  <cs:variation/>
+  <cs:variation>
+    <a:lumMod val="60000"/>
+  </cs:variation>
+  <cs:variation>
+    <a:lumMod val="80000"/>
+    <a:lumOff val="20000"/>
+  </cs:variation>
+  <cs:variation>
+    <a:lumMod val="80000"/>
+  </cs:variation>
+  <cs:variation>
+    <a:lumMod val="60000"/>
+    <a:lumOff val="40000"/>
+  </cs:variation>
+  <cs:variation>
+    <a:lumMod val="50000"/>
+  </cs:variation>
+  <cs:variation>
+    <a:lumMod val="70000"/>
+    <a:lumOff val="30000"/>
+  </cs:variation>
+  <cs:variation>
+    <a:lumMod val="70000"/>
+  </cs:variation>
+  <cs:variation>
+    <a:lumMod val="50000"/>
+    <a:lumOff val="50000"/>
+  </cs:variation>
+</cs:colorStyle>
+</file>
+
+<file path=ppt/charts/colors2.xml><?xml version="1.0" encoding="utf-8"?>
+<cs:colorStyle xmlns:cs="http://schemas.microsoft.com/office/drawing/2012/chartStyle" xmlns:a="http://schemas.openxmlformats.org/drawingml/2006/main" meth="cycle" id="10">
+  <a:schemeClr val="accent1"/>
+  <a:schemeClr val="accent2"/>
+  <a:schemeClr val="accent3"/>
+  <a:schemeClr val="accent4"/>
+  <a:schemeClr val="accent5"/>
+  <a:schemeClr val="accent6"/>
+  <cs:variation/>
+  <cs:variation>
+    <a:lumMod val="60000"/>
+  </cs:variation>
+  <cs:variation>
+    <a:lumMod val="80000"/>
+    <a:lumOff val="20000"/>
+  </cs:variation>
+  <cs:variation>
+    <a:lumMod val="80000"/>
+  </cs:variation>
+  <cs:variation>
+    <a:lumMod val="60000"/>
+    <a:lumOff val="40000"/>
+  </cs:variation>
+  <cs:variation>
+    <a:lumMod val="50000"/>
+  </cs:variation>
+  <cs:variation>
+    <a:lumMod val="70000"/>
+    <a:lumOff val="30000"/>
+  </cs:variation>
+  <cs:variation>
+    <a:lumMod val="70000"/>
+  </cs:variation>
+  <cs:variation>
+    <a:lumMod val="50000"/>
+    <a:lumOff val="50000"/>
+  </cs:variation>
+</cs:colorStyle>
+</file>
+
+<file path=ppt/charts/colors3.xml><?xml version="1.0" encoding="utf-8"?>
+<cs:colorStyle xmlns:cs="http://schemas.microsoft.com/office/drawing/2012/chartStyle" xmlns:a="http://schemas.openxmlformats.org/drawingml/2006/main" meth="cycle" id="10">
+  <a:schemeClr val="accent1"/>
+  <a:schemeClr val="accent2"/>
+  <a:schemeClr val="accent3"/>
+  <a:schemeClr val="accent4"/>
+  <a:schemeClr val="accent5"/>
+  <a:schemeClr val="accent6"/>
+  <cs:variation/>
+  <cs:variation>
+    <a:lumMod val="60000"/>
+  </cs:variation>
+  <cs:variation>
+    <a:lumMod val="80000"/>
+    <a:lumOff val="20000"/>
+  </cs:variation>
+  <cs:variation>
+    <a:lumMod val="80000"/>
+  </cs:variation>
+  <cs:variation>
+    <a:lumMod val="60000"/>
+    <a:lumOff val="40000"/>
+  </cs:variation>
+  <cs:variation>
+    <a:lumMod val="50000"/>
+  </cs:variation>
+  <cs:variation>
+    <a:lumMod val="70000"/>
+    <a:lumOff val="30000"/>
+  </cs:variation>
+  <cs:variation>
+    <a:lumMod val="70000"/>
+  </cs:variation>
+  <cs:variation>
+    <a:lumMod val="50000"/>
+    <a:lumOff val="50000"/>
+  </cs:variation>
+</cs:colorStyle>
+</file>
+
+<file path=ppt/charts/colors4.xml><?xml version="1.0" encoding="utf-8"?>
+<cs:colorStyle xmlns:cs="http://schemas.microsoft.com/office/drawing/2012/chartStyle" xmlns:a="http://schemas.openxmlformats.org/drawingml/2006/main" meth="cycle" id="10">
+  <a:schemeClr val="accent1"/>
+  <a:schemeClr val="accent2"/>
+  <a:schemeClr val="accent3"/>
+  <a:schemeClr val="accent4"/>
+  <a:schemeClr val="accent5"/>
+  <a:schemeClr val="accent6"/>
+  <cs:variation/>
+  <cs:variation>
+    <a:lumMod val="60000"/>
+  </cs:variation>
+  <cs:variation>
+    <a:lumMod val="80000"/>
+    <a:lumOff val="20000"/>
+  </cs:variation>
+  <cs:variation>
+    <a:lumMod val="80000"/>
+  </cs:variation>
+  <cs:variation>
+    <a:lumMod val="60000"/>
+    <a:lumOff val="40000"/>
+  </cs:variation>
+  <cs:variation>
+    <a:lumMod val="50000"/>
+  </cs:variation>
+  <cs:variation>
+    <a:lumMod val="70000"/>
+    <a:lumOff val="30000"/>
+  </cs:variation>
+  <cs:variation>
+    <a:lumMod val="70000"/>
+  </cs:variation>
+  <cs:variation>
+    <a:lumMod val="50000"/>
+    <a:lumOff val="50000"/>
+  </cs:variation>
+</cs:colorStyle>
+</file>
+
+<file path=ppt/charts/colors5.xml><?xml version="1.0" encoding="utf-8"?>
+<cs:colorStyle xmlns:cs="http://schemas.microsoft.com/office/drawing/2012/chartStyle" xmlns:a="http://schemas.openxmlformats.org/drawingml/2006/main" meth="cycle" id="10">
+  <a:schemeClr val="accent1"/>
+  <a:schemeClr val="accent2"/>
+  <a:schemeClr val="accent3"/>
+  <a:schemeClr val="accent4"/>
+  <a:schemeClr val="accent5"/>
+  <a:schemeClr val="accent6"/>
+  <cs:variation/>
+  <cs:variation>
+    <a:lumMod val="60000"/>
+  </cs:variation>
+  <cs:variation>
+    <a:lumMod val="80000"/>
+    <a:lumOff val="20000"/>
+  </cs:variation>
+  <cs:variation>
+    <a:lumMod val="80000"/>
+  </cs:variation>
+  <cs:variation>
+    <a:lumMod val="60000"/>
+    <a:lumOff val="40000"/>
+  </cs:variation>
+  <cs:variation>
+    <a:lumMod val="50000"/>
+  </cs:variation>
+  <cs:variation>
+    <a:lumMod val="70000"/>
+    <a:lumOff val="30000"/>
+  </cs:variation>
+  <cs:variation>
+    <a:lumMod val="70000"/>
+  </cs:variation>
+  <cs:variation>
+    <a:lumMod val="50000"/>
+    <a:lumOff val="50000"/>
+  </cs:variation>
+</cs:colorStyle>
+</file>
+
+<file path=ppt/charts/colors6.xml><?xml version="1.0" encoding="utf-8"?>
+<cs:colorStyle xmlns:cs="http://schemas.microsoft.com/office/drawing/2012/chartStyle" xmlns:a="http://schemas.openxmlformats.org/drawingml/2006/main" meth="cycle" id="10">
+  <a:schemeClr val="accent1"/>
+  <a:schemeClr val="accent2"/>
+  <a:schemeClr val="accent3"/>
+  <a:schemeClr val="accent4"/>
+  <a:schemeClr val="accent5"/>
+  <a:schemeClr val="accent6"/>
+  <cs:variation/>
+  <cs:variation>
+    <a:lumMod val="60000"/>
+  </cs:variation>
+  <cs:variation>
+    <a:lumMod val="80000"/>
+    <a:lumOff val="20000"/>
+  </cs:variation>
+  <cs:variation>
+    <a:lumMod val="80000"/>
+  </cs:variation>
+  <cs:variation>
+    <a:lumMod val="60000"/>
+    <a:lumOff val="40000"/>
+  </cs:variation>
+  <cs:variation>
+    <a:lumMod val="50000"/>
+  </cs:variation>
+  <cs:variation>
+    <a:lumMod val="70000"/>
+    <a:lumOff val="30000"/>
+  </cs:variation>
+  <cs:variation>
+    <a:lumMod val="70000"/>
+  </cs:variation>
+  <cs:variation>
+    <a:lumMod val="50000"/>
+    <a:lumOff val="50000"/>
+  </cs:variation>
+</cs:colorStyle>
+</file>
+
+<file path=ppt/charts/style1.xml><?xml version="1.0" encoding="utf-8"?>
+<cs:chartStyle xmlns:cs="http://schemas.microsoft.com/office/drawing/2012/chartStyle" xmlns:a="http://schemas.openxmlformats.org/drawingml/2006/main" id="240">
+  <cs:axisTitle>
+    <cs:lnRef idx="0"/>
+    <cs:fillRef idx="0"/>
+    <cs:effectRef idx="0"/>
+    <cs:fontRef idx="minor">
+      <a:schemeClr val="tx1">
+        <a:lumMod val="65000"/>
+        <a:lumOff val="35000"/>
+      </a:schemeClr>
+    </cs:fontRef>
+    <cs:defRPr sz="1000" kern="1200"/>
+  </cs:axisTitle>
+  <cs:categoryAxis>
+    <cs:lnRef idx="0"/>
+    <cs:fillRef idx="0"/>
+    <cs:effectRef idx="0"/>
+    <cs:fontRef idx="minor">
+      <a:schemeClr val="tx1">
+        <a:lumMod val="65000"/>
+        <a:lumOff val="35000"/>
+      </a:schemeClr>
+    </cs:fontRef>
+    <cs:spPr>
+      <a:ln w="9525" cap="flat" cmpd="sng" algn="ctr">
+        <a:solidFill>
+          <a:schemeClr val="tx1">
+            <a:lumMod val="25000"/>
+            <a:lumOff val="75000"/>
+          </a:schemeClr>
+        </a:solidFill>
+        <a:round/>
+      </a:ln>
+    </cs:spPr>
+    <cs:defRPr sz="900" kern="1200"/>
+  </cs:categoryAxis>
+  <cs:chartArea mods="allowNoFillOverride allowNoLineOverride">
+    <cs:lnRef idx="0"/>
+    <cs:fillRef idx="0"/>
+    <cs:effectRef idx="0"/>
+    <cs:fontRef idx="minor">
+      <a:schemeClr val="tx1"/>
+    </cs:fontRef>
+    <cs:spPr>
+      <a:solidFill>
+        <a:schemeClr val="bg1"/>
+      </a:solidFill>
+      <a:ln w="9525" cap="flat" cmpd="sng" algn="ctr">
+        <a:solidFill>
+          <a:schemeClr val="tx1">
+            <a:lumMod val="15000"/>
+            <a:lumOff val="85000"/>
+          </a:schemeClr>
+        </a:solidFill>
+        <a:round/>
+      </a:ln>
+    </cs:spPr>
+    <cs:defRPr sz="1000" kern="1200"/>
+  </cs:chartArea>
+  <cs:dataLabel>
+    <cs:lnRef idx="0"/>
+    <cs:fillRef idx="0"/>
+    <cs:effectRef idx="0"/>
+    <cs:fontRef idx="minor">
+      <a:schemeClr val="tx1">
+        <a:lumMod val="75000"/>
+        <a:lumOff val="25000"/>
+      </a:schemeClr>
+    </cs:fontRef>
+    <cs:defRPr sz="900" kern="1200"/>
+  </cs:dataLabel>
+  <cs:dataLabelCallout>
+    <cs:lnRef idx="0"/>
+    <cs:fillRef idx="0"/>
+    <cs:effectRef idx="0"/>
+    <cs:fontRef idx="minor">
+      <a:schemeClr val="dk1">
+        <a:lumMod val="65000"/>
+        <a:lumOff val="35000"/>
+      </a:schemeClr>
+    </cs:fontRef>
+    <cs:spPr>
+      <a:solidFill>
+        <a:schemeClr val="lt1"/>
+      </a:solidFill>
+      <a:ln>
+        <a:solidFill>
+          <a:schemeClr val="dk1">
+            <a:lumMod val="25000"/>
+            <a:lumOff val="75000"/>
+          </a:schemeClr>
+        </a:solidFill>
+      </a:ln>
+    </cs:spPr>
+    <cs:defRPr sz="900" kern="1200"/>
+    <cs:bodyPr rot="0" spcFirstLastPara="1" vertOverflow="clip" horzOverflow="clip" vert="horz" wrap="square" lIns="36576" tIns="18288" rIns="36576" bIns="18288" anchor="ctr" anchorCtr="1">
+      <a:spAutoFit/>
+    </cs:bodyPr>
+  </cs:dataLabelCallout>
+  <cs:dataPoint>
+    <cs:lnRef idx="0"/>
+    <cs:fillRef idx="1">
+      <cs:styleClr val="auto"/>
+    </cs:fillRef>
+    <cs:effectRef idx="0"/>
+    <cs:fontRef idx="minor">
+      <a:schemeClr val="tx1"/>
+    </cs:fontRef>
+  </cs:dataPoint>
+  <cs:dataPoint3D>
+    <cs:lnRef idx="0"/>
+    <cs:fillRef idx="1">
+      <cs:styleClr val="auto"/>
+    </cs:fillRef>
+    <cs:effectRef idx="0"/>
+    <cs:fontRef idx="minor">
+      <a:schemeClr val="tx1"/>
+    </cs:fontRef>
+  </cs:dataPoint3D>
+  <cs:dataPointLine>
+    <cs:lnRef idx="0">
+      <cs:styleClr val="auto"/>
+    </cs:lnRef>
+    <cs:fillRef idx="1"/>
+    <cs:effectRef idx="0"/>
+    <cs:fontRef idx="minor">
+      <a:schemeClr val="tx1"/>
+    </cs:fontRef>
+    <cs:spPr>
+      <a:ln w="19050" cap="rnd">
+        <a:solidFill>
+          <a:schemeClr val="phClr"/>
+        </a:solidFill>
+        <a:round/>
+      </a:ln>
+    </cs:spPr>
+  </cs:dataPointLine>
+  <cs:dataPointMarker>
+    <cs:lnRef idx="0">
+      <cs:styleClr val="auto"/>
+    </cs:lnRef>
+    <cs:fillRef idx="1">
+      <cs:styleClr val="auto"/>
+    </cs:fillRef>
+    <cs:effectRef idx="0"/>
+    <cs:fontRef idx="minor">
+      <a:schemeClr val="tx1"/>
+    </cs:fontRef>
+    <cs:spPr>
+      <a:ln w="9525">
+        <a:solidFill>
+          <a:schemeClr val="phClr"/>
+        </a:solidFill>
+      </a:ln>
+    </cs:spPr>
+  </cs:dataPointMarker>
+  <cs:dataPointMarkerLayout symbol="circle" size="5"/>
+  <cs:dataPointWireframe>
+    <cs:lnRef idx="0">
+      <cs:styleClr val="auto"/>
+    </cs:lnRef>
+    <cs:fillRef idx="0"/>
+    <cs:effectRef idx="0"/>
+    <cs:fontRef idx="minor">
+      <a:schemeClr val="dk1"/>
+    </cs:fontRef>
+    <cs:spPr>
+      <a:ln w="9525" cap="rnd">
+        <a:solidFill>
+          <a:schemeClr val="phClr"/>
+        </a:solidFill>
+        <a:round/>
+      </a:ln>
+    </cs:spPr>
+  </cs:dataPointWireframe>
+  <cs:dataTable>
+    <cs:lnRef idx="0"/>
+    <cs:fillRef idx="0"/>
+    <cs:effectRef idx="0"/>
+    <cs:fontRef idx="minor">
+      <a:schemeClr val="tx1">
+        <a:lumMod val="65000"/>
+        <a:lumOff val="35000"/>
+      </a:schemeClr>
+    </cs:fontRef>
+    <cs:spPr>
+      <a:noFill/>
+      <a:ln w="9525" cap="flat" cmpd="sng" algn="ctr">
+        <a:solidFill>
+          <a:schemeClr val="tx1">
+            <a:lumMod val="15000"/>
+            <a:lumOff val="85000"/>
+          </a:schemeClr>
+        </a:solidFill>
+        <a:round/>
+      </a:ln>
+    </cs:spPr>
+    <cs:defRPr sz="900" kern="1200"/>
+  </cs:dataTable>
+  <cs:downBar>
+    <cs:lnRef idx="0"/>
+    <cs:fillRef idx="0"/>
+    <cs:effectRef idx="0"/>
+    <cs:fontRef idx="minor">
+      <a:schemeClr val="tx1"/>
+    </cs:fontRef>
+    <cs:spPr>
+      <a:solidFill>
+        <a:schemeClr val="dk1">
+          <a:lumMod val="75000"/>
+          <a:lumOff val="25000"/>
+        </a:schemeClr>
+      </a:solidFill>
+      <a:ln w="9525" cap="flat" cmpd="sng" algn="ctr">
+        <a:solidFill>
+          <a:schemeClr val="tx1">
+            <a:lumMod val="65000"/>
+            <a:lumOff val="35000"/>
+          </a:schemeClr>
+        </a:solidFill>
+        <a:round/>
+      </a:ln>
+    </cs:spPr>
+  </cs:downBar>
+  <cs:dropLine>
+    <cs:lnRef idx="0"/>
+    <cs:fillRef idx="0"/>
+    <cs:effectRef idx="0"/>
+    <cs:fontRef idx="minor">
+      <a:schemeClr val="tx1"/>
+    </cs:fontRef>
+    <cs:spPr>
+      <a:ln w="9525" cap="flat" cmpd="sng" algn="ctr">
+        <a:solidFill>
+          <a:schemeClr val="tx1">
+            <a:lumMod val="35000"/>
+            <a:lumOff val="65000"/>
+          </a:schemeClr>
+        </a:solidFill>
+        <a:round/>
+      </a:ln>
+    </cs:spPr>
+  </cs:dropLine>
+  <cs:errorBar>
+    <cs:lnRef idx="0"/>
+    <cs:fillRef idx="0"/>
+    <cs:effectRef idx="0"/>
+    <cs:fontRef idx="minor">
+      <a:schemeClr val="tx1"/>
+    </cs:fontRef>
+    <cs:spPr>
+      <a:ln w="9525" cap="flat" cmpd="sng" algn="ctr">
+        <a:solidFill>
+          <a:schemeClr val="tx1">
+            <a:lumMod val="65000"/>
+            <a:lumOff val="35000"/>
+          </a:schemeClr>
+        </a:solidFill>
+        <a:round/>
+      </a:ln>
+    </cs:spPr>
+  </cs:errorBar>
+  <cs:floor>
+    <cs:lnRef idx="0"/>
+    <cs:fillRef idx="0"/>
+    <cs:effectRef idx="0"/>
+    <cs:fontRef idx="minor">
+      <a:schemeClr val="tx1"/>
+    </cs:fontRef>
+    <cs:spPr>
+      <a:noFill/>
+      <a:ln>
+        <a:noFill/>
+      </a:ln>
+    </cs:spPr>
+  </cs:floor>
+  <cs:gridlineMajor>
+    <cs:lnRef idx="0"/>
+    <cs:fillRef idx="0"/>
+    <cs:effectRef idx="0"/>
+    <cs:fontRef idx="minor">
+      <a:schemeClr val="tx1"/>
+    </cs:fontRef>
+    <cs:spPr>
+      <a:ln w="9525" cap="flat" cmpd="sng" algn="ctr">
+        <a:solidFill>
+          <a:schemeClr val="tx1">
+            <a:lumMod val="15000"/>
+            <a:lumOff val="85000"/>
+          </a:schemeClr>
+        </a:solidFill>
+        <a:round/>
+      </a:ln>
+    </cs:spPr>
+  </cs:gridlineMajor>
+  <cs:gridlineMinor>
+    <cs:lnRef idx="0"/>
+    <cs:fillRef idx="0"/>
+    <cs:effectRef idx="0"/>
+    <cs:fontRef idx="minor">
+      <a:schemeClr val="tx1"/>
+    </cs:fontRef>
+    <cs:spPr>
+      <a:ln w="9525" cap="flat" cmpd="sng" algn="ctr">
+        <a:solidFill>
+          <a:schemeClr val="tx1">
+            <a:lumMod val="5000"/>
+            <a:lumOff val="95000"/>
+          </a:schemeClr>
+        </a:solidFill>
+        <a:round/>
+      </a:ln>
+    </cs:spPr>
+  </cs:gridlineMinor>
+  <cs:hiLoLine>
+    <cs:lnRef idx="0"/>
+    <cs:fillRef idx="0"/>
+    <cs:effectRef idx="0"/>
+    <cs:fontRef idx="minor">
+      <a:schemeClr val="tx1"/>
+    </cs:fontRef>
+    <cs:spPr>
+      <a:ln w="9525" cap="flat" cmpd="sng" algn="ctr">
+        <a:solidFill>
+          <a:schemeClr val="tx1">
+            <a:lumMod val="50000"/>
+            <a:lumOff val="50000"/>
+          </a:schemeClr>
+        </a:solidFill>
+        <a:round/>
+      </a:ln>
+    </cs:spPr>
+  </cs:hiLoLine>
+  <cs:leaderLine>
+    <cs:lnRef idx="0"/>
+    <cs:fillRef idx="0"/>
+    <cs:effectRef idx="0"/>
+    <cs:fontRef idx="minor">
+      <a:schemeClr val="tx1"/>
+    </cs:fontRef>
+    <cs:spPr>
+      <a:ln w="9525" cap="flat" cmpd="sng" algn="ctr">
+        <a:solidFill>
+          <a:schemeClr val="tx1">
+            <a:lumMod val="35000"/>
+            <a:lumOff val="65000"/>
+          </a:schemeClr>
+        </a:solidFill>
+        <a:round/>
+      </a:ln>
+    </cs:spPr>
+  </cs:leaderLine>
+  <cs:legend>
+    <cs:lnRef idx="0"/>
+    <cs:fillRef idx="0"/>
+    <cs:effectRef idx="0"/>
+    <cs:fontRef idx="minor">
+      <a:schemeClr val="tx1">
+        <a:lumMod val="65000"/>
+        <a:lumOff val="35000"/>
+      </a:schemeClr>
+    </cs:fontRef>
+    <cs:defRPr sz="900" kern="1200"/>
+  </cs:legend>
+  <cs:plotArea mods="allowNoFillOverride allowNoLineOverride">
+    <cs:lnRef idx="0"/>
+    <cs:fillRef idx="0"/>
+    <cs:effectRef idx="0"/>
+    <cs:fontRef idx="minor">
+      <a:schemeClr val="tx1"/>
+    </cs:fontRef>
+  </cs:plotArea>
+  <cs:plotArea3D mods="allowNoFillOverride allowNoLineOverride">
+    <cs:lnRef idx="0"/>
+    <cs:fillRef idx="0"/>
+    <cs:effectRef idx="0"/>
+    <cs:fontRef idx="minor">
+      <a:schemeClr val="tx1"/>
+    </cs:fontRef>
+  </cs:plotArea3D>
+  <cs:seriesAxis>
+    <cs:lnRef idx="0"/>
+    <cs:fillRef idx="0"/>
+    <cs:effectRef idx="0"/>
+    <cs:fontRef idx="minor">
+      <a:schemeClr val="tx1">
+        <a:lumMod val="65000"/>
+        <a:lumOff val="35000"/>
+      </a:schemeClr>
+    </cs:fontRef>
+    <cs:defRPr sz="900" kern="1200"/>
+  </cs:seriesAxis>
+  <cs:seriesLine>
+    <cs:lnRef idx="0"/>
+    <cs:fillRef idx="0"/>
+    <cs:effectRef idx="0"/>
+    <cs:fontRef idx="minor">
+      <a:schemeClr val="tx1"/>
+    </cs:fontRef>
+    <cs:spPr>
+      <a:ln w="9525" cap="flat" cmpd="sng" algn="ctr">
+        <a:solidFill>
+          <a:schemeClr val="tx1">
+            <a:lumMod val="35000"/>
+            <a:lumOff val="65000"/>
+          </a:schemeClr>
+        </a:solidFill>
+        <a:round/>
+      </a:ln>
+    </cs:spPr>
+  </cs:seriesLine>
+  <cs:title>
+    <cs:lnRef idx="0"/>
+    <cs:fillRef idx="0"/>
+    <cs:effectRef idx="0"/>
+    <cs:fontRef idx="minor">
+      <a:schemeClr val="tx1">
+        <a:lumMod val="65000"/>
+        <a:lumOff val="35000"/>
+      </a:schemeClr>
+    </cs:fontRef>
+    <cs:defRPr sz="1400" b="0" kern="1200" spc="0" baseline="0"/>
+  </cs:title>
+  <cs:trendline>
+    <cs:lnRef idx="0">
+      <cs:styleClr val="auto"/>
+    </cs:lnRef>
+    <cs:fillRef idx="0"/>
+    <cs:effectRef idx="0"/>
+    <cs:fontRef idx="minor">
+      <a:schemeClr val="tx1"/>
+    </cs:fontRef>
+    <cs:spPr>
+      <a:ln w="19050" cap="rnd">
+        <a:solidFill>
+          <a:schemeClr val="phClr"/>
+        </a:solidFill>
+        <a:prstDash val="sysDot"/>
+      </a:ln>
+    </cs:spPr>
+  </cs:trendline>
+  <cs:trendlineLabel>
+    <cs:lnRef idx="0"/>
+    <cs:fillRef idx="0"/>
+    <cs:effectRef idx="0"/>
+    <cs:fontRef idx="minor">
+      <a:schemeClr val="tx1">
+        <a:lumMod val="65000"/>
+        <a:lumOff val="35000"/>
+      </a:schemeClr>
+    </cs:fontRef>
+    <cs:defRPr sz="900" kern="1200"/>
+  </cs:trendlineLabel>
+  <cs:upBar>
+    <cs:lnRef idx="0"/>
+    <cs:fillRef idx="0"/>
+    <cs:effectRef idx="0"/>
+    <cs:fontRef idx="minor">
+      <a:schemeClr val="tx1"/>
+    </cs:fontRef>
+    <cs:spPr>
+      <a:solidFill>
+        <a:schemeClr val="lt1"/>
+      </a:solidFill>
+      <a:ln w="9525" cap="flat" cmpd="sng" algn="ctr">
+        <a:solidFill>
+          <a:schemeClr val="tx1">
+            <a:lumMod val="65000"/>
+            <a:lumOff val="35000"/>
+          </a:schemeClr>
+        </a:solidFill>
+        <a:round/>
+      </a:ln>
+    </cs:spPr>
+  </cs:upBar>
+  <cs:valueAxis>
+    <cs:lnRef idx="0"/>
+    <cs:fillRef idx="0"/>
+    <cs:effectRef idx="0"/>
+    <cs:fontRef idx="minor">
+      <a:schemeClr val="tx1">
+        <a:lumMod val="65000"/>
+        <a:lumOff val="35000"/>
+      </a:schemeClr>
+    </cs:fontRef>
+    <cs:spPr>
+      <a:ln w="9525" cap="flat" cmpd="sng" algn="ctr">
+        <a:solidFill>
+          <a:schemeClr val="tx1">
+            <a:lumMod val="25000"/>
+            <a:lumOff val="75000"/>
+          </a:schemeClr>
+        </a:solidFill>
+        <a:round/>
+      </a:ln>
+    </cs:spPr>
+    <cs:defRPr sz="900" kern="1200"/>
+  </cs:valueAxis>
+  <cs:wall>
+    <cs:lnRef idx="0"/>
+    <cs:fillRef idx="0"/>
+    <cs:effectRef idx="0"/>
+    <cs:fontRef idx="minor">
+      <a:schemeClr val="tx1"/>
+    </cs:fontRef>
+    <cs:spPr>
+      <a:noFill/>
+      <a:ln>
+        <a:noFill/>
+      </a:ln>
+    </cs:spPr>
+  </cs:wall>
+</cs:chartStyle>
+</file>
+
+<file path=ppt/charts/style2.xml><?xml version="1.0" encoding="utf-8"?>
+<cs:chartStyle xmlns:cs="http://schemas.microsoft.com/office/drawing/2012/chartStyle" xmlns:a="http://schemas.openxmlformats.org/drawingml/2006/main" id="240">
+  <cs:axisTitle>
+    <cs:lnRef idx="0"/>
+    <cs:fillRef idx="0"/>
+    <cs:effectRef idx="0"/>
+    <cs:fontRef idx="minor">
+      <a:schemeClr val="tx1">
+        <a:lumMod val="65000"/>
+        <a:lumOff val="35000"/>
+      </a:schemeClr>
+    </cs:fontRef>
+    <cs:defRPr sz="1000" kern="1200"/>
+  </cs:axisTitle>
+  <cs:categoryAxis>
+    <cs:lnRef idx="0"/>
+    <cs:fillRef idx="0"/>
+    <cs:effectRef idx="0"/>
+    <cs:fontRef idx="minor">
+      <a:schemeClr val="tx1">
+        <a:lumMod val="65000"/>
+        <a:lumOff val="35000"/>
+      </a:schemeClr>
+    </cs:fontRef>
+    <cs:spPr>
+      <a:ln w="9525" cap="flat" cmpd="sng" algn="ctr">
+        <a:solidFill>
+          <a:schemeClr val="tx1">
+            <a:lumMod val="25000"/>
+            <a:lumOff val="75000"/>
+          </a:schemeClr>
+        </a:solidFill>
+        <a:round/>
+      </a:ln>
+    </cs:spPr>
+    <cs:defRPr sz="900" kern="1200"/>
+  </cs:categoryAxis>
+  <cs:chartArea mods="allowNoFillOverride allowNoLineOverride">
+    <cs:lnRef idx="0"/>
+    <cs:fillRef idx="0"/>
+    <cs:effectRef idx="0"/>
+    <cs:fontRef idx="minor">
+      <a:schemeClr val="tx1"/>
+    </cs:fontRef>
+    <cs:spPr>
+      <a:solidFill>
+        <a:schemeClr val="bg1"/>
+      </a:solidFill>
+      <a:ln w="9525" cap="flat" cmpd="sng" algn="ctr">
+        <a:solidFill>
+          <a:schemeClr val="tx1">
+            <a:lumMod val="15000"/>
+            <a:lumOff val="85000"/>
+          </a:schemeClr>
+        </a:solidFill>
+        <a:round/>
+      </a:ln>
+    </cs:spPr>
+    <cs:defRPr sz="1000" kern="1200"/>
+  </cs:chartArea>
+  <cs:dataLabel>
+    <cs:lnRef idx="0"/>
+    <cs:fillRef idx="0"/>
+    <cs:effectRef idx="0"/>
+    <cs:fontRef idx="minor">
+      <a:schemeClr val="tx1">
+        <a:lumMod val="75000"/>
+        <a:lumOff val="25000"/>
+      </a:schemeClr>
+    </cs:fontRef>
+    <cs:defRPr sz="900" kern="1200"/>
+  </cs:dataLabel>
+  <cs:dataLabelCallout>
+    <cs:lnRef idx="0"/>
+    <cs:fillRef idx="0"/>
+    <cs:effectRef idx="0"/>
+    <cs:fontRef idx="minor">
+      <a:schemeClr val="dk1">
+        <a:lumMod val="65000"/>
+        <a:lumOff val="35000"/>
+      </a:schemeClr>
+    </cs:fontRef>
+    <cs:spPr>
+      <a:solidFill>
+        <a:schemeClr val="lt1"/>
+      </a:solidFill>
+      <a:ln>
+        <a:solidFill>
+          <a:schemeClr val="dk1">
+            <a:lumMod val="25000"/>
+            <a:lumOff val="75000"/>
+          </a:schemeClr>
+        </a:solidFill>
+      </a:ln>
+    </cs:spPr>
+    <cs:defRPr sz="900" kern="1200"/>
+    <cs:bodyPr rot="0" spcFirstLastPara="1" vertOverflow="clip" horzOverflow="clip" vert="horz" wrap="square" lIns="36576" tIns="18288" rIns="36576" bIns="18288" anchor="ctr" anchorCtr="1">
+      <a:spAutoFit/>
+    </cs:bodyPr>
+  </cs:dataLabelCallout>
+  <cs:dataPoint>
+    <cs:lnRef idx="0"/>
+    <cs:fillRef idx="1">
+      <cs:styleClr val="auto"/>
+    </cs:fillRef>
+    <cs:effectRef idx="0"/>
+    <cs:fontRef idx="minor">
+      <a:schemeClr val="tx1"/>
+    </cs:fontRef>
+  </cs:dataPoint>
+  <cs:dataPoint3D>
+    <cs:lnRef idx="0"/>
+    <cs:fillRef idx="1">
+      <cs:styleClr val="auto"/>
+    </cs:fillRef>
+    <cs:effectRef idx="0"/>
+    <cs:fontRef idx="minor">
+      <a:schemeClr val="tx1"/>
+    </cs:fontRef>
+  </cs:dataPoint3D>
+  <cs:dataPointLine>
+    <cs:lnRef idx="0">
+      <cs:styleClr val="auto"/>
+    </cs:lnRef>
+    <cs:fillRef idx="1"/>
+    <cs:effectRef idx="0"/>
+    <cs:fontRef idx="minor">
+      <a:schemeClr val="tx1"/>
+    </cs:fontRef>
+    <cs:spPr>
+      <a:ln w="19050" cap="rnd">
+        <a:solidFill>
+          <a:schemeClr val="phClr"/>
+        </a:solidFill>
+        <a:round/>
+      </a:ln>
+    </cs:spPr>
+  </cs:dataPointLine>
+  <cs:dataPointMarker>
+    <cs:lnRef idx="0">
+      <cs:styleClr val="auto"/>
+    </cs:lnRef>
+    <cs:fillRef idx="1">
+      <cs:styleClr val="auto"/>
+    </cs:fillRef>
+    <cs:effectRef idx="0"/>
+    <cs:fontRef idx="minor">
+      <a:schemeClr val="tx1"/>
+    </cs:fontRef>
+    <cs:spPr>
+      <a:ln w="9525">
+        <a:solidFill>
+          <a:schemeClr val="phClr"/>
+        </a:solidFill>
+      </a:ln>
+    </cs:spPr>
+  </cs:dataPointMarker>
+  <cs:dataPointMarkerLayout symbol="circle" size="5"/>
+  <cs:dataPointWireframe>
+    <cs:lnRef idx="0">
+      <cs:styleClr val="auto"/>
+    </cs:lnRef>
+    <cs:fillRef idx="0"/>
+    <cs:effectRef idx="0"/>
+    <cs:fontRef idx="minor">
+      <a:schemeClr val="dk1"/>
+    </cs:fontRef>
+    <cs:spPr>
+      <a:ln w="9525" cap="rnd">
+        <a:solidFill>
+          <a:schemeClr val="phClr"/>
+        </a:solidFill>
+        <a:round/>
+      </a:ln>
+    </cs:spPr>
+  </cs:dataPointWireframe>
+  <cs:dataTable>
+    <cs:lnRef idx="0"/>
+    <cs:fillRef idx="0"/>
+    <cs:effectRef idx="0"/>
+    <cs:fontRef idx="minor">
+      <a:schemeClr val="tx1">
+        <a:lumMod val="65000"/>
+        <a:lumOff val="35000"/>
+      </a:schemeClr>
+    </cs:fontRef>
+    <cs:spPr>
+      <a:noFill/>
+      <a:ln w="9525" cap="flat" cmpd="sng" algn="ctr">
+        <a:solidFill>
+          <a:schemeClr val="tx1">
+            <a:lumMod val="15000"/>
+            <a:lumOff val="85000"/>
+          </a:schemeClr>
+        </a:solidFill>
+        <a:round/>
+      </a:ln>
+    </cs:spPr>
+    <cs:defRPr sz="900" kern="1200"/>
+  </cs:dataTable>
+  <cs:downBar>
+    <cs:lnRef idx="0"/>
+    <cs:fillRef idx="0"/>
+    <cs:effectRef idx="0"/>
+    <cs:fontRef idx="minor">
+      <a:schemeClr val="tx1"/>
+    </cs:fontRef>
+    <cs:spPr>
+      <a:solidFill>
+        <a:schemeClr val="dk1">
+          <a:lumMod val="75000"/>
+          <a:lumOff val="25000"/>
+        </a:schemeClr>
+      </a:solidFill>
+      <a:ln w="9525" cap="flat" cmpd="sng" algn="ctr">
+        <a:solidFill>
+          <a:schemeClr val="tx1">
+            <a:lumMod val="65000"/>
+            <a:lumOff val="35000"/>
+          </a:schemeClr>
+        </a:solidFill>
+        <a:round/>
+      </a:ln>
+    </cs:spPr>
+  </cs:downBar>
+  <cs:dropLine>
+    <cs:lnRef idx="0"/>
+    <cs:fillRef idx="0"/>
+    <cs:effectRef idx="0"/>
+    <cs:fontRef idx="minor">
+      <a:schemeClr val="tx1"/>
+    </cs:fontRef>
+    <cs:spPr>
+      <a:ln w="9525" cap="flat" cmpd="sng" algn="ctr">
+        <a:solidFill>
+          <a:schemeClr val="tx1">
+            <a:lumMod val="35000"/>
+            <a:lumOff val="65000"/>
+          </a:schemeClr>
+        </a:solidFill>
+        <a:round/>
+      </a:ln>
+    </cs:spPr>
+  </cs:dropLine>
+  <cs:errorBar>
+    <cs:lnRef idx="0"/>
+    <cs:fillRef idx="0"/>
+    <cs:effectRef idx="0"/>
+    <cs:fontRef idx="minor">
+      <a:schemeClr val="tx1"/>
+    </cs:fontRef>
+    <cs:spPr>
+      <a:ln w="9525" cap="flat" cmpd="sng" algn="ctr">
+        <a:solidFill>
+          <a:schemeClr val="tx1">
+            <a:lumMod val="65000"/>
+            <a:lumOff val="35000"/>
+          </a:schemeClr>
+        </a:solidFill>
+        <a:round/>
+      </a:ln>
+    </cs:spPr>
+  </cs:errorBar>
+  <cs:floor>
+    <cs:lnRef idx="0"/>
+    <cs:fillRef idx="0"/>
+    <cs:effectRef idx="0"/>
+    <cs:fontRef idx="minor">
+      <a:schemeClr val="tx1"/>
+    </cs:fontRef>
+    <cs:spPr>
+      <a:noFill/>
+      <a:ln>
+        <a:noFill/>
+      </a:ln>
+    </cs:spPr>
+  </cs:floor>
+  <cs:gridlineMajor>
+    <cs:lnRef idx="0"/>
+    <cs:fillRef idx="0"/>
+    <cs:effectRef idx="0"/>
+    <cs:fontRef idx="minor">
+      <a:schemeClr val="tx1"/>
+    </cs:fontRef>
+    <cs:spPr>
+      <a:ln w="9525" cap="flat" cmpd="sng" algn="ctr">
+        <a:solidFill>
+          <a:schemeClr val="tx1">
+            <a:lumMod val="15000"/>
+            <a:lumOff val="85000"/>
+          </a:schemeClr>
+        </a:solidFill>
+        <a:round/>
+      </a:ln>
+    </cs:spPr>
+  </cs:gridlineMajor>
+  <cs:gridlineMinor>
+    <cs:lnRef idx="0"/>
+    <cs:fillRef idx="0"/>
+    <cs:effectRef idx="0"/>
+    <cs:fontRef idx="minor">
+      <a:schemeClr val="tx1"/>
+    </cs:fontRef>
+    <cs:spPr>
+      <a:ln w="9525" cap="flat" cmpd="sng" algn="ctr">
+        <a:solidFill>
+          <a:schemeClr val="tx1">
+            <a:lumMod val="5000"/>
+            <a:lumOff val="95000"/>
+          </a:schemeClr>
+        </a:solidFill>
+        <a:round/>
+      </a:ln>
+    </cs:spPr>
+  </cs:gridlineMinor>
+  <cs:hiLoLine>
+    <cs:lnRef idx="0"/>
+    <cs:fillRef idx="0"/>
+    <cs:effectRef idx="0"/>
+    <cs:fontRef idx="minor">
+      <a:schemeClr val="tx1"/>
+    </cs:fontRef>
+    <cs:spPr>
+      <a:ln w="9525" cap="flat" cmpd="sng" algn="ctr">
+        <a:solidFill>
+          <a:schemeClr val="tx1">
+            <a:lumMod val="50000"/>
+            <a:lumOff val="50000"/>
+          </a:schemeClr>
+        </a:solidFill>
+        <a:round/>
+      </a:ln>
+    </cs:spPr>
+  </cs:hiLoLine>
+  <cs:leaderLine>
+    <cs:lnRef idx="0"/>
+    <cs:fillRef idx="0"/>
+    <cs:effectRef idx="0"/>
+    <cs:fontRef idx="minor">
+      <a:schemeClr val="tx1"/>
+    </cs:fontRef>
+    <cs:spPr>
+      <a:ln w="9525" cap="flat" cmpd="sng" algn="ctr">
+        <a:solidFill>
+          <a:schemeClr val="tx1">
+            <a:lumMod val="35000"/>
+            <a:lumOff val="65000"/>
+          </a:schemeClr>
+        </a:solidFill>
+        <a:round/>
+      </a:ln>
+    </cs:spPr>
+  </cs:leaderLine>
+  <cs:legend>
+    <cs:lnRef idx="0"/>
+    <cs:fillRef idx="0"/>
+    <cs:effectRef idx="0"/>
+    <cs:fontRef idx="minor">
+      <a:schemeClr val="tx1">
+        <a:lumMod val="65000"/>
+        <a:lumOff val="35000"/>
+      </a:schemeClr>
+    </cs:fontRef>
+    <cs:defRPr sz="900" kern="1200"/>
+  </cs:legend>
+  <cs:plotArea mods="allowNoFillOverride allowNoLineOverride">
+    <cs:lnRef idx="0"/>
+    <cs:fillRef idx="0"/>
+    <cs:effectRef idx="0"/>
+    <cs:fontRef idx="minor">
+      <a:schemeClr val="tx1"/>
+    </cs:fontRef>
+  </cs:plotArea>
+  <cs:plotArea3D mods="allowNoFillOverride allowNoLineOverride">
+    <cs:lnRef idx="0"/>
+    <cs:fillRef idx="0"/>
+    <cs:effectRef idx="0"/>
+    <cs:fontRef idx="minor">
+      <a:schemeClr val="tx1"/>
+    </cs:fontRef>
+  </cs:plotArea3D>
+  <cs:seriesAxis>
+    <cs:lnRef idx="0"/>
+    <cs:fillRef idx="0"/>
+    <cs:effectRef idx="0"/>
+    <cs:fontRef idx="minor">
+      <a:schemeClr val="tx1">
+        <a:lumMod val="65000"/>
+        <a:lumOff val="35000"/>
+      </a:schemeClr>
+    </cs:fontRef>
+    <cs:defRPr sz="900" kern="1200"/>
+  </cs:seriesAxis>
+  <cs:seriesLine>
+    <cs:lnRef idx="0"/>
+    <cs:fillRef idx="0"/>
+    <cs:effectRef idx="0"/>
+    <cs:fontRef idx="minor">
+      <a:schemeClr val="tx1"/>
+    </cs:fontRef>
+    <cs:spPr>
+      <a:ln w="9525" cap="flat" cmpd="sng" algn="ctr">
+        <a:solidFill>
+          <a:schemeClr val="tx1">
+            <a:lumMod val="35000"/>
+            <a:lumOff val="65000"/>
+          </a:schemeClr>
+        </a:solidFill>
+        <a:round/>
+      </a:ln>
+    </cs:spPr>
+  </cs:seriesLine>
+  <cs:title>
+    <cs:lnRef idx="0"/>
+    <cs:fillRef idx="0"/>
+    <cs:effectRef idx="0"/>
+    <cs:fontRef idx="minor">
+      <a:schemeClr val="tx1">
+        <a:lumMod val="65000"/>
+        <a:lumOff val="35000"/>
+      </a:schemeClr>
+    </cs:fontRef>
+    <cs:defRPr sz="1400" b="0" kern="1200" spc="0" baseline="0"/>
+  </cs:title>
+  <cs:trendline>
+    <cs:lnRef idx="0">
+      <cs:styleClr val="auto"/>
+    </cs:lnRef>
+    <cs:fillRef idx="0"/>
+    <cs:effectRef idx="0"/>
+    <cs:fontRef idx="minor">
+      <a:schemeClr val="tx1"/>
+    </cs:fontRef>
+    <cs:spPr>
+      <a:ln w="19050" cap="rnd">
+        <a:solidFill>
+          <a:schemeClr val="phClr"/>
+        </a:solidFill>
+        <a:prstDash val="sysDot"/>
+      </a:ln>
+    </cs:spPr>
+  </cs:trendline>
+  <cs:trendlineLabel>
+    <cs:lnRef idx="0"/>
+    <cs:fillRef idx="0"/>
+    <cs:effectRef idx="0"/>
+    <cs:fontRef idx="minor">
+      <a:schemeClr val="tx1">
+        <a:lumMod val="65000"/>
+        <a:lumOff val="35000"/>
+      </a:schemeClr>
+    </cs:fontRef>
+    <cs:defRPr sz="900" kern="1200"/>
+  </cs:trendlineLabel>
+  <cs:upBar>
+    <cs:lnRef idx="0"/>
+    <cs:fillRef idx="0"/>
+    <cs:effectRef idx="0"/>
+    <cs:fontRef idx="minor">
+      <a:schemeClr val="tx1"/>
+    </cs:fontRef>
+    <cs:spPr>
+      <a:solidFill>
+        <a:schemeClr val="lt1"/>
+      </a:solidFill>
+      <a:ln w="9525" cap="flat" cmpd="sng" algn="ctr">
+        <a:solidFill>
+          <a:schemeClr val="tx1">
+            <a:lumMod val="65000"/>
+            <a:lumOff val="35000"/>
+          </a:schemeClr>
+        </a:solidFill>
+        <a:round/>
+      </a:ln>
+    </cs:spPr>
+  </cs:upBar>
+  <cs:valueAxis>
+    <cs:lnRef idx="0"/>
+    <cs:fillRef idx="0"/>
+    <cs:effectRef idx="0"/>
+    <cs:fontRef idx="minor">
+      <a:schemeClr val="tx1">
+        <a:lumMod val="65000"/>
+        <a:lumOff val="35000"/>
+      </a:schemeClr>
+    </cs:fontRef>
+    <cs:spPr>
+      <a:ln w="9525" cap="flat" cmpd="sng" algn="ctr">
+        <a:solidFill>
+          <a:schemeClr val="tx1">
+            <a:lumMod val="25000"/>
+            <a:lumOff val="75000"/>
+          </a:schemeClr>
+        </a:solidFill>
+        <a:round/>
+      </a:ln>
+    </cs:spPr>
+    <cs:defRPr sz="900" kern="1200"/>
+  </cs:valueAxis>
+  <cs:wall>
+    <cs:lnRef idx="0"/>
+    <cs:fillRef idx="0"/>
+    <cs:effectRef idx="0"/>
+    <cs:fontRef idx="minor">
+      <a:schemeClr val="tx1"/>
+    </cs:fontRef>
+    <cs:spPr>
+      <a:noFill/>
+      <a:ln>
+        <a:noFill/>
+      </a:ln>
+    </cs:spPr>
+  </cs:wall>
+</cs:chartStyle>
+</file>
+
+<file path=ppt/charts/style3.xml><?xml version="1.0" encoding="utf-8"?>
+<cs:chartStyle xmlns:cs="http://schemas.microsoft.com/office/drawing/2012/chartStyle" xmlns:a="http://schemas.openxmlformats.org/drawingml/2006/main" id="240">
+  <cs:axisTitle>
+    <cs:lnRef idx="0"/>
+    <cs:fillRef idx="0"/>
+    <cs:effectRef idx="0"/>
+    <cs:fontRef idx="minor">
+      <a:schemeClr val="tx1">
+        <a:lumMod val="65000"/>
+        <a:lumOff val="35000"/>
+      </a:schemeClr>
+    </cs:fontRef>
+    <cs:defRPr sz="1000" kern="1200"/>
+  </cs:axisTitle>
+  <cs:categoryAxis>
+    <cs:lnRef idx="0"/>
+    <cs:fillRef idx="0"/>
+    <cs:effectRef idx="0"/>
+    <cs:fontRef idx="minor">
+      <a:schemeClr val="tx1">
+        <a:lumMod val="65000"/>
+        <a:lumOff val="35000"/>
+      </a:schemeClr>
+    </cs:fontRef>
+    <cs:spPr>
+      <a:ln w="9525" cap="flat" cmpd="sng" algn="ctr">
+        <a:solidFill>
+          <a:schemeClr val="tx1">
+            <a:lumMod val="25000"/>
+            <a:lumOff val="75000"/>
+          </a:schemeClr>
+        </a:solidFill>
+        <a:round/>
+      </a:ln>
+    </cs:spPr>
+    <cs:defRPr sz="900" kern="1200"/>
+  </cs:categoryAxis>
+  <cs:chartArea mods="allowNoFillOverride allowNoLineOverride">
+    <cs:lnRef idx="0"/>
+    <cs:fillRef idx="0"/>
+    <cs:effectRef idx="0"/>
+    <cs:fontRef idx="minor">
+      <a:schemeClr val="tx1"/>
+    </cs:fontRef>
+    <cs:spPr>
+      <a:solidFill>
+        <a:schemeClr val="bg1"/>
+      </a:solidFill>
+      <a:ln w="9525" cap="flat" cmpd="sng" algn="ctr">
+        <a:solidFill>
+          <a:schemeClr val="tx1">
+            <a:lumMod val="15000"/>
+            <a:lumOff val="85000"/>
+          </a:schemeClr>
+        </a:solidFill>
+        <a:round/>
+      </a:ln>
+    </cs:spPr>
+    <cs:defRPr sz="1000" kern="1200"/>
+  </cs:chartArea>
+  <cs:dataLabel>
+    <cs:lnRef idx="0"/>
+    <cs:fillRef idx="0"/>
+    <cs:effectRef idx="0"/>
+    <cs:fontRef idx="minor">
+      <a:schemeClr val="tx1">
+        <a:lumMod val="75000"/>
+        <a:lumOff val="25000"/>
+      </a:schemeClr>
+    </cs:fontRef>
+    <cs:defRPr sz="900" kern="1200"/>
+  </cs:dataLabel>
+  <cs:dataLabelCallout>
+    <cs:lnRef idx="0"/>
+    <cs:fillRef idx="0"/>
+    <cs:effectRef idx="0"/>
+    <cs:fontRef idx="minor">
+      <a:schemeClr val="dk1">
+        <a:lumMod val="65000"/>
+        <a:lumOff val="35000"/>
+      </a:schemeClr>
+    </cs:fontRef>
+    <cs:spPr>
+      <a:solidFill>
+        <a:schemeClr val="lt1"/>
+      </a:solidFill>
+      <a:ln>
+        <a:solidFill>
+          <a:schemeClr val="dk1">
+            <a:lumMod val="25000"/>
+            <a:lumOff val="75000"/>
+          </a:schemeClr>
+        </a:solidFill>
+      </a:ln>
+    </cs:spPr>
+    <cs:defRPr sz="900" kern="1200"/>
+    <cs:bodyPr rot="0" spcFirstLastPara="1" vertOverflow="clip" horzOverflow="clip" vert="horz" wrap="square" lIns="36576" tIns="18288" rIns="36576" bIns="18288" anchor="ctr" anchorCtr="1">
+      <a:spAutoFit/>
+    </cs:bodyPr>
+  </cs:dataLabelCallout>
+  <cs:dataPoint>
+    <cs:lnRef idx="0"/>
+    <cs:fillRef idx="1">
+      <cs:styleClr val="auto"/>
+    </cs:fillRef>
+    <cs:effectRef idx="0"/>
+    <cs:fontRef idx="minor">
+      <a:schemeClr val="tx1"/>
+    </cs:fontRef>
+  </cs:dataPoint>
+  <cs:dataPoint3D>
+    <cs:lnRef idx="0"/>
+    <cs:fillRef idx="1">
+      <cs:styleClr val="auto"/>
+    </cs:fillRef>
+    <cs:effectRef idx="0"/>
+    <cs:fontRef idx="minor">
+      <a:schemeClr val="tx1"/>
+    </cs:fontRef>
+  </cs:dataPoint3D>
+  <cs:dataPointLine>
+    <cs:lnRef idx="0">
+      <cs:styleClr val="auto"/>
+    </cs:lnRef>
+    <cs:fillRef idx="1"/>
+    <cs:effectRef idx="0"/>
+    <cs:fontRef idx="minor">
+      <a:schemeClr val="tx1"/>
+    </cs:fontRef>
+    <cs:spPr>
+      <a:ln w="19050" cap="rnd">
+        <a:solidFill>
+          <a:schemeClr val="phClr"/>
+        </a:solidFill>
+        <a:round/>
+      </a:ln>
+    </cs:spPr>
+  </cs:dataPointLine>
+  <cs:dataPointMarker>
+    <cs:lnRef idx="0">
+      <cs:styleClr val="auto"/>
+    </cs:lnRef>
+    <cs:fillRef idx="1">
+      <cs:styleClr val="auto"/>
+    </cs:fillRef>
+    <cs:effectRef idx="0"/>
+    <cs:fontRef idx="minor">
+      <a:schemeClr val="tx1"/>
+    </cs:fontRef>
+    <cs:spPr>
+      <a:ln w="9525">
+        <a:solidFill>
+          <a:schemeClr val="phClr"/>
+        </a:solidFill>
+      </a:ln>
+    </cs:spPr>
+  </cs:dataPointMarker>
+  <cs:dataPointMarkerLayout symbol="circle" size="5"/>
+  <cs:dataPointWireframe>
+    <cs:lnRef idx="0">
+      <cs:styleClr val="auto"/>
+    </cs:lnRef>
+    <cs:fillRef idx="0"/>
+    <cs:effectRef idx="0"/>
+    <cs:fontRef idx="minor">
+      <a:schemeClr val="dk1"/>
+    </cs:fontRef>
+    <cs:spPr>
+      <a:ln w="9525" cap="rnd">
+        <a:solidFill>
+          <a:schemeClr val="phClr"/>
+        </a:solidFill>
+        <a:round/>
+      </a:ln>
+    </cs:spPr>
+  </cs:dataPointWireframe>
+  <cs:dataTable>
+    <cs:lnRef idx="0"/>
+    <cs:fillRef idx="0"/>
+    <cs:effectRef idx="0"/>
+    <cs:fontRef idx="minor">
+      <a:schemeClr val="tx1">
+        <a:lumMod val="65000"/>
+        <a:lumOff val="35000"/>
+      </a:schemeClr>
+    </cs:fontRef>
+    <cs:spPr>
+      <a:noFill/>
+      <a:ln w="9525" cap="flat" cmpd="sng" algn="ctr">
+        <a:solidFill>
+          <a:schemeClr val="tx1">
+            <a:lumMod val="15000"/>
+            <a:lumOff val="85000"/>
+          </a:schemeClr>
+        </a:solidFill>
+        <a:round/>
+      </a:ln>
+    </cs:spPr>
+    <cs:defRPr sz="900" kern="1200"/>
+  </cs:dataTable>
+  <cs:downBar>
+    <cs:lnRef idx="0"/>
+    <cs:fillRef idx="0"/>
+    <cs:effectRef idx="0"/>
+    <cs:fontRef idx="minor">
+      <a:schemeClr val="tx1"/>
+    </cs:fontRef>
+    <cs:spPr>
+      <a:solidFill>
+        <a:schemeClr val="dk1">
+          <a:lumMod val="75000"/>
+          <a:lumOff val="25000"/>
+        </a:schemeClr>
+      </a:solidFill>
+      <a:ln w="9525" cap="flat" cmpd="sng" algn="ctr">
+        <a:solidFill>
+          <a:schemeClr val="tx1">
+            <a:lumMod val="65000"/>
+            <a:lumOff val="35000"/>
+          </a:schemeClr>
+        </a:solidFill>
+        <a:round/>
+      </a:ln>
+    </cs:spPr>
+  </cs:downBar>
+  <cs:dropLine>
+    <cs:lnRef idx="0"/>
+    <cs:fillRef idx="0"/>
+    <cs:effectRef idx="0"/>
+    <cs:fontRef idx="minor">
+      <a:schemeClr val="tx1"/>
+    </cs:fontRef>
+    <cs:spPr>
+      <a:ln w="9525" cap="flat" cmpd="sng" algn="ctr">
+        <a:solidFill>
+          <a:schemeClr val="tx1">
+            <a:lumMod val="35000"/>
+            <a:lumOff val="65000"/>
+          </a:schemeClr>
+        </a:solidFill>
+        <a:round/>
+      </a:ln>
+    </cs:spPr>
+  </cs:dropLine>
+  <cs:errorBar>
+    <cs:lnRef idx="0"/>
+    <cs:fillRef idx="0"/>
+    <cs:effectRef idx="0"/>
+    <cs:fontRef idx="minor">
+      <a:schemeClr val="tx1"/>
+    </cs:fontRef>
+    <cs:spPr>
+      <a:ln w="9525" cap="flat" cmpd="sng" algn="ctr">
+        <a:solidFill>
+          <a:schemeClr val="tx1">
+            <a:lumMod val="65000"/>
+            <a:lumOff val="35000"/>
+          </a:schemeClr>
+        </a:solidFill>
+        <a:round/>
+      </a:ln>
+    </cs:spPr>
+  </cs:errorBar>
+  <cs:floor>
+    <cs:lnRef idx="0"/>
+    <cs:fillRef idx="0"/>
+    <cs:effectRef idx="0"/>
+    <cs:fontRef idx="minor">
+      <a:schemeClr val="tx1"/>
+    </cs:fontRef>
+    <cs:spPr>
+      <a:noFill/>
+      <a:ln>
+        <a:noFill/>
+      </a:ln>
+    </cs:spPr>
+  </cs:floor>
+  <cs:gridlineMajor>
+    <cs:lnRef idx="0"/>
+    <cs:fillRef idx="0"/>
+    <cs:effectRef idx="0"/>
+    <cs:fontRef idx="minor">
+      <a:schemeClr val="tx1"/>
+    </cs:fontRef>
+    <cs:spPr>
+      <a:ln w="9525" cap="flat" cmpd="sng" algn="ctr">
+        <a:solidFill>
+          <a:schemeClr val="tx1">
+            <a:lumMod val="15000"/>
+            <a:lumOff val="85000"/>
+          </a:schemeClr>
+        </a:solidFill>
+        <a:round/>
+      </a:ln>
+    </cs:spPr>
+  </cs:gridlineMajor>
+  <cs:gridlineMinor>
+    <cs:lnRef idx="0"/>
+    <cs:fillRef idx="0"/>
+    <cs:effectRef idx="0"/>
+    <cs:fontRef idx="minor">
+      <a:schemeClr val="tx1"/>
+    </cs:fontRef>
+    <cs:spPr>
+      <a:ln w="9525" cap="flat" cmpd="sng" algn="ctr">
+        <a:solidFill>
+          <a:schemeClr val="tx1">
+            <a:lumMod val="5000"/>
+            <a:lumOff val="95000"/>
+          </a:schemeClr>
+        </a:solidFill>
+        <a:round/>
+      </a:ln>
+    </cs:spPr>
+  </cs:gridlineMinor>
+  <cs:hiLoLine>
+    <cs:lnRef idx="0"/>
+    <cs:fillRef idx="0"/>
+    <cs:effectRef idx="0"/>
+    <cs:fontRef idx="minor">
+      <a:schemeClr val="tx1"/>
+    </cs:fontRef>
+    <cs:spPr>
+      <a:ln w="9525" cap="flat" cmpd="sng" algn="ctr">
+        <a:solidFill>
+          <a:schemeClr val="tx1">
+            <a:lumMod val="50000"/>
+            <a:lumOff val="50000"/>
+          </a:schemeClr>
+        </a:solidFill>
+        <a:round/>
+      </a:ln>
+    </cs:spPr>
+  </cs:hiLoLine>
+  <cs:leaderLine>
+    <cs:lnRef idx="0"/>
+    <cs:fillRef idx="0"/>
+    <cs:effectRef idx="0"/>
+    <cs:fontRef idx="minor">
+      <a:schemeClr val="tx1"/>
+    </cs:fontRef>
+    <cs:spPr>
+      <a:ln w="9525" cap="flat" cmpd="sng" algn="ctr">
+        <a:solidFill>
+          <a:schemeClr val="tx1">
+            <a:lumMod val="35000"/>
+            <a:lumOff val="65000"/>
+          </a:schemeClr>
+        </a:solidFill>
+        <a:round/>
+      </a:ln>
+    </cs:spPr>
+  </cs:leaderLine>
+  <cs:legend>
+    <cs:lnRef idx="0"/>
+    <cs:fillRef idx="0"/>
+    <cs:effectRef idx="0"/>
+    <cs:fontRef idx="minor">
+      <a:schemeClr val="tx1">
+        <a:lumMod val="65000"/>
+        <a:lumOff val="35000"/>
+      </a:schemeClr>
+    </cs:fontRef>
+    <cs:defRPr sz="900" kern="1200"/>
+  </cs:legend>
+  <cs:plotArea mods="allowNoFillOverride allowNoLineOverride">
+    <cs:lnRef idx="0"/>
+    <cs:fillRef idx="0"/>
+    <cs:effectRef idx="0"/>
+    <cs:fontRef idx="minor">
+      <a:schemeClr val="tx1"/>
+    </cs:fontRef>
+  </cs:plotArea>
+  <cs:plotArea3D mods="allowNoFillOverride allowNoLineOverride">
+    <cs:lnRef idx="0"/>
+    <cs:fillRef idx="0"/>
+    <cs:effectRef idx="0"/>
+    <cs:fontRef idx="minor">
+      <a:schemeClr val="tx1"/>
+    </cs:fontRef>
+  </cs:plotArea3D>
+  <cs:seriesAxis>
+    <cs:lnRef idx="0"/>
+    <cs:fillRef idx="0"/>
+    <cs:effectRef idx="0"/>
+    <cs:fontRef idx="minor">
+      <a:schemeClr val="tx1">
+        <a:lumMod val="65000"/>
+        <a:lumOff val="35000"/>
+      </a:schemeClr>
+    </cs:fontRef>
+    <cs:defRPr sz="900" kern="1200"/>
+  </cs:seriesAxis>
+  <cs:seriesLine>
+    <cs:lnRef idx="0"/>
+    <cs:fillRef idx="0"/>
+    <cs:effectRef idx="0"/>
+    <cs:fontRef idx="minor">
+      <a:schemeClr val="tx1"/>
+    </cs:fontRef>
+    <cs:spPr>
+      <a:ln w="9525" cap="flat" cmpd="sng" algn="ctr">
+        <a:solidFill>
+          <a:schemeClr val="tx1">
+            <a:lumMod val="35000"/>
+            <a:lumOff val="65000"/>
+          </a:schemeClr>
+        </a:solidFill>
+        <a:round/>
+      </a:ln>
+    </cs:spPr>
+  </cs:seriesLine>
+  <cs:title>
+    <cs:lnRef idx="0"/>
+    <cs:fillRef idx="0"/>
+    <cs:effectRef idx="0"/>
+    <cs:fontRef idx="minor">
+      <a:schemeClr val="tx1">
+        <a:lumMod val="65000"/>
+        <a:lumOff val="35000"/>
+      </a:schemeClr>
+    </cs:fontRef>
+    <cs:defRPr sz="1400" b="0" kern="1200" spc="0" baseline="0"/>
+  </cs:title>
+  <cs:trendline>
+    <cs:lnRef idx="0">
+      <cs:styleClr val="auto"/>
+    </cs:lnRef>
+    <cs:fillRef idx="0"/>
+    <cs:effectRef idx="0"/>
+    <cs:fontRef idx="minor">
+      <a:schemeClr val="tx1"/>
+    </cs:fontRef>
+    <cs:spPr>
+      <a:ln w="19050" cap="rnd">
+        <a:solidFill>
+          <a:schemeClr val="phClr"/>
+        </a:solidFill>
+        <a:prstDash val="sysDot"/>
+      </a:ln>
+    </cs:spPr>
+  </cs:trendline>
+  <cs:trendlineLabel>
+    <cs:lnRef idx="0"/>
+    <cs:fillRef idx="0"/>
+    <cs:effectRef idx="0"/>
+    <cs:fontRef idx="minor">
+      <a:schemeClr val="tx1">
+        <a:lumMod val="65000"/>
+        <a:lumOff val="35000"/>
+      </a:schemeClr>
+    </cs:fontRef>
+    <cs:defRPr sz="900" kern="1200"/>
+  </cs:trendlineLabel>
+  <cs:upBar>
+    <cs:lnRef idx="0"/>
+    <cs:fillRef idx="0"/>
+    <cs:effectRef idx="0"/>
+    <cs:fontRef idx="minor">
+      <a:schemeClr val="tx1"/>
+    </cs:fontRef>
+    <cs:spPr>
+      <a:solidFill>
+        <a:schemeClr val="lt1"/>
+      </a:solidFill>
+      <a:ln w="9525" cap="flat" cmpd="sng" algn="ctr">
+        <a:solidFill>
+          <a:schemeClr val="tx1">
+            <a:lumMod val="65000"/>
+            <a:lumOff val="35000"/>
+          </a:schemeClr>
+        </a:solidFill>
+        <a:round/>
+      </a:ln>
+    </cs:spPr>
+  </cs:upBar>
+  <cs:valueAxis>
+    <cs:lnRef idx="0"/>
+    <cs:fillRef idx="0"/>
+    <cs:effectRef idx="0"/>
+    <cs:fontRef idx="minor">
+      <a:schemeClr val="tx1">
+        <a:lumMod val="65000"/>
+        <a:lumOff val="35000"/>
+      </a:schemeClr>
+    </cs:fontRef>
+    <cs:spPr>
+      <a:ln w="9525" cap="flat" cmpd="sng" algn="ctr">
+        <a:solidFill>
+          <a:schemeClr val="tx1">
+            <a:lumMod val="25000"/>
+            <a:lumOff val="75000"/>
+          </a:schemeClr>
+        </a:solidFill>
+        <a:round/>
+      </a:ln>
+    </cs:spPr>
+    <cs:defRPr sz="900" kern="1200"/>
+  </cs:valueAxis>
+  <cs:wall>
+    <cs:lnRef idx="0"/>
+    <cs:fillRef idx="0"/>
+    <cs:effectRef idx="0"/>
+    <cs:fontRef idx="minor">
+      <a:schemeClr val="tx1"/>
+    </cs:fontRef>
+    <cs:spPr>
+      <a:noFill/>
+      <a:ln>
+        <a:noFill/>
+      </a:ln>
+    </cs:spPr>
+  </cs:wall>
+</cs:chartStyle>
+</file>
+
+<file path=ppt/charts/style4.xml><?xml version="1.0" encoding="utf-8"?>
+<cs:chartStyle xmlns:cs="http://schemas.microsoft.com/office/drawing/2012/chartStyle" xmlns:a="http://schemas.openxmlformats.org/drawingml/2006/main" id="240">
+  <cs:axisTitle>
+    <cs:lnRef idx="0"/>
+    <cs:fillRef idx="0"/>
+    <cs:effectRef idx="0"/>
+    <cs:fontRef idx="minor">
+      <a:schemeClr val="tx1">
+        <a:lumMod val="65000"/>
+        <a:lumOff val="35000"/>
+      </a:schemeClr>
+    </cs:fontRef>
+    <cs:defRPr sz="1000" kern="1200"/>
+  </cs:axisTitle>
+  <cs:categoryAxis>
+    <cs:lnRef idx="0"/>
+    <cs:fillRef idx="0"/>
+    <cs:effectRef idx="0"/>
+    <cs:fontRef idx="minor">
+      <a:schemeClr val="tx1">
+        <a:lumMod val="65000"/>
+        <a:lumOff val="35000"/>
+      </a:schemeClr>
+    </cs:fontRef>
+    <cs:spPr>
+      <a:ln w="9525" cap="flat" cmpd="sng" algn="ctr">
+        <a:solidFill>
+          <a:schemeClr val="tx1">
+            <a:lumMod val="25000"/>
+            <a:lumOff val="75000"/>
+          </a:schemeClr>
+        </a:solidFill>
+        <a:round/>
+      </a:ln>
+    </cs:spPr>
+    <cs:defRPr sz="900" kern="1200"/>
+  </cs:categoryAxis>
+  <cs:chartArea mods="allowNoFillOverride allowNoLineOverride">
+    <cs:lnRef idx="0"/>
+    <cs:fillRef idx="0"/>
+    <cs:effectRef idx="0"/>
+    <cs:fontRef idx="minor">
+      <a:schemeClr val="tx1"/>
+    </cs:fontRef>
+    <cs:spPr>
+      <a:solidFill>
+        <a:schemeClr val="bg1"/>
+      </a:solidFill>
+      <a:ln w="9525" cap="flat" cmpd="sng" algn="ctr">
+        <a:solidFill>
+          <a:schemeClr val="tx1">
+            <a:lumMod val="15000"/>
+            <a:lumOff val="85000"/>
+          </a:schemeClr>
+        </a:solidFill>
+        <a:round/>
+      </a:ln>
+    </cs:spPr>
+    <cs:defRPr sz="1000" kern="1200"/>
+  </cs:chartArea>
+  <cs:dataLabel>
+    <cs:lnRef idx="0"/>
+    <cs:fillRef idx="0"/>
+    <cs:effectRef idx="0"/>
+    <cs:fontRef idx="minor">
+      <a:schemeClr val="tx1">
+        <a:lumMod val="75000"/>
+        <a:lumOff val="25000"/>
+      </a:schemeClr>
+    </cs:fontRef>
+    <cs:defRPr sz="900" kern="1200"/>
+  </cs:dataLabel>
+  <cs:dataLabelCallout>
+    <cs:lnRef idx="0"/>
+    <cs:fillRef idx="0"/>
+    <cs:effectRef idx="0"/>
+    <cs:fontRef idx="minor">
+      <a:schemeClr val="dk1">
+        <a:lumMod val="65000"/>
+        <a:lumOff val="35000"/>
+      </a:schemeClr>
+    </cs:fontRef>
+    <cs:spPr>
+      <a:solidFill>
+        <a:schemeClr val="lt1"/>
+      </a:solidFill>
+      <a:ln>
+        <a:solidFill>
+          <a:schemeClr val="dk1">
+            <a:lumMod val="25000"/>
+            <a:lumOff val="75000"/>
+          </a:schemeClr>
+        </a:solidFill>
+      </a:ln>
+    </cs:spPr>
+    <cs:defRPr sz="900" kern="1200"/>
+    <cs:bodyPr rot="0" spcFirstLastPara="1" vertOverflow="clip" horzOverflow="clip" vert="horz" wrap="square" lIns="36576" tIns="18288" rIns="36576" bIns="18288" anchor="ctr" anchorCtr="1">
+      <a:spAutoFit/>
+    </cs:bodyPr>
+  </cs:dataLabelCallout>
+  <cs:dataPoint>
+    <cs:lnRef idx="0"/>
+    <cs:fillRef idx="1">
+      <cs:styleClr val="auto"/>
+    </cs:fillRef>
+    <cs:effectRef idx="0"/>
+    <cs:fontRef idx="minor">
+      <a:schemeClr val="tx1"/>
+    </cs:fontRef>
+  </cs:dataPoint>
+  <cs:dataPoint3D>
+    <cs:lnRef idx="0"/>
+    <cs:fillRef idx="1">
+      <cs:styleClr val="auto"/>
+    </cs:fillRef>
+    <cs:effectRef idx="0"/>
+    <cs:fontRef idx="minor">
+      <a:schemeClr val="tx1"/>
+    </cs:fontRef>
+  </cs:dataPoint3D>
+  <cs:dataPointLine>
+    <cs:lnRef idx="0">
+      <cs:styleClr val="auto"/>
+    </cs:lnRef>
+    <cs:fillRef idx="1"/>
+    <cs:effectRef idx="0"/>
+    <cs:fontRef idx="minor">
+      <a:schemeClr val="tx1"/>
+    </cs:fontRef>
+    <cs:spPr>
+      <a:ln w="19050" cap="rnd">
+        <a:solidFill>
+          <a:schemeClr val="phClr"/>
+        </a:solidFill>
+        <a:round/>
+      </a:ln>
+    </cs:spPr>
+  </cs:dataPointLine>
+  <cs:dataPointMarker>
+    <cs:lnRef idx="0">
+      <cs:styleClr val="auto"/>
+    </cs:lnRef>
+    <cs:fillRef idx="1">
+      <cs:styleClr val="auto"/>
+    </cs:fillRef>
+    <cs:effectRef idx="0"/>
+    <cs:fontRef idx="minor">
+      <a:schemeClr val="tx1"/>
+    </cs:fontRef>
+    <cs:spPr>
+      <a:ln w="9525">
+        <a:solidFill>
+          <a:schemeClr val="phClr"/>
+        </a:solidFill>
+      </a:ln>
+    </cs:spPr>
+  </cs:dataPointMarker>
+  <cs:dataPointMarkerLayout symbol="circle" size="5"/>
+  <cs:dataPointWireframe>
+    <cs:lnRef idx="0">
+      <cs:styleClr val="auto"/>
+    </cs:lnRef>
+    <cs:fillRef idx="0"/>
+    <cs:effectRef idx="0"/>
+    <cs:fontRef idx="minor">
+      <a:schemeClr val="dk1"/>
+    </cs:fontRef>
+    <cs:spPr>
+      <a:ln w="9525" cap="rnd">
+        <a:solidFill>
+          <a:schemeClr val="phClr"/>
+        </a:solidFill>
+        <a:round/>
+      </a:ln>
+    </cs:spPr>
+  </cs:dataPointWireframe>
+  <cs:dataTable>
+    <cs:lnRef idx="0"/>
+    <cs:fillRef idx="0"/>
+    <cs:effectRef idx="0"/>
+    <cs:fontRef idx="minor">
+      <a:schemeClr val="tx1">
+        <a:lumMod val="65000"/>
+        <a:lumOff val="35000"/>
+      </a:schemeClr>
+    </cs:fontRef>
+    <cs:spPr>
+      <a:noFill/>
+      <a:ln w="9525" cap="flat" cmpd="sng" algn="ctr">
+        <a:solidFill>
+          <a:schemeClr val="tx1">
+            <a:lumMod val="15000"/>
+            <a:lumOff val="85000"/>
+          </a:schemeClr>
+        </a:solidFill>
+        <a:round/>
+      </a:ln>
+    </cs:spPr>
+    <cs:defRPr sz="900" kern="1200"/>
+  </cs:dataTable>
+  <cs:downBar>
+    <cs:lnRef idx="0"/>
+    <cs:fillRef idx="0"/>
+    <cs:effectRef idx="0"/>
+    <cs:fontRef idx="minor">
+      <a:schemeClr val="tx1"/>
+    </cs:fontRef>
+    <cs:spPr>
+      <a:solidFill>
+        <a:schemeClr val="dk1">
+          <a:lumMod val="75000"/>
+          <a:lumOff val="25000"/>
+        </a:schemeClr>
+      </a:solidFill>
+      <a:ln w="9525" cap="flat" cmpd="sng" algn="ctr">
+        <a:solidFill>
+          <a:schemeClr val="tx1">
+            <a:lumMod val="65000"/>
+            <a:lumOff val="35000"/>
+          </a:schemeClr>
+        </a:solidFill>
+        <a:round/>
+      </a:ln>
+    </cs:spPr>
+  </cs:downBar>
+  <cs:dropLine>
+    <cs:lnRef idx="0"/>
+    <cs:fillRef idx="0"/>
+    <cs:effectRef idx="0"/>
+    <cs:fontRef idx="minor">
+      <a:schemeClr val="tx1"/>
+    </cs:fontRef>
+    <cs:spPr>
+      <a:ln w="9525" cap="flat" cmpd="sng" algn="ctr">
+        <a:solidFill>
+          <a:schemeClr val="tx1">
+            <a:lumMod val="35000"/>
+            <a:lumOff val="65000"/>
+          </a:schemeClr>
+        </a:solidFill>
+        <a:round/>
+      </a:ln>
+    </cs:spPr>
+  </cs:dropLine>
+  <cs:errorBar>
+    <cs:lnRef idx="0"/>
+    <cs:fillRef idx="0"/>
+    <cs:effectRef idx="0"/>
+    <cs:fontRef idx="minor">
+      <a:schemeClr val="tx1"/>
+    </cs:fontRef>
+    <cs:spPr>
+      <a:ln w="9525" cap="flat" cmpd="sng" algn="ctr">
+        <a:solidFill>
+          <a:schemeClr val="tx1">
+            <a:lumMod val="65000"/>
+            <a:lumOff val="35000"/>
+          </a:schemeClr>
+        </a:solidFill>
+        <a:round/>
+      </a:ln>
+    </cs:spPr>
+  </cs:errorBar>
+  <cs:floor>
+    <cs:lnRef idx="0"/>
+    <cs:fillRef idx="0"/>
+    <cs:effectRef idx="0"/>
+    <cs:fontRef idx="minor">
+      <a:schemeClr val="tx1"/>
+    </cs:fontRef>
+    <cs:spPr>
+      <a:noFill/>
+      <a:ln>
+        <a:noFill/>
+      </a:ln>
+    </cs:spPr>
+  </cs:floor>
+  <cs:gridlineMajor>
+    <cs:lnRef idx="0"/>
+    <cs:fillRef idx="0"/>
+    <cs:effectRef idx="0"/>
+    <cs:fontRef idx="minor">
+      <a:schemeClr val="tx1"/>
+    </cs:fontRef>
+    <cs:spPr>
+      <a:ln w="9525" cap="flat" cmpd="sng" algn="ctr">
+        <a:solidFill>
+          <a:schemeClr val="tx1">
+            <a:lumMod val="15000"/>
+            <a:lumOff val="85000"/>
+          </a:schemeClr>
+        </a:solidFill>
+        <a:round/>
+      </a:ln>
+    </cs:spPr>
+  </cs:gridlineMajor>
+  <cs:gridlineMinor>
+    <cs:lnRef idx="0"/>
+    <cs:fillRef idx="0"/>
+    <cs:effectRef idx="0"/>
+    <cs:fontRef idx="minor">
+      <a:schemeClr val="tx1"/>
+    </cs:fontRef>
+    <cs:spPr>
+      <a:ln w="9525" cap="flat" cmpd="sng" algn="ctr">
+        <a:solidFill>
+          <a:schemeClr val="tx1">
+            <a:lumMod val="5000"/>
+            <a:lumOff val="95000"/>
+          </a:schemeClr>
+        </a:solidFill>
+        <a:round/>
+      </a:ln>
+    </cs:spPr>
+  </cs:gridlineMinor>
+  <cs:hiLoLine>
+    <cs:lnRef idx="0"/>
+    <cs:fillRef idx="0"/>
+    <cs:effectRef idx="0"/>
+    <cs:fontRef idx="minor">
+      <a:schemeClr val="tx1"/>
+    </cs:fontRef>
+    <cs:spPr>
+      <a:ln w="9525" cap="flat" cmpd="sng" algn="ctr">
+        <a:solidFill>
+          <a:schemeClr val="tx1">
+            <a:lumMod val="50000"/>
+            <a:lumOff val="50000"/>
+          </a:schemeClr>
+        </a:solidFill>
+        <a:round/>
+      </a:ln>
+    </cs:spPr>
+  </cs:hiLoLine>
+  <cs:leaderLine>
+    <cs:lnRef idx="0"/>
+    <cs:fillRef idx="0"/>
+    <cs:effectRef idx="0"/>
+    <cs:fontRef idx="minor">
+      <a:schemeClr val="tx1"/>
+    </cs:fontRef>
+    <cs:spPr>
+      <a:ln w="9525" cap="flat" cmpd="sng" algn="ctr">
+        <a:solidFill>
+          <a:schemeClr val="tx1">
+            <a:lumMod val="35000"/>
+            <a:lumOff val="65000"/>
+          </a:schemeClr>
+        </a:solidFill>
+        <a:round/>
+      </a:ln>
+    </cs:spPr>
+  </cs:leaderLine>
+  <cs:legend>
+    <cs:lnRef idx="0"/>
+    <cs:fillRef idx="0"/>
+    <cs:effectRef idx="0"/>
+    <cs:fontRef idx="minor">
+      <a:schemeClr val="tx1">
+        <a:lumMod val="65000"/>
+        <a:lumOff val="35000"/>
+      </a:schemeClr>
+    </cs:fontRef>
+    <cs:defRPr sz="900" kern="1200"/>
+  </cs:legend>
+  <cs:plotArea mods="allowNoFillOverride allowNoLineOverride">
+    <cs:lnRef idx="0"/>
+    <cs:fillRef idx="0"/>
+    <cs:effectRef idx="0"/>
+    <cs:fontRef idx="minor">
+      <a:schemeClr val="tx1"/>
+    </cs:fontRef>
+  </cs:plotArea>
+  <cs:plotArea3D mods="allowNoFillOverride allowNoLineOverride">
+    <cs:lnRef idx="0"/>
+    <cs:fillRef idx="0"/>
+    <cs:effectRef idx="0"/>
+    <cs:fontRef idx="minor">
+      <a:schemeClr val="tx1"/>
+    </cs:fontRef>
+  </cs:plotArea3D>
+  <cs:seriesAxis>
+    <cs:lnRef idx="0"/>
+    <cs:fillRef idx="0"/>
+    <cs:effectRef idx="0"/>
+    <cs:fontRef idx="minor">
+      <a:schemeClr val="tx1">
+        <a:lumMod val="65000"/>
+        <a:lumOff val="35000"/>
+      </a:schemeClr>
+    </cs:fontRef>
+    <cs:defRPr sz="900" kern="1200"/>
+  </cs:seriesAxis>
+  <cs:seriesLine>
+    <cs:lnRef idx="0"/>
+    <cs:fillRef idx="0"/>
+    <cs:effectRef idx="0"/>
+    <cs:fontRef idx="minor">
+      <a:schemeClr val="tx1"/>
+    </cs:fontRef>
+    <cs:spPr>
+      <a:ln w="9525" cap="flat" cmpd="sng" algn="ctr">
+        <a:solidFill>
+          <a:schemeClr val="tx1">
+            <a:lumMod val="35000"/>
+            <a:lumOff val="65000"/>
+          </a:schemeClr>
+        </a:solidFill>
+        <a:round/>
+      </a:ln>
+    </cs:spPr>
+  </cs:seriesLine>
+  <cs:title>
+    <cs:lnRef idx="0"/>
+    <cs:fillRef idx="0"/>
+    <cs:effectRef idx="0"/>
+    <cs:fontRef idx="minor">
+      <a:schemeClr val="tx1">
+        <a:lumMod val="65000"/>
+        <a:lumOff val="35000"/>
+      </a:schemeClr>
+    </cs:fontRef>
+    <cs:defRPr sz="1400" b="0" kern="1200" spc="0" baseline="0"/>
+  </cs:title>
+  <cs:trendline>
+    <cs:lnRef idx="0">
+      <cs:styleClr val="auto"/>
+    </cs:lnRef>
+    <cs:fillRef idx="0"/>
+    <cs:effectRef idx="0"/>
+    <cs:fontRef idx="minor">
+      <a:schemeClr val="tx1"/>
+    </cs:fontRef>
+    <cs:spPr>
+      <a:ln w="19050" cap="rnd">
+        <a:solidFill>
+          <a:schemeClr val="phClr"/>
+        </a:solidFill>
+        <a:prstDash val="sysDot"/>
+      </a:ln>
+    </cs:spPr>
+  </cs:trendline>
+  <cs:trendlineLabel>
+    <cs:lnRef idx="0"/>
+    <cs:fillRef idx="0"/>
+    <cs:effectRef idx="0"/>
+    <cs:fontRef idx="minor">
+      <a:schemeClr val="tx1">
+        <a:lumMod val="65000"/>
+        <a:lumOff val="35000"/>
+      </a:schemeClr>
+    </cs:fontRef>
+    <cs:defRPr sz="900" kern="1200"/>
+  </cs:trendlineLabel>
+  <cs:upBar>
+    <cs:lnRef idx="0"/>
+    <cs:fillRef idx="0"/>
+    <cs:effectRef idx="0"/>
+    <cs:fontRef idx="minor">
+      <a:schemeClr val="tx1"/>
+    </cs:fontRef>
+    <cs:spPr>
+      <a:solidFill>
+        <a:schemeClr val="lt1"/>
+      </a:solidFill>
+      <a:ln w="9525" cap="flat" cmpd="sng" algn="ctr">
+        <a:solidFill>
+          <a:schemeClr val="tx1">
+            <a:lumMod val="65000"/>
+            <a:lumOff val="35000"/>
+          </a:schemeClr>
+        </a:solidFill>
+        <a:round/>
+      </a:ln>
+    </cs:spPr>
+  </cs:upBar>
+  <cs:valueAxis>
+    <cs:lnRef idx="0"/>
+    <cs:fillRef idx="0"/>
+    <cs:effectRef idx="0"/>
+    <cs:fontRef idx="minor">
+      <a:schemeClr val="tx1">
+        <a:lumMod val="65000"/>
+        <a:lumOff val="35000"/>
+      </a:schemeClr>
+    </cs:fontRef>
+    <cs:spPr>
+      <a:ln w="9525" cap="flat" cmpd="sng" algn="ctr">
+        <a:solidFill>
+          <a:schemeClr val="tx1">
+            <a:lumMod val="25000"/>
+            <a:lumOff val="75000"/>
+          </a:schemeClr>
+        </a:solidFill>
+        <a:round/>
+      </a:ln>
+    </cs:spPr>
+    <cs:defRPr sz="900" kern="1200"/>
+  </cs:valueAxis>
+  <cs:wall>
+    <cs:lnRef idx="0"/>
+    <cs:fillRef idx="0"/>
+    <cs:effectRef idx="0"/>
+    <cs:fontRef idx="minor">
+      <a:schemeClr val="tx1"/>
+    </cs:fontRef>
+    <cs:spPr>
+      <a:noFill/>
+      <a:ln>
+        <a:noFill/>
+      </a:ln>
+    </cs:spPr>
+  </cs:wall>
+</cs:chartStyle>
+</file>
+
+<file path=ppt/charts/style5.xml><?xml version="1.0" encoding="utf-8"?>
+<cs:chartStyle xmlns:cs="http://schemas.microsoft.com/office/drawing/2012/chartStyle" xmlns:a="http://schemas.openxmlformats.org/drawingml/2006/main" id="240">
+  <cs:axisTitle>
+    <cs:lnRef idx="0"/>
+    <cs:fillRef idx="0"/>
+    <cs:effectRef idx="0"/>
+    <cs:fontRef idx="minor">
+      <a:schemeClr val="tx1">
+        <a:lumMod val="65000"/>
+        <a:lumOff val="35000"/>
+      </a:schemeClr>
+    </cs:fontRef>
+    <cs:defRPr sz="1000" kern="1200"/>
+  </cs:axisTitle>
+  <cs:categoryAxis>
+    <cs:lnRef idx="0"/>
+    <cs:fillRef idx="0"/>
+    <cs:effectRef idx="0"/>
+    <cs:fontRef idx="minor">
+      <a:schemeClr val="tx1">
+        <a:lumMod val="65000"/>
+        <a:lumOff val="35000"/>
+      </a:schemeClr>
+    </cs:fontRef>
+    <cs:spPr>
+      <a:ln w="9525" cap="flat" cmpd="sng" algn="ctr">
+        <a:solidFill>
+          <a:schemeClr val="tx1">
+            <a:lumMod val="25000"/>
+            <a:lumOff val="75000"/>
+          </a:schemeClr>
+        </a:solidFill>
+        <a:round/>
+      </a:ln>
+    </cs:spPr>
+    <cs:defRPr sz="900" kern="1200"/>
+  </cs:categoryAxis>
+  <cs:chartArea mods="allowNoFillOverride allowNoLineOverride">
+    <cs:lnRef idx="0"/>
+    <cs:fillRef idx="0"/>
+    <cs:effectRef idx="0"/>
+    <cs:fontRef idx="minor">
+      <a:schemeClr val="tx1"/>
+    </cs:fontRef>
+    <cs:spPr>
+      <a:solidFill>
+        <a:schemeClr val="bg1"/>
+      </a:solidFill>
+      <a:ln w="9525" cap="flat" cmpd="sng" algn="ctr">
+        <a:solidFill>
+          <a:schemeClr val="tx1">
+            <a:lumMod val="15000"/>
+            <a:lumOff val="85000"/>
+          </a:schemeClr>
+        </a:solidFill>
+        <a:round/>
+      </a:ln>
+    </cs:spPr>
+    <cs:defRPr sz="1000" kern="1200"/>
+  </cs:chartArea>
+  <cs:dataLabel>
+    <cs:lnRef idx="0"/>
+    <cs:fillRef idx="0"/>
+    <cs:effectRef idx="0"/>
+    <cs:fontRef idx="minor">
+      <a:schemeClr val="tx1">
+        <a:lumMod val="75000"/>
+        <a:lumOff val="25000"/>
+      </a:schemeClr>
+    </cs:fontRef>
+    <cs:defRPr sz="900" kern="1200"/>
+  </cs:dataLabel>
+  <cs:dataLabelCallout>
+    <cs:lnRef idx="0"/>
+    <cs:fillRef idx="0"/>
+    <cs:effectRef idx="0"/>
+    <cs:fontRef idx="minor">
+      <a:schemeClr val="dk1">
+        <a:lumMod val="65000"/>
+        <a:lumOff val="35000"/>
+      </a:schemeClr>
+    </cs:fontRef>
+    <cs:spPr>
+      <a:solidFill>
+        <a:schemeClr val="lt1"/>
+      </a:solidFill>
+      <a:ln>
+        <a:solidFill>
+          <a:schemeClr val="dk1">
+            <a:lumMod val="25000"/>
+            <a:lumOff val="75000"/>
+          </a:schemeClr>
+        </a:solidFill>
+      </a:ln>
+    </cs:spPr>
+    <cs:defRPr sz="900" kern="1200"/>
+    <cs:bodyPr rot="0" spcFirstLastPara="1" vertOverflow="clip" horzOverflow="clip" vert="horz" wrap="square" lIns="36576" tIns="18288" rIns="36576" bIns="18288" anchor="ctr" anchorCtr="1">
+      <a:spAutoFit/>
+    </cs:bodyPr>
+  </cs:dataLabelCallout>
+  <cs:dataPoint>
+    <cs:lnRef idx="0"/>
+    <cs:fillRef idx="1">
+      <cs:styleClr val="auto"/>
+    </cs:fillRef>
+    <cs:effectRef idx="0"/>
+    <cs:fontRef idx="minor">
+      <a:schemeClr val="tx1"/>
+    </cs:fontRef>
+  </cs:dataPoint>
+  <cs:dataPoint3D>
+    <cs:lnRef idx="0"/>
+    <cs:fillRef idx="1">
+      <cs:styleClr val="auto"/>
+    </cs:fillRef>
+    <cs:effectRef idx="0"/>
+    <cs:fontRef idx="minor">
+      <a:schemeClr val="tx1"/>
+    </cs:fontRef>
+  </cs:dataPoint3D>
+  <cs:dataPointLine>
+    <cs:lnRef idx="0">
+      <cs:styleClr val="auto"/>
+    </cs:lnRef>
+    <cs:fillRef idx="1"/>
+    <cs:effectRef idx="0"/>
+    <cs:fontRef idx="minor">
+      <a:schemeClr val="tx1"/>
+    </cs:fontRef>
+    <cs:spPr>
+      <a:ln w="19050" cap="rnd">
+        <a:solidFill>
+          <a:schemeClr val="phClr"/>
+        </a:solidFill>
+        <a:round/>
+      </a:ln>
+    </cs:spPr>
+  </cs:dataPointLine>
+  <cs:dataPointMarker>
+    <cs:lnRef idx="0">
+      <cs:styleClr val="auto"/>
+    </cs:lnRef>
+    <cs:fillRef idx="1">
+      <cs:styleClr val="auto"/>
+    </cs:fillRef>
+    <cs:effectRef idx="0"/>
+    <cs:fontRef idx="minor">
+      <a:schemeClr val="tx1"/>
+    </cs:fontRef>
+    <cs:spPr>
+      <a:ln w="9525">
+        <a:solidFill>
+          <a:schemeClr val="phClr"/>
+        </a:solidFill>
+      </a:ln>
+    </cs:spPr>
+  </cs:dataPointMarker>
+  <cs:dataPointMarkerLayout symbol="circle" size="5"/>
+  <cs:dataPointWireframe>
+    <cs:lnRef idx="0">
+      <cs:styleClr val="auto"/>
+    </cs:lnRef>
+    <cs:fillRef idx="0"/>
+    <cs:effectRef idx="0"/>
+    <cs:fontRef idx="minor">
+      <a:schemeClr val="dk1"/>
+    </cs:fontRef>
+    <cs:spPr>
+      <a:ln w="9525" cap="rnd">
+        <a:solidFill>
+          <a:schemeClr val="phClr"/>
+        </a:solidFill>
+        <a:round/>
+      </a:ln>
+    </cs:spPr>
+  </cs:dataPointWireframe>
+  <cs:dataTable>
+    <cs:lnRef idx="0"/>
+    <cs:fillRef idx="0"/>
+    <cs:effectRef idx="0"/>
+    <cs:fontRef idx="minor">
+      <a:schemeClr val="tx1">
+        <a:lumMod val="65000"/>
+        <a:lumOff val="35000"/>
+      </a:schemeClr>
+    </cs:fontRef>
+    <cs:spPr>
+      <a:noFill/>
+      <a:ln w="9525" cap="flat" cmpd="sng" algn="ctr">
+        <a:solidFill>
+          <a:schemeClr val="tx1">
+            <a:lumMod val="15000"/>
+            <a:lumOff val="85000"/>
+          </a:schemeClr>
+        </a:solidFill>
+        <a:round/>
+      </a:ln>
+    </cs:spPr>
+    <cs:defRPr sz="900" kern="1200"/>
+  </cs:dataTable>
+  <cs:downBar>
+    <cs:lnRef idx="0"/>
+    <cs:fillRef idx="0"/>
+    <cs:effectRef idx="0"/>
+    <cs:fontRef idx="minor">
+      <a:schemeClr val="tx1"/>
+    </cs:fontRef>
+    <cs:spPr>
+      <a:solidFill>
+        <a:schemeClr val="dk1">
+          <a:lumMod val="75000"/>
+          <a:lumOff val="25000"/>
+        </a:schemeClr>
+      </a:solidFill>
+      <a:ln w="9525" cap="flat" cmpd="sng" algn="ctr">
+        <a:solidFill>
+          <a:schemeClr val="tx1">
+            <a:lumMod val="65000"/>
+            <a:lumOff val="35000"/>
+          </a:schemeClr>
+        </a:solidFill>
+        <a:round/>
+      </a:ln>
+    </cs:spPr>
+  </cs:downBar>
+  <cs:dropLine>
+    <cs:lnRef idx="0"/>
+    <cs:fillRef idx="0"/>
+    <cs:effectRef idx="0"/>
+    <cs:fontRef idx="minor">
+      <a:schemeClr val="tx1"/>
+    </cs:fontRef>
+    <cs:spPr>
+      <a:ln w="9525" cap="flat" cmpd="sng" algn="ctr">
+        <a:solidFill>
+          <a:schemeClr val="tx1">
+            <a:lumMod val="35000"/>
+            <a:lumOff val="65000"/>
+          </a:schemeClr>
+        </a:solidFill>
+        <a:round/>
+      </a:ln>
+    </cs:spPr>
+  </cs:dropLine>
+  <cs:errorBar>
+    <cs:lnRef idx="0"/>
+    <cs:fillRef idx="0"/>
+    <cs:effectRef idx="0"/>
+    <cs:fontRef idx="minor">
+      <a:schemeClr val="tx1"/>
+    </cs:fontRef>
+    <cs:spPr>
+      <a:ln w="9525" cap="flat" cmpd="sng" algn="ctr">
+        <a:solidFill>
+          <a:schemeClr val="tx1">
+            <a:lumMod val="65000"/>
+            <a:lumOff val="35000"/>
+          </a:schemeClr>
+        </a:solidFill>
+        <a:round/>
+      </a:ln>
+    </cs:spPr>
+  </cs:errorBar>
+  <cs:floor>
+    <cs:lnRef idx="0"/>
+    <cs:fillRef idx="0"/>
+    <cs:effectRef idx="0"/>
+    <cs:fontRef idx="minor">
+      <a:schemeClr val="tx1"/>
+    </cs:fontRef>
+    <cs:spPr>
+      <a:noFill/>
+      <a:ln>
+        <a:noFill/>
+      </a:ln>
+    </cs:spPr>
+  </cs:floor>
+  <cs:gridlineMajor>
+    <cs:lnRef idx="0"/>
+    <cs:fillRef idx="0"/>
+    <cs:effectRef idx="0"/>
+    <cs:fontRef idx="minor">
+      <a:schemeClr val="tx1"/>
+    </cs:fontRef>
+    <cs:spPr>
+      <a:ln w="9525" cap="flat" cmpd="sng" algn="ctr">
+        <a:solidFill>
+          <a:schemeClr val="tx1">
+            <a:lumMod val="15000"/>
+            <a:lumOff val="85000"/>
+          </a:schemeClr>
+        </a:solidFill>
+        <a:round/>
+      </a:ln>
+    </cs:spPr>
+  </cs:gridlineMajor>
+  <cs:gridlineMinor>
+    <cs:lnRef idx="0"/>
+    <cs:fillRef idx="0"/>
+    <cs:effectRef idx="0"/>
+    <cs:fontRef idx="minor">
+      <a:schemeClr val="tx1"/>
+    </cs:fontRef>
+    <cs:spPr>
+      <a:ln w="9525" cap="flat" cmpd="sng" algn="ctr">
+        <a:solidFill>
+          <a:schemeClr val="tx1">
+            <a:lumMod val="5000"/>
+            <a:lumOff val="95000"/>
+          </a:schemeClr>
+        </a:solidFill>
+        <a:round/>
+      </a:ln>
+    </cs:spPr>
+  </cs:gridlineMinor>
+  <cs:hiLoLine>
+    <cs:lnRef idx="0"/>
+    <cs:fillRef idx="0"/>
+    <cs:effectRef idx="0"/>
+    <cs:fontRef idx="minor">
+      <a:schemeClr val="tx1"/>
+    </cs:fontRef>
+    <cs:spPr>
+      <a:ln w="9525" cap="flat" cmpd="sng" algn="ctr">
+        <a:solidFill>
+          <a:schemeClr val="tx1">
+            <a:lumMod val="50000"/>
+            <a:lumOff val="50000"/>
+          </a:schemeClr>
+        </a:solidFill>
+        <a:round/>
+      </a:ln>
+    </cs:spPr>
+  </cs:hiLoLine>
+  <cs:leaderLine>
+    <cs:lnRef idx="0"/>
+    <cs:fillRef idx="0"/>
+    <cs:effectRef idx="0"/>
+    <cs:fontRef idx="minor">
+      <a:schemeClr val="tx1"/>
+    </cs:fontRef>
+    <cs:spPr>
+      <a:ln w="9525" cap="flat" cmpd="sng" algn="ctr">
+        <a:solidFill>
+          <a:schemeClr val="tx1">
+            <a:lumMod val="35000"/>
+            <a:lumOff val="65000"/>
+          </a:schemeClr>
+        </a:solidFill>
+        <a:round/>
+      </a:ln>
+    </cs:spPr>
+  </cs:leaderLine>
+  <cs:legend>
+    <cs:lnRef idx="0"/>
+    <cs:fillRef idx="0"/>
+    <cs:effectRef idx="0"/>
+    <cs:fontRef idx="minor">
+      <a:schemeClr val="tx1">
+        <a:lumMod val="65000"/>
+        <a:lumOff val="35000"/>
+      </a:schemeClr>
+    </cs:fontRef>
+    <cs:defRPr sz="900" kern="1200"/>
+  </cs:legend>
+  <cs:plotArea mods="allowNoFillOverride allowNoLineOverride">
+    <cs:lnRef idx="0"/>
+    <cs:fillRef idx="0"/>
+    <cs:effectRef idx="0"/>
+    <cs:fontRef idx="minor">
+      <a:schemeClr val="tx1"/>
+    </cs:fontRef>
+  </cs:plotArea>
+  <cs:plotArea3D mods="allowNoFillOverride allowNoLineOverride">
+    <cs:lnRef idx="0"/>
+    <cs:fillRef idx="0"/>
+    <cs:effectRef idx="0"/>
+    <cs:fontRef idx="minor">
+      <a:schemeClr val="tx1"/>
+    </cs:fontRef>
+  </cs:plotArea3D>
+  <cs:seriesAxis>
+    <cs:lnRef idx="0"/>
+    <cs:fillRef idx="0"/>
+    <cs:effectRef idx="0"/>
+    <cs:fontRef idx="minor">
+      <a:schemeClr val="tx1">
+        <a:lumMod val="65000"/>
+        <a:lumOff val="35000"/>
+      </a:schemeClr>
+    </cs:fontRef>
+    <cs:defRPr sz="900" kern="1200"/>
+  </cs:seriesAxis>
+  <cs:seriesLine>
+    <cs:lnRef idx="0"/>
+    <cs:fillRef idx="0"/>
+    <cs:effectRef idx="0"/>
+    <cs:fontRef idx="minor">
+      <a:schemeClr val="tx1"/>
+    </cs:fontRef>
+    <cs:spPr>
+      <a:ln w="9525" cap="flat" cmpd="sng" algn="ctr">
+        <a:solidFill>
+          <a:schemeClr val="tx1">
+            <a:lumMod val="35000"/>
+            <a:lumOff val="65000"/>
+          </a:schemeClr>
+        </a:solidFill>
+        <a:round/>
+      </a:ln>
+    </cs:spPr>
+  </cs:seriesLine>
+  <cs:title>
+    <cs:lnRef idx="0"/>
+    <cs:fillRef idx="0"/>
+    <cs:effectRef idx="0"/>
+    <cs:fontRef idx="minor">
+      <a:schemeClr val="tx1">
+        <a:lumMod val="65000"/>
+        <a:lumOff val="35000"/>
+      </a:schemeClr>
+    </cs:fontRef>
+    <cs:defRPr sz="1400" b="0" kern="1200" spc="0" baseline="0"/>
+  </cs:title>
+  <cs:trendline>
+    <cs:lnRef idx="0">
+      <cs:styleClr val="auto"/>
+    </cs:lnRef>
+    <cs:fillRef idx="0"/>
+    <cs:effectRef idx="0"/>
+    <cs:fontRef idx="minor">
+      <a:schemeClr val="tx1"/>
+    </cs:fontRef>
+    <cs:spPr>
+      <a:ln w="19050" cap="rnd">
+        <a:solidFill>
+          <a:schemeClr val="phClr"/>
+        </a:solidFill>
+        <a:prstDash val="sysDot"/>
+      </a:ln>
+    </cs:spPr>
+  </cs:trendline>
+  <cs:trendlineLabel>
+    <cs:lnRef idx="0"/>
+    <cs:fillRef idx="0"/>
+    <cs:effectRef idx="0"/>
+    <cs:fontRef idx="minor">
+      <a:schemeClr val="tx1">
+        <a:lumMod val="65000"/>
+        <a:lumOff val="35000"/>
+      </a:schemeClr>
+    </cs:fontRef>
+    <cs:defRPr sz="900" kern="1200"/>
+  </cs:trendlineLabel>
+  <cs:upBar>
+    <cs:lnRef idx="0"/>
+    <cs:fillRef idx="0"/>
+    <cs:effectRef idx="0"/>
+    <cs:fontRef idx="minor">
+      <a:schemeClr val="tx1"/>
+    </cs:fontRef>
+    <cs:spPr>
+      <a:solidFill>
+        <a:schemeClr val="lt1"/>
+      </a:solidFill>
+      <a:ln w="9525" cap="flat" cmpd="sng" algn="ctr">
+        <a:solidFill>
+          <a:schemeClr val="tx1">
+            <a:lumMod val="65000"/>
+            <a:lumOff val="35000"/>
+          </a:schemeClr>
+        </a:solidFill>
+        <a:round/>
+      </a:ln>
+    </cs:spPr>
+  </cs:upBar>
+  <cs:valueAxis>
+    <cs:lnRef idx="0"/>
+    <cs:fillRef idx="0"/>
+    <cs:effectRef idx="0"/>
+    <cs:fontRef idx="minor">
+      <a:schemeClr val="tx1">
+        <a:lumMod val="65000"/>
+        <a:lumOff val="35000"/>
+      </a:schemeClr>
+    </cs:fontRef>
+    <cs:spPr>
+      <a:ln w="9525" cap="flat" cmpd="sng" algn="ctr">
+        <a:solidFill>
+          <a:schemeClr val="tx1">
+            <a:lumMod val="25000"/>
+            <a:lumOff val="75000"/>
+          </a:schemeClr>
+        </a:solidFill>
+        <a:round/>
+      </a:ln>
+    </cs:spPr>
+    <cs:defRPr sz="900" kern="1200"/>
+  </cs:valueAxis>
+  <cs:wall>
+    <cs:lnRef idx="0"/>
+    <cs:fillRef idx="0"/>
+    <cs:effectRef idx="0"/>
+    <cs:fontRef idx="minor">
+      <a:schemeClr val="tx1"/>
+    </cs:fontRef>
+    <cs:spPr>
+      <a:noFill/>
+      <a:ln>
+        <a:noFill/>
+      </a:ln>
+    </cs:spPr>
+  </cs:wall>
+</cs:chartStyle>
+</file>
+
+<file path=ppt/charts/style6.xml><?xml version="1.0" encoding="utf-8"?>
+<cs:chartStyle xmlns:cs="http://schemas.microsoft.com/office/drawing/2012/chartStyle" xmlns:a="http://schemas.openxmlformats.org/drawingml/2006/main" id="240">
+  <cs:axisTitle>
+    <cs:lnRef idx="0"/>
+    <cs:fillRef idx="0"/>
+    <cs:effectRef idx="0"/>
+    <cs:fontRef idx="minor">
+      <a:schemeClr val="tx1">
+        <a:lumMod val="65000"/>
+        <a:lumOff val="35000"/>
+      </a:schemeClr>
+    </cs:fontRef>
+    <cs:defRPr sz="1000" kern="1200"/>
+  </cs:axisTitle>
+  <cs:categoryAxis>
+    <cs:lnRef idx="0"/>
+    <cs:fillRef idx="0"/>
+    <cs:effectRef idx="0"/>
+    <cs:fontRef idx="minor">
+      <a:schemeClr val="tx1">
+        <a:lumMod val="65000"/>
+        <a:lumOff val="35000"/>
+      </a:schemeClr>
+    </cs:fontRef>
+    <cs:spPr>
+      <a:ln w="9525" cap="flat" cmpd="sng" algn="ctr">
+        <a:solidFill>
+          <a:schemeClr val="tx1">
+            <a:lumMod val="25000"/>
+            <a:lumOff val="75000"/>
+          </a:schemeClr>
+        </a:solidFill>
+        <a:round/>
+      </a:ln>
+    </cs:spPr>
+    <cs:defRPr sz="900" kern="1200"/>
+  </cs:categoryAxis>
+  <cs:chartArea mods="allowNoFillOverride allowNoLineOverride">
+    <cs:lnRef idx="0"/>
+    <cs:fillRef idx="0"/>
+    <cs:effectRef idx="0"/>
+    <cs:fontRef idx="minor">
+      <a:schemeClr val="tx1"/>
+    </cs:fontRef>
+    <cs:spPr>
+      <a:solidFill>
+        <a:schemeClr val="bg1"/>
+      </a:solidFill>
+      <a:ln w="9525" cap="flat" cmpd="sng" algn="ctr">
+        <a:solidFill>
+          <a:schemeClr val="tx1">
+            <a:lumMod val="15000"/>
+            <a:lumOff val="85000"/>
+          </a:schemeClr>
+        </a:solidFill>
+        <a:round/>
+      </a:ln>
+    </cs:spPr>
+    <cs:defRPr sz="1000" kern="1200"/>
+  </cs:chartArea>
+  <cs:dataLabel>
+    <cs:lnRef idx="0"/>
+    <cs:fillRef idx="0"/>
+    <cs:effectRef idx="0"/>
+    <cs:fontRef idx="minor">
+      <a:schemeClr val="tx1">
+        <a:lumMod val="75000"/>
+        <a:lumOff val="25000"/>
+      </a:schemeClr>
+    </cs:fontRef>
+    <cs:defRPr sz="900" kern="1200"/>
+  </cs:dataLabel>
+  <cs:dataLabelCallout>
+    <cs:lnRef idx="0"/>
+    <cs:fillRef idx="0"/>
+    <cs:effectRef idx="0"/>
+    <cs:fontRef idx="minor">
+      <a:schemeClr val="dk1">
+        <a:lumMod val="65000"/>
+        <a:lumOff val="35000"/>
+      </a:schemeClr>
+    </cs:fontRef>
+    <cs:spPr>
+      <a:solidFill>
+        <a:schemeClr val="lt1"/>
+      </a:solidFill>
+      <a:ln>
+        <a:solidFill>
+          <a:schemeClr val="dk1">
+            <a:lumMod val="25000"/>
+            <a:lumOff val="75000"/>
+          </a:schemeClr>
+        </a:solidFill>
+      </a:ln>
+    </cs:spPr>
+    <cs:defRPr sz="900" kern="1200"/>
+    <cs:bodyPr rot="0" spcFirstLastPara="1" vertOverflow="clip" horzOverflow="clip" vert="horz" wrap="square" lIns="36576" tIns="18288" rIns="36576" bIns="18288" anchor="ctr" anchorCtr="1">
+      <a:spAutoFit/>
+    </cs:bodyPr>
+  </cs:dataLabelCallout>
+  <cs:dataPoint>
+    <cs:lnRef idx="0"/>
+    <cs:fillRef idx="1">
+      <cs:styleClr val="auto"/>
+    </cs:fillRef>
+    <cs:effectRef idx="0"/>
+    <cs:fontRef idx="minor">
+      <a:schemeClr val="tx1"/>
+    </cs:fontRef>
+  </cs:dataPoint>
+  <cs:dataPoint3D>
+    <cs:lnRef idx="0"/>
+    <cs:fillRef idx="1">
+      <cs:styleClr val="auto"/>
+    </cs:fillRef>
+    <cs:effectRef idx="0"/>
+    <cs:fontRef idx="minor">
+      <a:schemeClr val="tx1"/>
+    </cs:fontRef>
+  </cs:dataPoint3D>
+  <cs:dataPointLine>
+    <cs:lnRef idx="0">
+      <cs:styleClr val="auto"/>
+    </cs:lnRef>
+    <cs:fillRef idx="1"/>
+    <cs:effectRef idx="0"/>
+    <cs:fontRef idx="minor">
+      <a:schemeClr val="tx1"/>
+    </cs:fontRef>
+    <cs:spPr>
+      <a:ln w="19050" cap="rnd">
+        <a:solidFill>
+          <a:schemeClr val="phClr"/>
+        </a:solidFill>
+        <a:round/>
+      </a:ln>
+    </cs:spPr>
+  </cs:dataPointLine>
+  <cs:dataPointMarker>
+    <cs:lnRef idx="0">
+      <cs:styleClr val="auto"/>
+    </cs:lnRef>
+    <cs:fillRef idx="1">
+      <cs:styleClr val="auto"/>
+    </cs:fillRef>
+    <cs:effectRef idx="0"/>
+    <cs:fontRef idx="minor">
+      <a:schemeClr val="tx1"/>
+    </cs:fontRef>
+    <cs:spPr>
+      <a:ln w="9525">
+        <a:solidFill>
+          <a:schemeClr val="phClr"/>
+        </a:solidFill>
+      </a:ln>
+    </cs:spPr>
+  </cs:dataPointMarker>
+  <cs:dataPointMarkerLayout symbol="circle" size="5"/>
+  <cs:dataPointWireframe>
+    <cs:lnRef idx="0">
+      <cs:styleClr val="auto"/>
+    </cs:lnRef>
+    <cs:fillRef idx="0"/>
+    <cs:effectRef idx="0"/>
+    <cs:fontRef idx="minor">
+      <a:schemeClr val="dk1"/>
+    </cs:fontRef>
+    <cs:spPr>
+      <a:ln w="9525" cap="rnd">
+        <a:solidFill>
+          <a:schemeClr val="phClr"/>
+        </a:solidFill>
+        <a:round/>
+      </a:ln>
+    </cs:spPr>
+  </cs:dataPointWireframe>
+  <cs:dataTable>
+    <cs:lnRef idx="0"/>
+    <cs:fillRef idx="0"/>
+    <cs:effectRef idx="0"/>
+    <cs:fontRef idx="minor">
+      <a:schemeClr val="tx1">
+        <a:lumMod val="65000"/>
+        <a:lumOff val="35000"/>
+      </a:schemeClr>
+    </cs:fontRef>
+    <cs:spPr>
+      <a:noFill/>
+      <a:ln w="9525" cap="flat" cmpd="sng" algn="ctr">
+        <a:solidFill>
+          <a:schemeClr val="tx1">
+            <a:lumMod val="15000"/>
+            <a:lumOff val="85000"/>
+          </a:schemeClr>
+        </a:solidFill>
+        <a:round/>
+      </a:ln>
+    </cs:spPr>
+    <cs:defRPr sz="900" kern="1200"/>
+  </cs:dataTable>
+  <cs:downBar>
+    <cs:lnRef idx="0"/>
+    <cs:fillRef idx="0"/>
+    <cs:effectRef idx="0"/>
+    <cs:fontRef idx="minor">
+      <a:schemeClr val="tx1"/>
+    </cs:fontRef>
+    <cs:spPr>
+      <a:solidFill>
+        <a:schemeClr val="dk1">
+          <a:lumMod val="75000"/>
+          <a:lumOff val="25000"/>
+        </a:schemeClr>
+      </a:solidFill>
+      <a:ln w="9525" cap="flat" cmpd="sng" algn="ctr">
+        <a:solidFill>
+          <a:schemeClr val="tx1">
+            <a:lumMod val="65000"/>
+            <a:lumOff val="35000"/>
+          </a:schemeClr>
+        </a:solidFill>
+        <a:round/>
+      </a:ln>
+    </cs:spPr>
+  </cs:downBar>
+  <cs:dropLine>
+    <cs:lnRef idx="0"/>
+    <cs:fillRef idx="0"/>
+    <cs:effectRef idx="0"/>
+    <cs:fontRef idx="minor">
+      <a:schemeClr val="tx1"/>
+    </cs:fontRef>
+    <cs:spPr>
+      <a:ln w="9525" cap="flat" cmpd="sng" algn="ctr">
+        <a:solidFill>
+          <a:schemeClr val="tx1">
+            <a:lumMod val="35000"/>
+            <a:lumOff val="65000"/>
+          </a:schemeClr>
+        </a:solidFill>
+        <a:round/>
+      </a:ln>
+    </cs:spPr>
+  </cs:dropLine>
+  <cs:errorBar>
+    <cs:lnRef idx="0"/>
+    <cs:fillRef idx="0"/>
+    <cs:effectRef idx="0"/>
+    <cs:fontRef idx="minor">
+      <a:schemeClr val="tx1"/>
+    </cs:fontRef>
+    <cs:spPr>
+      <a:ln w="9525" cap="flat" cmpd="sng" algn="ctr">
+        <a:solidFill>
+          <a:schemeClr val="tx1">
+            <a:lumMod val="65000"/>
+            <a:lumOff val="35000"/>
+          </a:schemeClr>
+        </a:solidFill>
+        <a:round/>
+      </a:ln>
+    </cs:spPr>
+  </cs:errorBar>
+  <cs:floor>
+    <cs:lnRef idx="0"/>
+    <cs:fillRef idx="0"/>
+    <cs:effectRef idx="0"/>
+    <cs:fontRef idx="minor">
+      <a:schemeClr val="tx1"/>
+    </cs:fontRef>
+    <cs:spPr>
+      <a:noFill/>
+      <a:ln>
+        <a:noFill/>
+      </a:ln>
+    </cs:spPr>
+  </cs:floor>
+  <cs:gridlineMajor>
+    <cs:lnRef idx="0"/>
+    <cs:fillRef idx="0"/>
+    <cs:effectRef idx="0"/>
+    <cs:fontRef idx="minor">
+      <a:schemeClr val="tx1"/>
+    </cs:fontRef>
+    <cs:spPr>
+      <a:ln w="9525" cap="flat" cmpd="sng" algn="ctr">
+        <a:solidFill>
+          <a:schemeClr val="tx1">
+            <a:lumMod val="15000"/>
+            <a:lumOff val="85000"/>
+          </a:schemeClr>
+        </a:solidFill>
+        <a:round/>
+      </a:ln>
+    </cs:spPr>
+  </cs:gridlineMajor>
+  <cs:gridlineMinor>
+    <cs:lnRef idx="0"/>
+    <cs:fillRef idx="0"/>
+    <cs:effectRef idx="0"/>
+    <cs:fontRef idx="minor">
+      <a:schemeClr val="tx1"/>
+    </cs:fontRef>
+    <cs:spPr>
+      <a:ln w="9525" cap="flat" cmpd="sng" algn="ctr">
+        <a:solidFill>
+          <a:schemeClr val="tx1">
+            <a:lumMod val="5000"/>
+            <a:lumOff val="95000"/>
+          </a:schemeClr>
+        </a:solidFill>
+        <a:round/>
+      </a:ln>
+    </cs:spPr>
+  </cs:gridlineMinor>
+  <cs:hiLoLine>
+    <cs:lnRef idx="0"/>
+    <cs:fillRef idx="0"/>
+    <cs:effectRef idx="0"/>
+    <cs:fontRef idx="minor">
+      <a:schemeClr val="tx1"/>
+    </cs:fontRef>
+    <cs:spPr>
+      <a:ln w="9525" cap="flat" cmpd="sng" algn="ctr">
+        <a:solidFill>
+          <a:schemeClr val="tx1">
+            <a:lumMod val="50000"/>
+            <a:lumOff val="50000"/>
+          </a:schemeClr>
+        </a:solidFill>
+        <a:round/>
+      </a:ln>
+    </cs:spPr>
+  </cs:hiLoLine>
+  <cs:leaderLine>
+    <cs:lnRef idx="0"/>
+    <cs:fillRef idx="0"/>
+    <cs:effectRef idx="0"/>
+    <cs:fontRef idx="minor">
+      <a:schemeClr val="tx1"/>
+    </cs:fontRef>
+    <cs:spPr>
+      <a:ln w="9525" cap="flat" cmpd="sng" algn="ctr">
+        <a:solidFill>
+          <a:schemeClr val="tx1">
+            <a:lumMod val="35000"/>
+            <a:lumOff val="65000"/>
+          </a:schemeClr>
+        </a:solidFill>
+        <a:round/>
+      </a:ln>
+    </cs:spPr>
+  </cs:leaderLine>
+  <cs:legend>
+    <cs:lnRef idx="0"/>
+    <cs:fillRef idx="0"/>
+    <cs:effectRef idx="0"/>
+    <cs:fontRef idx="minor">
+      <a:schemeClr val="tx1">
+        <a:lumMod val="65000"/>
+        <a:lumOff val="35000"/>
+      </a:schemeClr>
+    </cs:fontRef>
+    <cs:defRPr sz="900" kern="1200"/>
+  </cs:legend>
+  <cs:plotArea mods="allowNoFillOverride allowNoLineOverride">
+    <cs:lnRef idx="0"/>
+    <cs:fillRef idx="0"/>
+    <cs:effectRef idx="0"/>
+    <cs:fontRef idx="minor">
+      <a:schemeClr val="tx1"/>
+    </cs:fontRef>
+  </cs:plotArea>
+  <cs:plotArea3D mods="allowNoFillOverride allowNoLineOverride">
+    <cs:lnRef idx="0"/>
+    <cs:fillRef idx="0"/>
+    <cs:effectRef idx="0"/>
+    <cs:fontRef idx="minor">
+      <a:schemeClr val="tx1"/>
+    </cs:fontRef>
+  </cs:plotArea3D>
+  <cs:seriesAxis>
+    <cs:lnRef idx="0"/>
+    <cs:fillRef idx="0"/>
+    <cs:effectRef idx="0"/>
+    <cs:fontRef idx="minor">
+      <a:schemeClr val="tx1">
+        <a:lumMod val="65000"/>
+        <a:lumOff val="35000"/>
+      </a:schemeClr>
+    </cs:fontRef>
+    <cs:defRPr sz="900" kern="1200"/>
+  </cs:seriesAxis>
+  <cs:seriesLine>
+    <cs:lnRef idx="0"/>
+    <cs:fillRef idx="0"/>
+    <cs:effectRef idx="0"/>
+    <cs:fontRef idx="minor">
+      <a:schemeClr val="tx1"/>
+    </cs:fontRef>
+    <cs:spPr>
+      <a:ln w="9525" cap="flat" cmpd="sng" algn="ctr">
+        <a:solidFill>
+          <a:schemeClr val="tx1">
+            <a:lumMod val="35000"/>
+            <a:lumOff val="65000"/>
+          </a:schemeClr>
+        </a:solidFill>
+        <a:round/>
+      </a:ln>
+    </cs:spPr>
+  </cs:seriesLine>
+  <cs:title>
+    <cs:lnRef idx="0"/>
+    <cs:fillRef idx="0"/>
+    <cs:effectRef idx="0"/>
+    <cs:fontRef idx="minor">
+      <a:schemeClr val="tx1">
+        <a:lumMod val="65000"/>
+        <a:lumOff val="35000"/>
+      </a:schemeClr>
+    </cs:fontRef>
+    <cs:defRPr sz="1400" b="0" kern="1200" spc="0" baseline="0"/>
+  </cs:title>
+  <cs:trendline>
+    <cs:lnRef idx="0">
+      <cs:styleClr val="auto"/>
+    </cs:lnRef>
+    <cs:fillRef idx="0"/>
+    <cs:effectRef idx="0"/>
+    <cs:fontRef idx="minor">
+      <a:schemeClr val="tx1"/>
+    </cs:fontRef>
+    <cs:spPr>
+      <a:ln w="19050" cap="rnd">
+        <a:solidFill>
+          <a:schemeClr val="phClr"/>
+        </a:solidFill>
+        <a:prstDash val="sysDot"/>
+      </a:ln>
+    </cs:spPr>
+  </cs:trendline>
+  <cs:trendlineLabel>
+    <cs:lnRef idx="0"/>
+    <cs:fillRef idx="0"/>
+    <cs:effectRef idx="0"/>
+    <cs:fontRef idx="minor">
+      <a:schemeClr val="tx1">
+        <a:lumMod val="65000"/>
+        <a:lumOff val="35000"/>
+      </a:schemeClr>
+    </cs:fontRef>
+    <cs:defRPr sz="900" kern="1200"/>
+  </cs:trendlineLabel>
+  <cs:upBar>
+    <cs:lnRef idx="0"/>
+    <cs:fillRef idx="0"/>
+    <cs:effectRef idx="0"/>
+    <cs:fontRef idx="minor">
+      <a:schemeClr val="tx1"/>
+    </cs:fontRef>
+    <cs:spPr>
+      <a:solidFill>
+        <a:schemeClr val="lt1"/>
+      </a:solidFill>
+      <a:ln w="9525" cap="flat" cmpd="sng" algn="ctr">
+        <a:solidFill>
+          <a:schemeClr val="tx1">
+            <a:lumMod val="65000"/>
+            <a:lumOff val="35000"/>
+          </a:schemeClr>
+        </a:solidFill>
+        <a:round/>
+      </a:ln>
+    </cs:spPr>
+  </cs:upBar>
+  <cs:valueAxis>
+    <cs:lnRef idx="0"/>
+    <cs:fillRef idx="0"/>
+    <cs:effectRef idx="0"/>
+    <cs:fontRef idx="minor">
+      <a:schemeClr val="tx1">
+        <a:lumMod val="65000"/>
+        <a:lumOff val="35000"/>
+      </a:schemeClr>
+    </cs:fontRef>
+    <cs:spPr>
+      <a:ln w="9525" cap="flat" cmpd="sng" algn="ctr">
+        <a:solidFill>
+          <a:schemeClr val="tx1">
+            <a:lumMod val="25000"/>
+            <a:lumOff val="75000"/>
+          </a:schemeClr>
+        </a:solidFill>
+        <a:round/>
+      </a:ln>
+    </cs:spPr>
+    <cs:defRPr sz="900" kern="1200"/>
+  </cs:valueAxis>
+  <cs:wall>
+    <cs:lnRef idx="0"/>
+    <cs:fillRef idx="0"/>
+    <cs:effectRef idx="0"/>
+    <cs:fontRef idx="minor">
+      <a:schemeClr val="tx1"/>
+    </cs:fontRef>
+    <cs:spPr>
+      <a:noFill/>
+      <a:ln>
+        <a:noFill/>
+      </a:ln>
+    </cs:spPr>
+  </cs:wall>
+</cs:chartStyle>
 </file>
 
 <file path=ppt/slideLayouts/slideLayout1.xml><?xml version="1.0" encoding="utf-8"?>
@@ -266,7 +8505,7 @@
           <a:p>
             <a:fld id="{E284C04B-1969-46C0-874D-1AB61D535DD4}" type="datetimeFigureOut">
               <a:rPr lang="ru-RU" smtClean="0"/>
-              <a:t>17.06.2020</a:t>
+              <a:t>19.06.2020</a:t>
             </a:fld>
             <a:endParaRPr lang="ru-RU"/>
           </a:p>
@@ -464,7 +8703,7 @@
           <a:p>
             <a:fld id="{E284C04B-1969-46C0-874D-1AB61D535DD4}" type="datetimeFigureOut">
               <a:rPr lang="ru-RU" smtClean="0"/>
-              <a:t>17.06.2020</a:t>
+              <a:t>19.06.2020</a:t>
             </a:fld>
             <a:endParaRPr lang="ru-RU"/>
           </a:p>
@@ -672,7 +8911,7 @@
           <a:p>
             <a:fld id="{E284C04B-1969-46C0-874D-1AB61D535DD4}" type="datetimeFigureOut">
               <a:rPr lang="ru-RU" smtClean="0"/>
-              <a:t>17.06.2020</a:t>
+              <a:t>19.06.2020</a:t>
             </a:fld>
             <a:endParaRPr lang="ru-RU"/>
           </a:p>
@@ -870,7 +9109,7 @@
           <a:p>
             <a:fld id="{E284C04B-1969-46C0-874D-1AB61D535DD4}" type="datetimeFigureOut">
               <a:rPr lang="ru-RU" smtClean="0"/>
-              <a:t>17.06.2020</a:t>
+              <a:t>19.06.2020</a:t>
             </a:fld>
             <a:endParaRPr lang="ru-RU"/>
           </a:p>
@@ -1145,7 +9384,7 @@
           <a:p>
             <a:fld id="{E284C04B-1969-46C0-874D-1AB61D535DD4}" type="datetimeFigureOut">
               <a:rPr lang="ru-RU" smtClean="0"/>
-              <a:t>17.06.2020</a:t>
+              <a:t>19.06.2020</a:t>
             </a:fld>
             <a:endParaRPr lang="ru-RU"/>
           </a:p>
@@ -1410,7 +9649,7 @@
           <a:p>
             <a:fld id="{E284C04B-1969-46C0-874D-1AB61D535DD4}" type="datetimeFigureOut">
               <a:rPr lang="ru-RU" smtClean="0"/>
-              <a:t>17.06.2020</a:t>
+              <a:t>19.06.2020</a:t>
             </a:fld>
             <a:endParaRPr lang="ru-RU"/>
           </a:p>
@@ -1822,7 +10061,7 @@
           <a:p>
             <a:fld id="{E284C04B-1969-46C0-874D-1AB61D535DD4}" type="datetimeFigureOut">
               <a:rPr lang="ru-RU" smtClean="0"/>
-              <a:t>17.06.2020</a:t>
+              <a:t>19.06.2020</a:t>
             </a:fld>
             <a:endParaRPr lang="ru-RU"/>
           </a:p>
@@ -1963,7 +10202,7 @@
           <a:p>
             <a:fld id="{E284C04B-1969-46C0-874D-1AB61D535DD4}" type="datetimeFigureOut">
               <a:rPr lang="ru-RU" smtClean="0"/>
-              <a:t>17.06.2020</a:t>
+              <a:t>19.06.2020</a:t>
             </a:fld>
             <a:endParaRPr lang="ru-RU"/>
           </a:p>
@@ -2076,7 +10315,7 @@
           <a:p>
             <a:fld id="{E284C04B-1969-46C0-874D-1AB61D535DD4}" type="datetimeFigureOut">
               <a:rPr lang="ru-RU" smtClean="0"/>
-              <a:t>17.06.2020</a:t>
+              <a:t>19.06.2020</a:t>
             </a:fld>
             <a:endParaRPr lang="ru-RU"/>
           </a:p>
@@ -2387,7 +10626,7 @@
           <a:p>
             <a:fld id="{E284C04B-1969-46C0-874D-1AB61D535DD4}" type="datetimeFigureOut">
               <a:rPr lang="ru-RU" smtClean="0"/>
-              <a:t>17.06.2020</a:t>
+              <a:t>19.06.2020</a:t>
             </a:fld>
             <a:endParaRPr lang="ru-RU"/>
           </a:p>
@@ -2675,7 +10914,7 @@
           <a:p>
             <a:fld id="{E284C04B-1969-46C0-874D-1AB61D535DD4}" type="datetimeFigureOut">
               <a:rPr lang="ru-RU" smtClean="0"/>
-              <a:t>17.06.2020</a:t>
+              <a:t>19.06.2020</a:t>
             </a:fld>
             <a:endParaRPr lang="ru-RU"/>
           </a:p>
@@ -2916,7 +11155,7 @@
           <a:p>
             <a:fld id="{E284C04B-1969-46C0-874D-1AB61D535DD4}" type="datetimeFigureOut">
               <a:rPr lang="ru-RU" smtClean="0"/>
-              <a:t>17.06.2020</a:t>
+              <a:t>19.06.2020</a:t>
             </a:fld>
             <a:endParaRPr lang="ru-RU"/>
           </a:p>
@@ -3839,8 +12078,8 @@
         </p:blipFill>
         <p:spPr>
           <a:xfrm>
-            <a:off x="3197279" y="1631085"/>
-            <a:ext cx="2563624" cy="2063404"/>
+            <a:off x="3197279" y="1697434"/>
+            <a:ext cx="2445532" cy="1968354"/>
           </a:xfrm>
           <a:prstGeom prst="rect">
             <a:avLst/>
@@ -3869,8 +12108,8 @@
         </p:blipFill>
         <p:spPr>
           <a:xfrm>
-            <a:off x="3405824" y="4176388"/>
-            <a:ext cx="2096617" cy="2823445"/>
+            <a:off x="3405824" y="4176389"/>
+            <a:ext cx="1876039" cy="2526400"/>
           </a:xfrm>
           <a:prstGeom prst="rect">
             <a:avLst/>
@@ -3935,12 +12174,110 @@
           </a:p>
         </p:txBody>
       </p:sp>
+      <p:pic>
+        <p:nvPicPr>
+          <p:cNvPr id="4" name="Объект 3">
+            <a:extLst>
+              <a:ext uri="{FF2B5EF4-FFF2-40B4-BE49-F238E27FC236}">
+                <a16:creationId xmlns:a16="http://schemas.microsoft.com/office/drawing/2014/main" id="{9E8E89D4-03E8-4A7D-AABE-EB9EEE6CB73B}"/>
+              </a:ext>
+            </a:extLst>
+          </p:cNvPr>
+          <p:cNvPicPr>
+            <a:picLocks noGrp="1" noChangeAspect="1"/>
+          </p:cNvPicPr>
+          <p:nvPr>
+            <p:ph idx="1"/>
+          </p:nvPr>
+        </p:nvPicPr>
+        <p:blipFill>
+          <a:blip r:embed="rId2"/>
+          <a:stretch>
+            <a:fillRect/>
+          </a:stretch>
+        </p:blipFill>
+        <p:spPr>
+          <a:xfrm>
+            <a:off x="4024312" y="1304925"/>
+            <a:ext cx="4143375" cy="771525"/>
+          </a:xfrm>
+          <a:prstGeom prst="rect">
+            <a:avLst/>
+          </a:prstGeom>
+        </p:spPr>
+      </p:pic>
+      <p:pic>
+        <p:nvPicPr>
+          <p:cNvPr id="6" name="Рисунок 5" descr="Изображение выглядит как белый, компьютер&#10;&#10;Автоматически созданное описание">
+            <a:extLst>
+              <a:ext uri="{FF2B5EF4-FFF2-40B4-BE49-F238E27FC236}">
+                <a16:creationId xmlns:a16="http://schemas.microsoft.com/office/drawing/2014/main" id="{1B857E39-C2FF-47A3-B7A4-80D0F9347678}"/>
+              </a:ext>
+            </a:extLst>
+          </p:cNvPr>
+          <p:cNvPicPr>
+            <a:picLocks noChangeAspect="1"/>
+          </p:cNvPicPr>
+          <p:nvPr/>
+        </p:nvPicPr>
+        <p:blipFill>
+          <a:blip r:embed="rId3">
+            <a:extLst>
+              <a:ext uri="{28A0092B-C50C-407E-A947-70E740481C1C}">
+                <a14:useLocalDpi xmlns:a14="http://schemas.microsoft.com/office/drawing/2010/main" val="0"/>
+              </a:ext>
+            </a:extLst>
+          </a:blip>
+          <a:stretch>
+            <a:fillRect/>
+          </a:stretch>
+        </p:blipFill>
+        <p:spPr>
+          <a:xfrm>
+            <a:off x="2853408" y="2076450"/>
+            <a:ext cx="6485182" cy="2956816"/>
+          </a:xfrm>
+          <a:prstGeom prst="rect">
+            <a:avLst/>
+          </a:prstGeom>
+        </p:spPr>
+      </p:pic>
+    </p:spTree>
+    <p:extLst>
+      <p:ext uri="{BB962C8B-B14F-4D97-AF65-F5344CB8AC3E}">
+        <p14:creationId xmlns:p14="http://schemas.microsoft.com/office/powerpoint/2010/main" val="1258678707"/>
+      </p:ext>
+    </p:extLst>
+  </p:cSld>
+  <p:clrMapOvr>
+    <a:masterClrMapping/>
+  </p:clrMapOvr>
+</p:sld>
+</file>
+
+<file path=ppt/slides/slide14.xml><?xml version="1.0" encoding="utf-8"?>
+<p:sld xmlns:a="http://schemas.openxmlformats.org/drawingml/2006/main" xmlns:r="http://schemas.openxmlformats.org/officeDocument/2006/relationships" xmlns:p="http://schemas.openxmlformats.org/presentationml/2006/main">
+  <p:cSld>
+    <p:spTree>
+      <p:nvGrpSpPr>
+        <p:cNvPr id="1" name=""/>
+        <p:cNvGrpSpPr/>
+        <p:nvPr/>
+      </p:nvGrpSpPr>
+      <p:grpSpPr>
+        <a:xfrm>
+          <a:off x="0" y="0"/>
+          <a:ext cx="0" cy="0"/>
+          <a:chOff x="0" y="0"/>
+          <a:chExt cx="0" cy="0"/>
+        </a:xfrm>
+      </p:grpSpPr>
       <p:sp>
         <p:nvSpPr>
-          <p:cNvPr id="3" name="Объект 2">
+          <p:cNvPr id="2" name="Заголовок 1">
             <a:extLst>
               <a:ext uri="{FF2B5EF4-FFF2-40B4-BE49-F238E27FC236}">
-                <a16:creationId xmlns:a16="http://schemas.microsoft.com/office/drawing/2014/main" id="{424D397E-1E5A-456A-A05F-FD07D2A6C29C}"/>
+                <a16:creationId xmlns:a16="http://schemas.microsoft.com/office/drawing/2014/main" id="{297253BF-0221-4E09-B9C9-B0892B0A419B}"/>
               </a:ext>
             </a:extLst>
           </p:cNvPr>
@@ -3948,7 +12285,7 @@
             <a:spLocks noGrp="1"/>
           </p:cNvSpPr>
           <p:nvPr>
-            <p:ph idx="1"/>
+            <p:ph type="title"/>
           </p:nvPr>
         </p:nvSpPr>
         <p:spPr/>
@@ -3956,17 +12293,738 @@
           <a:bodyPr/>
           <a:lstStyle/>
           <a:p>
-            <a:pPr marL="0" indent="0">
-              <a:buNone/>
-            </a:pPr>
-            <a:endParaRPr lang="ru-RU" dirty="0"/>
+            <a:r>
+              <a:rPr lang="ru-RU" dirty="0"/>
+              <a:t>Практическая часть</a:t>
+            </a:r>
           </a:p>
         </p:txBody>
       </p:sp>
+      <p:pic>
+        <p:nvPicPr>
+          <p:cNvPr id="5" name="Объект 4" descr="Изображение выглядит как текст, карта, стол&#10;&#10;Автоматически созданное описание">
+            <a:extLst>
+              <a:ext uri="{FF2B5EF4-FFF2-40B4-BE49-F238E27FC236}">
+                <a16:creationId xmlns:a16="http://schemas.microsoft.com/office/drawing/2014/main" id="{2CA76EF8-E911-4DA2-B1AB-C078515DE43C}"/>
+              </a:ext>
+            </a:extLst>
+          </p:cNvPr>
+          <p:cNvPicPr>
+            <a:picLocks noGrp="1" noChangeAspect="1"/>
+          </p:cNvPicPr>
+          <p:nvPr>
+            <p:ph idx="1"/>
+          </p:nvPr>
+        </p:nvPicPr>
+        <p:blipFill>
+          <a:blip r:embed="rId2">
+            <a:extLst>
+              <a:ext uri="{28A0092B-C50C-407E-A947-70E740481C1C}">
+                <a14:useLocalDpi xmlns:a14="http://schemas.microsoft.com/office/drawing/2010/main" val="0"/>
+              </a:ext>
+            </a:extLst>
+          </a:blip>
+          <a:stretch>
+            <a:fillRect/>
+          </a:stretch>
+        </p:blipFill>
+        <p:spPr>
+          <a:xfrm>
+            <a:off x="1799473" y="4507832"/>
+            <a:ext cx="8593054" cy="2230437"/>
+          </a:xfrm>
+        </p:spPr>
+      </p:pic>
+      <p:graphicFrame>
+        <p:nvGraphicFramePr>
+          <p:cNvPr id="6" name="Диаграмма 5">
+            <a:extLst>
+              <a:ext uri="{FF2B5EF4-FFF2-40B4-BE49-F238E27FC236}">
+                <a16:creationId xmlns:a16="http://schemas.microsoft.com/office/drawing/2014/main" id="{5666D6BD-275F-4CB7-9E51-2E667C3423B2}"/>
+              </a:ext>
+            </a:extLst>
+          </p:cNvPr>
+          <p:cNvGraphicFramePr>
+            <a:graphicFrameLocks/>
+          </p:cNvGraphicFramePr>
+          <p:nvPr>
+            <p:extLst>
+              <p:ext uri="{D42A27DB-BD31-4B8C-83A1-F6EECF244321}">
+                <p14:modId xmlns:p14="http://schemas.microsoft.com/office/powerpoint/2010/main" val="4250536865"/>
+              </p:ext>
+            </p:extLst>
+          </p:nvPr>
+        </p:nvGraphicFramePr>
+        <p:xfrm>
+          <a:off x="2610685" y="1171241"/>
+          <a:ext cx="7335420" cy="3336591"/>
+        </p:xfrm>
+        <a:graphic>
+          <a:graphicData uri="http://schemas.openxmlformats.org/drawingml/2006/chart">
+            <c:chart xmlns:c="http://schemas.openxmlformats.org/drawingml/2006/chart" xmlns:r="http://schemas.openxmlformats.org/officeDocument/2006/relationships" r:id="rId3"/>
+          </a:graphicData>
+        </a:graphic>
+      </p:graphicFrame>
     </p:spTree>
     <p:extLst>
       <p:ext uri="{BB962C8B-B14F-4D97-AF65-F5344CB8AC3E}">
-        <p14:creationId xmlns:p14="http://schemas.microsoft.com/office/powerpoint/2010/main" val="1258678707"/>
+        <p14:creationId xmlns:p14="http://schemas.microsoft.com/office/powerpoint/2010/main" val="1621130281"/>
+      </p:ext>
+    </p:extLst>
+  </p:cSld>
+  <p:clrMapOvr>
+    <a:masterClrMapping/>
+  </p:clrMapOvr>
+</p:sld>
+</file>
+
+<file path=ppt/slides/slide15.xml><?xml version="1.0" encoding="utf-8"?>
+<p:sld xmlns:a="http://schemas.openxmlformats.org/drawingml/2006/main" xmlns:r="http://schemas.openxmlformats.org/officeDocument/2006/relationships" xmlns:p="http://schemas.openxmlformats.org/presentationml/2006/main">
+  <p:cSld>
+    <p:spTree>
+      <p:nvGrpSpPr>
+        <p:cNvPr id="1" name=""/>
+        <p:cNvGrpSpPr/>
+        <p:nvPr/>
+      </p:nvGrpSpPr>
+      <p:grpSpPr>
+        <a:xfrm>
+          <a:off x="0" y="0"/>
+          <a:ext cx="0" cy="0"/>
+          <a:chOff x="0" y="0"/>
+          <a:chExt cx="0" cy="0"/>
+        </a:xfrm>
+      </p:grpSpPr>
+      <p:sp>
+        <p:nvSpPr>
+          <p:cNvPr id="2" name="Заголовок 1">
+            <a:extLst>
+              <a:ext uri="{FF2B5EF4-FFF2-40B4-BE49-F238E27FC236}">
+                <a16:creationId xmlns:a16="http://schemas.microsoft.com/office/drawing/2014/main" id="{7E92BD5C-3D19-4B02-B3C4-320C007FA392}"/>
+              </a:ext>
+            </a:extLst>
+          </p:cNvPr>
+          <p:cNvSpPr>
+            <a:spLocks noGrp="1"/>
+          </p:cNvSpPr>
+          <p:nvPr>
+            <p:ph type="title"/>
+          </p:nvPr>
+        </p:nvSpPr>
+        <p:spPr>
+          <a:xfrm>
+            <a:off x="790074" y="365125"/>
+            <a:ext cx="10515600" cy="1325563"/>
+          </a:xfrm>
+        </p:spPr>
+        <p:txBody>
+          <a:bodyPr/>
+          <a:lstStyle/>
+          <a:p>
+            <a:r>
+              <a:rPr lang="ru-RU" dirty="0"/>
+              <a:t>Практическая часть</a:t>
+            </a:r>
+          </a:p>
+        </p:txBody>
+      </p:sp>
+      <p:pic>
+        <p:nvPicPr>
+          <p:cNvPr id="5" name="Объект 4" descr="Изображение выглядит как текст, карта, стол, торт&#10;&#10;Автоматически созданное описание">
+            <a:extLst>
+              <a:ext uri="{FF2B5EF4-FFF2-40B4-BE49-F238E27FC236}">
+                <a16:creationId xmlns:a16="http://schemas.microsoft.com/office/drawing/2014/main" id="{E4664E7A-7E99-4E17-8DE9-9CA5EC985E80}"/>
+              </a:ext>
+            </a:extLst>
+          </p:cNvPr>
+          <p:cNvPicPr>
+            <a:picLocks noGrp="1" noChangeAspect="1"/>
+          </p:cNvPicPr>
+          <p:nvPr>
+            <p:ph idx="1"/>
+          </p:nvPr>
+        </p:nvPicPr>
+        <p:blipFill>
+          <a:blip r:embed="rId2">
+            <a:extLst>
+              <a:ext uri="{28A0092B-C50C-407E-A947-70E740481C1C}">
+                <a14:useLocalDpi xmlns:a14="http://schemas.microsoft.com/office/drawing/2010/main" val="0"/>
+              </a:ext>
+            </a:extLst>
+          </a:blip>
+          <a:stretch>
+            <a:fillRect/>
+          </a:stretch>
+        </p:blipFill>
+        <p:spPr>
+          <a:xfrm>
+            <a:off x="2131094" y="4716379"/>
+            <a:ext cx="8640512" cy="2117830"/>
+          </a:xfrm>
+        </p:spPr>
+      </p:pic>
+      <p:graphicFrame>
+        <p:nvGraphicFramePr>
+          <p:cNvPr id="6" name="Диаграмма 5">
+            <a:extLst>
+              <a:ext uri="{FF2B5EF4-FFF2-40B4-BE49-F238E27FC236}">
+                <a16:creationId xmlns:a16="http://schemas.microsoft.com/office/drawing/2014/main" id="{23CA36D4-6BA6-4A5F-ACD5-129F9E281D15}"/>
+              </a:ext>
+            </a:extLst>
+          </p:cNvPr>
+          <p:cNvGraphicFramePr>
+            <a:graphicFrameLocks/>
+          </p:cNvGraphicFramePr>
+          <p:nvPr>
+            <p:extLst>
+              <p:ext uri="{D42A27DB-BD31-4B8C-83A1-F6EECF244321}">
+                <p14:modId xmlns:p14="http://schemas.microsoft.com/office/powerpoint/2010/main" val="3545993094"/>
+              </p:ext>
+            </p:extLst>
+          </p:nvPr>
+        </p:nvGraphicFramePr>
+        <p:xfrm>
+          <a:off x="5634539" y="1814228"/>
+          <a:ext cx="6557461" cy="2932636"/>
+        </p:xfrm>
+        <a:graphic>
+          <a:graphicData uri="http://schemas.openxmlformats.org/drawingml/2006/chart">
+            <c:chart xmlns:c="http://schemas.openxmlformats.org/drawingml/2006/chart" xmlns:r="http://schemas.openxmlformats.org/officeDocument/2006/relationships" r:id="rId3"/>
+          </a:graphicData>
+        </a:graphic>
+      </p:graphicFrame>
+      <p:pic>
+        <p:nvPicPr>
+          <p:cNvPr id="7" name="Рисунок 6">
+            <a:extLst>
+              <a:ext uri="{FF2B5EF4-FFF2-40B4-BE49-F238E27FC236}">
+                <a16:creationId xmlns:a16="http://schemas.microsoft.com/office/drawing/2014/main" id="{161D2250-BCF9-4E65-8A72-930BE62113B3}"/>
+              </a:ext>
+            </a:extLst>
+          </p:cNvPr>
+          <p:cNvPicPr>
+            <a:picLocks noChangeAspect="1"/>
+          </p:cNvPicPr>
+          <p:nvPr/>
+        </p:nvPicPr>
+        <p:blipFill>
+          <a:blip r:embed="rId4"/>
+          <a:stretch>
+            <a:fillRect/>
+          </a:stretch>
+        </p:blipFill>
+        <p:spPr>
+          <a:xfrm>
+            <a:off x="838200" y="2470161"/>
+            <a:ext cx="4443162" cy="1466744"/>
+          </a:xfrm>
+          <a:prstGeom prst="rect">
+            <a:avLst/>
+          </a:prstGeom>
+        </p:spPr>
+      </p:pic>
+    </p:spTree>
+    <p:extLst>
+      <p:ext uri="{BB962C8B-B14F-4D97-AF65-F5344CB8AC3E}">
+        <p14:creationId xmlns:p14="http://schemas.microsoft.com/office/powerpoint/2010/main" val="3704414950"/>
+      </p:ext>
+    </p:extLst>
+  </p:cSld>
+  <p:clrMapOvr>
+    <a:masterClrMapping/>
+  </p:clrMapOvr>
+</p:sld>
+</file>
+
+<file path=ppt/slides/slide16.xml><?xml version="1.0" encoding="utf-8"?>
+<p:sld xmlns:a="http://schemas.openxmlformats.org/drawingml/2006/main" xmlns:r="http://schemas.openxmlformats.org/officeDocument/2006/relationships" xmlns:p="http://schemas.openxmlformats.org/presentationml/2006/main">
+  <p:cSld>
+    <p:spTree>
+      <p:nvGrpSpPr>
+        <p:cNvPr id="1" name=""/>
+        <p:cNvGrpSpPr/>
+        <p:nvPr/>
+      </p:nvGrpSpPr>
+      <p:grpSpPr>
+        <a:xfrm>
+          <a:off x="0" y="0"/>
+          <a:ext cx="0" cy="0"/>
+          <a:chOff x="0" y="0"/>
+          <a:chExt cx="0" cy="0"/>
+        </a:xfrm>
+      </p:grpSpPr>
+      <p:sp>
+        <p:nvSpPr>
+          <p:cNvPr id="2" name="Заголовок 1">
+            <a:extLst>
+              <a:ext uri="{FF2B5EF4-FFF2-40B4-BE49-F238E27FC236}">
+                <a16:creationId xmlns:a16="http://schemas.microsoft.com/office/drawing/2014/main" id="{5EDF3C83-DCE2-4A67-9935-D3D5AB39E999}"/>
+              </a:ext>
+            </a:extLst>
+          </p:cNvPr>
+          <p:cNvSpPr>
+            <a:spLocks noGrp="1"/>
+          </p:cNvSpPr>
+          <p:nvPr>
+            <p:ph type="title"/>
+          </p:nvPr>
+        </p:nvSpPr>
+        <p:spPr/>
+        <p:txBody>
+          <a:bodyPr/>
+          <a:lstStyle/>
+          <a:p>
+            <a:r>
+              <a:rPr lang="ru-RU" dirty="0"/>
+              <a:t>Практическая часть</a:t>
+            </a:r>
+          </a:p>
+        </p:txBody>
+      </p:sp>
+      <p:pic>
+        <p:nvPicPr>
+          <p:cNvPr id="4" name="Объект 3">
+            <a:extLst>
+              <a:ext uri="{FF2B5EF4-FFF2-40B4-BE49-F238E27FC236}">
+                <a16:creationId xmlns:a16="http://schemas.microsoft.com/office/drawing/2014/main" id="{249B180B-9214-422D-8D53-266C063ABCE6}"/>
+              </a:ext>
+            </a:extLst>
+          </p:cNvPr>
+          <p:cNvPicPr>
+            <a:picLocks noGrp="1" noChangeAspect="1"/>
+          </p:cNvPicPr>
+          <p:nvPr>
+            <p:ph idx="1"/>
+          </p:nvPr>
+        </p:nvPicPr>
+        <p:blipFill>
+          <a:blip r:embed="rId2"/>
+          <a:stretch>
+            <a:fillRect/>
+          </a:stretch>
+        </p:blipFill>
+        <p:spPr>
+          <a:xfrm>
+            <a:off x="2837075" y="1690688"/>
+            <a:ext cx="6517849" cy="2288240"/>
+          </a:xfrm>
+          <a:prstGeom prst="rect">
+            <a:avLst/>
+          </a:prstGeom>
+        </p:spPr>
+      </p:pic>
+      <p:pic>
+        <p:nvPicPr>
+          <p:cNvPr id="6" name="Рисунок 5" descr="Изображение выглядит как белый, стол, большой, кухня&#10;&#10;Автоматически созданное описание">
+            <a:extLst>
+              <a:ext uri="{FF2B5EF4-FFF2-40B4-BE49-F238E27FC236}">
+                <a16:creationId xmlns:a16="http://schemas.microsoft.com/office/drawing/2014/main" id="{E91074CD-AFEB-4D5D-A075-D88ADED90F11}"/>
+              </a:ext>
+            </a:extLst>
+          </p:cNvPr>
+          <p:cNvPicPr>
+            <a:picLocks noChangeAspect="1"/>
+          </p:cNvPicPr>
+          <p:nvPr/>
+        </p:nvPicPr>
+        <p:blipFill>
+          <a:blip r:embed="rId3">
+            <a:extLst>
+              <a:ext uri="{28A0092B-C50C-407E-A947-70E740481C1C}">
+                <a14:useLocalDpi xmlns:a14="http://schemas.microsoft.com/office/drawing/2010/main" val="0"/>
+              </a:ext>
+            </a:extLst>
+          </a:blip>
+          <a:stretch>
+            <a:fillRect/>
+          </a:stretch>
+        </p:blipFill>
+        <p:spPr>
+          <a:xfrm>
+            <a:off x="2837076" y="4027121"/>
+            <a:ext cx="6114420" cy="2778640"/>
+          </a:xfrm>
+          <a:prstGeom prst="rect">
+            <a:avLst/>
+          </a:prstGeom>
+        </p:spPr>
+      </p:pic>
+    </p:spTree>
+    <p:extLst>
+      <p:ext uri="{BB962C8B-B14F-4D97-AF65-F5344CB8AC3E}">
+        <p14:creationId xmlns:p14="http://schemas.microsoft.com/office/powerpoint/2010/main" val="3844411049"/>
+      </p:ext>
+    </p:extLst>
+  </p:cSld>
+  <p:clrMapOvr>
+    <a:masterClrMapping/>
+  </p:clrMapOvr>
+</p:sld>
+</file>
+
+<file path=ppt/slides/slide17.xml><?xml version="1.0" encoding="utf-8"?>
+<p:sld xmlns:a="http://schemas.openxmlformats.org/drawingml/2006/main" xmlns:r="http://schemas.openxmlformats.org/officeDocument/2006/relationships" xmlns:p="http://schemas.openxmlformats.org/presentationml/2006/main">
+  <p:cSld>
+    <p:spTree>
+      <p:nvGrpSpPr>
+        <p:cNvPr id="1" name=""/>
+        <p:cNvGrpSpPr/>
+        <p:nvPr/>
+      </p:nvGrpSpPr>
+      <p:grpSpPr>
+        <a:xfrm>
+          <a:off x="0" y="0"/>
+          <a:ext cx="0" cy="0"/>
+          <a:chOff x="0" y="0"/>
+          <a:chExt cx="0" cy="0"/>
+        </a:xfrm>
+      </p:grpSpPr>
+      <p:sp>
+        <p:nvSpPr>
+          <p:cNvPr id="2" name="Заголовок 1">
+            <a:extLst>
+              <a:ext uri="{FF2B5EF4-FFF2-40B4-BE49-F238E27FC236}">
+                <a16:creationId xmlns:a16="http://schemas.microsoft.com/office/drawing/2014/main" id="{545DF447-794D-4399-BA70-BB89E45572EB}"/>
+              </a:ext>
+            </a:extLst>
+          </p:cNvPr>
+          <p:cNvSpPr>
+            <a:spLocks noGrp="1"/>
+          </p:cNvSpPr>
+          <p:nvPr>
+            <p:ph type="title"/>
+          </p:nvPr>
+        </p:nvSpPr>
+        <p:spPr/>
+        <p:txBody>
+          <a:bodyPr/>
+          <a:lstStyle/>
+          <a:p>
+            <a:r>
+              <a:rPr lang="ru-RU" dirty="0"/>
+              <a:t>Практическая часть</a:t>
+            </a:r>
+          </a:p>
+        </p:txBody>
+      </p:sp>
+      <p:pic>
+        <p:nvPicPr>
+          <p:cNvPr id="5" name="Объект 4" descr="Изображение выглядит как текст, карта, оранжевый, белый&#10;&#10;Автоматически созданное описание">
+            <a:extLst>
+              <a:ext uri="{FF2B5EF4-FFF2-40B4-BE49-F238E27FC236}">
+                <a16:creationId xmlns:a16="http://schemas.microsoft.com/office/drawing/2014/main" id="{09DFEE81-7502-46BD-896B-C12E1A3255CC}"/>
+              </a:ext>
+            </a:extLst>
+          </p:cNvPr>
+          <p:cNvPicPr>
+            <a:picLocks noGrp="1" noChangeAspect="1"/>
+          </p:cNvPicPr>
+          <p:nvPr>
+            <p:ph idx="1"/>
+          </p:nvPr>
+        </p:nvPicPr>
+        <p:blipFill>
+          <a:blip r:embed="rId2">
+            <a:extLst>
+              <a:ext uri="{28A0092B-C50C-407E-A947-70E740481C1C}">
+                <a14:useLocalDpi xmlns:a14="http://schemas.microsoft.com/office/drawing/2010/main" val="0"/>
+              </a:ext>
+            </a:extLst>
+          </a:blip>
+          <a:stretch>
+            <a:fillRect/>
+          </a:stretch>
+        </p:blipFill>
+        <p:spPr>
+          <a:xfrm>
+            <a:off x="1919037" y="1690688"/>
+            <a:ext cx="8353926" cy="2149650"/>
+          </a:xfrm>
+        </p:spPr>
+      </p:pic>
+      <p:graphicFrame>
+        <p:nvGraphicFramePr>
+          <p:cNvPr id="6" name="Диаграмма 5">
+            <a:extLst>
+              <a:ext uri="{FF2B5EF4-FFF2-40B4-BE49-F238E27FC236}">
+                <a16:creationId xmlns:a16="http://schemas.microsoft.com/office/drawing/2014/main" id="{5666D6BD-275F-4CB7-9E51-2E667C3423B2}"/>
+              </a:ext>
+            </a:extLst>
+          </p:cNvPr>
+          <p:cNvGraphicFramePr>
+            <a:graphicFrameLocks/>
+          </p:cNvGraphicFramePr>
+          <p:nvPr>
+            <p:extLst>
+              <p:ext uri="{D42A27DB-BD31-4B8C-83A1-F6EECF244321}">
+                <p14:modId xmlns:p14="http://schemas.microsoft.com/office/powerpoint/2010/main" val="819537076"/>
+              </p:ext>
+            </p:extLst>
+          </p:nvPr>
+        </p:nvGraphicFramePr>
+        <p:xfrm>
+          <a:off x="2530475" y="3840338"/>
+          <a:ext cx="7142914" cy="3017662"/>
+        </p:xfrm>
+        <a:graphic>
+          <a:graphicData uri="http://schemas.openxmlformats.org/drawingml/2006/chart">
+            <c:chart xmlns:c="http://schemas.openxmlformats.org/drawingml/2006/chart" xmlns:r="http://schemas.openxmlformats.org/officeDocument/2006/relationships" r:id="rId3"/>
+          </a:graphicData>
+        </a:graphic>
+      </p:graphicFrame>
+    </p:spTree>
+    <p:extLst>
+      <p:ext uri="{BB962C8B-B14F-4D97-AF65-F5344CB8AC3E}">
+        <p14:creationId xmlns:p14="http://schemas.microsoft.com/office/powerpoint/2010/main" val="2990030323"/>
+      </p:ext>
+    </p:extLst>
+  </p:cSld>
+  <p:clrMapOvr>
+    <a:masterClrMapping/>
+  </p:clrMapOvr>
+</p:sld>
+</file>
+
+<file path=ppt/slides/slide18.xml><?xml version="1.0" encoding="utf-8"?>
+<p:sld xmlns:a="http://schemas.openxmlformats.org/drawingml/2006/main" xmlns:r="http://schemas.openxmlformats.org/officeDocument/2006/relationships" xmlns:p="http://schemas.openxmlformats.org/presentationml/2006/main">
+  <p:cSld>
+    <p:spTree>
+      <p:nvGrpSpPr>
+        <p:cNvPr id="1" name=""/>
+        <p:cNvGrpSpPr/>
+        <p:nvPr/>
+      </p:nvGrpSpPr>
+      <p:grpSpPr>
+        <a:xfrm>
+          <a:off x="0" y="0"/>
+          <a:ext cx="0" cy="0"/>
+          <a:chOff x="0" y="0"/>
+          <a:chExt cx="0" cy="0"/>
+        </a:xfrm>
+      </p:grpSpPr>
+      <p:sp>
+        <p:nvSpPr>
+          <p:cNvPr id="2" name="Заголовок 1">
+            <a:extLst>
+              <a:ext uri="{FF2B5EF4-FFF2-40B4-BE49-F238E27FC236}">
+                <a16:creationId xmlns:a16="http://schemas.microsoft.com/office/drawing/2014/main" id="{D062A308-636D-4703-B709-4F7FA3D3477B}"/>
+              </a:ext>
+            </a:extLst>
+          </p:cNvPr>
+          <p:cNvSpPr>
+            <a:spLocks noGrp="1"/>
+          </p:cNvSpPr>
+          <p:nvPr>
+            <p:ph type="title"/>
+          </p:nvPr>
+        </p:nvSpPr>
+        <p:spPr/>
+        <p:txBody>
+          <a:bodyPr/>
+          <a:lstStyle/>
+          <a:p>
+            <a:r>
+              <a:rPr lang="ru-RU" dirty="0"/>
+              <a:t>Практическая часть</a:t>
+            </a:r>
+          </a:p>
+        </p:txBody>
+      </p:sp>
+      <p:pic>
+        <p:nvPicPr>
+          <p:cNvPr id="4" name="Объект 3">
+            <a:extLst>
+              <a:ext uri="{FF2B5EF4-FFF2-40B4-BE49-F238E27FC236}">
+                <a16:creationId xmlns:a16="http://schemas.microsoft.com/office/drawing/2014/main" id="{9005466D-50B6-46C4-9545-D7A4C439DA68}"/>
+              </a:ext>
+            </a:extLst>
+          </p:cNvPr>
+          <p:cNvPicPr>
+            <a:picLocks noGrp="1" noChangeAspect="1"/>
+          </p:cNvPicPr>
+          <p:nvPr>
+            <p:ph idx="1"/>
+          </p:nvPr>
+        </p:nvPicPr>
+        <p:blipFill>
+          <a:blip r:embed="rId2"/>
+          <a:stretch>
+            <a:fillRect/>
+          </a:stretch>
+        </p:blipFill>
+        <p:spPr>
+          <a:xfrm>
+            <a:off x="3150870" y="1690688"/>
+            <a:ext cx="5890260" cy="2329550"/>
+          </a:xfrm>
+          <a:prstGeom prst="rect">
+            <a:avLst/>
+          </a:prstGeom>
+        </p:spPr>
+      </p:pic>
+      <p:pic>
+        <p:nvPicPr>
+          <p:cNvPr id="6" name="Рисунок 5" descr="Изображение выглядит как белый, компьютер&#10;&#10;Автоматически созданное описание">
+            <a:extLst>
+              <a:ext uri="{FF2B5EF4-FFF2-40B4-BE49-F238E27FC236}">
+                <a16:creationId xmlns:a16="http://schemas.microsoft.com/office/drawing/2014/main" id="{5931C450-520C-488B-BB37-7C44B663D266}"/>
+              </a:ext>
+            </a:extLst>
+          </p:cNvPr>
+          <p:cNvPicPr>
+            <a:picLocks noChangeAspect="1"/>
+          </p:cNvPicPr>
+          <p:nvPr/>
+        </p:nvPicPr>
+        <p:blipFill>
+          <a:blip r:embed="rId3">
+            <a:extLst>
+              <a:ext uri="{28A0092B-C50C-407E-A947-70E740481C1C}">
+                <a14:useLocalDpi xmlns:a14="http://schemas.microsoft.com/office/drawing/2010/main" val="0"/>
+              </a:ext>
+            </a:extLst>
+          </a:blip>
+          <a:stretch>
+            <a:fillRect/>
+          </a:stretch>
+        </p:blipFill>
+        <p:spPr>
+          <a:xfrm>
+            <a:off x="2822926" y="3870701"/>
+            <a:ext cx="6546147" cy="2987299"/>
+          </a:xfrm>
+          <a:prstGeom prst="rect">
+            <a:avLst/>
+          </a:prstGeom>
+        </p:spPr>
+      </p:pic>
+    </p:spTree>
+    <p:extLst>
+      <p:ext uri="{BB962C8B-B14F-4D97-AF65-F5344CB8AC3E}">
+        <p14:creationId xmlns:p14="http://schemas.microsoft.com/office/powerpoint/2010/main" val="1279426164"/>
+      </p:ext>
+    </p:extLst>
+  </p:cSld>
+  <p:clrMapOvr>
+    <a:masterClrMapping/>
+  </p:clrMapOvr>
+</p:sld>
+</file>
+
+<file path=ppt/slides/slide19.xml><?xml version="1.0" encoding="utf-8"?>
+<p:sld xmlns:a="http://schemas.openxmlformats.org/drawingml/2006/main" xmlns:r="http://schemas.openxmlformats.org/officeDocument/2006/relationships" xmlns:p="http://schemas.openxmlformats.org/presentationml/2006/main">
+  <p:cSld>
+    <p:spTree>
+      <p:nvGrpSpPr>
+        <p:cNvPr id="1" name=""/>
+        <p:cNvGrpSpPr/>
+        <p:nvPr/>
+      </p:nvGrpSpPr>
+      <p:grpSpPr>
+        <a:xfrm>
+          <a:off x="0" y="0"/>
+          <a:ext cx="0" cy="0"/>
+          <a:chOff x="0" y="0"/>
+          <a:chExt cx="0" cy="0"/>
+        </a:xfrm>
+      </p:grpSpPr>
+      <p:sp>
+        <p:nvSpPr>
+          <p:cNvPr id="2" name="Заголовок 1">
+            <a:extLst>
+              <a:ext uri="{FF2B5EF4-FFF2-40B4-BE49-F238E27FC236}">
+                <a16:creationId xmlns:a16="http://schemas.microsoft.com/office/drawing/2014/main" id="{6FC38E9B-386C-4072-9128-B2381F8682D7}"/>
+              </a:ext>
+            </a:extLst>
+          </p:cNvPr>
+          <p:cNvSpPr>
+            <a:spLocks noGrp="1"/>
+          </p:cNvSpPr>
+          <p:nvPr>
+            <p:ph type="title"/>
+          </p:nvPr>
+        </p:nvSpPr>
+        <p:spPr/>
+        <p:txBody>
+          <a:bodyPr/>
+          <a:lstStyle/>
+          <a:p>
+            <a:r>
+              <a:rPr lang="ru-RU" dirty="0"/>
+              <a:t>Практическая часть</a:t>
+            </a:r>
+          </a:p>
+        </p:txBody>
+      </p:sp>
+      <p:pic>
+        <p:nvPicPr>
+          <p:cNvPr id="5" name="Объект 4" descr="Изображение выглядит как текст, карта, легкий, стол&#10;&#10;Автоматически созданное описание">
+            <a:extLst>
+              <a:ext uri="{FF2B5EF4-FFF2-40B4-BE49-F238E27FC236}">
+                <a16:creationId xmlns:a16="http://schemas.microsoft.com/office/drawing/2014/main" id="{859200A6-0C49-419B-8FEE-CFFD97D5B05D}"/>
+              </a:ext>
+            </a:extLst>
+          </p:cNvPr>
+          <p:cNvPicPr>
+            <a:picLocks noGrp="1" noChangeAspect="1"/>
+          </p:cNvPicPr>
+          <p:nvPr>
+            <p:ph idx="1"/>
+          </p:nvPr>
+        </p:nvPicPr>
+        <p:blipFill>
+          <a:blip r:embed="rId2">
+            <a:extLst>
+              <a:ext uri="{28A0092B-C50C-407E-A947-70E740481C1C}">
+                <a14:useLocalDpi xmlns:a14="http://schemas.microsoft.com/office/drawing/2010/main" val="0"/>
+              </a:ext>
+            </a:extLst>
+          </a:blip>
+          <a:stretch>
+            <a:fillRect/>
+          </a:stretch>
+        </p:blipFill>
+        <p:spPr>
+          <a:xfrm>
+            <a:off x="1600096" y="4313572"/>
+            <a:ext cx="8991808" cy="2302192"/>
+          </a:xfrm>
+        </p:spPr>
+      </p:pic>
+      <p:graphicFrame>
+        <p:nvGraphicFramePr>
+          <p:cNvPr id="6" name="Диаграмма 5">
+            <a:extLst>
+              <a:ext uri="{FF2B5EF4-FFF2-40B4-BE49-F238E27FC236}">
+                <a16:creationId xmlns:a16="http://schemas.microsoft.com/office/drawing/2014/main" id="{5666D6BD-275F-4CB7-9E51-2E667C3423B2}"/>
+              </a:ext>
+            </a:extLst>
+          </p:cNvPr>
+          <p:cNvGraphicFramePr>
+            <a:graphicFrameLocks/>
+          </p:cNvGraphicFramePr>
+          <p:nvPr>
+            <p:extLst>
+              <p:ext uri="{D42A27DB-BD31-4B8C-83A1-F6EECF244321}">
+                <p14:modId xmlns:p14="http://schemas.microsoft.com/office/powerpoint/2010/main" val="3262253047"/>
+              </p:ext>
+            </p:extLst>
+          </p:nvPr>
+        </p:nvGraphicFramePr>
+        <p:xfrm>
+          <a:off x="3064603" y="1311383"/>
+          <a:ext cx="6062794" cy="3002189"/>
+        </p:xfrm>
+        <a:graphic>
+          <a:graphicData uri="http://schemas.openxmlformats.org/drawingml/2006/chart">
+            <c:chart xmlns:c="http://schemas.openxmlformats.org/drawingml/2006/chart" xmlns:r="http://schemas.openxmlformats.org/officeDocument/2006/relationships" r:id="rId3"/>
+          </a:graphicData>
+        </a:graphic>
+      </p:graphicFrame>
+    </p:spTree>
+    <p:extLst>
+      <p:ext uri="{BB962C8B-B14F-4D97-AF65-F5344CB8AC3E}">
+        <p14:creationId xmlns:p14="http://schemas.microsoft.com/office/powerpoint/2010/main" val="2910840256"/>
       </p:ext>
     </p:extLst>
   </p:cSld>
@@ -4077,6 +13135,380 @@
     <p:extLst>
       <p:ext uri="{BB962C8B-B14F-4D97-AF65-F5344CB8AC3E}">
         <p14:creationId xmlns:p14="http://schemas.microsoft.com/office/powerpoint/2010/main" val="4109533505"/>
+      </p:ext>
+    </p:extLst>
+  </p:cSld>
+  <p:clrMapOvr>
+    <a:masterClrMapping/>
+  </p:clrMapOvr>
+</p:sld>
+</file>
+
+<file path=ppt/slides/slide20.xml><?xml version="1.0" encoding="utf-8"?>
+<p:sld xmlns:a="http://schemas.openxmlformats.org/drawingml/2006/main" xmlns:r="http://schemas.openxmlformats.org/officeDocument/2006/relationships" xmlns:p="http://schemas.openxmlformats.org/presentationml/2006/main">
+  <p:cSld>
+    <p:spTree>
+      <p:nvGrpSpPr>
+        <p:cNvPr id="1" name=""/>
+        <p:cNvGrpSpPr/>
+        <p:nvPr/>
+      </p:nvGrpSpPr>
+      <p:grpSpPr>
+        <a:xfrm>
+          <a:off x="0" y="0"/>
+          <a:ext cx="0" cy="0"/>
+          <a:chOff x="0" y="0"/>
+          <a:chExt cx="0" cy="0"/>
+        </a:xfrm>
+      </p:grpSpPr>
+      <p:sp>
+        <p:nvSpPr>
+          <p:cNvPr id="2" name="Заголовок 1">
+            <a:extLst>
+              <a:ext uri="{FF2B5EF4-FFF2-40B4-BE49-F238E27FC236}">
+                <a16:creationId xmlns:a16="http://schemas.microsoft.com/office/drawing/2014/main" id="{4E8EF672-F9DF-4DF0-B088-162FCA871122}"/>
+              </a:ext>
+            </a:extLst>
+          </p:cNvPr>
+          <p:cNvSpPr>
+            <a:spLocks noGrp="1"/>
+          </p:cNvSpPr>
+          <p:nvPr>
+            <p:ph type="title"/>
+          </p:nvPr>
+        </p:nvSpPr>
+        <p:spPr/>
+        <p:txBody>
+          <a:bodyPr/>
+          <a:lstStyle/>
+          <a:p>
+            <a:r>
+              <a:rPr lang="ru-RU" dirty="0"/>
+              <a:t>Практическая часть</a:t>
+            </a:r>
+          </a:p>
+        </p:txBody>
+      </p:sp>
+      <p:pic>
+        <p:nvPicPr>
+          <p:cNvPr id="4" name="Объект 3">
+            <a:extLst>
+              <a:ext uri="{FF2B5EF4-FFF2-40B4-BE49-F238E27FC236}">
+                <a16:creationId xmlns:a16="http://schemas.microsoft.com/office/drawing/2014/main" id="{8BF9875F-2EF7-442D-BE98-7E715882F485}"/>
+              </a:ext>
+            </a:extLst>
+          </p:cNvPr>
+          <p:cNvPicPr>
+            <a:picLocks noGrp="1" noChangeAspect="1"/>
+          </p:cNvPicPr>
+          <p:nvPr>
+            <p:ph idx="1"/>
+          </p:nvPr>
+        </p:nvPicPr>
+        <p:blipFill>
+          <a:blip r:embed="rId2"/>
+          <a:stretch>
+            <a:fillRect/>
+          </a:stretch>
+        </p:blipFill>
+        <p:spPr>
+          <a:xfrm>
+            <a:off x="3607777" y="1690688"/>
+            <a:ext cx="4976446" cy="2025297"/>
+          </a:xfrm>
+          <a:prstGeom prst="rect">
+            <a:avLst/>
+          </a:prstGeom>
+        </p:spPr>
+      </p:pic>
+      <p:pic>
+        <p:nvPicPr>
+          <p:cNvPr id="6" name="Рисунок 5" descr="Изображение выглядит как белый, компьютер&#10;&#10;Автоматически созданное описание">
+            <a:extLst>
+              <a:ext uri="{FF2B5EF4-FFF2-40B4-BE49-F238E27FC236}">
+                <a16:creationId xmlns:a16="http://schemas.microsoft.com/office/drawing/2014/main" id="{A81AC0A2-D6FA-4E8E-A62C-502E0A245AE3}"/>
+              </a:ext>
+            </a:extLst>
+          </p:cNvPr>
+          <p:cNvPicPr>
+            <a:picLocks noChangeAspect="1"/>
+          </p:cNvPicPr>
+          <p:nvPr/>
+        </p:nvPicPr>
+        <p:blipFill>
+          <a:blip r:embed="rId3">
+            <a:extLst>
+              <a:ext uri="{28A0092B-C50C-407E-A947-70E740481C1C}">
+                <a14:useLocalDpi xmlns:a14="http://schemas.microsoft.com/office/drawing/2010/main" val="0"/>
+              </a:ext>
+            </a:extLst>
+          </a:blip>
+          <a:stretch>
+            <a:fillRect/>
+          </a:stretch>
+        </p:blipFill>
+        <p:spPr>
+          <a:xfrm>
+            <a:off x="2769581" y="3794495"/>
+            <a:ext cx="6652837" cy="3063505"/>
+          </a:xfrm>
+          <a:prstGeom prst="rect">
+            <a:avLst/>
+          </a:prstGeom>
+        </p:spPr>
+      </p:pic>
+    </p:spTree>
+    <p:extLst>
+      <p:ext uri="{BB962C8B-B14F-4D97-AF65-F5344CB8AC3E}">
+        <p14:creationId xmlns:p14="http://schemas.microsoft.com/office/powerpoint/2010/main" val="628221492"/>
+      </p:ext>
+    </p:extLst>
+  </p:cSld>
+  <p:clrMapOvr>
+    <a:masterClrMapping/>
+  </p:clrMapOvr>
+</p:sld>
+</file>
+
+<file path=ppt/slides/slide21.xml><?xml version="1.0" encoding="utf-8"?>
+<p:sld xmlns:a="http://schemas.openxmlformats.org/drawingml/2006/main" xmlns:r="http://schemas.openxmlformats.org/officeDocument/2006/relationships" xmlns:p="http://schemas.openxmlformats.org/presentationml/2006/main">
+  <p:cSld>
+    <p:spTree>
+      <p:nvGrpSpPr>
+        <p:cNvPr id="1" name=""/>
+        <p:cNvGrpSpPr/>
+        <p:nvPr/>
+      </p:nvGrpSpPr>
+      <p:grpSpPr>
+        <a:xfrm>
+          <a:off x="0" y="0"/>
+          <a:ext cx="0" cy="0"/>
+          <a:chOff x="0" y="0"/>
+          <a:chExt cx="0" cy="0"/>
+        </a:xfrm>
+      </p:grpSpPr>
+      <p:sp>
+        <p:nvSpPr>
+          <p:cNvPr id="2" name="Заголовок 1">
+            <a:extLst>
+              <a:ext uri="{FF2B5EF4-FFF2-40B4-BE49-F238E27FC236}">
+                <a16:creationId xmlns:a16="http://schemas.microsoft.com/office/drawing/2014/main" id="{2775A1CF-527D-43B6-BB34-0607DD6DBFE6}"/>
+              </a:ext>
+            </a:extLst>
+          </p:cNvPr>
+          <p:cNvSpPr>
+            <a:spLocks noGrp="1"/>
+          </p:cNvSpPr>
+          <p:nvPr>
+            <p:ph type="title"/>
+          </p:nvPr>
+        </p:nvSpPr>
+        <p:spPr/>
+        <p:txBody>
+          <a:bodyPr/>
+          <a:lstStyle/>
+          <a:p>
+            <a:r>
+              <a:rPr lang="ru-RU" dirty="0"/>
+              <a:t>Практическая часть</a:t>
+            </a:r>
+          </a:p>
+        </p:txBody>
+      </p:sp>
+      <p:pic>
+        <p:nvPicPr>
+          <p:cNvPr id="5" name="Объект 4" descr="Изображение выглядит как комната, рисунок, белый&#10;&#10;Автоматически созданное описание">
+            <a:extLst>
+              <a:ext uri="{FF2B5EF4-FFF2-40B4-BE49-F238E27FC236}">
+                <a16:creationId xmlns:a16="http://schemas.microsoft.com/office/drawing/2014/main" id="{66AB423F-6FCC-4D98-B503-E76178B804E7}"/>
+              </a:ext>
+            </a:extLst>
+          </p:cNvPr>
+          <p:cNvPicPr>
+            <a:picLocks noGrp="1" noChangeAspect="1"/>
+          </p:cNvPicPr>
+          <p:nvPr>
+            <p:ph idx="1"/>
+          </p:nvPr>
+        </p:nvPicPr>
+        <p:blipFill>
+          <a:blip r:embed="rId2">
+            <a:extLst>
+              <a:ext uri="{28A0092B-C50C-407E-A947-70E740481C1C}">
+                <a14:useLocalDpi xmlns:a14="http://schemas.microsoft.com/office/drawing/2010/main" val="0"/>
+              </a:ext>
+            </a:extLst>
+          </a:blip>
+          <a:stretch>
+            <a:fillRect/>
+          </a:stretch>
+        </p:blipFill>
+        <p:spPr>
+          <a:xfrm>
+            <a:off x="2177561" y="4759127"/>
+            <a:ext cx="7836877" cy="2098873"/>
+          </a:xfrm>
+        </p:spPr>
+      </p:pic>
+      <p:graphicFrame>
+        <p:nvGraphicFramePr>
+          <p:cNvPr id="6" name="Диаграмма 5">
+            <a:extLst>
+              <a:ext uri="{FF2B5EF4-FFF2-40B4-BE49-F238E27FC236}">
+                <a16:creationId xmlns:a16="http://schemas.microsoft.com/office/drawing/2014/main" id="{5666D6BD-275F-4CB7-9E51-2E667C3423B2}"/>
+              </a:ext>
+            </a:extLst>
+          </p:cNvPr>
+          <p:cNvGraphicFramePr>
+            <a:graphicFrameLocks/>
+          </p:cNvGraphicFramePr>
+          <p:nvPr>
+            <p:extLst>
+              <p:ext uri="{D42A27DB-BD31-4B8C-83A1-F6EECF244321}">
+                <p14:modId xmlns:p14="http://schemas.microsoft.com/office/powerpoint/2010/main" val="1850083174"/>
+              </p:ext>
+            </p:extLst>
+          </p:nvPr>
+        </p:nvGraphicFramePr>
+        <p:xfrm>
+          <a:off x="2527753" y="1280159"/>
+          <a:ext cx="7486685" cy="3478967"/>
+        </p:xfrm>
+        <a:graphic>
+          <a:graphicData uri="http://schemas.openxmlformats.org/drawingml/2006/chart">
+            <c:chart xmlns:c="http://schemas.openxmlformats.org/drawingml/2006/chart" xmlns:r="http://schemas.openxmlformats.org/officeDocument/2006/relationships" r:id="rId3"/>
+          </a:graphicData>
+        </a:graphic>
+      </p:graphicFrame>
+    </p:spTree>
+    <p:extLst>
+      <p:ext uri="{BB962C8B-B14F-4D97-AF65-F5344CB8AC3E}">
+        <p14:creationId xmlns:p14="http://schemas.microsoft.com/office/powerpoint/2010/main" val="933482867"/>
+      </p:ext>
+    </p:extLst>
+  </p:cSld>
+  <p:clrMapOvr>
+    <a:masterClrMapping/>
+  </p:clrMapOvr>
+</p:sld>
+</file>
+
+<file path=ppt/slides/slide22.xml><?xml version="1.0" encoding="utf-8"?>
+<p:sld xmlns:a="http://schemas.openxmlformats.org/drawingml/2006/main" xmlns:r="http://schemas.openxmlformats.org/officeDocument/2006/relationships" xmlns:p="http://schemas.openxmlformats.org/presentationml/2006/main">
+  <p:cSld>
+    <p:spTree>
+      <p:nvGrpSpPr>
+        <p:cNvPr id="1" name=""/>
+        <p:cNvGrpSpPr/>
+        <p:nvPr/>
+      </p:nvGrpSpPr>
+      <p:grpSpPr>
+        <a:xfrm>
+          <a:off x="0" y="0"/>
+          <a:ext cx="0" cy="0"/>
+          <a:chOff x="0" y="0"/>
+          <a:chExt cx="0" cy="0"/>
+        </a:xfrm>
+      </p:grpSpPr>
+      <p:sp>
+        <p:nvSpPr>
+          <p:cNvPr id="2" name="Заголовок 1">
+            <a:extLst>
+              <a:ext uri="{FF2B5EF4-FFF2-40B4-BE49-F238E27FC236}">
+                <a16:creationId xmlns:a16="http://schemas.microsoft.com/office/drawing/2014/main" id="{C0DA0379-1936-48C3-B32A-EFE699FB1B3D}"/>
+              </a:ext>
+            </a:extLst>
+          </p:cNvPr>
+          <p:cNvSpPr>
+            <a:spLocks noGrp="1"/>
+          </p:cNvSpPr>
+          <p:nvPr>
+            <p:ph type="title"/>
+          </p:nvPr>
+        </p:nvSpPr>
+        <p:spPr/>
+        <p:txBody>
+          <a:bodyPr/>
+          <a:lstStyle/>
+          <a:p>
+            <a:r>
+              <a:rPr lang="ru-RU" dirty="0"/>
+              <a:t>Практическая часть</a:t>
+            </a:r>
+          </a:p>
+        </p:txBody>
+      </p:sp>
+      <p:graphicFrame>
+        <p:nvGraphicFramePr>
+          <p:cNvPr id="4" name="Объект 3">
+            <a:extLst>
+              <a:ext uri="{FF2B5EF4-FFF2-40B4-BE49-F238E27FC236}">
+                <a16:creationId xmlns:a16="http://schemas.microsoft.com/office/drawing/2014/main" id="{23CA36D4-6BA6-4A5F-ACD5-129F9E281D15}"/>
+              </a:ext>
+            </a:extLst>
+          </p:cNvPr>
+          <p:cNvGraphicFramePr>
+            <a:graphicFrameLocks noGrp="1"/>
+          </p:cNvGraphicFramePr>
+          <p:nvPr>
+            <p:ph idx="1"/>
+            <p:extLst>
+              <p:ext uri="{D42A27DB-BD31-4B8C-83A1-F6EECF244321}">
+                <p14:modId xmlns:p14="http://schemas.microsoft.com/office/powerpoint/2010/main" val="3139795199"/>
+              </p:ext>
+            </p:extLst>
+          </p:nvPr>
+        </p:nvGraphicFramePr>
+        <p:xfrm>
+          <a:off x="1645920" y="1357788"/>
+          <a:ext cx="9265920" cy="2775903"/>
+        </p:xfrm>
+        <a:graphic>
+          <a:graphicData uri="http://schemas.openxmlformats.org/drawingml/2006/chart">
+            <c:chart xmlns:c="http://schemas.openxmlformats.org/drawingml/2006/chart" xmlns:r="http://schemas.openxmlformats.org/officeDocument/2006/relationships" r:id="rId2"/>
+          </a:graphicData>
+        </a:graphic>
+      </p:graphicFrame>
+      <p:pic>
+        <p:nvPicPr>
+          <p:cNvPr id="6" name="Рисунок 5" descr="Изображение выглядит как фотография, стол, сидит, белый&#10;&#10;Автоматически созданное описание">
+            <a:extLst>
+              <a:ext uri="{FF2B5EF4-FFF2-40B4-BE49-F238E27FC236}">
+                <a16:creationId xmlns:a16="http://schemas.microsoft.com/office/drawing/2014/main" id="{CA48AAD1-1DC5-4F69-80A9-5E0214FD3FFB}"/>
+              </a:ext>
+            </a:extLst>
+          </p:cNvPr>
+          <p:cNvPicPr>
+            <a:picLocks noChangeAspect="1"/>
+          </p:cNvPicPr>
+          <p:nvPr/>
+        </p:nvPicPr>
+        <p:blipFill>
+          <a:blip r:embed="rId3">
+            <a:extLst>
+              <a:ext uri="{28A0092B-C50C-407E-A947-70E740481C1C}">
+                <a14:useLocalDpi xmlns:a14="http://schemas.microsoft.com/office/drawing/2010/main" val="0"/>
+              </a:ext>
+            </a:extLst>
+          </a:blip>
+          <a:stretch>
+            <a:fillRect/>
+          </a:stretch>
+        </p:blipFill>
+        <p:spPr>
+          <a:xfrm>
+            <a:off x="1645920" y="4377916"/>
+            <a:ext cx="9265920" cy="2426789"/>
+          </a:xfrm>
+          <a:prstGeom prst="rect">
+            <a:avLst/>
+          </a:prstGeom>
+        </p:spPr>
+      </p:pic>
+    </p:spTree>
+    <p:extLst>
+      <p:ext uri="{BB962C8B-B14F-4D97-AF65-F5344CB8AC3E}">
+        <p14:creationId xmlns:p14="http://schemas.microsoft.com/office/powerpoint/2010/main" val="4085904265"/>
       </p:ext>
     </p:extLst>
   </p:cSld>
@@ -4317,7 +13749,7 @@
         <p:spPr>
           <a:xfrm>
             <a:off x="2257423" y="4014789"/>
-            <a:ext cx="7885376" cy="1596230"/>
+            <a:ext cx="7379872" cy="1493901"/>
           </a:xfrm>
           <a:prstGeom prst="rect">
             <a:avLst/>
@@ -4572,7 +14004,7 @@
         <p:spPr>
           <a:xfrm>
             <a:off x="5053174" y="2284969"/>
-            <a:ext cx="1573840" cy="827623"/>
+            <a:ext cx="1369859" cy="720357"/>
           </a:xfrm>
           <a:prstGeom prst="rect">
             <a:avLst/>
@@ -4601,8 +14033,8 @@
         </p:blipFill>
         <p:spPr>
           <a:xfrm>
-            <a:off x="7266984" y="3112592"/>
-            <a:ext cx="2358279" cy="1027226"/>
+            <a:off x="7266985" y="3112592"/>
+            <a:ext cx="2225932" cy="969578"/>
           </a:xfrm>
           <a:prstGeom prst="rect">
             <a:avLst/>
@@ -4632,7 +14064,7 @@
         <p:spPr>
           <a:xfrm>
             <a:off x="5169569" y="4260724"/>
-            <a:ext cx="1484584" cy="896936"/>
+            <a:ext cx="1369859" cy="827623"/>
           </a:xfrm>
           <a:prstGeom prst="rect">
             <a:avLst/>
@@ -4809,7 +14241,7 @@
         <p:spPr>
           <a:xfrm>
             <a:off x="3332883" y="4872788"/>
-            <a:ext cx="5526233" cy="1723234"/>
+            <a:ext cx="5195451" cy="1620087"/>
           </a:xfrm>
           <a:prstGeom prst="rect">
             <a:avLst/>
@@ -4943,8 +14375,8 @@
         </p:blipFill>
         <p:spPr>
           <a:xfrm>
-            <a:off x="2763273" y="4506833"/>
-            <a:ext cx="6665453" cy="816518"/>
+            <a:off x="2763274" y="4506833"/>
+            <a:ext cx="6284474" cy="769848"/>
           </a:xfrm>
           <a:prstGeom prst="rect">
             <a:avLst/>
@@ -5255,7 +14687,7 @@
         <p:spPr>
           <a:xfrm>
             <a:off x="5009520" y="4115717"/>
-            <a:ext cx="1824417" cy="613381"/>
+            <a:ext cx="1635169" cy="549755"/>
           </a:xfrm>
           <a:prstGeom prst="rect">
             <a:avLst/>
@@ -5396,8 +14828,8 @@
         </p:blipFill>
         <p:spPr>
           <a:xfrm>
-            <a:off x="3551775" y="1333291"/>
-            <a:ext cx="5088450" cy="1075238"/>
+            <a:off x="3551775" y="1333292"/>
+            <a:ext cx="4337778" cy="916614"/>
           </a:xfrm>
           <a:prstGeom prst="rect">
             <a:avLst/>
@@ -5426,8 +14858,8 @@
         </p:blipFill>
         <p:spPr>
           <a:xfrm>
-            <a:off x="3551775" y="2887396"/>
-            <a:ext cx="4324899" cy="3848533"/>
+            <a:off x="3551776" y="2887397"/>
+            <a:ext cx="3848384" cy="3424504"/>
           </a:xfrm>
           <a:prstGeom prst="rect">
             <a:avLst/>

--- a/diplom.pptx
+++ b/diplom.pptx
@@ -27,6 +27,7 @@
     <p:sldId id="275" r:id="rId21"/>
     <p:sldId id="276" r:id="rId22"/>
     <p:sldId id="277" r:id="rId23"/>
+    <p:sldId id="278" r:id="rId24"/>
   </p:sldIdLst>
   <p:sldSz cx="12192000" cy="6858000"/>
   <p:notesSz cx="6858000" cy="9144000"/>
@@ -1836,8 +1837,8 @@
           <c:layoutTarget val="inner"/>
           <c:xMode val="edge"/>
           <c:yMode val="edge"/>
-          <c:x val="4.0475105349142129E-2"/>
-          <c:y val="4.5569767579957482E-2"/>
+          <c:x val="5.4698964596241823E-2"/>
+          <c:y val="5.398682821336518E-2"/>
           <c:w val="0.88783249021246646"/>
           <c:h val="0.91102514506769827"/>
         </c:manualLayout>
@@ -2323,8 +2324,8 @@
             <c:manualLayout>
               <c:xMode val="edge"/>
               <c:yMode val="edge"/>
-              <c:x val="0.50132364799012763"/>
-              <c:y val="3.2879912835431942E-3"/>
+              <c:x val="0.46576397251877882"/>
+              <c:y val="0"/>
             </c:manualLayout>
           </c:layout>
           <c:overlay val="0"/>
@@ -4988,6 +4989,47 @@
         <a:effectLst/>
       </c:spPr>
     </c:plotArea>
+    <c:legend>
+      <c:legendPos val="r"/>
+      <c:layout>
+        <c:manualLayout>
+          <c:xMode val="edge"/>
+          <c:yMode val="edge"/>
+          <c:x val="0.28480658153750521"/>
+          <c:y val="0.67242263148244019"/>
+          <c:w val="6.5522365830915877E-2"/>
+          <c:h val="0.23161544189404312"/>
+        </c:manualLayout>
+      </c:layout>
+      <c:overlay val="0"/>
+      <c:spPr>
+        <a:noFill/>
+        <a:ln>
+          <a:noFill/>
+        </a:ln>
+        <a:effectLst/>
+      </c:spPr>
+      <c:txPr>
+        <a:bodyPr rot="0" spcFirstLastPara="1" vertOverflow="ellipsis" vert="horz" wrap="square" anchor="ctr" anchorCtr="1"/>
+        <a:lstStyle/>
+        <a:p>
+          <a:pPr>
+            <a:defRPr sz="900" b="0" i="0" u="none" strike="noStrike" kern="1200" baseline="0">
+              <a:solidFill>
+                <a:schemeClr val="tx1">
+                  <a:lumMod val="65000"/>
+                  <a:lumOff val="35000"/>
+                </a:schemeClr>
+              </a:solidFill>
+              <a:latin typeface="+mn-lt"/>
+              <a:ea typeface="+mn-ea"/>
+              <a:cs typeface="+mn-cs"/>
+            </a:defRPr>
+          </a:pPr>
+          <a:endParaRPr lang="ru-RU"/>
+        </a:p>
+      </c:txPr>
+    </c:legend>
     <c:plotVisOnly val="1"/>
     <c:dispBlanksAs val="gap"/>
     <c:extLst>
@@ -12176,38 +12218,6 @@
       </p:sp>
       <p:pic>
         <p:nvPicPr>
-          <p:cNvPr id="4" name="Объект 3">
-            <a:extLst>
-              <a:ext uri="{FF2B5EF4-FFF2-40B4-BE49-F238E27FC236}">
-                <a16:creationId xmlns:a16="http://schemas.microsoft.com/office/drawing/2014/main" id="{9E8E89D4-03E8-4A7D-AABE-EB9EEE6CB73B}"/>
-              </a:ext>
-            </a:extLst>
-          </p:cNvPr>
-          <p:cNvPicPr>
-            <a:picLocks noGrp="1" noChangeAspect="1"/>
-          </p:cNvPicPr>
-          <p:nvPr>
-            <p:ph idx="1"/>
-          </p:nvPr>
-        </p:nvPicPr>
-        <p:blipFill>
-          <a:blip r:embed="rId2"/>
-          <a:stretch>
-            <a:fillRect/>
-          </a:stretch>
-        </p:blipFill>
-        <p:spPr>
-          <a:xfrm>
-            <a:off x="4024312" y="1304925"/>
-            <a:ext cx="4143375" cy="771525"/>
-          </a:xfrm>
-          <a:prstGeom prst="rect">
-            <a:avLst/>
-          </a:prstGeom>
-        </p:spPr>
-      </p:pic>
-      <p:pic>
-        <p:nvPicPr>
           <p:cNvPr id="6" name="Рисунок 5" descr="Изображение выглядит как белый, компьютер&#10;&#10;Автоматически созданное описание">
             <a:extLst>
               <a:ext uri="{FF2B5EF4-FFF2-40B4-BE49-F238E27FC236}">
@@ -12221,7 +12231,7 @@
           <p:nvPr/>
         </p:nvPicPr>
         <p:blipFill>
-          <a:blip r:embed="rId3">
+          <a:blip r:embed="rId2">
             <a:extLst>
               <a:ext uri="{28A0092B-C50C-407E-A947-70E740481C1C}">
                 <a14:useLocalDpi xmlns:a14="http://schemas.microsoft.com/office/drawing/2010/main" val="0"/>
@@ -12234,7 +12244,7 @@
         </p:blipFill>
         <p:spPr>
           <a:xfrm>
-            <a:off x="2853408" y="2076450"/>
+            <a:off x="2853408" y="3901184"/>
             <a:ext cx="6485182" cy="2956816"/>
           </a:xfrm>
           <a:prstGeom prst="rect">
@@ -12242,6 +12252,75 @@
           </a:prstGeom>
         </p:spPr>
       </p:pic>
+      <p:pic>
+        <p:nvPicPr>
+          <p:cNvPr id="5" name="Рисунок 4">
+            <a:extLst>
+              <a:ext uri="{FF2B5EF4-FFF2-40B4-BE49-F238E27FC236}">
+                <a16:creationId xmlns:a16="http://schemas.microsoft.com/office/drawing/2014/main" id="{B6D05B9D-1F5E-431F-A3D8-F096CE7DA07F}"/>
+              </a:ext>
+            </a:extLst>
+          </p:cNvPr>
+          <p:cNvPicPr>
+            <a:picLocks noChangeAspect="1"/>
+          </p:cNvPicPr>
+          <p:nvPr/>
+        </p:nvPicPr>
+        <p:blipFill>
+          <a:blip r:embed="rId3"/>
+          <a:stretch>
+            <a:fillRect/>
+          </a:stretch>
+        </p:blipFill>
+        <p:spPr>
+          <a:xfrm>
+            <a:off x="3543299" y="1743643"/>
+            <a:ext cx="5105400" cy="1685357"/>
+          </a:xfrm>
+          <a:prstGeom prst="rect">
+            <a:avLst/>
+          </a:prstGeom>
+        </p:spPr>
+      </p:pic>
+      <p:sp>
+        <p:nvSpPr>
+          <p:cNvPr id="7" name="Объект 6">
+            <a:extLst>
+              <a:ext uri="{FF2B5EF4-FFF2-40B4-BE49-F238E27FC236}">
+                <a16:creationId xmlns:a16="http://schemas.microsoft.com/office/drawing/2014/main" id="{EF869C41-11A5-4FE2-97B8-D1E24F1B5604}"/>
+              </a:ext>
+            </a:extLst>
+          </p:cNvPr>
+          <p:cNvSpPr>
+            <a:spLocks noGrp="1"/>
+          </p:cNvSpPr>
+          <p:nvPr>
+            <p:ph idx="1"/>
+          </p:nvPr>
+        </p:nvSpPr>
+        <p:spPr>
+          <a:xfrm>
+            <a:off x="838199" y="1939925"/>
+            <a:ext cx="10515600" cy="4351338"/>
+          </a:xfrm>
+        </p:spPr>
+        <p:txBody>
+          <a:bodyPr/>
+          <a:lstStyle/>
+          <a:p>
+            <a:pPr marL="0" indent="0">
+              <a:buNone/>
+            </a:pPr>
+            <a:endParaRPr lang="ru-RU" dirty="0"/>
+          </a:p>
+          <a:p>
+            <a:pPr marL="0" indent="0">
+              <a:buNone/>
+            </a:pPr>
+            <a:endParaRPr lang="ru-RU" dirty="0"/>
+          </a:p>
+        </p:txBody>
+      </p:sp>
     </p:spTree>
     <p:extLst>
       <p:ext uri="{BB962C8B-B14F-4D97-AF65-F5344CB8AC3E}">
@@ -12478,13 +12557,13 @@
           <p:nvPr>
             <p:extLst>
               <p:ext uri="{D42A27DB-BD31-4B8C-83A1-F6EECF244321}">
-                <p14:modId xmlns:p14="http://schemas.microsoft.com/office/powerpoint/2010/main" val="3545993094"/>
+                <p14:modId xmlns:p14="http://schemas.microsoft.com/office/powerpoint/2010/main" val="3681478933"/>
               </p:ext>
             </p:extLst>
           </p:nvPr>
         </p:nvGraphicFramePr>
         <p:xfrm>
-          <a:off x="5634539" y="1814228"/>
+          <a:off x="3172619" y="1420528"/>
           <a:ext cx="6557461" cy="2932636"/>
         </p:xfrm>
         <a:graphic>
@@ -12493,36 +12572,6 @@
           </a:graphicData>
         </a:graphic>
       </p:graphicFrame>
-      <p:pic>
-        <p:nvPicPr>
-          <p:cNvPr id="7" name="Рисунок 6">
-            <a:extLst>
-              <a:ext uri="{FF2B5EF4-FFF2-40B4-BE49-F238E27FC236}">
-                <a16:creationId xmlns:a16="http://schemas.microsoft.com/office/drawing/2014/main" id="{161D2250-BCF9-4E65-8A72-930BE62113B3}"/>
-              </a:ext>
-            </a:extLst>
-          </p:cNvPr>
-          <p:cNvPicPr>
-            <a:picLocks noChangeAspect="1"/>
-          </p:cNvPicPr>
-          <p:nvPr/>
-        </p:nvPicPr>
-        <p:blipFill>
-          <a:blip r:embed="rId4"/>
-          <a:stretch>
-            <a:fillRect/>
-          </a:stretch>
-        </p:blipFill>
-        <p:spPr>
-          <a:xfrm>
-            <a:off x="838200" y="2470161"/>
-            <a:ext cx="4443162" cy="1466744"/>
-          </a:xfrm>
-          <a:prstGeom prst="rect">
-            <a:avLst/>
-          </a:prstGeom>
-        </p:spPr>
-      </p:pic>
     </p:spTree>
     <p:extLst>
       <p:ext uri="{BB962C8B-B14F-4D97-AF65-F5344CB8AC3E}">
@@ -12737,7 +12786,7 @@
         </p:blipFill>
         <p:spPr>
           <a:xfrm>
-            <a:off x="1919037" y="1690688"/>
+            <a:off x="1661862" y="4417662"/>
             <a:ext cx="8353926" cy="2149650"/>
           </a:xfrm>
         </p:spPr>
@@ -12757,13 +12806,13 @@
           <p:nvPr>
             <p:extLst>
               <p:ext uri="{D42A27DB-BD31-4B8C-83A1-F6EECF244321}">
-                <p14:modId xmlns:p14="http://schemas.microsoft.com/office/powerpoint/2010/main" val="819537076"/>
+                <p14:modId xmlns:p14="http://schemas.microsoft.com/office/powerpoint/2010/main" val="3787065655"/>
               </p:ext>
             </p:extLst>
           </p:nvPr>
         </p:nvGraphicFramePr>
         <p:xfrm>
-          <a:off x="2530475" y="3840338"/>
+          <a:off x="2422943" y="1400000"/>
           <a:ext cx="7142914" cy="3017662"/>
         </p:xfrm>
         <a:graphic>
@@ -13454,7 +13503,7 @@
             <p:ph idx="1"/>
             <p:extLst>
               <p:ext uri="{D42A27DB-BD31-4B8C-83A1-F6EECF244321}">
-                <p14:modId xmlns:p14="http://schemas.microsoft.com/office/powerpoint/2010/main" val="3139795199"/>
+                <p14:modId xmlns:p14="http://schemas.microsoft.com/office/powerpoint/2010/main" val="1963451450"/>
               </p:ext>
             </p:extLst>
           </p:nvPr>
@@ -13509,6 +13558,97 @@
     <p:extLst>
       <p:ext uri="{BB962C8B-B14F-4D97-AF65-F5344CB8AC3E}">
         <p14:creationId xmlns:p14="http://schemas.microsoft.com/office/powerpoint/2010/main" val="4085904265"/>
+      </p:ext>
+    </p:extLst>
+  </p:cSld>
+  <p:clrMapOvr>
+    <a:masterClrMapping/>
+  </p:clrMapOvr>
+</p:sld>
+</file>
+
+<file path=ppt/slides/slide23.xml><?xml version="1.0" encoding="utf-8"?>
+<p:sld xmlns:a="http://schemas.openxmlformats.org/drawingml/2006/main" xmlns:r="http://schemas.openxmlformats.org/officeDocument/2006/relationships" xmlns:p="http://schemas.openxmlformats.org/presentationml/2006/main">
+  <p:cSld>
+    <p:spTree>
+      <p:nvGrpSpPr>
+        <p:cNvPr id="1" name=""/>
+        <p:cNvGrpSpPr/>
+        <p:nvPr/>
+      </p:nvGrpSpPr>
+      <p:grpSpPr>
+        <a:xfrm>
+          <a:off x="0" y="0"/>
+          <a:ext cx="0" cy="0"/>
+          <a:chOff x="0" y="0"/>
+          <a:chExt cx="0" cy="0"/>
+        </a:xfrm>
+      </p:grpSpPr>
+      <p:sp>
+        <p:nvSpPr>
+          <p:cNvPr id="2" name="Заголовок 1">
+            <a:extLst>
+              <a:ext uri="{FF2B5EF4-FFF2-40B4-BE49-F238E27FC236}">
+                <a16:creationId xmlns:a16="http://schemas.microsoft.com/office/drawing/2014/main" id="{17373DB2-A142-420F-995D-48D6A021FA54}"/>
+              </a:ext>
+            </a:extLst>
+          </p:cNvPr>
+          <p:cNvSpPr>
+            <a:spLocks noGrp="1"/>
+          </p:cNvSpPr>
+          <p:nvPr>
+            <p:ph type="title"/>
+          </p:nvPr>
+        </p:nvSpPr>
+        <p:spPr/>
+        <p:txBody>
+          <a:bodyPr/>
+          <a:lstStyle/>
+          <a:p>
+            <a:r>
+              <a:rPr lang="ru-RU" dirty="0"/>
+              <a:t>Результаты</a:t>
+            </a:r>
+          </a:p>
+        </p:txBody>
+      </p:sp>
+      <p:sp>
+        <p:nvSpPr>
+          <p:cNvPr id="3" name="Объект 2">
+            <a:extLst>
+              <a:ext uri="{FF2B5EF4-FFF2-40B4-BE49-F238E27FC236}">
+                <a16:creationId xmlns:a16="http://schemas.microsoft.com/office/drawing/2014/main" id="{432A697C-C35A-46D9-89C6-F7CD83499531}"/>
+              </a:ext>
+            </a:extLst>
+          </p:cNvPr>
+          <p:cNvSpPr>
+            <a:spLocks noGrp="1"/>
+          </p:cNvSpPr>
+          <p:nvPr>
+            <p:ph idx="1"/>
+          </p:nvPr>
+        </p:nvSpPr>
+        <p:spPr/>
+        <p:txBody>
+          <a:bodyPr>
+            <a:normAutofit fontScale="92500" lnSpcReduction="20000"/>
+          </a:bodyPr>
+          <a:lstStyle/>
+          <a:p>
+            <a:pPr marL="0" indent="0">
+              <a:buNone/>
+            </a:pPr>
+            <a:r>
+              <a:rPr lang="ru-RU" dirty="0"/>
+              <a:t>В работе была предпринята попытка реализации компактного сеточно-характеристического метода на нерегулярных треугольных сетках для решения однородного уравнения переноса с периодическими граничными условиями и проведено исследование его сходимости на начальных импульсах разного вида. По полученным результатам можно увидеть, что метод решения переопределенной системы для нахождения коэффициентов интерполяционного полинома более точен, чем метод перебора производных. Для метода перебора были испробованы многие ограничения на норму градиента, на значение интерполяционного полинома в точке пересечения, а также использование полинома третьей степени с отбрасыванием лишних членов, но удовлетворительного результата добиться не удалось. Ни один из двух подходов не дает сходящегося порядка. Таким образом, в данной работе не удалось реализовать сходящийся компактный сеточно-характеристический метод на нерегулярных сетках.</a:t>
+            </a:r>
+          </a:p>
+        </p:txBody>
+      </p:sp>
+    </p:spTree>
+    <p:extLst>
+      <p:ext uri="{BB962C8B-B14F-4D97-AF65-F5344CB8AC3E}">
+        <p14:creationId xmlns:p14="http://schemas.microsoft.com/office/powerpoint/2010/main" val="1596090720"/>
       </p:ext>
     </p:extLst>
   </p:cSld>

--- a/diplom.pptx
+++ b/diplom.pptx
@@ -11811,41 +11811,11 @@
             </a:pPr>
             <a:r>
               <a:rPr lang="ru-RU" dirty="0"/>
-              <a:t>Где                            - значения производных исходной функции в соответствующих вершинах рассматриваемого треугольника. Ранг матрицы данной системы линейных уравнении меньше количества уравнении, следовательно система переопределена и не существует точного решения. Существуют два подхода к решению данной проблемы. Первый – из 9 выбрать 6 необходимых уравнении и, в случае если система совместна, решить ее, в обратном случае взять другие уравнения, второй – чтобы не терять данные о производных функции, можно попытаться решить ее методом наименьших квадратов.</a:t>
+              <a:t>Ранг матрицы данной системы линейных уравнении меньше количества уравнении, следовательно система переопределена и не существует точного решения. Существуют два подхода к решению данной проблемы. Первый – из 9 выбрать 6 необходимых уравнении и, в случае если система совместна, решить ее, в обратном случае взять другие уравнения, второй – чтобы не терять данные о производных функции, можно попытаться решить ее методом наименьших квадратов.</a:t>
             </a:r>
           </a:p>
         </p:txBody>
       </p:sp>
-      <p:pic>
-        <p:nvPicPr>
-          <p:cNvPr id="4" name="Рисунок 3">
-            <a:extLst>
-              <a:ext uri="{FF2B5EF4-FFF2-40B4-BE49-F238E27FC236}">
-                <a16:creationId xmlns:a16="http://schemas.microsoft.com/office/drawing/2014/main" id="{7A2C3AF4-1281-4639-8A27-C12DB1C12412}"/>
-              </a:ext>
-            </a:extLst>
-          </p:cNvPr>
-          <p:cNvPicPr>
-            <a:picLocks noChangeAspect="1"/>
-          </p:cNvPicPr>
-          <p:nvPr/>
-        </p:nvPicPr>
-        <p:blipFill>
-          <a:blip r:embed="rId2"/>
-          <a:stretch>
-            <a:fillRect/>
-          </a:stretch>
-        </p:blipFill>
-        <p:spPr>
-          <a:xfrm>
-            <a:off x="1639053" y="1540042"/>
-            <a:ext cx="1935238" cy="525462"/>
-          </a:xfrm>
-          <a:prstGeom prst="rect">
-            <a:avLst/>
-          </a:prstGeom>
-        </p:spPr>
-      </p:pic>
     </p:spTree>
     <p:extLst>
       <p:ext uri="{BB962C8B-B14F-4D97-AF65-F5344CB8AC3E}">
@@ -14699,15 +14669,7 @@
             </a:pPr>
             <a:r>
               <a:rPr lang="ru-RU" dirty="0"/>
-              <a:t>Для </a:t>
-            </a:r>
-            <a:r>
-              <a:rPr lang="ru-RU" u="sng" dirty="0"/>
-              <a:t>сеточно</a:t>
-            </a:r>
-            <a:r>
-              <a:rPr lang="ru-RU" dirty="0"/>
-              <a:t>-характеристического метода возможно улучшение, если принять в рассмотрение производные исходной функции </a:t>
+              <a:t>Для сеточно-характеристического метода возможно улучшение, если принять в рассмотрение производные исходной функции </a:t>
             </a:r>
             <a:r>
               <a:rPr lang="en-US" dirty="0"/>

--- a/diplom.pptx
+++ b/diplom.pptx
@@ -27,7 +27,10 @@
     <p:sldId id="275" r:id="rId21"/>
     <p:sldId id="276" r:id="rId22"/>
     <p:sldId id="277" r:id="rId23"/>
-    <p:sldId id="278" r:id="rId24"/>
+    <p:sldId id="279" r:id="rId24"/>
+    <p:sldId id="280" r:id="rId25"/>
+    <p:sldId id="281" r:id="rId26"/>
+    <p:sldId id="278" r:id="rId27"/>
   </p:sldIdLst>
   <p:sldSz cx="12192000" cy="6858000"/>
   <p:notesSz cx="6858000" cy="9144000"/>
@@ -947,6 +950,572 @@
         </c:manualLayout>
       </c:layout>
       <c:overlay val="0"/>
+      <c:spPr>
+        <a:noFill/>
+        <a:ln>
+          <a:noFill/>
+        </a:ln>
+        <a:effectLst/>
+      </c:spPr>
+      <c:txPr>
+        <a:bodyPr rot="0" spcFirstLastPara="1" vertOverflow="ellipsis" vert="horz" wrap="square" anchor="ctr" anchorCtr="1"/>
+        <a:lstStyle/>
+        <a:p>
+          <a:pPr>
+            <a:defRPr sz="900" b="0" i="0" u="none" strike="noStrike" kern="1200" baseline="0">
+              <a:solidFill>
+                <a:schemeClr val="tx1">
+                  <a:lumMod val="65000"/>
+                  <a:lumOff val="35000"/>
+                </a:schemeClr>
+              </a:solidFill>
+              <a:latin typeface="+mn-lt"/>
+              <a:ea typeface="+mn-ea"/>
+              <a:cs typeface="+mn-cs"/>
+            </a:defRPr>
+          </a:pPr>
+          <a:endParaRPr lang="ru-RU"/>
+        </a:p>
+      </c:txPr>
+    </c:legend>
+    <c:plotVisOnly val="1"/>
+    <c:dispBlanksAs val="gap"/>
+    <c:extLst>
+      <c:ext xmlns:c16r3="http://schemas.microsoft.com/office/drawing/2017/03/chart" uri="{56B9EC1D-385E-4148-901F-78D8002777C0}">
+        <c16r3:dataDisplayOptions16>
+          <c16r3:dispNaAsBlank val="1"/>
+        </c16r3:dataDisplayOptions16>
+      </c:ext>
+    </c:extLst>
+    <c:showDLblsOverMax val="0"/>
+  </c:chart>
+  <c:spPr>
+    <a:noFill/>
+    <a:ln>
+      <a:noFill/>
+    </a:ln>
+    <a:effectLst/>
+  </c:spPr>
+  <c:txPr>
+    <a:bodyPr/>
+    <a:lstStyle/>
+    <a:p>
+      <a:pPr>
+        <a:defRPr/>
+      </a:pPr>
+      <a:endParaRPr lang="ru-RU"/>
+    </a:p>
+  </c:txPr>
+  <c:externalData r:id="rId3">
+    <c:autoUpdate val="0"/>
+  </c:externalData>
+</c:chartSpace>
+</file>
+
+<file path=ppt/charts/chart10.xml><?xml version="1.0" encoding="utf-8"?>
+<c:chartSpace xmlns:c="http://schemas.openxmlformats.org/drawingml/2006/chart" xmlns:a="http://schemas.openxmlformats.org/drawingml/2006/main" xmlns:r="http://schemas.openxmlformats.org/officeDocument/2006/relationships" xmlns:c16r2="http://schemas.microsoft.com/office/drawing/2015/06/chart">
+  <c:date1904 val="0"/>
+  <c:lang val="ru-RU"/>
+  <c:roundedCorners val="0"/>
+  <mc:AlternateContent xmlns:mc="http://schemas.openxmlformats.org/markup-compatibility/2006">
+    <mc:Choice xmlns:c14="http://schemas.microsoft.com/office/drawing/2007/8/2/chart" Requires="c14">
+      <c14:style val="102"/>
+    </mc:Choice>
+    <mc:Fallback>
+      <c:style val="2"/>
+    </mc:Fallback>
+  </mc:AlternateContent>
+  <c:chart>
+    <c:autoTitleDeleted val="0"/>
+    <c:plotArea>
+      <c:layout>
+        <c:manualLayout>
+          <c:layoutTarget val="inner"/>
+          <c:xMode val="edge"/>
+          <c:yMode val="edge"/>
+          <c:x val="3.8701668202447151E-2"/>
+          <c:y val="4.9269805262593599E-2"/>
+          <c:w val="0.91367711125174778"/>
+          <c:h val="0.90146038947481277"/>
+        </c:manualLayout>
+      </c:layout>
+      <c:scatterChart>
+        <c:scatterStyle val="smoothMarker"/>
+        <c:varyColors val="0"/>
+        <c:ser>
+          <c:idx val="0"/>
+          <c:order val="0"/>
+          <c:tx>
+            <c:v>L2 2</c:v>
+          </c:tx>
+          <c:spPr>
+            <a:ln w="19050" cap="rnd">
+              <a:solidFill>
+                <a:schemeClr val="accent1"/>
+              </a:solidFill>
+              <a:round/>
+            </a:ln>
+            <a:effectLst/>
+          </c:spPr>
+          <c:marker>
+            <c:symbol val="circle"/>
+            <c:size val="5"/>
+            <c:spPr>
+              <a:solidFill>
+                <a:schemeClr val="accent1"/>
+              </a:solidFill>
+              <a:ln w="9525">
+                <a:solidFill>
+                  <a:schemeClr val="accent1"/>
+                </a:solidFill>
+              </a:ln>
+              <a:effectLst/>
+            </c:spPr>
+          </c:marker>
+          <c:xVal>
+            <c:numRef>
+              <c:f>Лист1!$O$315:$O$331</c:f>
+              <c:numCache>
+                <c:formatCode>General</c:formatCode>
+                <c:ptCount val="17"/>
+                <c:pt idx="0">
+                  <c:v>4.5371337460874302E-3</c:v>
+                </c:pt>
+                <c:pt idx="1">
+                  <c:v>3.7429515020397102E-3</c:v>
+                </c:pt>
+                <c:pt idx="2">
+                  <c:v>2.9494266625268201E-3</c:v>
+                </c:pt>
+                <c:pt idx="3">
+                  <c:v>2.2443159152172E-3</c:v>
+                </c:pt>
+                <c:pt idx="4">
+                  <c:v>1.45611669404697E-3</c:v>
+                </c:pt>
+                <c:pt idx="5">
+                  <c:v>7.3995548758683195E-4</c:v>
+                </c:pt>
+                <c:pt idx="6">
+                  <c:v>5.9215412224577005E-4</c:v>
+                </c:pt>
+                <c:pt idx="7">
+                  <c:v>4.3971840760824497E-4</c:v>
+                </c:pt>
+                <c:pt idx="8">
+                  <c:v>3.7374997196285801E-4</c:v>
+                </c:pt>
+                <c:pt idx="9">
+                  <c:v>2.9856510365332901E-4</c:v>
+                </c:pt>
+                <c:pt idx="10">
+                  <c:v>2.59337571786468E-4</c:v>
+                </c:pt>
+                <c:pt idx="11">
+                  <c:v>2.23692471596135E-4</c:v>
+                </c:pt>
+                <c:pt idx="12">
+                  <c:v>1.8527084450529501E-4</c:v>
+                </c:pt>
+                <c:pt idx="13">
+                  <c:v>1.4831424293613101E-4</c:v>
+                </c:pt>
+                <c:pt idx="14">
+                  <c:v>1.11619191723465E-4</c:v>
+                </c:pt>
+                <c:pt idx="15" formatCode="0.00E+00">
+                  <c:v>7.4443977717700399E-5</c:v>
+                </c:pt>
+                <c:pt idx="16" formatCode="0.00E+00">
+                  <c:v>5.9338654044515602E-5</c:v>
+                </c:pt>
+              </c:numCache>
+            </c:numRef>
+          </c:xVal>
+          <c:yVal>
+            <c:numRef>
+              <c:f>Лист1!$H$314:$H$330</c:f>
+              <c:numCache>
+                <c:formatCode>0.000E+00</c:formatCode>
+                <c:ptCount val="17"/>
+                <c:pt idx="0">
+                  <c:v>1.51246744498338E-3</c:v>
+                </c:pt>
+                <c:pt idx="1">
+                  <c:v>1.1375566054886599E-3</c:v>
+                </c:pt>
+                <c:pt idx="2">
+                  <c:v>7.8046387444106395E-4</c:v>
+                </c:pt>
+                <c:pt idx="3">
+                  <c:v>4.6972535971139798E-4</c:v>
+                </c:pt>
+                <c:pt idx="4">
+                  <c:v>1.9355438150533399E-4</c:v>
+                </c:pt>
+                <c:pt idx="5">
+                  <c:v>4.27089011876491E-5</c:v>
+                </c:pt>
+                <c:pt idx="6">
+                  <c:v>2.3811363189860202E-5</c:v>
+                </c:pt>
+                <c:pt idx="7">
+                  <c:v>9.7567608070918304E-6</c:v>
+                </c:pt>
+                <c:pt idx="8">
+                  <c:v>5.0145577733959797E-6</c:v>
+                </c:pt>
+                <c:pt idx="9">
+                  <c:v>2.6251842312635102E-6</c:v>
+                </c:pt>
+                <c:pt idx="10">
+                  <c:v>2.3826819098564998E-6</c:v>
+                </c:pt>
+                <c:pt idx="11">
+                  <c:v>2.4281998614665802E-6</c:v>
+                </c:pt>
+                <c:pt idx="12">
+                  <c:v>1.838546229016E-6</c:v>
+                </c:pt>
+                <c:pt idx="13">
+                  <c:v>1.1306842136565499E-6</c:v>
+                </c:pt>
+                <c:pt idx="14">
+                  <c:v>3.1191445392064699E-7</c:v>
+                </c:pt>
+                <c:pt idx="15">
+                  <c:v>1.1469110714523301E-7</c:v>
+                </c:pt>
+                <c:pt idx="16">
+                  <c:v>6.8896746181446094E-8</c:v>
+                </c:pt>
+              </c:numCache>
+            </c:numRef>
+          </c:yVal>
+          <c:smooth val="1"/>
+          <c:extLst>
+            <c:ext xmlns:c16="http://schemas.microsoft.com/office/drawing/2014/chart" uri="{C3380CC4-5D6E-409C-BE32-E72D297353CC}">
+              <c16:uniqueId val="{00000000-C4DD-4128-B232-18E7B60082E1}"/>
+            </c:ext>
+          </c:extLst>
+        </c:ser>
+        <c:ser>
+          <c:idx val="1"/>
+          <c:order val="1"/>
+          <c:tx>
+            <c:v>L2 1</c:v>
+          </c:tx>
+          <c:spPr>
+            <a:ln w="19050" cap="rnd">
+              <a:solidFill>
+                <a:schemeClr val="accent2"/>
+              </a:solidFill>
+              <a:round/>
+            </a:ln>
+            <a:effectLst/>
+          </c:spPr>
+          <c:marker>
+            <c:symbol val="circle"/>
+            <c:size val="5"/>
+            <c:spPr>
+              <a:solidFill>
+                <a:schemeClr val="accent2"/>
+              </a:solidFill>
+              <a:ln w="9525">
+                <a:solidFill>
+                  <a:schemeClr val="accent2"/>
+                </a:solidFill>
+              </a:ln>
+              <a:effectLst/>
+            </c:spPr>
+          </c:marker>
+          <c:xVal>
+            <c:numRef>
+              <c:f>Лист1!$O$315:$O$331</c:f>
+              <c:numCache>
+                <c:formatCode>General</c:formatCode>
+                <c:ptCount val="17"/>
+                <c:pt idx="0">
+                  <c:v>4.5371337460874302E-3</c:v>
+                </c:pt>
+                <c:pt idx="1">
+                  <c:v>3.7429515020397102E-3</c:v>
+                </c:pt>
+                <c:pt idx="2">
+                  <c:v>2.9494266625268201E-3</c:v>
+                </c:pt>
+                <c:pt idx="3">
+                  <c:v>2.2443159152172E-3</c:v>
+                </c:pt>
+                <c:pt idx="4">
+                  <c:v>1.45611669404697E-3</c:v>
+                </c:pt>
+                <c:pt idx="5">
+                  <c:v>7.3995548758683195E-4</c:v>
+                </c:pt>
+                <c:pt idx="6">
+                  <c:v>5.9215412224577005E-4</c:v>
+                </c:pt>
+                <c:pt idx="7">
+                  <c:v>4.3971840760824497E-4</c:v>
+                </c:pt>
+                <c:pt idx="8">
+                  <c:v>3.7374997196285801E-4</c:v>
+                </c:pt>
+                <c:pt idx="9">
+                  <c:v>2.9856510365332901E-4</c:v>
+                </c:pt>
+                <c:pt idx="10">
+                  <c:v>2.59337571786468E-4</c:v>
+                </c:pt>
+                <c:pt idx="11">
+                  <c:v>2.23692471596135E-4</c:v>
+                </c:pt>
+                <c:pt idx="12">
+                  <c:v>1.8527084450529501E-4</c:v>
+                </c:pt>
+                <c:pt idx="13">
+                  <c:v>1.4831424293613101E-4</c:v>
+                </c:pt>
+                <c:pt idx="14">
+                  <c:v>1.11619191723465E-4</c:v>
+                </c:pt>
+                <c:pt idx="15" formatCode="0.00E+00">
+                  <c:v>7.4443977717700399E-5</c:v>
+                </c:pt>
+                <c:pt idx="16" formatCode="0.00E+00">
+                  <c:v>5.9338654044515602E-5</c:v>
+                </c:pt>
+              </c:numCache>
+            </c:numRef>
+          </c:xVal>
+          <c:yVal>
+            <c:numRef>
+              <c:f>Лист1!$G$290:$G$306</c:f>
+              <c:numCache>
+                <c:formatCode>0.000000</c:formatCode>
+                <c:ptCount val="17"/>
+                <c:pt idx="0">
+                  <c:v>4.5089862201322401E-3</c:v>
+                </c:pt>
+                <c:pt idx="1">
+                  <c:v>3.9440921283475103E-3</c:v>
+                </c:pt>
+                <c:pt idx="2">
+                  <c:v>3.1648293222619299E-3</c:v>
+                </c:pt>
+                <c:pt idx="3">
+                  <c:v>2.2833322631697199E-3</c:v>
+                </c:pt>
+                <c:pt idx="4">
+                  <c:v>1.3526589123678801E-3</c:v>
+                </c:pt>
+                <c:pt idx="5">
+                  <c:v>5.3284597860204803E-4</c:v>
+                </c:pt>
+                <c:pt idx="6">
+                  <c:v>3.5955157403486001E-4</c:v>
+                </c:pt>
+                <c:pt idx="7">
+                  <c:v>2.20728640206099E-4</c:v>
+                </c:pt>
+                <c:pt idx="8">
+                  <c:v>1.58758861984858E-4</c:v>
+                </c:pt>
+                <c:pt idx="9" formatCode="0.00E+00">
+                  <c:v>9.7149889987802206E-5</c:v>
+                </c:pt>
+                <c:pt idx="10" formatCode="0.00E+00">
+                  <c:v>7.3751684933957105E-5</c:v>
+                </c:pt>
+                <c:pt idx="11" formatCode="0.00E+00">
+                  <c:v>5.4880285652803599E-5</c:v>
+                </c:pt>
+                <c:pt idx="12" formatCode="0.00E+00">
+                  <c:v>3.2190551800204801E-5</c:v>
+                </c:pt>
+                <c:pt idx="13" formatCode="0.00E+00">
+                  <c:v>1.5865575354443001E-5</c:v>
+                </c:pt>
+                <c:pt idx="14" formatCode="0.00E+00">
+                  <c:v>7.31766921686409E-6</c:v>
+                </c:pt>
+                <c:pt idx="15" formatCode="0.00E+00">
+                  <c:v>2.5334408161154798E-6</c:v>
+                </c:pt>
+                <c:pt idx="16" formatCode="0.00E+00">
+                  <c:v>1.62298870501344E-6</c:v>
+                </c:pt>
+              </c:numCache>
+            </c:numRef>
+          </c:yVal>
+          <c:smooth val="1"/>
+          <c:extLst>
+            <c:ext xmlns:c16="http://schemas.microsoft.com/office/drawing/2014/chart" uri="{C3380CC4-5D6E-409C-BE32-E72D297353CC}">
+              <c16:uniqueId val="{00000001-C4DD-4128-B232-18E7B60082E1}"/>
+            </c:ext>
+          </c:extLst>
+        </c:ser>
+        <c:dLbls>
+          <c:showLegendKey val="0"/>
+          <c:showVal val="0"/>
+          <c:showCatName val="0"/>
+          <c:showSerName val="0"/>
+          <c:showPercent val="0"/>
+          <c:showBubbleSize val="0"/>
+        </c:dLbls>
+        <c:axId val="575434216"/>
+        <c:axId val="706564016"/>
+      </c:scatterChart>
+      <c:valAx>
+        <c:axId val="575434216"/>
+        <c:scaling>
+          <c:logBase val="10"/>
+          <c:orientation val="maxMin"/>
+          <c:max val="1.0000000000000002E-2"/>
+          <c:min val="5.0000000000000023E-5"/>
+        </c:scaling>
+        <c:delete val="0"/>
+        <c:axPos val="b"/>
+        <c:majorGridlines>
+          <c:spPr>
+            <a:ln w="9525" cap="flat" cmpd="sng" algn="ctr">
+              <a:solidFill>
+                <a:schemeClr val="tx1">
+                  <a:lumMod val="15000"/>
+                  <a:lumOff val="85000"/>
+                </a:schemeClr>
+              </a:solidFill>
+              <a:round/>
+            </a:ln>
+            <a:effectLst/>
+          </c:spPr>
+        </c:majorGridlines>
+        <c:numFmt formatCode="General" sourceLinked="1"/>
+        <c:majorTickMark val="none"/>
+        <c:minorTickMark val="none"/>
+        <c:tickLblPos val="nextTo"/>
+        <c:spPr>
+          <a:noFill/>
+          <a:ln w="9525" cap="flat" cmpd="sng" algn="ctr">
+            <a:solidFill>
+              <a:schemeClr val="tx1">
+                <a:lumMod val="25000"/>
+                <a:lumOff val="75000"/>
+              </a:schemeClr>
+            </a:solidFill>
+            <a:round/>
+          </a:ln>
+          <a:effectLst/>
+        </c:spPr>
+        <c:txPr>
+          <a:bodyPr rot="-60000000" spcFirstLastPara="1" vertOverflow="ellipsis" vert="horz" wrap="square" anchor="ctr" anchorCtr="1"/>
+          <a:lstStyle/>
+          <a:p>
+            <a:pPr>
+              <a:defRPr sz="900" b="0" i="0" u="none" strike="noStrike" kern="1200" baseline="0">
+                <a:solidFill>
+                  <a:schemeClr val="tx1">
+                    <a:lumMod val="65000"/>
+                    <a:lumOff val="35000"/>
+                  </a:schemeClr>
+                </a:solidFill>
+                <a:latin typeface="+mn-lt"/>
+                <a:ea typeface="+mn-ea"/>
+                <a:cs typeface="+mn-cs"/>
+              </a:defRPr>
+            </a:pPr>
+            <a:endParaRPr lang="ru-RU"/>
+          </a:p>
+        </c:txPr>
+        <c:crossAx val="706564016"/>
+        <c:crosses val="autoZero"/>
+        <c:crossBetween val="midCat"/>
+      </c:valAx>
+      <c:valAx>
+        <c:axId val="706564016"/>
+        <c:scaling>
+          <c:logBase val="10"/>
+          <c:orientation val="minMax"/>
+        </c:scaling>
+        <c:delete val="0"/>
+        <c:axPos val="r"/>
+        <c:majorGridlines>
+          <c:spPr>
+            <a:ln w="9525" cap="flat" cmpd="sng" algn="ctr">
+              <a:solidFill>
+                <a:schemeClr val="tx1">
+                  <a:lumMod val="15000"/>
+                  <a:lumOff val="85000"/>
+                </a:schemeClr>
+              </a:solidFill>
+              <a:round/>
+            </a:ln>
+            <a:effectLst/>
+          </c:spPr>
+        </c:majorGridlines>
+        <c:numFmt formatCode="0.000E+00" sourceLinked="1"/>
+        <c:majorTickMark val="none"/>
+        <c:minorTickMark val="none"/>
+        <c:tickLblPos val="nextTo"/>
+        <c:spPr>
+          <a:noFill/>
+          <a:ln w="9525" cap="flat" cmpd="sng" algn="ctr">
+            <a:solidFill>
+              <a:schemeClr val="tx1">
+                <a:lumMod val="25000"/>
+                <a:lumOff val="75000"/>
+              </a:schemeClr>
+            </a:solidFill>
+            <a:round/>
+          </a:ln>
+          <a:effectLst/>
+        </c:spPr>
+        <c:txPr>
+          <a:bodyPr rot="-60000000" spcFirstLastPara="1" vertOverflow="ellipsis" vert="horz" wrap="square" anchor="ctr" anchorCtr="1"/>
+          <a:lstStyle/>
+          <a:p>
+            <a:pPr>
+              <a:defRPr sz="900" b="0" i="0" u="none" strike="noStrike" kern="1200" baseline="0">
+                <a:solidFill>
+                  <a:schemeClr val="tx1">
+                    <a:lumMod val="65000"/>
+                    <a:lumOff val="35000"/>
+                  </a:schemeClr>
+                </a:solidFill>
+                <a:latin typeface="+mn-lt"/>
+                <a:ea typeface="+mn-ea"/>
+                <a:cs typeface="+mn-cs"/>
+              </a:defRPr>
+            </a:pPr>
+            <a:endParaRPr lang="ru-RU"/>
+          </a:p>
+        </c:txPr>
+        <c:crossAx val="575434216"/>
+        <c:crosses val="autoZero"/>
+        <c:crossBetween val="midCat"/>
+      </c:valAx>
+      <c:spPr>
+        <a:noFill/>
+        <a:ln>
+          <a:noFill/>
+        </a:ln>
+        <a:effectLst/>
+      </c:spPr>
+    </c:plotArea>
+    <c:legend>
+      <c:legendPos val="r"/>
+      <c:layout>
+        <c:manualLayout>
+          <c:xMode val="edge"/>
+          <c:yMode val="edge"/>
+          <c:x val="0.65923155393776023"/>
+          <c:y val="0.28556384125318118"/>
+          <c:w val="0.12456605653039907"/>
+          <c:h val="0.15116977874083731"/>
+        </c:manualLayout>
+      </c:layout>
+      <c:overlay val="1"/>
       <c:spPr>
         <a:noFill/>
         <a:ln>
@@ -5064,7 +5633,1976 @@
 </c:chartSpace>
 </file>
 
+<file path=ppt/charts/chart7.xml><?xml version="1.0" encoding="utf-8"?>
+<c:chartSpace xmlns:c="http://schemas.openxmlformats.org/drawingml/2006/chart" xmlns:a="http://schemas.openxmlformats.org/drawingml/2006/main" xmlns:r="http://schemas.openxmlformats.org/officeDocument/2006/relationships" xmlns:c16r2="http://schemas.microsoft.com/office/drawing/2015/06/chart">
+  <c:date1904 val="0"/>
+  <c:lang val="ru-RU"/>
+  <c:roundedCorners val="0"/>
+  <mc:AlternateContent xmlns:mc="http://schemas.openxmlformats.org/markup-compatibility/2006">
+    <mc:Choice xmlns:c14="http://schemas.microsoft.com/office/drawing/2007/8/2/chart" Requires="c14">
+      <c14:style val="102"/>
+    </mc:Choice>
+    <mc:Fallback>
+      <c:style val="2"/>
+    </mc:Fallback>
+  </mc:AlternateContent>
+  <c:chart>
+    <c:autoTitleDeleted val="0"/>
+    <c:plotArea>
+      <c:layout>
+        <c:manualLayout>
+          <c:layoutTarget val="inner"/>
+          <c:xMode val="edge"/>
+          <c:yMode val="edge"/>
+          <c:x val="4.0443071198378686E-2"/>
+          <c:y val="9.3699515347334408E-2"/>
+          <c:w val="0.92444719093657601"/>
+          <c:h val="0.87978985663948706"/>
+        </c:manualLayout>
+      </c:layout>
+      <c:scatterChart>
+        <c:scatterStyle val="smoothMarker"/>
+        <c:varyColors val="0"/>
+        <c:ser>
+          <c:idx val="0"/>
+          <c:order val="0"/>
+          <c:tx>
+            <c:v>L_inf</c:v>
+          </c:tx>
+          <c:spPr>
+            <a:ln w="19050" cap="rnd">
+              <a:solidFill>
+                <a:schemeClr val="accent1"/>
+              </a:solidFill>
+              <a:round/>
+            </a:ln>
+            <a:effectLst/>
+          </c:spPr>
+          <c:marker>
+            <c:symbol val="circle"/>
+            <c:size val="5"/>
+            <c:spPr>
+              <a:solidFill>
+                <a:schemeClr val="accent1"/>
+              </a:solidFill>
+              <a:ln w="9525">
+                <a:solidFill>
+                  <a:schemeClr val="accent1"/>
+                </a:solidFill>
+              </a:ln>
+              <a:effectLst/>
+            </c:spPr>
+          </c:marker>
+          <c:xVal>
+            <c:numRef>
+              <c:f>Лист1!$AM$201:$AM$216</c:f>
+              <c:numCache>
+                <c:formatCode>General</c:formatCode>
+                <c:ptCount val="16"/>
+                <c:pt idx="0">
+                  <c:v>4.5371337460874302E-3</c:v>
+                </c:pt>
+                <c:pt idx="1">
+                  <c:v>3.7429515020397102E-3</c:v>
+                </c:pt>
+                <c:pt idx="2">
+                  <c:v>2.9494266625268201E-3</c:v>
+                </c:pt>
+                <c:pt idx="3">
+                  <c:v>2.2443159152172E-3</c:v>
+                </c:pt>
+                <c:pt idx="4">
+                  <c:v>1.45611669404697E-3</c:v>
+                </c:pt>
+                <c:pt idx="5">
+                  <c:v>7.3995548758683195E-4</c:v>
+                </c:pt>
+                <c:pt idx="6">
+                  <c:v>5.9215412224577005E-4</c:v>
+                </c:pt>
+                <c:pt idx="7">
+                  <c:v>4.3971840760824497E-4</c:v>
+                </c:pt>
+                <c:pt idx="8">
+                  <c:v>3.7374997196285801E-4</c:v>
+                </c:pt>
+                <c:pt idx="9">
+                  <c:v>2.9856510365332901E-4</c:v>
+                </c:pt>
+                <c:pt idx="10">
+                  <c:v>2.59337571786468E-4</c:v>
+                </c:pt>
+                <c:pt idx="11">
+                  <c:v>2.23692471596135E-4</c:v>
+                </c:pt>
+                <c:pt idx="12">
+                  <c:v>1.8527084450529501E-4</c:v>
+                </c:pt>
+                <c:pt idx="13">
+                  <c:v>1.4831424293613101E-4</c:v>
+                </c:pt>
+                <c:pt idx="14">
+                  <c:v>1.11619191723465E-4</c:v>
+                </c:pt>
+                <c:pt idx="15" formatCode="0.00E+00">
+                  <c:v>7.4443977717700399E-5</c:v>
+                </c:pt>
+              </c:numCache>
+            </c:numRef>
+          </c:xVal>
+          <c:yVal>
+            <c:numRef>
+              <c:f>Лист1!$C$290:$C$306</c:f>
+              <c:numCache>
+                <c:formatCode>0.000000</c:formatCode>
+                <c:ptCount val="17"/>
+                <c:pt idx="0">
+                  <c:v>0.33333619431028999</c:v>
+                </c:pt>
+                <c:pt idx="1">
+                  <c:v>0.31921222140834898</c:v>
+                </c:pt>
+                <c:pt idx="2">
+                  <c:v>0.27806286935205998</c:v>
+                </c:pt>
+                <c:pt idx="3">
+                  <c:v>0.22865001523016701</c:v>
+                </c:pt>
+                <c:pt idx="4">
+                  <c:v>0.16809836340958401</c:v>
+                </c:pt>
+                <c:pt idx="5">
+                  <c:v>9.3714481943489095E-2</c:v>
+                </c:pt>
+                <c:pt idx="6">
+                  <c:v>7.2537883589463406E-2</c:v>
+                </c:pt>
+                <c:pt idx="7">
+                  <c:v>5.0320650223827798E-2</c:v>
+                </c:pt>
+                <c:pt idx="8">
+                  <c:v>3.8775941474116199E-2</c:v>
+                </c:pt>
+                <c:pt idx="9">
+                  <c:v>2.79288016349683E-2</c:v>
+                </c:pt>
+                <c:pt idx="10">
+                  <c:v>2.2587897952837201E-2</c:v>
+                </c:pt>
+                <c:pt idx="11">
+                  <c:v>1.8989326662391299E-2</c:v>
+                </c:pt>
+                <c:pt idx="12">
+                  <c:v>1.23242790286387E-2</c:v>
+                </c:pt>
+                <c:pt idx="13">
+                  <c:v>6.5191278404246296E-3</c:v>
+                </c:pt>
+                <c:pt idx="14">
+                  <c:v>3.7940084380303401E-3</c:v>
+                </c:pt>
+                <c:pt idx="15">
+                  <c:v>1.6886626959179401E-3</c:v>
+                </c:pt>
+                <c:pt idx="16">
+                  <c:v>1.12019659295514E-3</c:v>
+                </c:pt>
+              </c:numCache>
+            </c:numRef>
+          </c:yVal>
+          <c:smooth val="1"/>
+          <c:extLst>
+            <c:ext xmlns:c16="http://schemas.microsoft.com/office/drawing/2014/chart" uri="{C3380CC4-5D6E-409C-BE32-E72D297353CC}">
+              <c16:uniqueId val="{00000000-1015-49E9-B21D-446C26ADF8B2}"/>
+            </c:ext>
+          </c:extLst>
+        </c:ser>
+        <c:ser>
+          <c:idx val="1"/>
+          <c:order val="1"/>
+          <c:tx>
+            <c:v>L_1</c:v>
+          </c:tx>
+          <c:spPr>
+            <a:ln w="19050" cap="rnd">
+              <a:solidFill>
+                <a:schemeClr val="accent2"/>
+              </a:solidFill>
+              <a:round/>
+            </a:ln>
+            <a:effectLst/>
+          </c:spPr>
+          <c:marker>
+            <c:symbol val="circle"/>
+            <c:size val="5"/>
+            <c:spPr>
+              <a:solidFill>
+                <a:schemeClr val="accent2"/>
+              </a:solidFill>
+              <a:ln w="9525">
+                <a:solidFill>
+                  <a:schemeClr val="accent2"/>
+                </a:solidFill>
+              </a:ln>
+              <a:effectLst/>
+            </c:spPr>
+          </c:marker>
+          <c:xVal>
+            <c:numRef>
+              <c:f>Лист1!$AM$201:$AM$216</c:f>
+              <c:numCache>
+                <c:formatCode>General</c:formatCode>
+                <c:ptCount val="16"/>
+                <c:pt idx="0">
+                  <c:v>4.5371337460874302E-3</c:v>
+                </c:pt>
+                <c:pt idx="1">
+                  <c:v>3.7429515020397102E-3</c:v>
+                </c:pt>
+                <c:pt idx="2">
+                  <c:v>2.9494266625268201E-3</c:v>
+                </c:pt>
+                <c:pt idx="3">
+                  <c:v>2.2443159152172E-3</c:v>
+                </c:pt>
+                <c:pt idx="4">
+                  <c:v>1.45611669404697E-3</c:v>
+                </c:pt>
+                <c:pt idx="5">
+                  <c:v>7.3995548758683195E-4</c:v>
+                </c:pt>
+                <c:pt idx="6">
+                  <c:v>5.9215412224577005E-4</c:v>
+                </c:pt>
+                <c:pt idx="7">
+                  <c:v>4.3971840760824497E-4</c:v>
+                </c:pt>
+                <c:pt idx="8">
+                  <c:v>3.7374997196285801E-4</c:v>
+                </c:pt>
+                <c:pt idx="9">
+                  <c:v>2.9856510365332901E-4</c:v>
+                </c:pt>
+                <c:pt idx="10">
+                  <c:v>2.59337571786468E-4</c:v>
+                </c:pt>
+                <c:pt idx="11">
+                  <c:v>2.23692471596135E-4</c:v>
+                </c:pt>
+                <c:pt idx="12">
+                  <c:v>1.8527084450529501E-4</c:v>
+                </c:pt>
+                <c:pt idx="13">
+                  <c:v>1.4831424293613101E-4</c:v>
+                </c:pt>
+                <c:pt idx="14">
+                  <c:v>1.11619191723465E-4</c:v>
+                </c:pt>
+                <c:pt idx="15" formatCode="0.00E+00">
+                  <c:v>7.4443977717700399E-5</c:v>
+                </c:pt>
+              </c:numCache>
+            </c:numRef>
+          </c:xVal>
+          <c:yVal>
+            <c:numRef>
+              <c:f>Лист1!$E$290:$E$306</c:f>
+              <c:numCache>
+                <c:formatCode>0.000000</c:formatCode>
+                <c:ptCount val="17"/>
+                <c:pt idx="0">
+                  <c:v>4.7047290869000502E-2</c:v>
+                </c:pt>
+                <c:pt idx="1">
+                  <c:v>4.4405255137100502E-2</c:v>
+                </c:pt>
+                <c:pt idx="2">
+                  <c:v>3.9556096595646802E-2</c:v>
+                </c:pt>
+                <c:pt idx="3">
+                  <c:v>3.1675503262909403E-2</c:v>
+                </c:pt>
+                <c:pt idx="4">
+                  <c:v>2.3945882725429201E-2</c:v>
+                </c:pt>
+                <c:pt idx="5">
+                  <c:v>1.33563750693562E-2</c:v>
+                </c:pt>
+                <c:pt idx="6">
+                  <c:v>1.0084620634529E-2</c:v>
+                </c:pt>
+                <c:pt idx="7">
+                  <c:v>7.2759348539196498E-3</c:v>
+                </c:pt>
+                <c:pt idx="8">
+                  <c:v>5.6149278308408497E-3</c:v>
+                </c:pt>
+                <c:pt idx="9">
+                  <c:v>3.87535600301313E-3</c:v>
+                </c:pt>
+                <c:pt idx="10">
+                  <c:v>3.18179929716568E-3</c:v>
+                </c:pt>
+                <c:pt idx="11">
+                  <c:v>2.5418241520278901E-3</c:v>
+                </c:pt>
+                <c:pt idx="12">
+                  <c:v>1.6785823624200699E-3</c:v>
+                </c:pt>
+                <c:pt idx="13">
+                  <c:v>9.4403327314371104E-4</c:v>
+                </c:pt>
+                <c:pt idx="14">
+                  <c:v>4.8932373998153303E-4</c:v>
+                </c:pt>
+                <c:pt idx="15">
+                  <c:v>2.06328007212452E-4</c:v>
+                </c:pt>
+                <c:pt idx="16">
+                  <c:v>1.4894498626220201E-4</c:v>
+                </c:pt>
+              </c:numCache>
+            </c:numRef>
+          </c:yVal>
+          <c:smooth val="1"/>
+          <c:extLst>
+            <c:ext xmlns:c16="http://schemas.microsoft.com/office/drawing/2014/chart" uri="{C3380CC4-5D6E-409C-BE32-E72D297353CC}">
+              <c16:uniqueId val="{00000001-1015-49E9-B21D-446C26ADF8B2}"/>
+            </c:ext>
+          </c:extLst>
+        </c:ser>
+        <c:ser>
+          <c:idx val="2"/>
+          <c:order val="2"/>
+          <c:tx>
+            <c:v>L_2</c:v>
+          </c:tx>
+          <c:spPr>
+            <a:ln w="19050" cap="rnd">
+              <a:solidFill>
+                <a:schemeClr val="accent3"/>
+              </a:solidFill>
+              <a:round/>
+            </a:ln>
+            <a:effectLst/>
+          </c:spPr>
+          <c:marker>
+            <c:symbol val="circle"/>
+            <c:size val="5"/>
+            <c:spPr>
+              <a:solidFill>
+                <a:schemeClr val="accent3"/>
+              </a:solidFill>
+              <a:ln w="9525">
+                <a:solidFill>
+                  <a:schemeClr val="accent3"/>
+                </a:solidFill>
+              </a:ln>
+              <a:effectLst/>
+            </c:spPr>
+          </c:marker>
+          <c:xVal>
+            <c:numRef>
+              <c:f>Лист1!$AM$201:$AM$216</c:f>
+              <c:numCache>
+                <c:formatCode>General</c:formatCode>
+                <c:ptCount val="16"/>
+                <c:pt idx="0">
+                  <c:v>4.5371337460874302E-3</c:v>
+                </c:pt>
+                <c:pt idx="1">
+                  <c:v>3.7429515020397102E-3</c:v>
+                </c:pt>
+                <c:pt idx="2">
+                  <c:v>2.9494266625268201E-3</c:v>
+                </c:pt>
+                <c:pt idx="3">
+                  <c:v>2.2443159152172E-3</c:v>
+                </c:pt>
+                <c:pt idx="4">
+                  <c:v>1.45611669404697E-3</c:v>
+                </c:pt>
+                <c:pt idx="5">
+                  <c:v>7.3995548758683195E-4</c:v>
+                </c:pt>
+                <c:pt idx="6">
+                  <c:v>5.9215412224577005E-4</c:v>
+                </c:pt>
+                <c:pt idx="7">
+                  <c:v>4.3971840760824497E-4</c:v>
+                </c:pt>
+                <c:pt idx="8">
+                  <c:v>3.7374997196285801E-4</c:v>
+                </c:pt>
+                <c:pt idx="9">
+                  <c:v>2.9856510365332901E-4</c:v>
+                </c:pt>
+                <c:pt idx="10">
+                  <c:v>2.59337571786468E-4</c:v>
+                </c:pt>
+                <c:pt idx="11">
+                  <c:v>2.23692471596135E-4</c:v>
+                </c:pt>
+                <c:pt idx="12">
+                  <c:v>1.8527084450529501E-4</c:v>
+                </c:pt>
+                <c:pt idx="13">
+                  <c:v>1.4831424293613101E-4</c:v>
+                </c:pt>
+                <c:pt idx="14">
+                  <c:v>1.11619191723465E-4</c:v>
+                </c:pt>
+                <c:pt idx="15" formatCode="0.00E+00">
+                  <c:v>7.4443977717700399E-5</c:v>
+                </c:pt>
+              </c:numCache>
+            </c:numRef>
+          </c:xVal>
+          <c:yVal>
+            <c:numRef>
+              <c:f>Лист1!$G$290:$G$306</c:f>
+              <c:numCache>
+                <c:formatCode>0.000000</c:formatCode>
+                <c:ptCount val="17"/>
+                <c:pt idx="0">
+                  <c:v>4.5089862201322401E-3</c:v>
+                </c:pt>
+                <c:pt idx="1">
+                  <c:v>3.9440921283475103E-3</c:v>
+                </c:pt>
+                <c:pt idx="2">
+                  <c:v>3.1648293222619299E-3</c:v>
+                </c:pt>
+                <c:pt idx="3">
+                  <c:v>2.2833322631697199E-3</c:v>
+                </c:pt>
+                <c:pt idx="4">
+                  <c:v>1.3526589123678801E-3</c:v>
+                </c:pt>
+                <c:pt idx="5">
+                  <c:v>5.3284597860204803E-4</c:v>
+                </c:pt>
+                <c:pt idx="6">
+                  <c:v>3.5955157403486001E-4</c:v>
+                </c:pt>
+                <c:pt idx="7">
+                  <c:v>2.20728640206099E-4</c:v>
+                </c:pt>
+                <c:pt idx="8">
+                  <c:v>1.58758861984858E-4</c:v>
+                </c:pt>
+                <c:pt idx="9" formatCode="0.00E+00">
+                  <c:v>9.7149889987802206E-5</c:v>
+                </c:pt>
+                <c:pt idx="10" formatCode="0.00E+00">
+                  <c:v>7.3751684933957105E-5</c:v>
+                </c:pt>
+                <c:pt idx="11" formatCode="0.00E+00">
+                  <c:v>5.4880285652803599E-5</c:v>
+                </c:pt>
+                <c:pt idx="12" formatCode="0.00E+00">
+                  <c:v>3.2190551800204801E-5</c:v>
+                </c:pt>
+                <c:pt idx="13" formatCode="0.00E+00">
+                  <c:v>1.5865575354443001E-5</c:v>
+                </c:pt>
+                <c:pt idx="14" formatCode="0.00E+00">
+                  <c:v>7.31766921686409E-6</c:v>
+                </c:pt>
+                <c:pt idx="15" formatCode="0.00E+00">
+                  <c:v>2.5334408161154798E-6</c:v>
+                </c:pt>
+                <c:pt idx="16" formatCode="0.00E+00">
+                  <c:v>1.62298870501344E-6</c:v>
+                </c:pt>
+              </c:numCache>
+            </c:numRef>
+          </c:yVal>
+          <c:smooth val="1"/>
+          <c:extLst>
+            <c:ext xmlns:c16="http://schemas.microsoft.com/office/drawing/2014/chart" uri="{C3380CC4-5D6E-409C-BE32-E72D297353CC}">
+              <c16:uniqueId val="{00000002-1015-49E9-B21D-446C26ADF8B2}"/>
+            </c:ext>
+          </c:extLst>
+        </c:ser>
+        <c:dLbls>
+          <c:showLegendKey val="0"/>
+          <c:showVal val="0"/>
+          <c:showCatName val="0"/>
+          <c:showSerName val="0"/>
+          <c:showPercent val="0"/>
+          <c:showBubbleSize val="0"/>
+        </c:dLbls>
+        <c:axId val="708370064"/>
+        <c:axId val="708375968"/>
+      </c:scatterChart>
+      <c:valAx>
+        <c:axId val="708370064"/>
+        <c:scaling>
+          <c:logBase val="10"/>
+          <c:orientation val="maxMin"/>
+          <c:max val="1.0000000000000002E-2"/>
+          <c:min val="5.0000000000000023E-5"/>
+        </c:scaling>
+        <c:delete val="0"/>
+        <c:axPos val="b"/>
+        <c:majorGridlines>
+          <c:spPr>
+            <a:ln w="9525" cap="flat" cmpd="sng" algn="ctr">
+              <a:solidFill>
+                <a:schemeClr val="tx1">
+                  <a:lumMod val="15000"/>
+                  <a:lumOff val="85000"/>
+                </a:schemeClr>
+              </a:solidFill>
+              <a:round/>
+            </a:ln>
+            <a:effectLst/>
+          </c:spPr>
+        </c:majorGridlines>
+        <c:title>
+          <c:tx>
+            <c:rich>
+              <a:bodyPr rot="0" spcFirstLastPara="1" vertOverflow="ellipsis" vert="horz" wrap="square" anchor="ctr" anchorCtr="1"/>
+              <a:lstStyle/>
+              <a:p>
+                <a:pPr>
+                  <a:defRPr sz="1000" b="0" i="0" u="none" strike="noStrike" kern="1200" baseline="0">
+                    <a:solidFill>
+                      <a:schemeClr val="tx1">
+                        <a:lumMod val="65000"/>
+                        <a:lumOff val="35000"/>
+                      </a:schemeClr>
+                    </a:solidFill>
+                    <a:latin typeface="+mn-lt"/>
+                    <a:ea typeface="+mn-ea"/>
+                    <a:cs typeface="+mn-cs"/>
+                  </a:defRPr>
+                </a:pPr>
+                <a:r>
+                  <a:rPr lang="ru-RU"/>
+                  <a:t>Шаг,</a:t>
+                </a:r>
+                <a:r>
+                  <a:rPr lang="ru-RU" baseline="0"/>
+                  <a:t> </a:t>
+                </a:r>
+                <a:r>
+                  <a:rPr lang="en-US" baseline="0"/>
+                  <a:t>h*2</a:t>
+                </a:r>
+              </a:p>
+            </c:rich>
+          </c:tx>
+          <c:layout>
+            <c:manualLayout>
+              <c:xMode val="edge"/>
+              <c:yMode val="edge"/>
+              <c:x val="0.49002106382271843"/>
+              <c:y val="3.0032182972281933E-2"/>
+            </c:manualLayout>
+          </c:layout>
+          <c:overlay val="0"/>
+          <c:spPr>
+            <a:noFill/>
+            <a:ln>
+              <a:noFill/>
+            </a:ln>
+            <a:effectLst/>
+          </c:spPr>
+          <c:txPr>
+            <a:bodyPr rot="0" spcFirstLastPara="1" vertOverflow="ellipsis" vert="horz" wrap="square" anchor="ctr" anchorCtr="1"/>
+            <a:lstStyle/>
+            <a:p>
+              <a:pPr>
+                <a:defRPr sz="1000" b="0" i="0" u="none" strike="noStrike" kern="1200" baseline="0">
+                  <a:solidFill>
+                    <a:schemeClr val="tx1">
+                      <a:lumMod val="65000"/>
+                      <a:lumOff val="35000"/>
+                    </a:schemeClr>
+                  </a:solidFill>
+                  <a:latin typeface="+mn-lt"/>
+                  <a:ea typeface="+mn-ea"/>
+                  <a:cs typeface="+mn-cs"/>
+                </a:defRPr>
+              </a:pPr>
+              <a:endParaRPr lang="ru-RU"/>
+            </a:p>
+          </c:txPr>
+        </c:title>
+        <c:numFmt formatCode="General" sourceLinked="1"/>
+        <c:majorTickMark val="none"/>
+        <c:minorTickMark val="none"/>
+        <c:tickLblPos val="nextTo"/>
+        <c:spPr>
+          <a:noFill/>
+          <a:ln w="9525" cap="flat" cmpd="sng" algn="ctr">
+            <a:solidFill>
+              <a:schemeClr val="tx1">
+                <a:lumMod val="25000"/>
+                <a:lumOff val="75000"/>
+              </a:schemeClr>
+            </a:solidFill>
+            <a:round/>
+          </a:ln>
+          <a:effectLst/>
+        </c:spPr>
+        <c:txPr>
+          <a:bodyPr rot="-60000000" spcFirstLastPara="1" vertOverflow="ellipsis" vert="horz" wrap="square" anchor="ctr" anchorCtr="1"/>
+          <a:lstStyle/>
+          <a:p>
+            <a:pPr>
+              <a:defRPr sz="900" b="0" i="0" u="none" strike="noStrike" kern="1200" baseline="0">
+                <a:solidFill>
+                  <a:schemeClr val="tx1">
+                    <a:lumMod val="65000"/>
+                    <a:lumOff val="35000"/>
+                  </a:schemeClr>
+                </a:solidFill>
+                <a:latin typeface="+mn-lt"/>
+                <a:ea typeface="+mn-ea"/>
+                <a:cs typeface="+mn-cs"/>
+              </a:defRPr>
+            </a:pPr>
+            <a:endParaRPr lang="ru-RU"/>
+          </a:p>
+        </c:txPr>
+        <c:crossAx val="708375968"/>
+        <c:crosses val="autoZero"/>
+        <c:crossBetween val="midCat"/>
+      </c:valAx>
+      <c:valAx>
+        <c:axId val="708375968"/>
+        <c:scaling>
+          <c:logBase val="10"/>
+          <c:orientation val="minMax"/>
+        </c:scaling>
+        <c:delete val="0"/>
+        <c:axPos val="r"/>
+        <c:majorGridlines>
+          <c:spPr>
+            <a:ln w="9525" cap="flat" cmpd="sng" algn="ctr">
+              <a:solidFill>
+                <a:schemeClr val="tx1">
+                  <a:lumMod val="15000"/>
+                  <a:lumOff val="85000"/>
+                </a:schemeClr>
+              </a:solidFill>
+              <a:round/>
+            </a:ln>
+            <a:effectLst/>
+          </c:spPr>
+        </c:majorGridlines>
+        <c:title>
+          <c:tx>
+            <c:rich>
+              <a:bodyPr rot="-5400000" spcFirstLastPara="1" vertOverflow="ellipsis" vert="horz" wrap="square" anchor="ctr" anchorCtr="1"/>
+              <a:lstStyle/>
+              <a:p>
+                <a:pPr>
+                  <a:defRPr sz="1000" b="0" i="0" u="none" strike="noStrike" kern="1200" baseline="0">
+                    <a:solidFill>
+                      <a:schemeClr val="tx1">
+                        <a:lumMod val="65000"/>
+                        <a:lumOff val="35000"/>
+                      </a:schemeClr>
+                    </a:solidFill>
+                    <a:latin typeface="+mn-lt"/>
+                    <a:ea typeface="+mn-ea"/>
+                    <a:cs typeface="+mn-cs"/>
+                  </a:defRPr>
+                </a:pPr>
+                <a:r>
+                  <a:rPr lang="ru-RU"/>
+                  <a:t>Ошибка</a:t>
+                </a:r>
+              </a:p>
+            </c:rich>
+          </c:tx>
+          <c:layout>
+            <c:manualLayout>
+              <c:xMode val="edge"/>
+              <c:yMode val="edge"/>
+              <c:x val="1.2991527957739529E-2"/>
+              <c:y val="0.43332782109829165"/>
+            </c:manualLayout>
+          </c:layout>
+          <c:overlay val="0"/>
+          <c:spPr>
+            <a:noFill/>
+            <a:ln>
+              <a:noFill/>
+            </a:ln>
+            <a:effectLst/>
+          </c:spPr>
+          <c:txPr>
+            <a:bodyPr rot="-5400000" spcFirstLastPara="1" vertOverflow="ellipsis" vert="horz" wrap="square" anchor="ctr" anchorCtr="1"/>
+            <a:lstStyle/>
+            <a:p>
+              <a:pPr>
+                <a:defRPr sz="1000" b="0" i="0" u="none" strike="noStrike" kern="1200" baseline="0">
+                  <a:solidFill>
+                    <a:schemeClr val="tx1">
+                      <a:lumMod val="65000"/>
+                      <a:lumOff val="35000"/>
+                    </a:schemeClr>
+                  </a:solidFill>
+                  <a:latin typeface="+mn-lt"/>
+                  <a:ea typeface="+mn-ea"/>
+                  <a:cs typeface="+mn-cs"/>
+                </a:defRPr>
+              </a:pPr>
+              <a:endParaRPr lang="ru-RU"/>
+            </a:p>
+          </c:txPr>
+        </c:title>
+        <c:numFmt formatCode="0.000000" sourceLinked="1"/>
+        <c:majorTickMark val="none"/>
+        <c:minorTickMark val="none"/>
+        <c:tickLblPos val="nextTo"/>
+        <c:spPr>
+          <a:noFill/>
+          <a:ln w="9525" cap="flat" cmpd="sng" algn="ctr">
+            <a:solidFill>
+              <a:schemeClr val="tx1">
+                <a:lumMod val="25000"/>
+                <a:lumOff val="75000"/>
+              </a:schemeClr>
+            </a:solidFill>
+            <a:round/>
+          </a:ln>
+          <a:effectLst/>
+        </c:spPr>
+        <c:txPr>
+          <a:bodyPr rot="-60000000" spcFirstLastPara="1" vertOverflow="ellipsis" vert="horz" wrap="square" anchor="ctr" anchorCtr="1"/>
+          <a:lstStyle/>
+          <a:p>
+            <a:pPr>
+              <a:defRPr sz="900" b="0" i="0" u="none" strike="noStrike" kern="1200" baseline="0">
+                <a:solidFill>
+                  <a:schemeClr val="tx1">
+                    <a:lumMod val="65000"/>
+                    <a:lumOff val="35000"/>
+                  </a:schemeClr>
+                </a:solidFill>
+                <a:latin typeface="+mn-lt"/>
+                <a:ea typeface="+mn-ea"/>
+                <a:cs typeface="+mn-cs"/>
+              </a:defRPr>
+            </a:pPr>
+            <a:endParaRPr lang="ru-RU"/>
+          </a:p>
+        </c:txPr>
+        <c:crossAx val="708370064"/>
+        <c:crosses val="autoZero"/>
+        <c:crossBetween val="midCat"/>
+      </c:valAx>
+      <c:spPr>
+        <a:noFill/>
+        <a:ln>
+          <a:noFill/>
+        </a:ln>
+        <a:effectLst/>
+      </c:spPr>
+    </c:plotArea>
+    <c:plotVisOnly val="1"/>
+    <c:dispBlanksAs val="gap"/>
+    <c:extLst>
+      <c:ext xmlns:c16r3="http://schemas.microsoft.com/office/drawing/2017/03/chart" uri="{56B9EC1D-385E-4148-901F-78D8002777C0}">
+        <c16r3:dataDisplayOptions16>
+          <c16r3:dispNaAsBlank val="1"/>
+        </c16r3:dataDisplayOptions16>
+      </c:ext>
+    </c:extLst>
+    <c:showDLblsOverMax val="0"/>
+  </c:chart>
+  <c:spPr>
+    <a:noFill/>
+    <a:ln>
+      <a:noFill/>
+    </a:ln>
+    <a:effectLst/>
+  </c:spPr>
+  <c:txPr>
+    <a:bodyPr/>
+    <a:lstStyle/>
+    <a:p>
+      <a:pPr>
+        <a:defRPr/>
+      </a:pPr>
+      <a:endParaRPr lang="ru-RU"/>
+    </a:p>
+  </c:txPr>
+  <c:externalData r:id="rId3">
+    <c:autoUpdate val="0"/>
+  </c:externalData>
+</c:chartSpace>
+</file>
+
+<file path=ppt/charts/chart8.xml><?xml version="1.0" encoding="utf-8"?>
+<c:chartSpace xmlns:c="http://schemas.openxmlformats.org/drawingml/2006/chart" xmlns:a="http://schemas.openxmlformats.org/drawingml/2006/main" xmlns:r="http://schemas.openxmlformats.org/officeDocument/2006/relationships" xmlns:c16r2="http://schemas.microsoft.com/office/drawing/2015/06/chart">
+  <c:date1904 val="0"/>
+  <c:lang val="ru-RU"/>
+  <c:roundedCorners val="0"/>
+  <mc:AlternateContent xmlns:mc="http://schemas.openxmlformats.org/markup-compatibility/2006">
+    <mc:Choice xmlns:c14="http://schemas.microsoft.com/office/drawing/2007/8/2/chart" Requires="c14">
+      <c14:style val="102"/>
+    </mc:Choice>
+    <mc:Fallback>
+      <c:style val="2"/>
+    </mc:Fallback>
+  </mc:AlternateContent>
+  <c:chart>
+    <c:autoTitleDeleted val="0"/>
+    <c:plotArea>
+      <c:layout/>
+      <c:scatterChart>
+        <c:scatterStyle val="smoothMarker"/>
+        <c:varyColors val="0"/>
+        <c:ser>
+          <c:idx val="0"/>
+          <c:order val="0"/>
+          <c:tx>
+            <c:v>L_inf 2</c:v>
+          </c:tx>
+          <c:spPr>
+            <a:ln w="19050" cap="rnd">
+              <a:solidFill>
+                <a:schemeClr val="accent1"/>
+              </a:solidFill>
+              <a:round/>
+            </a:ln>
+            <a:effectLst/>
+          </c:spPr>
+          <c:marker>
+            <c:symbol val="circle"/>
+            <c:size val="5"/>
+            <c:spPr>
+              <a:solidFill>
+                <a:schemeClr val="accent1"/>
+              </a:solidFill>
+              <a:ln w="9525">
+                <a:solidFill>
+                  <a:schemeClr val="accent1"/>
+                </a:solidFill>
+              </a:ln>
+              <a:effectLst/>
+            </c:spPr>
+          </c:marker>
+          <c:xVal>
+            <c:numRef>
+              <c:f>Лист1!$O$315:$O$331</c:f>
+              <c:numCache>
+                <c:formatCode>General</c:formatCode>
+                <c:ptCount val="17"/>
+                <c:pt idx="0">
+                  <c:v>4.5371337460874302E-3</c:v>
+                </c:pt>
+                <c:pt idx="1">
+                  <c:v>3.7429515020397102E-3</c:v>
+                </c:pt>
+                <c:pt idx="2">
+                  <c:v>2.9494266625268201E-3</c:v>
+                </c:pt>
+                <c:pt idx="3">
+                  <c:v>2.2443159152172E-3</c:v>
+                </c:pt>
+                <c:pt idx="4">
+                  <c:v>1.45611669404697E-3</c:v>
+                </c:pt>
+                <c:pt idx="5">
+                  <c:v>7.3995548758683195E-4</c:v>
+                </c:pt>
+                <c:pt idx="6">
+                  <c:v>5.9215412224577005E-4</c:v>
+                </c:pt>
+                <c:pt idx="7">
+                  <c:v>4.3971840760824497E-4</c:v>
+                </c:pt>
+                <c:pt idx="8">
+                  <c:v>3.7374997196285801E-4</c:v>
+                </c:pt>
+                <c:pt idx="9">
+                  <c:v>2.9856510365332901E-4</c:v>
+                </c:pt>
+                <c:pt idx="10">
+                  <c:v>2.59337571786468E-4</c:v>
+                </c:pt>
+                <c:pt idx="11">
+                  <c:v>2.23692471596135E-4</c:v>
+                </c:pt>
+                <c:pt idx="12">
+                  <c:v>1.8527084450529501E-4</c:v>
+                </c:pt>
+                <c:pt idx="13">
+                  <c:v>1.4831424293613101E-4</c:v>
+                </c:pt>
+                <c:pt idx="14">
+                  <c:v>1.11619191723465E-4</c:v>
+                </c:pt>
+                <c:pt idx="15" formatCode="0.00E+00">
+                  <c:v>7.4443977717700399E-5</c:v>
+                </c:pt>
+                <c:pt idx="16" formatCode="0.00E+00">
+                  <c:v>5.9338654044515602E-5</c:v>
+                </c:pt>
+              </c:numCache>
+            </c:numRef>
+          </c:xVal>
+          <c:yVal>
+            <c:numRef>
+              <c:f>Лист1!$F$314:$F$330</c:f>
+              <c:numCache>
+                <c:formatCode>0.000000</c:formatCode>
+                <c:ptCount val="17"/>
+                <c:pt idx="0">
+                  <c:v>9.7889702538017695E-2</c:v>
+                </c:pt>
+                <c:pt idx="1">
+                  <c:v>8.3860866138322498E-2</c:v>
+                </c:pt>
+                <c:pt idx="2">
+                  <c:v>5.9120654045952098E-2</c:v>
+                </c:pt>
+                <c:pt idx="3">
+                  <c:v>4.15081441316794E-2</c:v>
+                </c:pt>
+                <c:pt idx="4">
+                  <c:v>2.2847295973824101E-2</c:v>
+                </c:pt>
+                <c:pt idx="5">
+                  <c:v>6.5537413564400399E-3</c:v>
+                </c:pt>
+                <c:pt idx="6">
+                  <c:v>4.5320720544321704E-3</c:v>
+                </c:pt>
+                <c:pt idx="7">
+                  <c:v>2.3296481585333099E-3</c:v>
+                </c:pt>
+                <c:pt idx="8">
+                  <c:v>1.36028211115113E-3</c:v>
+                </c:pt>
+                <c:pt idx="9">
+                  <c:v>6.7474161001701495E-4</c:v>
+                </c:pt>
+                <c:pt idx="10">
+                  <c:v>6.3297144339247104E-4</c:v>
+                </c:pt>
+                <c:pt idx="11">
+                  <c:v>7.5021732646740602E-4</c:v>
+                </c:pt>
+                <c:pt idx="12">
+                  <c:v>5.7368936855917098E-4</c:v>
+                </c:pt>
+                <c:pt idx="13">
+                  <c:v>4.13802881154223E-4</c:v>
+                </c:pt>
+                <c:pt idx="14">
+                  <c:v>1.4774267089756501E-4</c:v>
+                </c:pt>
+                <c:pt idx="15">
+                  <c:v>7.0845147242093399E-5</c:v>
+                </c:pt>
+                <c:pt idx="16">
+                  <c:v>5.26258961222048E-5</c:v>
+                </c:pt>
+              </c:numCache>
+            </c:numRef>
+          </c:yVal>
+          <c:smooth val="1"/>
+          <c:extLst>
+            <c:ext xmlns:c16="http://schemas.microsoft.com/office/drawing/2014/chart" uri="{C3380CC4-5D6E-409C-BE32-E72D297353CC}">
+              <c16:uniqueId val="{00000000-0F42-4415-9A01-60CEF81E93DE}"/>
+            </c:ext>
+          </c:extLst>
+        </c:ser>
+        <c:ser>
+          <c:idx val="1"/>
+          <c:order val="1"/>
+          <c:tx>
+            <c:v>L_inf 1</c:v>
+          </c:tx>
+          <c:spPr>
+            <a:ln w="19050" cap="rnd">
+              <a:solidFill>
+                <a:schemeClr val="accent2"/>
+              </a:solidFill>
+              <a:round/>
+            </a:ln>
+            <a:effectLst/>
+          </c:spPr>
+          <c:marker>
+            <c:symbol val="circle"/>
+            <c:size val="5"/>
+            <c:spPr>
+              <a:solidFill>
+                <a:schemeClr val="accent2"/>
+              </a:solidFill>
+              <a:ln w="9525">
+                <a:solidFill>
+                  <a:schemeClr val="accent2"/>
+                </a:solidFill>
+              </a:ln>
+              <a:effectLst/>
+            </c:spPr>
+          </c:marker>
+          <c:xVal>
+            <c:numRef>
+              <c:f>Лист1!$O$315:$O$331</c:f>
+              <c:numCache>
+                <c:formatCode>General</c:formatCode>
+                <c:ptCount val="17"/>
+                <c:pt idx="0">
+                  <c:v>4.5371337460874302E-3</c:v>
+                </c:pt>
+                <c:pt idx="1">
+                  <c:v>3.7429515020397102E-3</c:v>
+                </c:pt>
+                <c:pt idx="2">
+                  <c:v>2.9494266625268201E-3</c:v>
+                </c:pt>
+                <c:pt idx="3">
+                  <c:v>2.2443159152172E-3</c:v>
+                </c:pt>
+                <c:pt idx="4">
+                  <c:v>1.45611669404697E-3</c:v>
+                </c:pt>
+                <c:pt idx="5">
+                  <c:v>7.3995548758683195E-4</c:v>
+                </c:pt>
+                <c:pt idx="6">
+                  <c:v>5.9215412224577005E-4</c:v>
+                </c:pt>
+                <c:pt idx="7">
+                  <c:v>4.3971840760824497E-4</c:v>
+                </c:pt>
+                <c:pt idx="8">
+                  <c:v>3.7374997196285801E-4</c:v>
+                </c:pt>
+                <c:pt idx="9">
+                  <c:v>2.9856510365332901E-4</c:v>
+                </c:pt>
+                <c:pt idx="10">
+                  <c:v>2.59337571786468E-4</c:v>
+                </c:pt>
+                <c:pt idx="11">
+                  <c:v>2.23692471596135E-4</c:v>
+                </c:pt>
+                <c:pt idx="12">
+                  <c:v>1.8527084450529501E-4</c:v>
+                </c:pt>
+                <c:pt idx="13">
+                  <c:v>1.4831424293613101E-4</c:v>
+                </c:pt>
+                <c:pt idx="14">
+                  <c:v>1.11619191723465E-4</c:v>
+                </c:pt>
+                <c:pt idx="15" formatCode="0.00E+00">
+                  <c:v>7.4443977717700399E-5</c:v>
+                </c:pt>
+                <c:pt idx="16" formatCode="0.00E+00">
+                  <c:v>5.9338654044515602E-5</c:v>
+                </c:pt>
+              </c:numCache>
+            </c:numRef>
+          </c:xVal>
+          <c:yVal>
+            <c:numRef>
+              <c:f>Лист1!$C$290:$C$306</c:f>
+              <c:numCache>
+                <c:formatCode>0.000000</c:formatCode>
+                <c:ptCount val="17"/>
+                <c:pt idx="0">
+                  <c:v>0.33333619431028999</c:v>
+                </c:pt>
+                <c:pt idx="1">
+                  <c:v>0.31921222140834898</c:v>
+                </c:pt>
+                <c:pt idx="2">
+                  <c:v>0.27806286935205998</c:v>
+                </c:pt>
+                <c:pt idx="3">
+                  <c:v>0.22865001523016701</c:v>
+                </c:pt>
+                <c:pt idx="4">
+                  <c:v>0.16809836340958401</c:v>
+                </c:pt>
+                <c:pt idx="5">
+                  <c:v>9.3714481943489095E-2</c:v>
+                </c:pt>
+                <c:pt idx="6">
+                  <c:v>7.2537883589463406E-2</c:v>
+                </c:pt>
+                <c:pt idx="7">
+                  <c:v>5.0320650223827798E-2</c:v>
+                </c:pt>
+                <c:pt idx="8">
+                  <c:v>3.8775941474116199E-2</c:v>
+                </c:pt>
+                <c:pt idx="9">
+                  <c:v>2.79288016349683E-2</c:v>
+                </c:pt>
+                <c:pt idx="10">
+                  <c:v>2.2587897952837201E-2</c:v>
+                </c:pt>
+                <c:pt idx="11">
+                  <c:v>1.8989326662391299E-2</c:v>
+                </c:pt>
+                <c:pt idx="12">
+                  <c:v>1.23242790286387E-2</c:v>
+                </c:pt>
+                <c:pt idx="13">
+                  <c:v>6.5191278404246296E-3</c:v>
+                </c:pt>
+                <c:pt idx="14">
+                  <c:v>3.7940084380303401E-3</c:v>
+                </c:pt>
+                <c:pt idx="15">
+                  <c:v>1.6886626959179401E-3</c:v>
+                </c:pt>
+                <c:pt idx="16">
+                  <c:v>1.12019659295514E-3</c:v>
+                </c:pt>
+              </c:numCache>
+            </c:numRef>
+          </c:yVal>
+          <c:smooth val="1"/>
+          <c:extLst>
+            <c:ext xmlns:c16="http://schemas.microsoft.com/office/drawing/2014/chart" uri="{C3380CC4-5D6E-409C-BE32-E72D297353CC}">
+              <c16:uniqueId val="{00000001-0F42-4415-9A01-60CEF81E93DE}"/>
+            </c:ext>
+          </c:extLst>
+        </c:ser>
+        <c:dLbls>
+          <c:showLegendKey val="0"/>
+          <c:showVal val="0"/>
+          <c:showCatName val="0"/>
+          <c:showSerName val="0"/>
+          <c:showPercent val="0"/>
+          <c:showBubbleSize val="0"/>
+        </c:dLbls>
+        <c:axId val="456017632"/>
+        <c:axId val="456015664"/>
+      </c:scatterChart>
+      <c:valAx>
+        <c:axId val="456017632"/>
+        <c:scaling>
+          <c:logBase val="10"/>
+          <c:orientation val="maxMin"/>
+          <c:max val="1.0000000000000002E-2"/>
+          <c:min val="5.0000000000000023E-5"/>
+        </c:scaling>
+        <c:delete val="0"/>
+        <c:axPos val="b"/>
+        <c:majorGridlines>
+          <c:spPr>
+            <a:ln w="9525" cap="flat" cmpd="sng" algn="ctr">
+              <a:solidFill>
+                <a:schemeClr val="tx1">
+                  <a:lumMod val="15000"/>
+                  <a:lumOff val="85000"/>
+                </a:schemeClr>
+              </a:solidFill>
+              <a:round/>
+            </a:ln>
+            <a:effectLst/>
+          </c:spPr>
+        </c:majorGridlines>
+        <c:numFmt formatCode="General" sourceLinked="1"/>
+        <c:majorTickMark val="none"/>
+        <c:minorTickMark val="none"/>
+        <c:tickLblPos val="nextTo"/>
+        <c:spPr>
+          <a:noFill/>
+          <a:ln w="9525" cap="flat" cmpd="sng" algn="ctr">
+            <a:solidFill>
+              <a:schemeClr val="tx1">
+                <a:lumMod val="25000"/>
+                <a:lumOff val="75000"/>
+              </a:schemeClr>
+            </a:solidFill>
+            <a:round/>
+          </a:ln>
+          <a:effectLst/>
+        </c:spPr>
+        <c:txPr>
+          <a:bodyPr rot="-60000000" spcFirstLastPara="1" vertOverflow="ellipsis" vert="horz" wrap="square" anchor="ctr" anchorCtr="1"/>
+          <a:lstStyle/>
+          <a:p>
+            <a:pPr>
+              <a:defRPr sz="900" b="0" i="0" u="none" strike="noStrike" kern="1200" baseline="0">
+                <a:solidFill>
+                  <a:schemeClr val="tx1">
+                    <a:lumMod val="65000"/>
+                    <a:lumOff val="35000"/>
+                  </a:schemeClr>
+                </a:solidFill>
+                <a:latin typeface="+mn-lt"/>
+                <a:ea typeface="+mn-ea"/>
+                <a:cs typeface="+mn-cs"/>
+              </a:defRPr>
+            </a:pPr>
+            <a:endParaRPr lang="ru-RU"/>
+          </a:p>
+        </c:txPr>
+        <c:crossAx val="456015664"/>
+        <c:crosses val="autoZero"/>
+        <c:crossBetween val="midCat"/>
+      </c:valAx>
+      <c:valAx>
+        <c:axId val="456015664"/>
+        <c:scaling>
+          <c:logBase val="10"/>
+          <c:orientation val="minMax"/>
+        </c:scaling>
+        <c:delete val="0"/>
+        <c:axPos val="r"/>
+        <c:majorGridlines>
+          <c:spPr>
+            <a:ln w="9525" cap="flat" cmpd="sng" algn="ctr">
+              <a:solidFill>
+                <a:schemeClr val="tx1">
+                  <a:lumMod val="15000"/>
+                  <a:lumOff val="85000"/>
+                </a:schemeClr>
+              </a:solidFill>
+              <a:round/>
+            </a:ln>
+            <a:effectLst/>
+          </c:spPr>
+        </c:majorGridlines>
+        <c:numFmt formatCode="0.000000" sourceLinked="1"/>
+        <c:majorTickMark val="none"/>
+        <c:minorTickMark val="none"/>
+        <c:tickLblPos val="nextTo"/>
+        <c:spPr>
+          <a:noFill/>
+          <a:ln w="9525" cap="flat" cmpd="sng" algn="ctr">
+            <a:solidFill>
+              <a:schemeClr val="tx1">
+                <a:lumMod val="25000"/>
+                <a:lumOff val="75000"/>
+              </a:schemeClr>
+            </a:solidFill>
+            <a:round/>
+          </a:ln>
+          <a:effectLst/>
+        </c:spPr>
+        <c:txPr>
+          <a:bodyPr rot="-60000000" spcFirstLastPara="1" vertOverflow="ellipsis" vert="horz" wrap="square" anchor="ctr" anchorCtr="1"/>
+          <a:lstStyle/>
+          <a:p>
+            <a:pPr>
+              <a:defRPr sz="900" b="0" i="0" u="none" strike="noStrike" kern="1200" baseline="0">
+                <a:solidFill>
+                  <a:schemeClr val="tx1">
+                    <a:lumMod val="65000"/>
+                    <a:lumOff val="35000"/>
+                  </a:schemeClr>
+                </a:solidFill>
+                <a:latin typeface="+mn-lt"/>
+                <a:ea typeface="+mn-ea"/>
+                <a:cs typeface="+mn-cs"/>
+              </a:defRPr>
+            </a:pPr>
+            <a:endParaRPr lang="ru-RU"/>
+          </a:p>
+        </c:txPr>
+        <c:crossAx val="456017632"/>
+        <c:crosses val="autoZero"/>
+        <c:crossBetween val="midCat"/>
+      </c:valAx>
+      <c:spPr>
+        <a:noFill/>
+        <a:ln>
+          <a:noFill/>
+        </a:ln>
+        <a:effectLst/>
+      </c:spPr>
+    </c:plotArea>
+    <c:legend>
+      <c:legendPos val="r"/>
+      <c:layout>
+        <c:manualLayout>
+          <c:xMode val="edge"/>
+          <c:yMode val="edge"/>
+          <c:x val="0.72666622922134727"/>
+          <c:y val="0.13483741615631381"/>
+          <c:w val="0.15111154855643044"/>
+          <c:h val="0.15625109361329834"/>
+        </c:manualLayout>
+      </c:layout>
+      <c:overlay val="1"/>
+      <c:spPr>
+        <a:noFill/>
+        <a:ln>
+          <a:noFill/>
+        </a:ln>
+        <a:effectLst/>
+      </c:spPr>
+      <c:txPr>
+        <a:bodyPr rot="0" spcFirstLastPara="1" vertOverflow="ellipsis" vert="horz" wrap="square" anchor="ctr" anchorCtr="1"/>
+        <a:lstStyle/>
+        <a:p>
+          <a:pPr>
+            <a:defRPr sz="900" b="0" i="0" u="none" strike="noStrike" kern="1200" baseline="0">
+              <a:solidFill>
+                <a:schemeClr val="tx1">
+                  <a:lumMod val="65000"/>
+                  <a:lumOff val="35000"/>
+                </a:schemeClr>
+              </a:solidFill>
+              <a:latin typeface="+mn-lt"/>
+              <a:ea typeface="+mn-ea"/>
+              <a:cs typeface="+mn-cs"/>
+            </a:defRPr>
+          </a:pPr>
+          <a:endParaRPr lang="ru-RU"/>
+        </a:p>
+      </c:txPr>
+    </c:legend>
+    <c:plotVisOnly val="1"/>
+    <c:dispBlanksAs val="gap"/>
+    <c:extLst>
+      <c:ext xmlns:c16r3="http://schemas.microsoft.com/office/drawing/2017/03/chart" uri="{56B9EC1D-385E-4148-901F-78D8002777C0}">
+        <c16r3:dataDisplayOptions16>
+          <c16r3:dispNaAsBlank val="1"/>
+        </c16r3:dataDisplayOptions16>
+      </c:ext>
+    </c:extLst>
+    <c:showDLblsOverMax val="0"/>
+  </c:chart>
+  <c:spPr>
+    <a:noFill/>
+    <a:ln>
+      <a:noFill/>
+    </a:ln>
+    <a:effectLst/>
+  </c:spPr>
+  <c:txPr>
+    <a:bodyPr/>
+    <a:lstStyle/>
+    <a:p>
+      <a:pPr>
+        <a:defRPr/>
+      </a:pPr>
+      <a:endParaRPr lang="ru-RU"/>
+    </a:p>
+  </c:txPr>
+  <c:externalData r:id="rId3">
+    <c:autoUpdate val="0"/>
+  </c:externalData>
+</c:chartSpace>
+</file>
+
+<file path=ppt/charts/chart9.xml><?xml version="1.0" encoding="utf-8"?>
+<c:chartSpace xmlns:c="http://schemas.openxmlformats.org/drawingml/2006/chart" xmlns:a="http://schemas.openxmlformats.org/drawingml/2006/main" xmlns:r="http://schemas.openxmlformats.org/officeDocument/2006/relationships" xmlns:c16r2="http://schemas.microsoft.com/office/drawing/2015/06/chart">
+  <c:date1904 val="0"/>
+  <c:lang val="ru-RU"/>
+  <c:roundedCorners val="0"/>
+  <mc:AlternateContent xmlns:mc="http://schemas.openxmlformats.org/markup-compatibility/2006">
+    <mc:Choice xmlns:c14="http://schemas.microsoft.com/office/drawing/2007/8/2/chart" Requires="c14">
+      <c14:style val="102"/>
+    </mc:Choice>
+    <mc:Fallback>
+      <c:style val="2"/>
+    </mc:Fallback>
+  </mc:AlternateContent>
+  <c:chart>
+    <c:autoTitleDeleted val="0"/>
+    <c:plotArea>
+      <c:layout>
+        <c:manualLayout>
+          <c:layoutTarget val="inner"/>
+          <c:xMode val="edge"/>
+          <c:yMode val="edge"/>
+          <c:x val="4.1562554680664922E-2"/>
+          <c:y val="5.5555555555555552E-2"/>
+          <c:w val="0.87565266841644795"/>
+          <c:h val="0.89814814814814814"/>
+        </c:manualLayout>
+      </c:layout>
+      <c:scatterChart>
+        <c:scatterStyle val="smoothMarker"/>
+        <c:varyColors val="0"/>
+        <c:ser>
+          <c:idx val="0"/>
+          <c:order val="0"/>
+          <c:tx>
+            <c:v>L_1 2</c:v>
+          </c:tx>
+          <c:spPr>
+            <a:ln w="19050" cap="rnd">
+              <a:solidFill>
+                <a:schemeClr val="accent1"/>
+              </a:solidFill>
+              <a:round/>
+            </a:ln>
+            <a:effectLst/>
+          </c:spPr>
+          <c:marker>
+            <c:symbol val="circle"/>
+            <c:size val="5"/>
+            <c:spPr>
+              <a:solidFill>
+                <a:schemeClr val="accent1"/>
+              </a:solidFill>
+              <a:ln w="9525">
+                <a:solidFill>
+                  <a:schemeClr val="accent1"/>
+                </a:solidFill>
+              </a:ln>
+              <a:effectLst/>
+            </c:spPr>
+          </c:marker>
+          <c:xVal>
+            <c:numRef>
+              <c:f>Лист1!$O$315:$O$331</c:f>
+              <c:numCache>
+                <c:formatCode>General</c:formatCode>
+                <c:ptCount val="17"/>
+                <c:pt idx="0">
+                  <c:v>4.5371337460874302E-3</c:v>
+                </c:pt>
+                <c:pt idx="1">
+                  <c:v>3.7429515020397102E-3</c:v>
+                </c:pt>
+                <c:pt idx="2">
+                  <c:v>2.9494266625268201E-3</c:v>
+                </c:pt>
+                <c:pt idx="3">
+                  <c:v>2.2443159152172E-3</c:v>
+                </c:pt>
+                <c:pt idx="4">
+                  <c:v>1.45611669404697E-3</c:v>
+                </c:pt>
+                <c:pt idx="5">
+                  <c:v>7.3995548758683195E-4</c:v>
+                </c:pt>
+                <c:pt idx="6">
+                  <c:v>5.9215412224577005E-4</c:v>
+                </c:pt>
+                <c:pt idx="7">
+                  <c:v>4.3971840760824497E-4</c:v>
+                </c:pt>
+                <c:pt idx="8">
+                  <c:v>3.7374997196285801E-4</c:v>
+                </c:pt>
+                <c:pt idx="9">
+                  <c:v>2.9856510365332901E-4</c:v>
+                </c:pt>
+                <c:pt idx="10">
+                  <c:v>2.59337571786468E-4</c:v>
+                </c:pt>
+                <c:pt idx="11">
+                  <c:v>2.23692471596135E-4</c:v>
+                </c:pt>
+                <c:pt idx="12">
+                  <c:v>1.8527084450529501E-4</c:v>
+                </c:pt>
+                <c:pt idx="13">
+                  <c:v>1.4831424293613101E-4</c:v>
+                </c:pt>
+                <c:pt idx="14">
+                  <c:v>1.11619191723465E-4</c:v>
+                </c:pt>
+                <c:pt idx="15" formatCode="0.00E+00">
+                  <c:v>7.4443977717700399E-5</c:v>
+                </c:pt>
+                <c:pt idx="16" formatCode="0.00E+00">
+                  <c:v>5.9338654044515602E-5</c:v>
+                </c:pt>
+              </c:numCache>
+            </c:numRef>
+          </c:xVal>
+          <c:yVal>
+            <c:numRef>
+              <c:f>Лист1!$G$314:$G$330</c:f>
+              <c:numCache>
+                <c:formatCode>0.000000</c:formatCode>
+                <c:ptCount val="17"/>
+                <c:pt idx="0">
+                  <c:v>1.4963742565984437E-2</c:v>
+                </c:pt>
+                <c:pt idx="1">
+                  <c:v>1.2229324102081968E-2</c:v>
+                </c:pt>
+                <c:pt idx="2">
+                  <c:v>9.6849200703178553E-3</c:v>
+                </c:pt>
+                <c:pt idx="3">
+                  <c:v>6.4289363353992506E-3</c:v>
+                </c:pt>
+                <c:pt idx="4">
+                  <c:v>3.2587940159201434E-3</c:v>
+                </c:pt>
+                <c:pt idx="5">
+                  <c:v>1.0423796566610452E-3</c:v>
+                </c:pt>
+                <c:pt idx="6">
+                  <c:v>6.3031772961717682E-4</c:v>
+                </c:pt>
+                <c:pt idx="7">
+                  <c:v>3.1962602725318733E-4</c:v>
+                </c:pt>
+                <c:pt idx="8">
+                  <c:v>1.823626930559379E-4</c:v>
+                </c:pt>
+                <c:pt idx="9">
+                  <c:v>1.1131657805089672E-4</c:v>
+                </c:pt>
+                <c:pt idx="10">
+                  <c:v>1.0829948030956382E-4</c:v>
+                </c:pt>
+                <c:pt idx="11">
+                  <c:v>1.1197633674619167E-4</c:v>
+                </c:pt>
+                <c:pt idx="12">
+                  <c:v>9.1829197113362692E-5</c:v>
+                </c:pt>
+                <c:pt idx="13">
+                  <c:v>6.2007083293574503E-5</c:v>
+                </c:pt>
+                <c:pt idx="14">
+                  <c:v>2.06593061176273E-5</c:v>
+                </c:pt>
+                <c:pt idx="15">
+                  <c:v>9.0203471208330506E-6</c:v>
+                </c:pt>
+                <c:pt idx="16">
+                  <c:v>6.2518184656315397E-6</c:v>
+                </c:pt>
+              </c:numCache>
+            </c:numRef>
+          </c:yVal>
+          <c:smooth val="1"/>
+          <c:extLst>
+            <c:ext xmlns:c16="http://schemas.microsoft.com/office/drawing/2014/chart" uri="{C3380CC4-5D6E-409C-BE32-E72D297353CC}">
+              <c16:uniqueId val="{00000000-5512-4AB5-A93B-6B1D82630BE2}"/>
+            </c:ext>
+          </c:extLst>
+        </c:ser>
+        <c:ser>
+          <c:idx val="1"/>
+          <c:order val="1"/>
+          <c:tx>
+            <c:v>L_1 1</c:v>
+          </c:tx>
+          <c:spPr>
+            <a:ln w="19050" cap="rnd">
+              <a:solidFill>
+                <a:schemeClr val="accent2"/>
+              </a:solidFill>
+              <a:round/>
+            </a:ln>
+            <a:effectLst/>
+          </c:spPr>
+          <c:marker>
+            <c:symbol val="circle"/>
+            <c:size val="5"/>
+            <c:spPr>
+              <a:solidFill>
+                <a:schemeClr val="accent2"/>
+              </a:solidFill>
+              <a:ln w="9525">
+                <a:solidFill>
+                  <a:schemeClr val="accent2"/>
+                </a:solidFill>
+              </a:ln>
+              <a:effectLst/>
+            </c:spPr>
+          </c:marker>
+          <c:xVal>
+            <c:numRef>
+              <c:f>Лист1!$O$315:$O$331</c:f>
+              <c:numCache>
+                <c:formatCode>General</c:formatCode>
+                <c:ptCount val="17"/>
+                <c:pt idx="0">
+                  <c:v>4.5371337460874302E-3</c:v>
+                </c:pt>
+                <c:pt idx="1">
+                  <c:v>3.7429515020397102E-3</c:v>
+                </c:pt>
+                <c:pt idx="2">
+                  <c:v>2.9494266625268201E-3</c:v>
+                </c:pt>
+                <c:pt idx="3">
+                  <c:v>2.2443159152172E-3</c:v>
+                </c:pt>
+                <c:pt idx="4">
+                  <c:v>1.45611669404697E-3</c:v>
+                </c:pt>
+                <c:pt idx="5">
+                  <c:v>7.3995548758683195E-4</c:v>
+                </c:pt>
+                <c:pt idx="6">
+                  <c:v>5.9215412224577005E-4</c:v>
+                </c:pt>
+                <c:pt idx="7">
+                  <c:v>4.3971840760824497E-4</c:v>
+                </c:pt>
+                <c:pt idx="8">
+                  <c:v>3.7374997196285801E-4</c:v>
+                </c:pt>
+                <c:pt idx="9">
+                  <c:v>2.9856510365332901E-4</c:v>
+                </c:pt>
+                <c:pt idx="10">
+                  <c:v>2.59337571786468E-4</c:v>
+                </c:pt>
+                <c:pt idx="11">
+                  <c:v>2.23692471596135E-4</c:v>
+                </c:pt>
+                <c:pt idx="12">
+                  <c:v>1.8527084450529501E-4</c:v>
+                </c:pt>
+                <c:pt idx="13">
+                  <c:v>1.4831424293613101E-4</c:v>
+                </c:pt>
+                <c:pt idx="14">
+                  <c:v>1.11619191723465E-4</c:v>
+                </c:pt>
+                <c:pt idx="15" formatCode="0.00E+00">
+                  <c:v>7.4443977717700399E-5</c:v>
+                </c:pt>
+                <c:pt idx="16" formatCode="0.00E+00">
+                  <c:v>5.9338654044515602E-5</c:v>
+                </c:pt>
+              </c:numCache>
+            </c:numRef>
+          </c:xVal>
+          <c:yVal>
+            <c:numRef>
+              <c:f>Лист1!$E$290:$E$306</c:f>
+              <c:numCache>
+                <c:formatCode>0.000000</c:formatCode>
+                <c:ptCount val="17"/>
+                <c:pt idx="0">
+                  <c:v>4.7047290869000502E-2</c:v>
+                </c:pt>
+                <c:pt idx="1">
+                  <c:v>4.4405255137100502E-2</c:v>
+                </c:pt>
+                <c:pt idx="2">
+                  <c:v>3.9556096595646802E-2</c:v>
+                </c:pt>
+                <c:pt idx="3">
+                  <c:v>3.1675503262909403E-2</c:v>
+                </c:pt>
+                <c:pt idx="4">
+                  <c:v>2.3945882725429201E-2</c:v>
+                </c:pt>
+                <c:pt idx="5">
+                  <c:v>1.33563750693562E-2</c:v>
+                </c:pt>
+                <c:pt idx="6">
+                  <c:v>1.0084620634529E-2</c:v>
+                </c:pt>
+                <c:pt idx="7">
+                  <c:v>7.2759348539196498E-3</c:v>
+                </c:pt>
+                <c:pt idx="8">
+                  <c:v>5.6149278308408497E-3</c:v>
+                </c:pt>
+                <c:pt idx="9">
+                  <c:v>3.87535600301313E-3</c:v>
+                </c:pt>
+                <c:pt idx="10">
+                  <c:v>3.18179929716568E-3</c:v>
+                </c:pt>
+                <c:pt idx="11">
+                  <c:v>2.5418241520278901E-3</c:v>
+                </c:pt>
+                <c:pt idx="12">
+                  <c:v>1.6785823624200699E-3</c:v>
+                </c:pt>
+                <c:pt idx="13">
+                  <c:v>9.4403327314371104E-4</c:v>
+                </c:pt>
+                <c:pt idx="14">
+                  <c:v>4.8932373998153303E-4</c:v>
+                </c:pt>
+                <c:pt idx="15">
+                  <c:v>2.06328007212452E-4</c:v>
+                </c:pt>
+                <c:pt idx="16">
+                  <c:v>1.4894498626220201E-4</c:v>
+                </c:pt>
+              </c:numCache>
+            </c:numRef>
+          </c:yVal>
+          <c:smooth val="1"/>
+          <c:extLst>
+            <c:ext xmlns:c16="http://schemas.microsoft.com/office/drawing/2014/chart" uri="{C3380CC4-5D6E-409C-BE32-E72D297353CC}">
+              <c16:uniqueId val="{00000001-5512-4AB5-A93B-6B1D82630BE2}"/>
+            </c:ext>
+          </c:extLst>
+        </c:ser>
+        <c:dLbls>
+          <c:showLegendKey val="0"/>
+          <c:showVal val="0"/>
+          <c:showCatName val="0"/>
+          <c:showSerName val="0"/>
+          <c:showPercent val="0"/>
+          <c:showBubbleSize val="0"/>
+        </c:dLbls>
+        <c:axId val="704610504"/>
+        <c:axId val="704609848"/>
+      </c:scatterChart>
+      <c:valAx>
+        <c:axId val="704610504"/>
+        <c:scaling>
+          <c:logBase val="10"/>
+          <c:orientation val="maxMin"/>
+          <c:max val="1.0000000000000002E-2"/>
+          <c:min val="5.0000000000000023E-5"/>
+        </c:scaling>
+        <c:delete val="0"/>
+        <c:axPos val="b"/>
+        <c:majorGridlines>
+          <c:spPr>
+            <a:ln w="9525" cap="flat" cmpd="sng" algn="ctr">
+              <a:solidFill>
+                <a:schemeClr val="tx1">
+                  <a:lumMod val="15000"/>
+                  <a:lumOff val="85000"/>
+                </a:schemeClr>
+              </a:solidFill>
+              <a:round/>
+            </a:ln>
+            <a:effectLst/>
+          </c:spPr>
+        </c:majorGridlines>
+        <c:numFmt formatCode="General" sourceLinked="1"/>
+        <c:majorTickMark val="none"/>
+        <c:minorTickMark val="none"/>
+        <c:tickLblPos val="nextTo"/>
+        <c:spPr>
+          <a:noFill/>
+          <a:ln w="9525" cap="flat" cmpd="sng" algn="ctr">
+            <a:solidFill>
+              <a:schemeClr val="tx1">
+                <a:lumMod val="25000"/>
+                <a:lumOff val="75000"/>
+              </a:schemeClr>
+            </a:solidFill>
+            <a:round/>
+          </a:ln>
+          <a:effectLst/>
+        </c:spPr>
+        <c:txPr>
+          <a:bodyPr rot="-60000000" spcFirstLastPara="1" vertOverflow="ellipsis" vert="horz" wrap="square" anchor="ctr" anchorCtr="1"/>
+          <a:lstStyle/>
+          <a:p>
+            <a:pPr>
+              <a:defRPr sz="900" b="0" i="0" u="none" strike="noStrike" kern="1200" baseline="0">
+                <a:solidFill>
+                  <a:schemeClr val="tx1">
+                    <a:lumMod val="65000"/>
+                    <a:lumOff val="35000"/>
+                  </a:schemeClr>
+                </a:solidFill>
+                <a:latin typeface="+mn-lt"/>
+                <a:ea typeface="+mn-ea"/>
+                <a:cs typeface="+mn-cs"/>
+              </a:defRPr>
+            </a:pPr>
+            <a:endParaRPr lang="ru-RU"/>
+          </a:p>
+        </c:txPr>
+        <c:crossAx val="704609848"/>
+        <c:crosses val="autoZero"/>
+        <c:crossBetween val="midCat"/>
+      </c:valAx>
+      <c:valAx>
+        <c:axId val="704609848"/>
+        <c:scaling>
+          <c:logBase val="10"/>
+          <c:orientation val="minMax"/>
+        </c:scaling>
+        <c:delete val="0"/>
+        <c:axPos val="r"/>
+        <c:majorGridlines>
+          <c:spPr>
+            <a:ln w="9525" cap="flat" cmpd="sng" algn="ctr">
+              <a:solidFill>
+                <a:schemeClr val="tx1">
+                  <a:lumMod val="15000"/>
+                  <a:lumOff val="85000"/>
+                </a:schemeClr>
+              </a:solidFill>
+              <a:round/>
+            </a:ln>
+            <a:effectLst/>
+          </c:spPr>
+        </c:majorGridlines>
+        <c:numFmt formatCode="0.000000" sourceLinked="1"/>
+        <c:majorTickMark val="none"/>
+        <c:minorTickMark val="none"/>
+        <c:tickLblPos val="nextTo"/>
+        <c:spPr>
+          <a:noFill/>
+          <a:ln w="9525" cap="flat" cmpd="sng" algn="ctr">
+            <a:solidFill>
+              <a:schemeClr val="tx1">
+                <a:lumMod val="25000"/>
+                <a:lumOff val="75000"/>
+              </a:schemeClr>
+            </a:solidFill>
+            <a:round/>
+          </a:ln>
+          <a:effectLst/>
+        </c:spPr>
+        <c:txPr>
+          <a:bodyPr rot="-60000000" spcFirstLastPara="1" vertOverflow="ellipsis" vert="horz" wrap="square" anchor="ctr" anchorCtr="1"/>
+          <a:lstStyle/>
+          <a:p>
+            <a:pPr>
+              <a:defRPr sz="900" b="0" i="0" u="none" strike="noStrike" kern="1200" baseline="0">
+                <a:solidFill>
+                  <a:schemeClr val="tx1">
+                    <a:lumMod val="65000"/>
+                    <a:lumOff val="35000"/>
+                  </a:schemeClr>
+                </a:solidFill>
+                <a:latin typeface="+mn-lt"/>
+                <a:ea typeface="+mn-ea"/>
+                <a:cs typeface="+mn-cs"/>
+              </a:defRPr>
+            </a:pPr>
+            <a:endParaRPr lang="ru-RU"/>
+          </a:p>
+        </c:txPr>
+        <c:crossAx val="704610504"/>
+        <c:crosses val="autoZero"/>
+        <c:crossBetween val="midCat"/>
+      </c:valAx>
+      <c:spPr>
+        <a:noFill/>
+        <a:ln>
+          <a:noFill/>
+        </a:ln>
+        <a:effectLst/>
+      </c:spPr>
+    </c:plotArea>
+    <c:legend>
+      <c:legendPos val="r"/>
+      <c:layout>
+        <c:manualLayout>
+          <c:xMode val="edge"/>
+          <c:yMode val="edge"/>
+          <c:x val="0.67938867016622917"/>
+          <c:y val="0.21354111986001753"/>
+          <c:w val="0.13727799650043745"/>
+          <c:h val="0.15625109361329834"/>
+        </c:manualLayout>
+      </c:layout>
+      <c:overlay val="1"/>
+      <c:spPr>
+        <a:noFill/>
+        <a:ln>
+          <a:noFill/>
+        </a:ln>
+        <a:effectLst/>
+      </c:spPr>
+      <c:txPr>
+        <a:bodyPr rot="0" spcFirstLastPara="1" vertOverflow="ellipsis" vert="horz" wrap="square" anchor="ctr" anchorCtr="1"/>
+        <a:lstStyle/>
+        <a:p>
+          <a:pPr>
+            <a:defRPr sz="900" b="0" i="0" u="none" strike="noStrike" kern="1200" baseline="0">
+              <a:solidFill>
+                <a:schemeClr val="tx1">
+                  <a:lumMod val="65000"/>
+                  <a:lumOff val="35000"/>
+                </a:schemeClr>
+              </a:solidFill>
+              <a:latin typeface="+mn-lt"/>
+              <a:ea typeface="+mn-ea"/>
+              <a:cs typeface="+mn-cs"/>
+            </a:defRPr>
+          </a:pPr>
+          <a:endParaRPr lang="ru-RU"/>
+        </a:p>
+      </c:txPr>
+    </c:legend>
+    <c:plotVisOnly val="1"/>
+    <c:dispBlanksAs val="gap"/>
+    <c:extLst>
+      <c:ext xmlns:c16r3="http://schemas.microsoft.com/office/drawing/2017/03/chart" uri="{56B9EC1D-385E-4148-901F-78D8002777C0}">
+        <c16r3:dataDisplayOptions16>
+          <c16r3:dispNaAsBlank val="1"/>
+        </c16r3:dataDisplayOptions16>
+      </c:ext>
+    </c:extLst>
+    <c:showDLblsOverMax val="0"/>
+  </c:chart>
+  <c:spPr>
+    <a:noFill/>
+    <a:ln>
+      <a:noFill/>
+    </a:ln>
+    <a:effectLst/>
+  </c:spPr>
+  <c:txPr>
+    <a:bodyPr/>
+    <a:lstStyle/>
+    <a:p>
+      <a:pPr>
+        <a:defRPr/>
+      </a:pPr>
+      <a:endParaRPr lang="ru-RU"/>
+    </a:p>
+  </c:txPr>
+  <c:externalData r:id="rId3">
+    <c:autoUpdate val="0"/>
+  </c:externalData>
+</c:chartSpace>
+</file>
+
 <file path=ppt/charts/colors1.xml><?xml version="1.0" encoding="utf-8"?>
+<cs:colorStyle xmlns:cs="http://schemas.microsoft.com/office/drawing/2012/chartStyle" xmlns:a="http://schemas.openxmlformats.org/drawingml/2006/main" meth="cycle" id="10">
+  <a:schemeClr val="accent1"/>
+  <a:schemeClr val="accent2"/>
+  <a:schemeClr val="accent3"/>
+  <a:schemeClr val="accent4"/>
+  <a:schemeClr val="accent5"/>
+  <a:schemeClr val="accent6"/>
+  <cs:variation/>
+  <cs:variation>
+    <a:lumMod val="60000"/>
+  </cs:variation>
+  <cs:variation>
+    <a:lumMod val="80000"/>
+    <a:lumOff val="20000"/>
+  </cs:variation>
+  <cs:variation>
+    <a:lumMod val="80000"/>
+  </cs:variation>
+  <cs:variation>
+    <a:lumMod val="60000"/>
+    <a:lumOff val="40000"/>
+  </cs:variation>
+  <cs:variation>
+    <a:lumMod val="50000"/>
+  </cs:variation>
+  <cs:variation>
+    <a:lumMod val="70000"/>
+    <a:lumOff val="30000"/>
+  </cs:variation>
+  <cs:variation>
+    <a:lumMod val="70000"/>
+  </cs:variation>
+  <cs:variation>
+    <a:lumMod val="50000"/>
+    <a:lumOff val="50000"/>
+  </cs:variation>
+</cs:colorStyle>
+</file>
+
+<file path=ppt/charts/colors10.xml><?xml version="1.0" encoding="utf-8"?>
 <cs:colorStyle xmlns:cs="http://schemas.microsoft.com/office/drawing/2012/chartStyle" xmlns:a="http://schemas.openxmlformats.org/drawingml/2006/main" meth="cycle" id="10">
   <a:schemeClr val="accent1"/>
   <a:schemeClr val="accent2"/>
@@ -5304,6 +7842,126 @@
 </cs:colorStyle>
 </file>
 
+<file path=ppt/charts/colors7.xml><?xml version="1.0" encoding="utf-8"?>
+<cs:colorStyle xmlns:cs="http://schemas.microsoft.com/office/drawing/2012/chartStyle" xmlns:a="http://schemas.openxmlformats.org/drawingml/2006/main" meth="cycle" id="10">
+  <a:schemeClr val="accent1"/>
+  <a:schemeClr val="accent2"/>
+  <a:schemeClr val="accent3"/>
+  <a:schemeClr val="accent4"/>
+  <a:schemeClr val="accent5"/>
+  <a:schemeClr val="accent6"/>
+  <cs:variation/>
+  <cs:variation>
+    <a:lumMod val="60000"/>
+  </cs:variation>
+  <cs:variation>
+    <a:lumMod val="80000"/>
+    <a:lumOff val="20000"/>
+  </cs:variation>
+  <cs:variation>
+    <a:lumMod val="80000"/>
+  </cs:variation>
+  <cs:variation>
+    <a:lumMod val="60000"/>
+    <a:lumOff val="40000"/>
+  </cs:variation>
+  <cs:variation>
+    <a:lumMod val="50000"/>
+  </cs:variation>
+  <cs:variation>
+    <a:lumMod val="70000"/>
+    <a:lumOff val="30000"/>
+  </cs:variation>
+  <cs:variation>
+    <a:lumMod val="70000"/>
+  </cs:variation>
+  <cs:variation>
+    <a:lumMod val="50000"/>
+    <a:lumOff val="50000"/>
+  </cs:variation>
+</cs:colorStyle>
+</file>
+
+<file path=ppt/charts/colors8.xml><?xml version="1.0" encoding="utf-8"?>
+<cs:colorStyle xmlns:cs="http://schemas.microsoft.com/office/drawing/2012/chartStyle" xmlns:a="http://schemas.openxmlformats.org/drawingml/2006/main" meth="cycle" id="10">
+  <a:schemeClr val="accent1"/>
+  <a:schemeClr val="accent2"/>
+  <a:schemeClr val="accent3"/>
+  <a:schemeClr val="accent4"/>
+  <a:schemeClr val="accent5"/>
+  <a:schemeClr val="accent6"/>
+  <cs:variation/>
+  <cs:variation>
+    <a:lumMod val="60000"/>
+  </cs:variation>
+  <cs:variation>
+    <a:lumMod val="80000"/>
+    <a:lumOff val="20000"/>
+  </cs:variation>
+  <cs:variation>
+    <a:lumMod val="80000"/>
+  </cs:variation>
+  <cs:variation>
+    <a:lumMod val="60000"/>
+    <a:lumOff val="40000"/>
+  </cs:variation>
+  <cs:variation>
+    <a:lumMod val="50000"/>
+  </cs:variation>
+  <cs:variation>
+    <a:lumMod val="70000"/>
+    <a:lumOff val="30000"/>
+  </cs:variation>
+  <cs:variation>
+    <a:lumMod val="70000"/>
+  </cs:variation>
+  <cs:variation>
+    <a:lumMod val="50000"/>
+    <a:lumOff val="50000"/>
+  </cs:variation>
+</cs:colorStyle>
+</file>
+
+<file path=ppt/charts/colors9.xml><?xml version="1.0" encoding="utf-8"?>
+<cs:colorStyle xmlns:cs="http://schemas.microsoft.com/office/drawing/2012/chartStyle" xmlns:a="http://schemas.openxmlformats.org/drawingml/2006/main" meth="cycle" id="10">
+  <a:schemeClr val="accent1"/>
+  <a:schemeClr val="accent2"/>
+  <a:schemeClr val="accent3"/>
+  <a:schemeClr val="accent4"/>
+  <a:schemeClr val="accent5"/>
+  <a:schemeClr val="accent6"/>
+  <cs:variation/>
+  <cs:variation>
+    <a:lumMod val="60000"/>
+  </cs:variation>
+  <cs:variation>
+    <a:lumMod val="80000"/>
+    <a:lumOff val="20000"/>
+  </cs:variation>
+  <cs:variation>
+    <a:lumMod val="80000"/>
+  </cs:variation>
+  <cs:variation>
+    <a:lumMod val="60000"/>
+    <a:lumOff val="40000"/>
+  </cs:variation>
+  <cs:variation>
+    <a:lumMod val="50000"/>
+  </cs:variation>
+  <cs:variation>
+    <a:lumMod val="70000"/>
+    <a:lumOff val="30000"/>
+  </cs:variation>
+  <cs:variation>
+    <a:lumMod val="70000"/>
+  </cs:variation>
+  <cs:variation>
+    <a:lumMod val="50000"/>
+    <a:lumOff val="50000"/>
+  </cs:variation>
+</cs:colorStyle>
+</file>
+
 <file path=ppt/charts/style1.xml><?xml version="1.0" encoding="utf-8"?>
 <cs:chartStyle xmlns:cs="http://schemas.microsoft.com/office/drawing/2012/chartStyle" xmlns:a="http://schemas.openxmlformats.org/drawingml/2006/main" id="240">
   <cs:axisTitle>
@@ -5820,7 +8478,7 @@
 </cs:chartStyle>
 </file>
 
-<file path=ppt/charts/style2.xml><?xml version="1.0" encoding="utf-8"?>
+<file path=ppt/charts/style10.xml><?xml version="1.0" encoding="utf-8"?>
 <cs:chartStyle xmlns:cs="http://schemas.microsoft.com/office/drawing/2012/chartStyle" xmlns:a="http://schemas.openxmlformats.org/drawingml/2006/main" id="240">
   <cs:axisTitle>
     <cs:lnRef idx="0"/>
@@ -6336,7 +8994,7 @@
 </cs:chartStyle>
 </file>
 
-<file path=ppt/charts/style3.xml><?xml version="1.0" encoding="utf-8"?>
+<file path=ppt/charts/style2.xml><?xml version="1.0" encoding="utf-8"?>
 <cs:chartStyle xmlns:cs="http://schemas.microsoft.com/office/drawing/2012/chartStyle" xmlns:a="http://schemas.openxmlformats.org/drawingml/2006/main" id="240">
   <cs:axisTitle>
     <cs:lnRef idx="0"/>
@@ -6852,7 +9510,7 @@
 </cs:chartStyle>
 </file>
 
-<file path=ppt/charts/style4.xml><?xml version="1.0" encoding="utf-8"?>
+<file path=ppt/charts/style3.xml><?xml version="1.0" encoding="utf-8"?>
 <cs:chartStyle xmlns:cs="http://schemas.microsoft.com/office/drawing/2012/chartStyle" xmlns:a="http://schemas.openxmlformats.org/drawingml/2006/main" id="240">
   <cs:axisTitle>
     <cs:lnRef idx="0"/>
@@ -7368,7 +10026,7 @@
 </cs:chartStyle>
 </file>
 
-<file path=ppt/charts/style5.xml><?xml version="1.0" encoding="utf-8"?>
+<file path=ppt/charts/style4.xml><?xml version="1.0" encoding="utf-8"?>
 <cs:chartStyle xmlns:cs="http://schemas.microsoft.com/office/drawing/2012/chartStyle" xmlns:a="http://schemas.openxmlformats.org/drawingml/2006/main" id="240">
   <cs:axisTitle>
     <cs:lnRef idx="0"/>
@@ -7884,7 +10542,2071 @@
 </cs:chartStyle>
 </file>
 
+<file path=ppt/charts/style5.xml><?xml version="1.0" encoding="utf-8"?>
+<cs:chartStyle xmlns:cs="http://schemas.microsoft.com/office/drawing/2012/chartStyle" xmlns:a="http://schemas.openxmlformats.org/drawingml/2006/main" id="240">
+  <cs:axisTitle>
+    <cs:lnRef idx="0"/>
+    <cs:fillRef idx="0"/>
+    <cs:effectRef idx="0"/>
+    <cs:fontRef idx="minor">
+      <a:schemeClr val="tx1">
+        <a:lumMod val="65000"/>
+        <a:lumOff val="35000"/>
+      </a:schemeClr>
+    </cs:fontRef>
+    <cs:defRPr sz="1000" kern="1200"/>
+  </cs:axisTitle>
+  <cs:categoryAxis>
+    <cs:lnRef idx="0"/>
+    <cs:fillRef idx="0"/>
+    <cs:effectRef idx="0"/>
+    <cs:fontRef idx="minor">
+      <a:schemeClr val="tx1">
+        <a:lumMod val="65000"/>
+        <a:lumOff val="35000"/>
+      </a:schemeClr>
+    </cs:fontRef>
+    <cs:spPr>
+      <a:ln w="9525" cap="flat" cmpd="sng" algn="ctr">
+        <a:solidFill>
+          <a:schemeClr val="tx1">
+            <a:lumMod val="25000"/>
+            <a:lumOff val="75000"/>
+          </a:schemeClr>
+        </a:solidFill>
+        <a:round/>
+      </a:ln>
+    </cs:spPr>
+    <cs:defRPr sz="900" kern="1200"/>
+  </cs:categoryAxis>
+  <cs:chartArea mods="allowNoFillOverride allowNoLineOverride">
+    <cs:lnRef idx="0"/>
+    <cs:fillRef idx="0"/>
+    <cs:effectRef idx="0"/>
+    <cs:fontRef idx="minor">
+      <a:schemeClr val="tx1"/>
+    </cs:fontRef>
+    <cs:spPr>
+      <a:solidFill>
+        <a:schemeClr val="bg1"/>
+      </a:solidFill>
+      <a:ln w="9525" cap="flat" cmpd="sng" algn="ctr">
+        <a:solidFill>
+          <a:schemeClr val="tx1">
+            <a:lumMod val="15000"/>
+            <a:lumOff val="85000"/>
+          </a:schemeClr>
+        </a:solidFill>
+        <a:round/>
+      </a:ln>
+    </cs:spPr>
+    <cs:defRPr sz="1000" kern="1200"/>
+  </cs:chartArea>
+  <cs:dataLabel>
+    <cs:lnRef idx="0"/>
+    <cs:fillRef idx="0"/>
+    <cs:effectRef idx="0"/>
+    <cs:fontRef idx="minor">
+      <a:schemeClr val="tx1">
+        <a:lumMod val="75000"/>
+        <a:lumOff val="25000"/>
+      </a:schemeClr>
+    </cs:fontRef>
+    <cs:defRPr sz="900" kern="1200"/>
+  </cs:dataLabel>
+  <cs:dataLabelCallout>
+    <cs:lnRef idx="0"/>
+    <cs:fillRef idx="0"/>
+    <cs:effectRef idx="0"/>
+    <cs:fontRef idx="minor">
+      <a:schemeClr val="dk1">
+        <a:lumMod val="65000"/>
+        <a:lumOff val="35000"/>
+      </a:schemeClr>
+    </cs:fontRef>
+    <cs:spPr>
+      <a:solidFill>
+        <a:schemeClr val="lt1"/>
+      </a:solidFill>
+      <a:ln>
+        <a:solidFill>
+          <a:schemeClr val="dk1">
+            <a:lumMod val="25000"/>
+            <a:lumOff val="75000"/>
+          </a:schemeClr>
+        </a:solidFill>
+      </a:ln>
+    </cs:spPr>
+    <cs:defRPr sz="900" kern="1200"/>
+    <cs:bodyPr rot="0" spcFirstLastPara="1" vertOverflow="clip" horzOverflow="clip" vert="horz" wrap="square" lIns="36576" tIns="18288" rIns="36576" bIns="18288" anchor="ctr" anchorCtr="1">
+      <a:spAutoFit/>
+    </cs:bodyPr>
+  </cs:dataLabelCallout>
+  <cs:dataPoint>
+    <cs:lnRef idx="0"/>
+    <cs:fillRef idx="1">
+      <cs:styleClr val="auto"/>
+    </cs:fillRef>
+    <cs:effectRef idx="0"/>
+    <cs:fontRef idx="minor">
+      <a:schemeClr val="tx1"/>
+    </cs:fontRef>
+  </cs:dataPoint>
+  <cs:dataPoint3D>
+    <cs:lnRef idx="0"/>
+    <cs:fillRef idx="1">
+      <cs:styleClr val="auto"/>
+    </cs:fillRef>
+    <cs:effectRef idx="0"/>
+    <cs:fontRef idx="minor">
+      <a:schemeClr val="tx1"/>
+    </cs:fontRef>
+  </cs:dataPoint3D>
+  <cs:dataPointLine>
+    <cs:lnRef idx="0">
+      <cs:styleClr val="auto"/>
+    </cs:lnRef>
+    <cs:fillRef idx="1"/>
+    <cs:effectRef idx="0"/>
+    <cs:fontRef idx="minor">
+      <a:schemeClr val="tx1"/>
+    </cs:fontRef>
+    <cs:spPr>
+      <a:ln w="19050" cap="rnd">
+        <a:solidFill>
+          <a:schemeClr val="phClr"/>
+        </a:solidFill>
+        <a:round/>
+      </a:ln>
+    </cs:spPr>
+  </cs:dataPointLine>
+  <cs:dataPointMarker>
+    <cs:lnRef idx="0">
+      <cs:styleClr val="auto"/>
+    </cs:lnRef>
+    <cs:fillRef idx="1">
+      <cs:styleClr val="auto"/>
+    </cs:fillRef>
+    <cs:effectRef idx="0"/>
+    <cs:fontRef idx="minor">
+      <a:schemeClr val="tx1"/>
+    </cs:fontRef>
+    <cs:spPr>
+      <a:ln w="9525">
+        <a:solidFill>
+          <a:schemeClr val="phClr"/>
+        </a:solidFill>
+      </a:ln>
+    </cs:spPr>
+  </cs:dataPointMarker>
+  <cs:dataPointMarkerLayout symbol="circle" size="5"/>
+  <cs:dataPointWireframe>
+    <cs:lnRef idx="0">
+      <cs:styleClr val="auto"/>
+    </cs:lnRef>
+    <cs:fillRef idx="0"/>
+    <cs:effectRef idx="0"/>
+    <cs:fontRef idx="minor">
+      <a:schemeClr val="dk1"/>
+    </cs:fontRef>
+    <cs:spPr>
+      <a:ln w="9525" cap="rnd">
+        <a:solidFill>
+          <a:schemeClr val="phClr"/>
+        </a:solidFill>
+        <a:round/>
+      </a:ln>
+    </cs:spPr>
+  </cs:dataPointWireframe>
+  <cs:dataTable>
+    <cs:lnRef idx="0"/>
+    <cs:fillRef idx="0"/>
+    <cs:effectRef idx="0"/>
+    <cs:fontRef idx="minor">
+      <a:schemeClr val="tx1">
+        <a:lumMod val="65000"/>
+        <a:lumOff val="35000"/>
+      </a:schemeClr>
+    </cs:fontRef>
+    <cs:spPr>
+      <a:noFill/>
+      <a:ln w="9525" cap="flat" cmpd="sng" algn="ctr">
+        <a:solidFill>
+          <a:schemeClr val="tx1">
+            <a:lumMod val="15000"/>
+            <a:lumOff val="85000"/>
+          </a:schemeClr>
+        </a:solidFill>
+        <a:round/>
+      </a:ln>
+    </cs:spPr>
+    <cs:defRPr sz="900" kern="1200"/>
+  </cs:dataTable>
+  <cs:downBar>
+    <cs:lnRef idx="0"/>
+    <cs:fillRef idx="0"/>
+    <cs:effectRef idx="0"/>
+    <cs:fontRef idx="minor">
+      <a:schemeClr val="tx1"/>
+    </cs:fontRef>
+    <cs:spPr>
+      <a:solidFill>
+        <a:schemeClr val="dk1">
+          <a:lumMod val="75000"/>
+          <a:lumOff val="25000"/>
+        </a:schemeClr>
+      </a:solidFill>
+      <a:ln w="9525" cap="flat" cmpd="sng" algn="ctr">
+        <a:solidFill>
+          <a:schemeClr val="tx1">
+            <a:lumMod val="65000"/>
+            <a:lumOff val="35000"/>
+          </a:schemeClr>
+        </a:solidFill>
+        <a:round/>
+      </a:ln>
+    </cs:spPr>
+  </cs:downBar>
+  <cs:dropLine>
+    <cs:lnRef idx="0"/>
+    <cs:fillRef idx="0"/>
+    <cs:effectRef idx="0"/>
+    <cs:fontRef idx="minor">
+      <a:schemeClr val="tx1"/>
+    </cs:fontRef>
+    <cs:spPr>
+      <a:ln w="9525" cap="flat" cmpd="sng" algn="ctr">
+        <a:solidFill>
+          <a:schemeClr val="tx1">
+            <a:lumMod val="35000"/>
+            <a:lumOff val="65000"/>
+          </a:schemeClr>
+        </a:solidFill>
+        <a:round/>
+      </a:ln>
+    </cs:spPr>
+  </cs:dropLine>
+  <cs:errorBar>
+    <cs:lnRef idx="0"/>
+    <cs:fillRef idx="0"/>
+    <cs:effectRef idx="0"/>
+    <cs:fontRef idx="minor">
+      <a:schemeClr val="tx1"/>
+    </cs:fontRef>
+    <cs:spPr>
+      <a:ln w="9525" cap="flat" cmpd="sng" algn="ctr">
+        <a:solidFill>
+          <a:schemeClr val="tx1">
+            <a:lumMod val="65000"/>
+            <a:lumOff val="35000"/>
+          </a:schemeClr>
+        </a:solidFill>
+        <a:round/>
+      </a:ln>
+    </cs:spPr>
+  </cs:errorBar>
+  <cs:floor>
+    <cs:lnRef idx="0"/>
+    <cs:fillRef idx="0"/>
+    <cs:effectRef idx="0"/>
+    <cs:fontRef idx="minor">
+      <a:schemeClr val="tx1"/>
+    </cs:fontRef>
+    <cs:spPr>
+      <a:noFill/>
+      <a:ln>
+        <a:noFill/>
+      </a:ln>
+    </cs:spPr>
+  </cs:floor>
+  <cs:gridlineMajor>
+    <cs:lnRef idx="0"/>
+    <cs:fillRef idx="0"/>
+    <cs:effectRef idx="0"/>
+    <cs:fontRef idx="minor">
+      <a:schemeClr val="tx1"/>
+    </cs:fontRef>
+    <cs:spPr>
+      <a:ln w="9525" cap="flat" cmpd="sng" algn="ctr">
+        <a:solidFill>
+          <a:schemeClr val="tx1">
+            <a:lumMod val="15000"/>
+            <a:lumOff val="85000"/>
+          </a:schemeClr>
+        </a:solidFill>
+        <a:round/>
+      </a:ln>
+    </cs:spPr>
+  </cs:gridlineMajor>
+  <cs:gridlineMinor>
+    <cs:lnRef idx="0"/>
+    <cs:fillRef idx="0"/>
+    <cs:effectRef idx="0"/>
+    <cs:fontRef idx="minor">
+      <a:schemeClr val="tx1"/>
+    </cs:fontRef>
+    <cs:spPr>
+      <a:ln w="9525" cap="flat" cmpd="sng" algn="ctr">
+        <a:solidFill>
+          <a:schemeClr val="tx1">
+            <a:lumMod val="5000"/>
+            <a:lumOff val="95000"/>
+          </a:schemeClr>
+        </a:solidFill>
+        <a:round/>
+      </a:ln>
+    </cs:spPr>
+  </cs:gridlineMinor>
+  <cs:hiLoLine>
+    <cs:lnRef idx="0"/>
+    <cs:fillRef idx="0"/>
+    <cs:effectRef idx="0"/>
+    <cs:fontRef idx="minor">
+      <a:schemeClr val="tx1"/>
+    </cs:fontRef>
+    <cs:spPr>
+      <a:ln w="9525" cap="flat" cmpd="sng" algn="ctr">
+        <a:solidFill>
+          <a:schemeClr val="tx1">
+            <a:lumMod val="50000"/>
+            <a:lumOff val="50000"/>
+          </a:schemeClr>
+        </a:solidFill>
+        <a:round/>
+      </a:ln>
+    </cs:spPr>
+  </cs:hiLoLine>
+  <cs:leaderLine>
+    <cs:lnRef idx="0"/>
+    <cs:fillRef idx="0"/>
+    <cs:effectRef idx="0"/>
+    <cs:fontRef idx="minor">
+      <a:schemeClr val="tx1"/>
+    </cs:fontRef>
+    <cs:spPr>
+      <a:ln w="9525" cap="flat" cmpd="sng" algn="ctr">
+        <a:solidFill>
+          <a:schemeClr val="tx1">
+            <a:lumMod val="35000"/>
+            <a:lumOff val="65000"/>
+          </a:schemeClr>
+        </a:solidFill>
+        <a:round/>
+      </a:ln>
+    </cs:spPr>
+  </cs:leaderLine>
+  <cs:legend>
+    <cs:lnRef idx="0"/>
+    <cs:fillRef idx="0"/>
+    <cs:effectRef idx="0"/>
+    <cs:fontRef idx="minor">
+      <a:schemeClr val="tx1">
+        <a:lumMod val="65000"/>
+        <a:lumOff val="35000"/>
+      </a:schemeClr>
+    </cs:fontRef>
+    <cs:defRPr sz="900" kern="1200"/>
+  </cs:legend>
+  <cs:plotArea mods="allowNoFillOverride allowNoLineOverride">
+    <cs:lnRef idx="0"/>
+    <cs:fillRef idx="0"/>
+    <cs:effectRef idx="0"/>
+    <cs:fontRef idx="minor">
+      <a:schemeClr val="tx1"/>
+    </cs:fontRef>
+  </cs:plotArea>
+  <cs:plotArea3D mods="allowNoFillOverride allowNoLineOverride">
+    <cs:lnRef idx="0"/>
+    <cs:fillRef idx="0"/>
+    <cs:effectRef idx="0"/>
+    <cs:fontRef idx="minor">
+      <a:schemeClr val="tx1"/>
+    </cs:fontRef>
+  </cs:plotArea3D>
+  <cs:seriesAxis>
+    <cs:lnRef idx="0"/>
+    <cs:fillRef idx="0"/>
+    <cs:effectRef idx="0"/>
+    <cs:fontRef idx="minor">
+      <a:schemeClr val="tx1">
+        <a:lumMod val="65000"/>
+        <a:lumOff val="35000"/>
+      </a:schemeClr>
+    </cs:fontRef>
+    <cs:defRPr sz="900" kern="1200"/>
+  </cs:seriesAxis>
+  <cs:seriesLine>
+    <cs:lnRef idx="0"/>
+    <cs:fillRef idx="0"/>
+    <cs:effectRef idx="0"/>
+    <cs:fontRef idx="minor">
+      <a:schemeClr val="tx1"/>
+    </cs:fontRef>
+    <cs:spPr>
+      <a:ln w="9525" cap="flat" cmpd="sng" algn="ctr">
+        <a:solidFill>
+          <a:schemeClr val="tx1">
+            <a:lumMod val="35000"/>
+            <a:lumOff val="65000"/>
+          </a:schemeClr>
+        </a:solidFill>
+        <a:round/>
+      </a:ln>
+    </cs:spPr>
+  </cs:seriesLine>
+  <cs:title>
+    <cs:lnRef idx="0"/>
+    <cs:fillRef idx="0"/>
+    <cs:effectRef idx="0"/>
+    <cs:fontRef idx="minor">
+      <a:schemeClr val="tx1">
+        <a:lumMod val="65000"/>
+        <a:lumOff val="35000"/>
+      </a:schemeClr>
+    </cs:fontRef>
+    <cs:defRPr sz="1400" b="0" kern="1200" spc="0" baseline="0"/>
+  </cs:title>
+  <cs:trendline>
+    <cs:lnRef idx="0">
+      <cs:styleClr val="auto"/>
+    </cs:lnRef>
+    <cs:fillRef idx="0"/>
+    <cs:effectRef idx="0"/>
+    <cs:fontRef idx="minor">
+      <a:schemeClr val="tx1"/>
+    </cs:fontRef>
+    <cs:spPr>
+      <a:ln w="19050" cap="rnd">
+        <a:solidFill>
+          <a:schemeClr val="phClr"/>
+        </a:solidFill>
+        <a:prstDash val="sysDot"/>
+      </a:ln>
+    </cs:spPr>
+  </cs:trendline>
+  <cs:trendlineLabel>
+    <cs:lnRef idx="0"/>
+    <cs:fillRef idx="0"/>
+    <cs:effectRef idx="0"/>
+    <cs:fontRef idx="minor">
+      <a:schemeClr val="tx1">
+        <a:lumMod val="65000"/>
+        <a:lumOff val="35000"/>
+      </a:schemeClr>
+    </cs:fontRef>
+    <cs:defRPr sz="900" kern="1200"/>
+  </cs:trendlineLabel>
+  <cs:upBar>
+    <cs:lnRef idx="0"/>
+    <cs:fillRef idx="0"/>
+    <cs:effectRef idx="0"/>
+    <cs:fontRef idx="minor">
+      <a:schemeClr val="tx1"/>
+    </cs:fontRef>
+    <cs:spPr>
+      <a:solidFill>
+        <a:schemeClr val="lt1"/>
+      </a:solidFill>
+      <a:ln w="9525" cap="flat" cmpd="sng" algn="ctr">
+        <a:solidFill>
+          <a:schemeClr val="tx1">
+            <a:lumMod val="65000"/>
+            <a:lumOff val="35000"/>
+          </a:schemeClr>
+        </a:solidFill>
+        <a:round/>
+      </a:ln>
+    </cs:spPr>
+  </cs:upBar>
+  <cs:valueAxis>
+    <cs:lnRef idx="0"/>
+    <cs:fillRef idx="0"/>
+    <cs:effectRef idx="0"/>
+    <cs:fontRef idx="minor">
+      <a:schemeClr val="tx1">
+        <a:lumMod val="65000"/>
+        <a:lumOff val="35000"/>
+      </a:schemeClr>
+    </cs:fontRef>
+    <cs:spPr>
+      <a:ln w="9525" cap="flat" cmpd="sng" algn="ctr">
+        <a:solidFill>
+          <a:schemeClr val="tx1">
+            <a:lumMod val="25000"/>
+            <a:lumOff val="75000"/>
+          </a:schemeClr>
+        </a:solidFill>
+        <a:round/>
+      </a:ln>
+    </cs:spPr>
+    <cs:defRPr sz="900" kern="1200"/>
+  </cs:valueAxis>
+  <cs:wall>
+    <cs:lnRef idx="0"/>
+    <cs:fillRef idx="0"/>
+    <cs:effectRef idx="0"/>
+    <cs:fontRef idx="minor">
+      <a:schemeClr val="tx1"/>
+    </cs:fontRef>
+    <cs:spPr>
+      <a:noFill/>
+      <a:ln>
+        <a:noFill/>
+      </a:ln>
+    </cs:spPr>
+  </cs:wall>
+</cs:chartStyle>
+</file>
+
 <file path=ppt/charts/style6.xml><?xml version="1.0" encoding="utf-8"?>
+<cs:chartStyle xmlns:cs="http://schemas.microsoft.com/office/drawing/2012/chartStyle" xmlns:a="http://schemas.openxmlformats.org/drawingml/2006/main" id="240">
+  <cs:axisTitle>
+    <cs:lnRef idx="0"/>
+    <cs:fillRef idx="0"/>
+    <cs:effectRef idx="0"/>
+    <cs:fontRef idx="minor">
+      <a:schemeClr val="tx1">
+        <a:lumMod val="65000"/>
+        <a:lumOff val="35000"/>
+      </a:schemeClr>
+    </cs:fontRef>
+    <cs:defRPr sz="1000" kern="1200"/>
+  </cs:axisTitle>
+  <cs:categoryAxis>
+    <cs:lnRef idx="0"/>
+    <cs:fillRef idx="0"/>
+    <cs:effectRef idx="0"/>
+    <cs:fontRef idx="minor">
+      <a:schemeClr val="tx1">
+        <a:lumMod val="65000"/>
+        <a:lumOff val="35000"/>
+      </a:schemeClr>
+    </cs:fontRef>
+    <cs:spPr>
+      <a:ln w="9525" cap="flat" cmpd="sng" algn="ctr">
+        <a:solidFill>
+          <a:schemeClr val="tx1">
+            <a:lumMod val="25000"/>
+            <a:lumOff val="75000"/>
+          </a:schemeClr>
+        </a:solidFill>
+        <a:round/>
+      </a:ln>
+    </cs:spPr>
+    <cs:defRPr sz="900" kern="1200"/>
+  </cs:categoryAxis>
+  <cs:chartArea mods="allowNoFillOverride allowNoLineOverride">
+    <cs:lnRef idx="0"/>
+    <cs:fillRef idx="0"/>
+    <cs:effectRef idx="0"/>
+    <cs:fontRef idx="minor">
+      <a:schemeClr val="tx1"/>
+    </cs:fontRef>
+    <cs:spPr>
+      <a:solidFill>
+        <a:schemeClr val="bg1"/>
+      </a:solidFill>
+      <a:ln w="9525" cap="flat" cmpd="sng" algn="ctr">
+        <a:solidFill>
+          <a:schemeClr val="tx1">
+            <a:lumMod val="15000"/>
+            <a:lumOff val="85000"/>
+          </a:schemeClr>
+        </a:solidFill>
+        <a:round/>
+      </a:ln>
+    </cs:spPr>
+    <cs:defRPr sz="1000" kern="1200"/>
+  </cs:chartArea>
+  <cs:dataLabel>
+    <cs:lnRef idx="0"/>
+    <cs:fillRef idx="0"/>
+    <cs:effectRef idx="0"/>
+    <cs:fontRef idx="minor">
+      <a:schemeClr val="tx1">
+        <a:lumMod val="75000"/>
+        <a:lumOff val="25000"/>
+      </a:schemeClr>
+    </cs:fontRef>
+    <cs:defRPr sz="900" kern="1200"/>
+  </cs:dataLabel>
+  <cs:dataLabelCallout>
+    <cs:lnRef idx="0"/>
+    <cs:fillRef idx="0"/>
+    <cs:effectRef idx="0"/>
+    <cs:fontRef idx="minor">
+      <a:schemeClr val="dk1">
+        <a:lumMod val="65000"/>
+        <a:lumOff val="35000"/>
+      </a:schemeClr>
+    </cs:fontRef>
+    <cs:spPr>
+      <a:solidFill>
+        <a:schemeClr val="lt1"/>
+      </a:solidFill>
+      <a:ln>
+        <a:solidFill>
+          <a:schemeClr val="dk1">
+            <a:lumMod val="25000"/>
+            <a:lumOff val="75000"/>
+          </a:schemeClr>
+        </a:solidFill>
+      </a:ln>
+    </cs:spPr>
+    <cs:defRPr sz="900" kern="1200"/>
+    <cs:bodyPr rot="0" spcFirstLastPara="1" vertOverflow="clip" horzOverflow="clip" vert="horz" wrap="square" lIns="36576" tIns="18288" rIns="36576" bIns="18288" anchor="ctr" anchorCtr="1">
+      <a:spAutoFit/>
+    </cs:bodyPr>
+  </cs:dataLabelCallout>
+  <cs:dataPoint>
+    <cs:lnRef idx="0"/>
+    <cs:fillRef idx="1">
+      <cs:styleClr val="auto"/>
+    </cs:fillRef>
+    <cs:effectRef idx="0"/>
+    <cs:fontRef idx="minor">
+      <a:schemeClr val="tx1"/>
+    </cs:fontRef>
+  </cs:dataPoint>
+  <cs:dataPoint3D>
+    <cs:lnRef idx="0"/>
+    <cs:fillRef idx="1">
+      <cs:styleClr val="auto"/>
+    </cs:fillRef>
+    <cs:effectRef idx="0"/>
+    <cs:fontRef idx="minor">
+      <a:schemeClr val="tx1"/>
+    </cs:fontRef>
+  </cs:dataPoint3D>
+  <cs:dataPointLine>
+    <cs:lnRef idx="0">
+      <cs:styleClr val="auto"/>
+    </cs:lnRef>
+    <cs:fillRef idx="1"/>
+    <cs:effectRef idx="0"/>
+    <cs:fontRef idx="minor">
+      <a:schemeClr val="tx1"/>
+    </cs:fontRef>
+    <cs:spPr>
+      <a:ln w="19050" cap="rnd">
+        <a:solidFill>
+          <a:schemeClr val="phClr"/>
+        </a:solidFill>
+        <a:round/>
+      </a:ln>
+    </cs:spPr>
+  </cs:dataPointLine>
+  <cs:dataPointMarker>
+    <cs:lnRef idx="0">
+      <cs:styleClr val="auto"/>
+    </cs:lnRef>
+    <cs:fillRef idx="1">
+      <cs:styleClr val="auto"/>
+    </cs:fillRef>
+    <cs:effectRef idx="0"/>
+    <cs:fontRef idx="minor">
+      <a:schemeClr val="tx1"/>
+    </cs:fontRef>
+    <cs:spPr>
+      <a:ln w="9525">
+        <a:solidFill>
+          <a:schemeClr val="phClr"/>
+        </a:solidFill>
+      </a:ln>
+    </cs:spPr>
+  </cs:dataPointMarker>
+  <cs:dataPointMarkerLayout symbol="circle" size="5"/>
+  <cs:dataPointWireframe>
+    <cs:lnRef idx="0">
+      <cs:styleClr val="auto"/>
+    </cs:lnRef>
+    <cs:fillRef idx="0"/>
+    <cs:effectRef idx="0"/>
+    <cs:fontRef idx="minor">
+      <a:schemeClr val="dk1"/>
+    </cs:fontRef>
+    <cs:spPr>
+      <a:ln w="9525" cap="rnd">
+        <a:solidFill>
+          <a:schemeClr val="phClr"/>
+        </a:solidFill>
+        <a:round/>
+      </a:ln>
+    </cs:spPr>
+  </cs:dataPointWireframe>
+  <cs:dataTable>
+    <cs:lnRef idx="0"/>
+    <cs:fillRef idx="0"/>
+    <cs:effectRef idx="0"/>
+    <cs:fontRef idx="minor">
+      <a:schemeClr val="tx1">
+        <a:lumMod val="65000"/>
+        <a:lumOff val="35000"/>
+      </a:schemeClr>
+    </cs:fontRef>
+    <cs:spPr>
+      <a:noFill/>
+      <a:ln w="9525" cap="flat" cmpd="sng" algn="ctr">
+        <a:solidFill>
+          <a:schemeClr val="tx1">
+            <a:lumMod val="15000"/>
+            <a:lumOff val="85000"/>
+          </a:schemeClr>
+        </a:solidFill>
+        <a:round/>
+      </a:ln>
+    </cs:spPr>
+    <cs:defRPr sz="900" kern="1200"/>
+  </cs:dataTable>
+  <cs:downBar>
+    <cs:lnRef idx="0"/>
+    <cs:fillRef idx="0"/>
+    <cs:effectRef idx="0"/>
+    <cs:fontRef idx="minor">
+      <a:schemeClr val="tx1"/>
+    </cs:fontRef>
+    <cs:spPr>
+      <a:solidFill>
+        <a:schemeClr val="dk1">
+          <a:lumMod val="75000"/>
+          <a:lumOff val="25000"/>
+        </a:schemeClr>
+      </a:solidFill>
+      <a:ln w="9525" cap="flat" cmpd="sng" algn="ctr">
+        <a:solidFill>
+          <a:schemeClr val="tx1">
+            <a:lumMod val="65000"/>
+            <a:lumOff val="35000"/>
+          </a:schemeClr>
+        </a:solidFill>
+        <a:round/>
+      </a:ln>
+    </cs:spPr>
+  </cs:downBar>
+  <cs:dropLine>
+    <cs:lnRef idx="0"/>
+    <cs:fillRef idx="0"/>
+    <cs:effectRef idx="0"/>
+    <cs:fontRef idx="minor">
+      <a:schemeClr val="tx1"/>
+    </cs:fontRef>
+    <cs:spPr>
+      <a:ln w="9525" cap="flat" cmpd="sng" algn="ctr">
+        <a:solidFill>
+          <a:schemeClr val="tx1">
+            <a:lumMod val="35000"/>
+            <a:lumOff val="65000"/>
+          </a:schemeClr>
+        </a:solidFill>
+        <a:round/>
+      </a:ln>
+    </cs:spPr>
+  </cs:dropLine>
+  <cs:errorBar>
+    <cs:lnRef idx="0"/>
+    <cs:fillRef idx="0"/>
+    <cs:effectRef idx="0"/>
+    <cs:fontRef idx="minor">
+      <a:schemeClr val="tx1"/>
+    </cs:fontRef>
+    <cs:spPr>
+      <a:ln w="9525" cap="flat" cmpd="sng" algn="ctr">
+        <a:solidFill>
+          <a:schemeClr val="tx1">
+            <a:lumMod val="65000"/>
+            <a:lumOff val="35000"/>
+          </a:schemeClr>
+        </a:solidFill>
+        <a:round/>
+      </a:ln>
+    </cs:spPr>
+  </cs:errorBar>
+  <cs:floor>
+    <cs:lnRef idx="0"/>
+    <cs:fillRef idx="0"/>
+    <cs:effectRef idx="0"/>
+    <cs:fontRef idx="minor">
+      <a:schemeClr val="tx1"/>
+    </cs:fontRef>
+    <cs:spPr>
+      <a:noFill/>
+      <a:ln>
+        <a:noFill/>
+      </a:ln>
+    </cs:spPr>
+  </cs:floor>
+  <cs:gridlineMajor>
+    <cs:lnRef idx="0"/>
+    <cs:fillRef idx="0"/>
+    <cs:effectRef idx="0"/>
+    <cs:fontRef idx="minor">
+      <a:schemeClr val="tx1"/>
+    </cs:fontRef>
+    <cs:spPr>
+      <a:ln w="9525" cap="flat" cmpd="sng" algn="ctr">
+        <a:solidFill>
+          <a:schemeClr val="tx1">
+            <a:lumMod val="15000"/>
+            <a:lumOff val="85000"/>
+          </a:schemeClr>
+        </a:solidFill>
+        <a:round/>
+      </a:ln>
+    </cs:spPr>
+  </cs:gridlineMajor>
+  <cs:gridlineMinor>
+    <cs:lnRef idx="0"/>
+    <cs:fillRef idx="0"/>
+    <cs:effectRef idx="0"/>
+    <cs:fontRef idx="minor">
+      <a:schemeClr val="tx1"/>
+    </cs:fontRef>
+    <cs:spPr>
+      <a:ln w="9525" cap="flat" cmpd="sng" algn="ctr">
+        <a:solidFill>
+          <a:schemeClr val="tx1">
+            <a:lumMod val="5000"/>
+            <a:lumOff val="95000"/>
+          </a:schemeClr>
+        </a:solidFill>
+        <a:round/>
+      </a:ln>
+    </cs:spPr>
+  </cs:gridlineMinor>
+  <cs:hiLoLine>
+    <cs:lnRef idx="0"/>
+    <cs:fillRef idx="0"/>
+    <cs:effectRef idx="0"/>
+    <cs:fontRef idx="minor">
+      <a:schemeClr val="tx1"/>
+    </cs:fontRef>
+    <cs:spPr>
+      <a:ln w="9525" cap="flat" cmpd="sng" algn="ctr">
+        <a:solidFill>
+          <a:schemeClr val="tx1">
+            <a:lumMod val="50000"/>
+            <a:lumOff val="50000"/>
+          </a:schemeClr>
+        </a:solidFill>
+        <a:round/>
+      </a:ln>
+    </cs:spPr>
+  </cs:hiLoLine>
+  <cs:leaderLine>
+    <cs:lnRef idx="0"/>
+    <cs:fillRef idx="0"/>
+    <cs:effectRef idx="0"/>
+    <cs:fontRef idx="minor">
+      <a:schemeClr val="tx1"/>
+    </cs:fontRef>
+    <cs:spPr>
+      <a:ln w="9525" cap="flat" cmpd="sng" algn="ctr">
+        <a:solidFill>
+          <a:schemeClr val="tx1">
+            <a:lumMod val="35000"/>
+            <a:lumOff val="65000"/>
+          </a:schemeClr>
+        </a:solidFill>
+        <a:round/>
+      </a:ln>
+    </cs:spPr>
+  </cs:leaderLine>
+  <cs:legend>
+    <cs:lnRef idx="0"/>
+    <cs:fillRef idx="0"/>
+    <cs:effectRef idx="0"/>
+    <cs:fontRef idx="minor">
+      <a:schemeClr val="tx1">
+        <a:lumMod val="65000"/>
+        <a:lumOff val="35000"/>
+      </a:schemeClr>
+    </cs:fontRef>
+    <cs:defRPr sz="900" kern="1200"/>
+  </cs:legend>
+  <cs:plotArea mods="allowNoFillOverride allowNoLineOverride">
+    <cs:lnRef idx="0"/>
+    <cs:fillRef idx="0"/>
+    <cs:effectRef idx="0"/>
+    <cs:fontRef idx="minor">
+      <a:schemeClr val="tx1"/>
+    </cs:fontRef>
+  </cs:plotArea>
+  <cs:plotArea3D mods="allowNoFillOverride allowNoLineOverride">
+    <cs:lnRef idx="0"/>
+    <cs:fillRef idx="0"/>
+    <cs:effectRef idx="0"/>
+    <cs:fontRef idx="minor">
+      <a:schemeClr val="tx1"/>
+    </cs:fontRef>
+  </cs:plotArea3D>
+  <cs:seriesAxis>
+    <cs:lnRef idx="0"/>
+    <cs:fillRef idx="0"/>
+    <cs:effectRef idx="0"/>
+    <cs:fontRef idx="minor">
+      <a:schemeClr val="tx1">
+        <a:lumMod val="65000"/>
+        <a:lumOff val="35000"/>
+      </a:schemeClr>
+    </cs:fontRef>
+    <cs:defRPr sz="900" kern="1200"/>
+  </cs:seriesAxis>
+  <cs:seriesLine>
+    <cs:lnRef idx="0"/>
+    <cs:fillRef idx="0"/>
+    <cs:effectRef idx="0"/>
+    <cs:fontRef idx="minor">
+      <a:schemeClr val="tx1"/>
+    </cs:fontRef>
+    <cs:spPr>
+      <a:ln w="9525" cap="flat" cmpd="sng" algn="ctr">
+        <a:solidFill>
+          <a:schemeClr val="tx1">
+            <a:lumMod val="35000"/>
+            <a:lumOff val="65000"/>
+          </a:schemeClr>
+        </a:solidFill>
+        <a:round/>
+      </a:ln>
+    </cs:spPr>
+  </cs:seriesLine>
+  <cs:title>
+    <cs:lnRef idx="0"/>
+    <cs:fillRef idx="0"/>
+    <cs:effectRef idx="0"/>
+    <cs:fontRef idx="minor">
+      <a:schemeClr val="tx1">
+        <a:lumMod val="65000"/>
+        <a:lumOff val="35000"/>
+      </a:schemeClr>
+    </cs:fontRef>
+    <cs:defRPr sz="1400" b="0" kern="1200" spc="0" baseline="0"/>
+  </cs:title>
+  <cs:trendline>
+    <cs:lnRef idx="0">
+      <cs:styleClr val="auto"/>
+    </cs:lnRef>
+    <cs:fillRef idx="0"/>
+    <cs:effectRef idx="0"/>
+    <cs:fontRef idx="minor">
+      <a:schemeClr val="tx1"/>
+    </cs:fontRef>
+    <cs:spPr>
+      <a:ln w="19050" cap="rnd">
+        <a:solidFill>
+          <a:schemeClr val="phClr"/>
+        </a:solidFill>
+        <a:prstDash val="sysDot"/>
+      </a:ln>
+    </cs:spPr>
+  </cs:trendline>
+  <cs:trendlineLabel>
+    <cs:lnRef idx="0"/>
+    <cs:fillRef idx="0"/>
+    <cs:effectRef idx="0"/>
+    <cs:fontRef idx="minor">
+      <a:schemeClr val="tx1">
+        <a:lumMod val="65000"/>
+        <a:lumOff val="35000"/>
+      </a:schemeClr>
+    </cs:fontRef>
+    <cs:defRPr sz="900" kern="1200"/>
+  </cs:trendlineLabel>
+  <cs:upBar>
+    <cs:lnRef idx="0"/>
+    <cs:fillRef idx="0"/>
+    <cs:effectRef idx="0"/>
+    <cs:fontRef idx="minor">
+      <a:schemeClr val="tx1"/>
+    </cs:fontRef>
+    <cs:spPr>
+      <a:solidFill>
+        <a:schemeClr val="lt1"/>
+      </a:solidFill>
+      <a:ln w="9525" cap="flat" cmpd="sng" algn="ctr">
+        <a:solidFill>
+          <a:schemeClr val="tx1">
+            <a:lumMod val="65000"/>
+            <a:lumOff val="35000"/>
+          </a:schemeClr>
+        </a:solidFill>
+        <a:round/>
+      </a:ln>
+    </cs:spPr>
+  </cs:upBar>
+  <cs:valueAxis>
+    <cs:lnRef idx="0"/>
+    <cs:fillRef idx="0"/>
+    <cs:effectRef idx="0"/>
+    <cs:fontRef idx="minor">
+      <a:schemeClr val="tx1">
+        <a:lumMod val="65000"/>
+        <a:lumOff val="35000"/>
+      </a:schemeClr>
+    </cs:fontRef>
+    <cs:spPr>
+      <a:ln w="9525" cap="flat" cmpd="sng" algn="ctr">
+        <a:solidFill>
+          <a:schemeClr val="tx1">
+            <a:lumMod val="25000"/>
+            <a:lumOff val="75000"/>
+          </a:schemeClr>
+        </a:solidFill>
+        <a:round/>
+      </a:ln>
+    </cs:spPr>
+    <cs:defRPr sz="900" kern="1200"/>
+  </cs:valueAxis>
+  <cs:wall>
+    <cs:lnRef idx="0"/>
+    <cs:fillRef idx="0"/>
+    <cs:effectRef idx="0"/>
+    <cs:fontRef idx="minor">
+      <a:schemeClr val="tx1"/>
+    </cs:fontRef>
+    <cs:spPr>
+      <a:noFill/>
+      <a:ln>
+        <a:noFill/>
+      </a:ln>
+    </cs:spPr>
+  </cs:wall>
+</cs:chartStyle>
+</file>
+
+<file path=ppt/charts/style7.xml><?xml version="1.0" encoding="utf-8"?>
+<cs:chartStyle xmlns:cs="http://schemas.microsoft.com/office/drawing/2012/chartStyle" xmlns:a="http://schemas.openxmlformats.org/drawingml/2006/main" id="240">
+  <cs:axisTitle>
+    <cs:lnRef idx="0"/>
+    <cs:fillRef idx="0"/>
+    <cs:effectRef idx="0"/>
+    <cs:fontRef idx="minor">
+      <a:schemeClr val="tx1">
+        <a:lumMod val="65000"/>
+        <a:lumOff val="35000"/>
+      </a:schemeClr>
+    </cs:fontRef>
+    <cs:defRPr sz="1000" kern="1200"/>
+  </cs:axisTitle>
+  <cs:categoryAxis>
+    <cs:lnRef idx="0"/>
+    <cs:fillRef idx="0"/>
+    <cs:effectRef idx="0"/>
+    <cs:fontRef idx="minor">
+      <a:schemeClr val="tx1">
+        <a:lumMod val="65000"/>
+        <a:lumOff val="35000"/>
+      </a:schemeClr>
+    </cs:fontRef>
+    <cs:spPr>
+      <a:ln w="9525" cap="flat" cmpd="sng" algn="ctr">
+        <a:solidFill>
+          <a:schemeClr val="tx1">
+            <a:lumMod val="25000"/>
+            <a:lumOff val="75000"/>
+          </a:schemeClr>
+        </a:solidFill>
+        <a:round/>
+      </a:ln>
+    </cs:spPr>
+    <cs:defRPr sz="900" kern="1200"/>
+  </cs:categoryAxis>
+  <cs:chartArea mods="allowNoFillOverride allowNoLineOverride">
+    <cs:lnRef idx="0"/>
+    <cs:fillRef idx="0"/>
+    <cs:effectRef idx="0"/>
+    <cs:fontRef idx="minor">
+      <a:schemeClr val="tx1"/>
+    </cs:fontRef>
+    <cs:spPr>
+      <a:solidFill>
+        <a:schemeClr val="bg1"/>
+      </a:solidFill>
+      <a:ln w="9525" cap="flat" cmpd="sng" algn="ctr">
+        <a:solidFill>
+          <a:schemeClr val="tx1">
+            <a:lumMod val="15000"/>
+            <a:lumOff val="85000"/>
+          </a:schemeClr>
+        </a:solidFill>
+        <a:round/>
+      </a:ln>
+    </cs:spPr>
+    <cs:defRPr sz="1000" kern="1200"/>
+  </cs:chartArea>
+  <cs:dataLabel>
+    <cs:lnRef idx="0"/>
+    <cs:fillRef idx="0"/>
+    <cs:effectRef idx="0"/>
+    <cs:fontRef idx="minor">
+      <a:schemeClr val="tx1">
+        <a:lumMod val="75000"/>
+        <a:lumOff val="25000"/>
+      </a:schemeClr>
+    </cs:fontRef>
+    <cs:defRPr sz="900" kern="1200"/>
+  </cs:dataLabel>
+  <cs:dataLabelCallout>
+    <cs:lnRef idx="0"/>
+    <cs:fillRef idx="0"/>
+    <cs:effectRef idx="0"/>
+    <cs:fontRef idx="minor">
+      <a:schemeClr val="dk1">
+        <a:lumMod val="65000"/>
+        <a:lumOff val="35000"/>
+      </a:schemeClr>
+    </cs:fontRef>
+    <cs:spPr>
+      <a:solidFill>
+        <a:schemeClr val="lt1"/>
+      </a:solidFill>
+      <a:ln>
+        <a:solidFill>
+          <a:schemeClr val="dk1">
+            <a:lumMod val="25000"/>
+            <a:lumOff val="75000"/>
+          </a:schemeClr>
+        </a:solidFill>
+      </a:ln>
+    </cs:spPr>
+    <cs:defRPr sz="900" kern="1200"/>
+    <cs:bodyPr rot="0" spcFirstLastPara="1" vertOverflow="clip" horzOverflow="clip" vert="horz" wrap="square" lIns="36576" tIns="18288" rIns="36576" bIns="18288" anchor="ctr" anchorCtr="1">
+      <a:spAutoFit/>
+    </cs:bodyPr>
+  </cs:dataLabelCallout>
+  <cs:dataPoint>
+    <cs:lnRef idx="0"/>
+    <cs:fillRef idx="1">
+      <cs:styleClr val="auto"/>
+    </cs:fillRef>
+    <cs:effectRef idx="0"/>
+    <cs:fontRef idx="minor">
+      <a:schemeClr val="tx1"/>
+    </cs:fontRef>
+  </cs:dataPoint>
+  <cs:dataPoint3D>
+    <cs:lnRef idx="0"/>
+    <cs:fillRef idx="1">
+      <cs:styleClr val="auto"/>
+    </cs:fillRef>
+    <cs:effectRef idx="0"/>
+    <cs:fontRef idx="minor">
+      <a:schemeClr val="tx1"/>
+    </cs:fontRef>
+  </cs:dataPoint3D>
+  <cs:dataPointLine>
+    <cs:lnRef idx="0">
+      <cs:styleClr val="auto"/>
+    </cs:lnRef>
+    <cs:fillRef idx="1"/>
+    <cs:effectRef idx="0"/>
+    <cs:fontRef idx="minor">
+      <a:schemeClr val="tx1"/>
+    </cs:fontRef>
+    <cs:spPr>
+      <a:ln w="19050" cap="rnd">
+        <a:solidFill>
+          <a:schemeClr val="phClr"/>
+        </a:solidFill>
+        <a:round/>
+      </a:ln>
+    </cs:spPr>
+  </cs:dataPointLine>
+  <cs:dataPointMarker>
+    <cs:lnRef idx="0">
+      <cs:styleClr val="auto"/>
+    </cs:lnRef>
+    <cs:fillRef idx="1">
+      <cs:styleClr val="auto"/>
+    </cs:fillRef>
+    <cs:effectRef idx="0"/>
+    <cs:fontRef idx="minor">
+      <a:schemeClr val="tx1"/>
+    </cs:fontRef>
+    <cs:spPr>
+      <a:ln w="9525">
+        <a:solidFill>
+          <a:schemeClr val="phClr"/>
+        </a:solidFill>
+      </a:ln>
+    </cs:spPr>
+  </cs:dataPointMarker>
+  <cs:dataPointMarkerLayout symbol="circle" size="5"/>
+  <cs:dataPointWireframe>
+    <cs:lnRef idx="0">
+      <cs:styleClr val="auto"/>
+    </cs:lnRef>
+    <cs:fillRef idx="0"/>
+    <cs:effectRef idx="0"/>
+    <cs:fontRef idx="minor">
+      <a:schemeClr val="dk1"/>
+    </cs:fontRef>
+    <cs:spPr>
+      <a:ln w="9525" cap="rnd">
+        <a:solidFill>
+          <a:schemeClr val="phClr"/>
+        </a:solidFill>
+        <a:round/>
+      </a:ln>
+    </cs:spPr>
+  </cs:dataPointWireframe>
+  <cs:dataTable>
+    <cs:lnRef idx="0"/>
+    <cs:fillRef idx="0"/>
+    <cs:effectRef idx="0"/>
+    <cs:fontRef idx="minor">
+      <a:schemeClr val="tx1">
+        <a:lumMod val="65000"/>
+        <a:lumOff val="35000"/>
+      </a:schemeClr>
+    </cs:fontRef>
+    <cs:spPr>
+      <a:noFill/>
+      <a:ln w="9525" cap="flat" cmpd="sng" algn="ctr">
+        <a:solidFill>
+          <a:schemeClr val="tx1">
+            <a:lumMod val="15000"/>
+            <a:lumOff val="85000"/>
+          </a:schemeClr>
+        </a:solidFill>
+        <a:round/>
+      </a:ln>
+    </cs:spPr>
+    <cs:defRPr sz="900" kern="1200"/>
+  </cs:dataTable>
+  <cs:downBar>
+    <cs:lnRef idx="0"/>
+    <cs:fillRef idx="0"/>
+    <cs:effectRef idx="0"/>
+    <cs:fontRef idx="minor">
+      <a:schemeClr val="tx1"/>
+    </cs:fontRef>
+    <cs:spPr>
+      <a:solidFill>
+        <a:schemeClr val="dk1">
+          <a:lumMod val="75000"/>
+          <a:lumOff val="25000"/>
+        </a:schemeClr>
+      </a:solidFill>
+      <a:ln w="9525" cap="flat" cmpd="sng" algn="ctr">
+        <a:solidFill>
+          <a:schemeClr val="tx1">
+            <a:lumMod val="65000"/>
+            <a:lumOff val="35000"/>
+          </a:schemeClr>
+        </a:solidFill>
+        <a:round/>
+      </a:ln>
+    </cs:spPr>
+  </cs:downBar>
+  <cs:dropLine>
+    <cs:lnRef idx="0"/>
+    <cs:fillRef idx="0"/>
+    <cs:effectRef idx="0"/>
+    <cs:fontRef idx="minor">
+      <a:schemeClr val="tx1"/>
+    </cs:fontRef>
+    <cs:spPr>
+      <a:ln w="9525" cap="flat" cmpd="sng" algn="ctr">
+        <a:solidFill>
+          <a:schemeClr val="tx1">
+            <a:lumMod val="35000"/>
+            <a:lumOff val="65000"/>
+          </a:schemeClr>
+        </a:solidFill>
+        <a:round/>
+      </a:ln>
+    </cs:spPr>
+  </cs:dropLine>
+  <cs:errorBar>
+    <cs:lnRef idx="0"/>
+    <cs:fillRef idx="0"/>
+    <cs:effectRef idx="0"/>
+    <cs:fontRef idx="minor">
+      <a:schemeClr val="tx1"/>
+    </cs:fontRef>
+    <cs:spPr>
+      <a:ln w="9525" cap="flat" cmpd="sng" algn="ctr">
+        <a:solidFill>
+          <a:schemeClr val="tx1">
+            <a:lumMod val="65000"/>
+            <a:lumOff val="35000"/>
+          </a:schemeClr>
+        </a:solidFill>
+        <a:round/>
+      </a:ln>
+    </cs:spPr>
+  </cs:errorBar>
+  <cs:floor>
+    <cs:lnRef idx="0"/>
+    <cs:fillRef idx="0"/>
+    <cs:effectRef idx="0"/>
+    <cs:fontRef idx="minor">
+      <a:schemeClr val="tx1"/>
+    </cs:fontRef>
+    <cs:spPr>
+      <a:noFill/>
+      <a:ln>
+        <a:noFill/>
+      </a:ln>
+    </cs:spPr>
+  </cs:floor>
+  <cs:gridlineMajor>
+    <cs:lnRef idx="0"/>
+    <cs:fillRef idx="0"/>
+    <cs:effectRef idx="0"/>
+    <cs:fontRef idx="minor">
+      <a:schemeClr val="tx1"/>
+    </cs:fontRef>
+    <cs:spPr>
+      <a:ln w="9525" cap="flat" cmpd="sng" algn="ctr">
+        <a:solidFill>
+          <a:schemeClr val="tx1">
+            <a:lumMod val="15000"/>
+            <a:lumOff val="85000"/>
+          </a:schemeClr>
+        </a:solidFill>
+        <a:round/>
+      </a:ln>
+    </cs:spPr>
+  </cs:gridlineMajor>
+  <cs:gridlineMinor>
+    <cs:lnRef idx="0"/>
+    <cs:fillRef idx="0"/>
+    <cs:effectRef idx="0"/>
+    <cs:fontRef idx="minor">
+      <a:schemeClr val="tx1"/>
+    </cs:fontRef>
+    <cs:spPr>
+      <a:ln w="9525" cap="flat" cmpd="sng" algn="ctr">
+        <a:solidFill>
+          <a:schemeClr val="tx1">
+            <a:lumMod val="5000"/>
+            <a:lumOff val="95000"/>
+          </a:schemeClr>
+        </a:solidFill>
+        <a:round/>
+      </a:ln>
+    </cs:spPr>
+  </cs:gridlineMinor>
+  <cs:hiLoLine>
+    <cs:lnRef idx="0"/>
+    <cs:fillRef idx="0"/>
+    <cs:effectRef idx="0"/>
+    <cs:fontRef idx="minor">
+      <a:schemeClr val="tx1"/>
+    </cs:fontRef>
+    <cs:spPr>
+      <a:ln w="9525" cap="flat" cmpd="sng" algn="ctr">
+        <a:solidFill>
+          <a:schemeClr val="tx1">
+            <a:lumMod val="50000"/>
+            <a:lumOff val="50000"/>
+          </a:schemeClr>
+        </a:solidFill>
+        <a:round/>
+      </a:ln>
+    </cs:spPr>
+  </cs:hiLoLine>
+  <cs:leaderLine>
+    <cs:lnRef idx="0"/>
+    <cs:fillRef idx="0"/>
+    <cs:effectRef idx="0"/>
+    <cs:fontRef idx="minor">
+      <a:schemeClr val="tx1"/>
+    </cs:fontRef>
+    <cs:spPr>
+      <a:ln w="9525" cap="flat" cmpd="sng" algn="ctr">
+        <a:solidFill>
+          <a:schemeClr val="tx1">
+            <a:lumMod val="35000"/>
+            <a:lumOff val="65000"/>
+          </a:schemeClr>
+        </a:solidFill>
+        <a:round/>
+      </a:ln>
+    </cs:spPr>
+  </cs:leaderLine>
+  <cs:legend>
+    <cs:lnRef idx="0"/>
+    <cs:fillRef idx="0"/>
+    <cs:effectRef idx="0"/>
+    <cs:fontRef idx="minor">
+      <a:schemeClr val="tx1">
+        <a:lumMod val="65000"/>
+        <a:lumOff val="35000"/>
+      </a:schemeClr>
+    </cs:fontRef>
+    <cs:defRPr sz="900" kern="1200"/>
+  </cs:legend>
+  <cs:plotArea mods="allowNoFillOverride allowNoLineOverride">
+    <cs:lnRef idx="0"/>
+    <cs:fillRef idx="0"/>
+    <cs:effectRef idx="0"/>
+    <cs:fontRef idx="minor">
+      <a:schemeClr val="tx1"/>
+    </cs:fontRef>
+  </cs:plotArea>
+  <cs:plotArea3D mods="allowNoFillOverride allowNoLineOverride">
+    <cs:lnRef idx="0"/>
+    <cs:fillRef idx="0"/>
+    <cs:effectRef idx="0"/>
+    <cs:fontRef idx="minor">
+      <a:schemeClr val="tx1"/>
+    </cs:fontRef>
+  </cs:plotArea3D>
+  <cs:seriesAxis>
+    <cs:lnRef idx="0"/>
+    <cs:fillRef idx="0"/>
+    <cs:effectRef idx="0"/>
+    <cs:fontRef idx="minor">
+      <a:schemeClr val="tx1">
+        <a:lumMod val="65000"/>
+        <a:lumOff val="35000"/>
+      </a:schemeClr>
+    </cs:fontRef>
+    <cs:defRPr sz="900" kern="1200"/>
+  </cs:seriesAxis>
+  <cs:seriesLine>
+    <cs:lnRef idx="0"/>
+    <cs:fillRef idx="0"/>
+    <cs:effectRef idx="0"/>
+    <cs:fontRef idx="minor">
+      <a:schemeClr val="tx1"/>
+    </cs:fontRef>
+    <cs:spPr>
+      <a:ln w="9525" cap="flat" cmpd="sng" algn="ctr">
+        <a:solidFill>
+          <a:schemeClr val="tx1">
+            <a:lumMod val="35000"/>
+            <a:lumOff val="65000"/>
+          </a:schemeClr>
+        </a:solidFill>
+        <a:round/>
+      </a:ln>
+    </cs:spPr>
+  </cs:seriesLine>
+  <cs:title>
+    <cs:lnRef idx="0"/>
+    <cs:fillRef idx="0"/>
+    <cs:effectRef idx="0"/>
+    <cs:fontRef idx="minor">
+      <a:schemeClr val="tx1">
+        <a:lumMod val="65000"/>
+        <a:lumOff val="35000"/>
+      </a:schemeClr>
+    </cs:fontRef>
+    <cs:defRPr sz="1400" b="0" kern="1200" spc="0" baseline="0"/>
+  </cs:title>
+  <cs:trendline>
+    <cs:lnRef idx="0">
+      <cs:styleClr val="auto"/>
+    </cs:lnRef>
+    <cs:fillRef idx="0"/>
+    <cs:effectRef idx="0"/>
+    <cs:fontRef idx="minor">
+      <a:schemeClr val="tx1"/>
+    </cs:fontRef>
+    <cs:spPr>
+      <a:ln w="19050" cap="rnd">
+        <a:solidFill>
+          <a:schemeClr val="phClr"/>
+        </a:solidFill>
+        <a:prstDash val="sysDot"/>
+      </a:ln>
+    </cs:spPr>
+  </cs:trendline>
+  <cs:trendlineLabel>
+    <cs:lnRef idx="0"/>
+    <cs:fillRef idx="0"/>
+    <cs:effectRef idx="0"/>
+    <cs:fontRef idx="minor">
+      <a:schemeClr val="tx1">
+        <a:lumMod val="65000"/>
+        <a:lumOff val="35000"/>
+      </a:schemeClr>
+    </cs:fontRef>
+    <cs:defRPr sz="900" kern="1200"/>
+  </cs:trendlineLabel>
+  <cs:upBar>
+    <cs:lnRef idx="0"/>
+    <cs:fillRef idx="0"/>
+    <cs:effectRef idx="0"/>
+    <cs:fontRef idx="minor">
+      <a:schemeClr val="tx1"/>
+    </cs:fontRef>
+    <cs:spPr>
+      <a:solidFill>
+        <a:schemeClr val="lt1"/>
+      </a:solidFill>
+      <a:ln w="9525" cap="flat" cmpd="sng" algn="ctr">
+        <a:solidFill>
+          <a:schemeClr val="tx1">
+            <a:lumMod val="65000"/>
+            <a:lumOff val="35000"/>
+          </a:schemeClr>
+        </a:solidFill>
+        <a:round/>
+      </a:ln>
+    </cs:spPr>
+  </cs:upBar>
+  <cs:valueAxis>
+    <cs:lnRef idx="0"/>
+    <cs:fillRef idx="0"/>
+    <cs:effectRef idx="0"/>
+    <cs:fontRef idx="minor">
+      <a:schemeClr val="tx1">
+        <a:lumMod val="65000"/>
+        <a:lumOff val="35000"/>
+      </a:schemeClr>
+    </cs:fontRef>
+    <cs:spPr>
+      <a:ln w="9525" cap="flat" cmpd="sng" algn="ctr">
+        <a:solidFill>
+          <a:schemeClr val="tx1">
+            <a:lumMod val="25000"/>
+            <a:lumOff val="75000"/>
+          </a:schemeClr>
+        </a:solidFill>
+        <a:round/>
+      </a:ln>
+    </cs:spPr>
+    <cs:defRPr sz="900" kern="1200"/>
+  </cs:valueAxis>
+  <cs:wall>
+    <cs:lnRef idx="0"/>
+    <cs:fillRef idx="0"/>
+    <cs:effectRef idx="0"/>
+    <cs:fontRef idx="minor">
+      <a:schemeClr val="tx1"/>
+    </cs:fontRef>
+    <cs:spPr>
+      <a:noFill/>
+      <a:ln>
+        <a:noFill/>
+      </a:ln>
+    </cs:spPr>
+  </cs:wall>
+</cs:chartStyle>
+</file>
+
+<file path=ppt/charts/style8.xml><?xml version="1.0" encoding="utf-8"?>
+<cs:chartStyle xmlns:cs="http://schemas.microsoft.com/office/drawing/2012/chartStyle" xmlns:a="http://schemas.openxmlformats.org/drawingml/2006/main" id="240">
+  <cs:axisTitle>
+    <cs:lnRef idx="0"/>
+    <cs:fillRef idx="0"/>
+    <cs:effectRef idx="0"/>
+    <cs:fontRef idx="minor">
+      <a:schemeClr val="tx1">
+        <a:lumMod val="65000"/>
+        <a:lumOff val="35000"/>
+      </a:schemeClr>
+    </cs:fontRef>
+    <cs:defRPr sz="1000" kern="1200"/>
+  </cs:axisTitle>
+  <cs:categoryAxis>
+    <cs:lnRef idx="0"/>
+    <cs:fillRef idx="0"/>
+    <cs:effectRef idx="0"/>
+    <cs:fontRef idx="minor">
+      <a:schemeClr val="tx1">
+        <a:lumMod val="65000"/>
+        <a:lumOff val="35000"/>
+      </a:schemeClr>
+    </cs:fontRef>
+    <cs:spPr>
+      <a:ln w="9525" cap="flat" cmpd="sng" algn="ctr">
+        <a:solidFill>
+          <a:schemeClr val="tx1">
+            <a:lumMod val="25000"/>
+            <a:lumOff val="75000"/>
+          </a:schemeClr>
+        </a:solidFill>
+        <a:round/>
+      </a:ln>
+    </cs:spPr>
+    <cs:defRPr sz="900" kern="1200"/>
+  </cs:categoryAxis>
+  <cs:chartArea mods="allowNoFillOverride allowNoLineOverride">
+    <cs:lnRef idx="0"/>
+    <cs:fillRef idx="0"/>
+    <cs:effectRef idx="0"/>
+    <cs:fontRef idx="minor">
+      <a:schemeClr val="tx1"/>
+    </cs:fontRef>
+    <cs:spPr>
+      <a:solidFill>
+        <a:schemeClr val="bg1"/>
+      </a:solidFill>
+      <a:ln w="9525" cap="flat" cmpd="sng" algn="ctr">
+        <a:solidFill>
+          <a:schemeClr val="tx1">
+            <a:lumMod val="15000"/>
+            <a:lumOff val="85000"/>
+          </a:schemeClr>
+        </a:solidFill>
+        <a:round/>
+      </a:ln>
+    </cs:spPr>
+    <cs:defRPr sz="1000" kern="1200"/>
+  </cs:chartArea>
+  <cs:dataLabel>
+    <cs:lnRef idx="0"/>
+    <cs:fillRef idx="0"/>
+    <cs:effectRef idx="0"/>
+    <cs:fontRef idx="minor">
+      <a:schemeClr val="tx1">
+        <a:lumMod val="75000"/>
+        <a:lumOff val="25000"/>
+      </a:schemeClr>
+    </cs:fontRef>
+    <cs:defRPr sz="900" kern="1200"/>
+  </cs:dataLabel>
+  <cs:dataLabelCallout>
+    <cs:lnRef idx="0"/>
+    <cs:fillRef idx="0"/>
+    <cs:effectRef idx="0"/>
+    <cs:fontRef idx="minor">
+      <a:schemeClr val="dk1">
+        <a:lumMod val="65000"/>
+        <a:lumOff val="35000"/>
+      </a:schemeClr>
+    </cs:fontRef>
+    <cs:spPr>
+      <a:solidFill>
+        <a:schemeClr val="lt1"/>
+      </a:solidFill>
+      <a:ln>
+        <a:solidFill>
+          <a:schemeClr val="dk1">
+            <a:lumMod val="25000"/>
+            <a:lumOff val="75000"/>
+          </a:schemeClr>
+        </a:solidFill>
+      </a:ln>
+    </cs:spPr>
+    <cs:defRPr sz="900" kern="1200"/>
+    <cs:bodyPr rot="0" spcFirstLastPara="1" vertOverflow="clip" horzOverflow="clip" vert="horz" wrap="square" lIns="36576" tIns="18288" rIns="36576" bIns="18288" anchor="ctr" anchorCtr="1">
+      <a:spAutoFit/>
+    </cs:bodyPr>
+  </cs:dataLabelCallout>
+  <cs:dataPoint>
+    <cs:lnRef idx="0"/>
+    <cs:fillRef idx="1">
+      <cs:styleClr val="auto"/>
+    </cs:fillRef>
+    <cs:effectRef idx="0"/>
+    <cs:fontRef idx="minor">
+      <a:schemeClr val="tx1"/>
+    </cs:fontRef>
+  </cs:dataPoint>
+  <cs:dataPoint3D>
+    <cs:lnRef idx="0"/>
+    <cs:fillRef idx="1">
+      <cs:styleClr val="auto"/>
+    </cs:fillRef>
+    <cs:effectRef idx="0"/>
+    <cs:fontRef idx="minor">
+      <a:schemeClr val="tx1"/>
+    </cs:fontRef>
+  </cs:dataPoint3D>
+  <cs:dataPointLine>
+    <cs:lnRef idx="0">
+      <cs:styleClr val="auto"/>
+    </cs:lnRef>
+    <cs:fillRef idx="1"/>
+    <cs:effectRef idx="0"/>
+    <cs:fontRef idx="minor">
+      <a:schemeClr val="tx1"/>
+    </cs:fontRef>
+    <cs:spPr>
+      <a:ln w="19050" cap="rnd">
+        <a:solidFill>
+          <a:schemeClr val="phClr"/>
+        </a:solidFill>
+        <a:round/>
+      </a:ln>
+    </cs:spPr>
+  </cs:dataPointLine>
+  <cs:dataPointMarker>
+    <cs:lnRef idx="0">
+      <cs:styleClr val="auto"/>
+    </cs:lnRef>
+    <cs:fillRef idx="1">
+      <cs:styleClr val="auto"/>
+    </cs:fillRef>
+    <cs:effectRef idx="0"/>
+    <cs:fontRef idx="minor">
+      <a:schemeClr val="tx1"/>
+    </cs:fontRef>
+    <cs:spPr>
+      <a:ln w="9525">
+        <a:solidFill>
+          <a:schemeClr val="phClr"/>
+        </a:solidFill>
+      </a:ln>
+    </cs:spPr>
+  </cs:dataPointMarker>
+  <cs:dataPointMarkerLayout symbol="circle" size="5"/>
+  <cs:dataPointWireframe>
+    <cs:lnRef idx="0">
+      <cs:styleClr val="auto"/>
+    </cs:lnRef>
+    <cs:fillRef idx="0"/>
+    <cs:effectRef idx="0"/>
+    <cs:fontRef idx="minor">
+      <a:schemeClr val="dk1"/>
+    </cs:fontRef>
+    <cs:spPr>
+      <a:ln w="9525" cap="rnd">
+        <a:solidFill>
+          <a:schemeClr val="phClr"/>
+        </a:solidFill>
+        <a:round/>
+      </a:ln>
+    </cs:spPr>
+  </cs:dataPointWireframe>
+  <cs:dataTable>
+    <cs:lnRef idx="0"/>
+    <cs:fillRef idx="0"/>
+    <cs:effectRef idx="0"/>
+    <cs:fontRef idx="minor">
+      <a:schemeClr val="tx1">
+        <a:lumMod val="65000"/>
+        <a:lumOff val="35000"/>
+      </a:schemeClr>
+    </cs:fontRef>
+    <cs:spPr>
+      <a:noFill/>
+      <a:ln w="9525" cap="flat" cmpd="sng" algn="ctr">
+        <a:solidFill>
+          <a:schemeClr val="tx1">
+            <a:lumMod val="15000"/>
+            <a:lumOff val="85000"/>
+          </a:schemeClr>
+        </a:solidFill>
+        <a:round/>
+      </a:ln>
+    </cs:spPr>
+    <cs:defRPr sz="900" kern="1200"/>
+  </cs:dataTable>
+  <cs:downBar>
+    <cs:lnRef idx="0"/>
+    <cs:fillRef idx="0"/>
+    <cs:effectRef idx="0"/>
+    <cs:fontRef idx="minor">
+      <a:schemeClr val="tx1"/>
+    </cs:fontRef>
+    <cs:spPr>
+      <a:solidFill>
+        <a:schemeClr val="dk1">
+          <a:lumMod val="75000"/>
+          <a:lumOff val="25000"/>
+        </a:schemeClr>
+      </a:solidFill>
+      <a:ln w="9525" cap="flat" cmpd="sng" algn="ctr">
+        <a:solidFill>
+          <a:schemeClr val="tx1">
+            <a:lumMod val="65000"/>
+            <a:lumOff val="35000"/>
+          </a:schemeClr>
+        </a:solidFill>
+        <a:round/>
+      </a:ln>
+    </cs:spPr>
+  </cs:downBar>
+  <cs:dropLine>
+    <cs:lnRef idx="0"/>
+    <cs:fillRef idx="0"/>
+    <cs:effectRef idx="0"/>
+    <cs:fontRef idx="minor">
+      <a:schemeClr val="tx1"/>
+    </cs:fontRef>
+    <cs:spPr>
+      <a:ln w="9525" cap="flat" cmpd="sng" algn="ctr">
+        <a:solidFill>
+          <a:schemeClr val="tx1">
+            <a:lumMod val="35000"/>
+            <a:lumOff val="65000"/>
+          </a:schemeClr>
+        </a:solidFill>
+        <a:round/>
+      </a:ln>
+    </cs:spPr>
+  </cs:dropLine>
+  <cs:errorBar>
+    <cs:lnRef idx="0"/>
+    <cs:fillRef idx="0"/>
+    <cs:effectRef idx="0"/>
+    <cs:fontRef idx="minor">
+      <a:schemeClr val="tx1"/>
+    </cs:fontRef>
+    <cs:spPr>
+      <a:ln w="9525" cap="flat" cmpd="sng" algn="ctr">
+        <a:solidFill>
+          <a:schemeClr val="tx1">
+            <a:lumMod val="65000"/>
+            <a:lumOff val="35000"/>
+          </a:schemeClr>
+        </a:solidFill>
+        <a:round/>
+      </a:ln>
+    </cs:spPr>
+  </cs:errorBar>
+  <cs:floor>
+    <cs:lnRef idx="0"/>
+    <cs:fillRef idx="0"/>
+    <cs:effectRef idx="0"/>
+    <cs:fontRef idx="minor">
+      <a:schemeClr val="tx1"/>
+    </cs:fontRef>
+    <cs:spPr>
+      <a:noFill/>
+      <a:ln>
+        <a:noFill/>
+      </a:ln>
+    </cs:spPr>
+  </cs:floor>
+  <cs:gridlineMajor>
+    <cs:lnRef idx="0"/>
+    <cs:fillRef idx="0"/>
+    <cs:effectRef idx="0"/>
+    <cs:fontRef idx="minor">
+      <a:schemeClr val="tx1"/>
+    </cs:fontRef>
+    <cs:spPr>
+      <a:ln w="9525" cap="flat" cmpd="sng" algn="ctr">
+        <a:solidFill>
+          <a:schemeClr val="tx1">
+            <a:lumMod val="15000"/>
+            <a:lumOff val="85000"/>
+          </a:schemeClr>
+        </a:solidFill>
+        <a:round/>
+      </a:ln>
+    </cs:spPr>
+  </cs:gridlineMajor>
+  <cs:gridlineMinor>
+    <cs:lnRef idx="0"/>
+    <cs:fillRef idx="0"/>
+    <cs:effectRef idx="0"/>
+    <cs:fontRef idx="minor">
+      <a:schemeClr val="tx1"/>
+    </cs:fontRef>
+    <cs:spPr>
+      <a:ln w="9525" cap="flat" cmpd="sng" algn="ctr">
+        <a:solidFill>
+          <a:schemeClr val="tx1">
+            <a:lumMod val="5000"/>
+            <a:lumOff val="95000"/>
+          </a:schemeClr>
+        </a:solidFill>
+        <a:round/>
+      </a:ln>
+    </cs:spPr>
+  </cs:gridlineMinor>
+  <cs:hiLoLine>
+    <cs:lnRef idx="0"/>
+    <cs:fillRef idx="0"/>
+    <cs:effectRef idx="0"/>
+    <cs:fontRef idx="minor">
+      <a:schemeClr val="tx1"/>
+    </cs:fontRef>
+    <cs:spPr>
+      <a:ln w="9525" cap="flat" cmpd="sng" algn="ctr">
+        <a:solidFill>
+          <a:schemeClr val="tx1">
+            <a:lumMod val="50000"/>
+            <a:lumOff val="50000"/>
+          </a:schemeClr>
+        </a:solidFill>
+        <a:round/>
+      </a:ln>
+    </cs:spPr>
+  </cs:hiLoLine>
+  <cs:leaderLine>
+    <cs:lnRef idx="0"/>
+    <cs:fillRef idx="0"/>
+    <cs:effectRef idx="0"/>
+    <cs:fontRef idx="minor">
+      <a:schemeClr val="tx1"/>
+    </cs:fontRef>
+    <cs:spPr>
+      <a:ln w="9525" cap="flat" cmpd="sng" algn="ctr">
+        <a:solidFill>
+          <a:schemeClr val="tx1">
+            <a:lumMod val="35000"/>
+            <a:lumOff val="65000"/>
+          </a:schemeClr>
+        </a:solidFill>
+        <a:round/>
+      </a:ln>
+    </cs:spPr>
+  </cs:leaderLine>
+  <cs:legend>
+    <cs:lnRef idx="0"/>
+    <cs:fillRef idx="0"/>
+    <cs:effectRef idx="0"/>
+    <cs:fontRef idx="minor">
+      <a:schemeClr val="tx1">
+        <a:lumMod val="65000"/>
+        <a:lumOff val="35000"/>
+      </a:schemeClr>
+    </cs:fontRef>
+    <cs:defRPr sz="900" kern="1200"/>
+  </cs:legend>
+  <cs:plotArea mods="allowNoFillOverride allowNoLineOverride">
+    <cs:lnRef idx="0"/>
+    <cs:fillRef idx="0"/>
+    <cs:effectRef idx="0"/>
+    <cs:fontRef idx="minor">
+      <a:schemeClr val="tx1"/>
+    </cs:fontRef>
+  </cs:plotArea>
+  <cs:plotArea3D mods="allowNoFillOverride allowNoLineOverride">
+    <cs:lnRef idx="0"/>
+    <cs:fillRef idx="0"/>
+    <cs:effectRef idx="0"/>
+    <cs:fontRef idx="minor">
+      <a:schemeClr val="tx1"/>
+    </cs:fontRef>
+  </cs:plotArea3D>
+  <cs:seriesAxis>
+    <cs:lnRef idx="0"/>
+    <cs:fillRef idx="0"/>
+    <cs:effectRef idx="0"/>
+    <cs:fontRef idx="minor">
+      <a:schemeClr val="tx1">
+        <a:lumMod val="65000"/>
+        <a:lumOff val="35000"/>
+      </a:schemeClr>
+    </cs:fontRef>
+    <cs:defRPr sz="900" kern="1200"/>
+  </cs:seriesAxis>
+  <cs:seriesLine>
+    <cs:lnRef idx="0"/>
+    <cs:fillRef idx="0"/>
+    <cs:effectRef idx="0"/>
+    <cs:fontRef idx="minor">
+      <a:schemeClr val="tx1"/>
+    </cs:fontRef>
+    <cs:spPr>
+      <a:ln w="9525" cap="flat" cmpd="sng" algn="ctr">
+        <a:solidFill>
+          <a:schemeClr val="tx1">
+            <a:lumMod val="35000"/>
+            <a:lumOff val="65000"/>
+          </a:schemeClr>
+        </a:solidFill>
+        <a:round/>
+      </a:ln>
+    </cs:spPr>
+  </cs:seriesLine>
+  <cs:title>
+    <cs:lnRef idx="0"/>
+    <cs:fillRef idx="0"/>
+    <cs:effectRef idx="0"/>
+    <cs:fontRef idx="minor">
+      <a:schemeClr val="tx1">
+        <a:lumMod val="65000"/>
+        <a:lumOff val="35000"/>
+      </a:schemeClr>
+    </cs:fontRef>
+    <cs:defRPr sz="1400" b="0" kern="1200" spc="0" baseline="0"/>
+  </cs:title>
+  <cs:trendline>
+    <cs:lnRef idx="0">
+      <cs:styleClr val="auto"/>
+    </cs:lnRef>
+    <cs:fillRef idx="0"/>
+    <cs:effectRef idx="0"/>
+    <cs:fontRef idx="minor">
+      <a:schemeClr val="tx1"/>
+    </cs:fontRef>
+    <cs:spPr>
+      <a:ln w="19050" cap="rnd">
+        <a:solidFill>
+          <a:schemeClr val="phClr"/>
+        </a:solidFill>
+        <a:prstDash val="sysDot"/>
+      </a:ln>
+    </cs:spPr>
+  </cs:trendline>
+  <cs:trendlineLabel>
+    <cs:lnRef idx="0"/>
+    <cs:fillRef idx="0"/>
+    <cs:effectRef idx="0"/>
+    <cs:fontRef idx="minor">
+      <a:schemeClr val="tx1">
+        <a:lumMod val="65000"/>
+        <a:lumOff val="35000"/>
+      </a:schemeClr>
+    </cs:fontRef>
+    <cs:defRPr sz="900" kern="1200"/>
+  </cs:trendlineLabel>
+  <cs:upBar>
+    <cs:lnRef idx="0"/>
+    <cs:fillRef idx="0"/>
+    <cs:effectRef idx="0"/>
+    <cs:fontRef idx="minor">
+      <a:schemeClr val="tx1"/>
+    </cs:fontRef>
+    <cs:spPr>
+      <a:solidFill>
+        <a:schemeClr val="lt1"/>
+      </a:solidFill>
+      <a:ln w="9525" cap="flat" cmpd="sng" algn="ctr">
+        <a:solidFill>
+          <a:schemeClr val="tx1">
+            <a:lumMod val="65000"/>
+            <a:lumOff val="35000"/>
+          </a:schemeClr>
+        </a:solidFill>
+        <a:round/>
+      </a:ln>
+    </cs:spPr>
+  </cs:upBar>
+  <cs:valueAxis>
+    <cs:lnRef idx="0"/>
+    <cs:fillRef idx="0"/>
+    <cs:effectRef idx="0"/>
+    <cs:fontRef idx="minor">
+      <a:schemeClr val="tx1">
+        <a:lumMod val="65000"/>
+        <a:lumOff val="35000"/>
+      </a:schemeClr>
+    </cs:fontRef>
+    <cs:spPr>
+      <a:ln w="9525" cap="flat" cmpd="sng" algn="ctr">
+        <a:solidFill>
+          <a:schemeClr val="tx1">
+            <a:lumMod val="25000"/>
+            <a:lumOff val="75000"/>
+          </a:schemeClr>
+        </a:solidFill>
+        <a:round/>
+      </a:ln>
+    </cs:spPr>
+    <cs:defRPr sz="900" kern="1200"/>
+  </cs:valueAxis>
+  <cs:wall>
+    <cs:lnRef idx="0"/>
+    <cs:fillRef idx="0"/>
+    <cs:effectRef idx="0"/>
+    <cs:fontRef idx="minor">
+      <a:schemeClr val="tx1"/>
+    </cs:fontRef>
+    <cs:spPr>
+      <a:noFill/>
+      <a:ln>
+        <a:noFill/>
+      </a:ln>
+    </cs:spPr>
+  </cs:wall>
+</cs:chartStyle>
+</file>
+
+<file path=ppt/charts/style9.xml><?xml version="1.0" encoding="utf-8"?>
 <cs:chartStyle xmlns:cs="http://schemas.microsoft.com/office/drawing/2012/chartStyle" xmlns:a="http://schemas.openxmlformats.org/drawingml/2006/main" id="240">
   <cs:axisTitle>
     <cs:lnRef idx="0"/>
@@ -8547,7 +13269,7 @@
           <a:p>
             <a:fld id="{E284C04B-1969-46C0-874D-1AB61D535DD4}" type="datetimeFigureOut">
               <a:rPr lang="ru-RU" smtClean="0"/>
-              <a:t>19.06.2020</a:t>
+              <a:t>22.06.2020</a:t>
             </a:fld>
             <a:endParaRPr lang="ru-RU"/>
           </a:p>
@@ -8745,7 +13467,7 @@
           <a:p>
             <a:fld id="{E284C04B-1969-46C0-874D-1AB61D535DD4}" type="datetimeFigureOut">
               <a:rPr lang="ru-RU" smtClean="0"/>
-              <a:t>19.06.2020</a:t>
+              <a:t>22.06.2020</a:t>
             </a:fld>
             <a:endParaRPr lang="ru-RU"/>
           </a:p>
@@ -8953,7 +13675,7 @@
           <a:p>
             <a:fld id="{E284C04B-1969-46C0-874D-1AB61D535DD4}" type="datetimeFigureOut">
               <a:rPr lang="ru-RU" smtClean="0"/>
-              <a:t>19.06.2020</a:t>
+              <a:t>22.06.2020</a:t>
             </a:fld>
             <a:endParaRPr lang="ru-RU"/>
           </a:p>
@@ -9151,7 +13873,7 @@
           <a:p>
             <a:fld id="{E284C04B-1969-46C0-874D-1AB61D535DD4}" type="datetimeFigureOut">
               <a:rPr lang="ru-RU" smtClean="0"/>
-              <a:t>19.06.2020</a:t>
+              <a:t>22.06.2020</a:t>
             </a:fld>
             <a:endParaRPr lang="ru-RU"/>
           </a:p>
@@ -9426,7 +14148,7 @@
           <a:p>
             <a:fld id="{E284C04B-1969-46C0-874D-1AB61D535DD4}" type="datetimeFigureOut">
               <a:rPr lang="ru-RU" smtClean="0"/>
-              <a:t>19.06.2020</a:t>
+              <a:t>22.06.2020</a:t>
             </a:fld>
             <a:endParaRPr lang="ru-RU"/>
           </a:p>
@@ -9691,7 +14413,7 @@
           <a:p>
             <a:fld id="{E284C04B-1969-46C0-874D-1AB61D535DD4}" type="datetimeFigureOut">
               <a:rPr lang="ru-RU" smtClean="0"/>
-              <a:t>19.06.2020</a:t>
+              <a:t>22.06.2020</a:t>
             </a:fld>
             <a:endParaRPr lang="ru-RU"/>
           </a:p>
@@ -10103,7 +14825,7 @@
           <a:p>
             <a:fld id="{E284C04B-1969-46C0-874D-1AB61D535DD4}" type="datetimeFigureOut">
               <a:rPr lang="ru-RU" smtClean="0"/>
-              <a:t>19.06.2020</a:t>
+              <a:t>22.06.2020</a:t>
             </a:fld>
             <a:endParaRPr lang="ru-RU"/>
           </a:p>
@@ -10244,7 +14966,7 @@
           <a:p>
             <a:fld id="{E284C04B-1969-46C0-874D-1AB61D535DD4}" type="datetimeFigureOut">
               <a:rPr lang="ru-RU" smtClean="0"/>
-              <a:t>19.06.2020</a:t>
+              <a:t>22.06.2020</a:t>
             </a:fld>
             <a:endParaRPr lang="ru-RU"/>
           </a:p>
@@ -10357,7 +15079,7 @@
           <a:p>
             <a:fld id="{E284C04B-1969-46C0-874D-1AB61D535DD4}" type="datetimeFigureOut">
               <a:rPr lang="ru-RU" smtClean="0"/>
-              <a:t>19.06.2020</a:t>
+              <a:t>22.06.2020</a:t>
             </a:fld>
             <a:endParaRPr lang="ru-RU"/>
           </a:p>
@@ -10668,7 +15390,7 @@
           <a:p>
             <a:fld id="{E284C04B-1969-46C0-874D-1AB61D535DD4}" type="datetimeFigureOut">
               <a:rPr lang="ru-RU" smtClean="0"/>
-              <a:t>19.06.2020</a:t>
+              <a:t>22.06.2020</a:t>
             </a:fld>
             <a:endParaRPr lang="ru-RU"/>
           </a:p>
@@ -10956,7 +15678,7 @@
           <a:p>
             <a:fld id="{E284C04B-1969-46C0-874D-1AB61D535DD4}" type="datetimeFigureOut">
               <a:rPr lang="ru-RU" smtClean="0"/>
-              <a:t>19.06.2020</a:t>
+              <a:t>22.06.2020</a:t>
             </a:fld>
             <a:endParaRPr lang="ru-RU"/>
           </a:p>
@@ -11197,7 +15919,7 @@
           <a:p>
             <a:fld id="{E284C04B-1969-46C0-874D-1AB61D535DD4}" type="datetimeFigureOut">
               <a:rPr lang="ru-RU" smtClean="0"/>
-              <a:t>19.06.2020</a:t>
+              <a:t>22.06.2020</a:t>
             </a:fld>
             <a:endParaRPr lang="ru-RU"/>
           </a:p>
@@ -13559,6 +18281,407 @@
           <p:cNvPr id="2" name="Заголовок 1">
             <a:extLst>
               <a:ext uri="{FF2B5EF4-FFF2-40B4-BE49-F238E27FC236}">
+                <a16:creationId xmlns:a16="http://schemas.microsoft.com/office/drawing/2014/main" id="{C0DA0379-1936-48C3-B32A-EFE699FB1B3D}"/>
+              </a:ext>
+            </a:extLst>
+          </p:cNvPr>
+          <p:cNvSpPr>
+            <a:spLocks noGrp="1"/>
+          </p:cNvSpPr>
+          <p:nvPr>
+            <p:ph type="title"/>
+          </p:nvPr>
+        </p:nvSpPr>
+        <p:spPr/>
+        <p:txBody>
+          <a:bodyPr/>
+          <a:lstStyle/>
+          <a:p>
+            <a:r>
+              <a:rPr lang="ru-RU" dirty="0"/>
+              <a:t>Практическая часть</a:t>
+            </a:r>
+          </a:p>
+        </p:txBody>
+      </p:sp>
+      <p:pic>
+        <p:nvPicPr>
+          <p:cNvPr id="8" name="Объект 7" descr="Изображение выглядит как текст, карта, стол&#10;&#10;Автоматически созданное описание">
+            <a:extLst>
+              <a:ext uri="{FF2B5EF4-FFF2-40B4-BE49-F238E27FC236}">
+                <a16:creationId xmlns:a16="http://schemas.microsoft.com/office/drawing/2014/main" id="{7D4559D6-8123-46E6-B9FF-D7BBCF3CFD9E}"/>
+              </a:ext>
+            </a:extLst>
+          </p:cNvPr>
+          <p:cNvPicPr>
+            <a:picLocks noGrp="1" noChangeAspect="1"/>
+          </p:cNvPicPr>
+          <p:nvPr>
+            <p:ph idx="1"/>
+          </p:nvPr>
+        </p:nvPicPr>
+        <p:blipFill>
+          <a:blip r:embed="rId2">
+            <a:extLst>
+              <a:ext uri="{28A0092B-C50C-407E-A947-70E740481C1C}">
+                <a14:useLocalDpi xmlns:a14="http://schemas.microsoft.com/office/drawing/2010/main" val="0"/>
+              </a:ext>
+            </a:extLst>
+          </a:blip>
+          <a:stretch>
+            <a:fillRect/>
+          </a:stretch>
+        </p:blipFill>
+        <p:spPr>
+          <a:xfrm>
+            <a:off x="987719" y="4110330"/>
+            <a:ext cx="10216562" cy="2527887"/>
+          </a:xfrm>
+        </p:spPr>
+      </p:pic>
+      <p:graphicFrame>
+        <p:nvGraphicFramePr>
+          <p:cNvPr id="9" name="Диаграмма 8">
+            <a:extLst>
+              <a:ext uri="{FF2B5EF4-FFF2-40B4-BE49-F238E27FC236}">
+                <a16:creationId xmlns:a16="http://schemas.microsoft.com/office/drawing/2014/main" id="{23CA36D4-6BA6-4A5F-ACD5-129F9E281D15}"/>
+              </a:ext>
+            </a:extLst>
+          </p:cNvPr>
+          <p:cNvGraphicFramePr>
+            <a:graphicFrameLocks/>
+          </p:cNvGraphicFramePr>
+          <p:nvPr>
+            <p:extLst>
+              <p:ext uri="{D42A27DB-BD31-4B8C-83A1-F6EECF244321}">
+                <p14:modId xmlns:p14="http://schemas.microsoft.com/office/powerpoint/2010/main" val="3451501834"/>
+              </p:ext>
+            </p:extLst>
+          </p:nvPr>
+        </p:nvGraphicFramePr>
+        <p:xfrm>
+          <a:off x="2322753" y="1027906"/>
+          <a:ext cx="7354648" cy="3082424"/>
+        </p:xfrm>
+        <a:graphic>
+          <a:graphicData uri="http://schemas.openxmlformats.org/drawingml/2006/chart">
+            <c:chart xmlns:c="http://schemas.openxmlformats.org/drawingml/2006/chart" xmlns:r="http://schemas.openxmlformats.org/officeDocument/2006/relationships" r:id="rId3"/>
+          </a:graphicData>
+        </a:graphic>
+      </p:graphicFrame>
+    </p:spTree>
+    <p:extLst>
+      <p:ext uri="{BB962C8B-B14F-4D97-AF65-F5344CB8AC3E}">
+        <p14:creationId xmlns:p14="http://schemas.microsoft.com/office/powerpoint/2010/main" val="283650022"/>
+      </p:ext>
+    </p:extLst>
+  </p:cSld>
+  <p:clrMapOvr>
+    <a:masterClrMapping/>
+  </p:clrMapOvr>
+</p:sld>
+</file>
+
+<file path=ppt/slides/slide24.xml><?xml version="1.0" encoding="utf-8"?>
+<p:sld xmlns:a="http://schemas.openxmlformats.org/drawingml/2006/main" xmlns:r="http://schemas.openxmlformats.org/officeDocument/2006/relationships" xmlns:p="http://schemas.openxmlformats.org/presentationml/2006/main">
+  <p:cSld>
+    <p:spTree>
+      <p:nvGrpSpPr>
+        <p:cNvPr id="1" name=""/>
+        <p:cNvGrpSpPr/>
+        <p:nvPr/>
+      </p:nvGrpSpPr>
+      <p:grpSpPr>
+        <a:xfrm>
+          <a:off x="0" y="0"/>
+          <a:ext cx="0" cy="0"/>
+          <a:chOff x="0" y="0"/>
+          <a:chExt cx="0" cy="0"/>
+        </a:xfrm>
+      </p:grpSpPr>
+      <p:sp>
+        <p:nvSpPr>
+          <p:cNvPr id="2" name="Заголовок 1">
+            <a:extLst>
+              <a:ext uri="{FF2B5EF4-FFF2-40B4-BE49-F238E27FC236}">
+                <a16:creationId xmlns:a16="http://schemas.microsoft.com/office/drawing/2014/main" id="{CF47F5F7-92FA-4419-9865-E80FB9D39BE4}"/>
+              </a:ext>
+            </a:extLst>
+          </p:cNvPr>
+          <p:cNvSpPr>
+            <a:spLocks noGrp="1"/>
+          </p:cNvSpPr>
+          <p:nvPr>
+            <p:ph type="title"/>
+          </p:nvPr>
+        </p:nvSpPr>
+        <p:spPr/>
+        <p:txBody>
+          <a:bodyPr/>
+          <a:lstStyle/>
+          <a:p>
+            <a:r>
+              <a:rPr lang="ru-RU" dirty="0"/>
+              <a:t>Практическая часть</a:t>
+            </a:r>
+          </a:p>
+        </p:txBody>
+      </p:sp>
+      <p:graphicFrame>
+        <p:nvGraphicFramePr>
+          <p:cNvPr id="4" name="Объект 3">
+            <a:extLst>
+              <a:ext uri="{FF2B5EF4-FFF2-40B4-BE49-F238E27FC236}">
+                <a16:creationId xmlns:a16="http://schemas.microsoft.com/office/drawing/2014/main" id="{666D00C8-4032-4E77-80AA-414FAF35BBA0}"/>
+              </a:ext>
+            </a:extLst>
+          </p:cNvPr>
+          <p:cNvGraphicFramePr>
+            <a:graphicFrameLocks noGrp="1"/>
+          </p:cNvGraphicFramePr>
+          <p:nvPr>
+            <p:ph idx="1"/>
+            <p:extLst>
+              <p:ext uri="{D42A27DB-BD31-4B8C-83A1-F6EECF244321}">
+                <p14:modId xmlns:p14="http://schemas.microsoft.com/office/powerpoint/2010/main" val="2419593035"/>
+              </p:ext>
+            </p:extLst>
+          </p:nvPr>
+        </p:nvGraphicFramePr>
+        <p:xfrm>
+          <a:off x="838200" y="1551008"/>
+          <a:ext cx="5724646" cy="2558005"/>
+        </p:xfrm>
+        <a:graphic>
+          <a:graphicData uri="http://schemas.openxmlformats.org/drawingml/2006/chart">
+            <c:chart xmlns:c="http://schemas.openxmlformats.org/drawingml/2006/chart" xmlns:r="http://schemas.openxmlformats.org/officeDocument/2006/relationships" r:id="rId2"/>
+          </a:graphicData>
+        </a:graphic>
+      </p:graphicFrame>
+      <p:graphicFrame>
+        <p:nvGraphicFramePr>
+          <p:cNvPr id="5" name="Диаграмма 4">
+            <a:extLst>
+              <a:ext uri="{FF2B5EF4-FFF2-40B4-BE49-F238E27FC236}">
+                <a16:creationId xmlns:a16="http://schemas.microsoft.com/office/drawing/2014/main" id="{E8BA9CA8-E500-4BF6-A266-E897DBF54CF5}"/>
+              </a:ext>
+            </a:extLst>
+          </p:cNvPr>
+          <p:cNvGraphicFramePr>
+            <a:graphicFrameLocks/>
+          </p:cNvGraphicFramePr>
+          <p:nvPr>
+            <p:extLst>
+              <p:ext uri="{D42A27DB-BD31-4B8C-83A1-F6EECF244321}">
+                <p14:modId xmlns:p14="http://schemas.microsoft.com/office/powerpoint/2010/main" val="2504726542"/>
+              </p:ext>
+            </p:extLst>
+          </p:nvPr>
+        </p:nvGraphicFramePr>
+        <p:xfrm>
+          <a:off x="6455159" y="1551008"/>
+          <a:ext cx="5443615" cy="2419109"/>
+        </p:xfrm>
+        <a:graphic>
+          <a:graphicData uri="http://schemas.openxmlformats.org/drawingml/2006/chart">
+            <c:chart xmlns:c="http://schemas.openxmlformats.org/drawingml/2006/chart" xmlns:r="http://schemas.openxmlformats.org/officeDocument/2006/relationships" r:id="rId3"/>
+          </a:graphicData>
+        </a:graphic>
+      </p:graphicFrame>
+      <p:graphicFrame>
+        <p:nvGraphicFramePr>
+          <p:cNvPr id="6" name="Диаграмма 5">
+            <a:extLst>
+              <a:ext uri="{FF2B5EF4-FFF2-40B4-BE49-F238E27FC236}">
+                <a16:creationId xmlns:a16="http://schemas.microsoft.com/office/drawing/2014/main" id="{027D1962-7850-476A-A90B-AA2C339A14A2}"/>
+              </a:ext>
+            </a:extLst>
+          </p:cNvPr>
+          <p:cNvGraphicFramePr>
+            <a:graphicFrameLocks/>
+          </p:cNvGraphicFramePr>
+          <p:nvPr>
+            <p:extLst>
+              <p:ext uri="{D42A27DB-BD31-4B8C-83A1-F6EECF244321}">
+                <p14:modId xmlns:p14="http://schemas.microsoft.com/office/powerpoint/2010/main" val="1017683909"/>
+              </p:ext>
+            </p:extLst>
+          </p:nvPr>
+        </p:nvGraphicFramePr>
+        <p:xfrm>
+          <a:off x="3492041" y="3934869"/>
+          <a:ext cx="5547787" cy="2558005"/>
+        </p:xfrm>
+        <a:graphic>
+          <a:graphicData uri="http://schemas.openxmlformats.org/drawingml/2006/chart">
+            <c:chart xmlns:c="http://schemas.openxmlformats.org/drawingml/2006/chart" xmlns:r="http://schemas.openxmlformats.org/officeDocument/2006/relationships" r:id="rId4"/>
+          </a:graphicData>
+        </a:graphic>
+      </p:graphicFrame>
+    </p:spTree>
+    <p:extLst>
+      <p:ext uri="{BB962C8B-B14F-4D97-AF65-F5344CB8AC3E}">
+        <p14:creationId xmlns:p14="http://schemas.microsoft.com/office/powerpoint/2010/main" val="595598217"/>
+      </p:ext>
+    </p:extLst>
+  </p:cSld>
+  <p:clrMapOvr>
+    <a:masterClrMapping/>
+  </p:clrMapOvr>
+</p:sld>
+</file>
+
+<file path=ppt/slides/slide25.xml><?xml version="1.0" encoding="utf-8"?>
+<p:sld xmlns:a="http://schemas.openxmlformats.org/drawingml/2006/main" xmlns:r="http://schemas.openxmlformats.org/officeDocument/2006/relationships" xmlns:p="http://schemas.openxmlformats.org/presentationml/2006/main">
+  <p:cSld>
+    <p:spTree>
+      <p:nvGrpSpPr>
+        <p:cNvPr id="1" name=""/>
+        <p:cNvGrpSpPr/>
+        <p:nvPr/>
+      </p:nvGrpSpPr>
+      <p:grpSpPr>
+        <a:xfrm>
+          <a:off x="0" y="0"/>
+          <a:ext cx="0" cy="0"/>
+          <a:chOff x="0" y="0"/>
+          <a:chExt cx="0" cy="0"/>
+        </a:xfrm>
+      </p:grpSpPr>
+      <p:sp>
+        <p:nvSpPr>
+          <p:cNvPr id="2" name="Заголовок 1">
+            <a:extLst>
+              <a:ext uri="{FF2B5EF4-FFF2-40B4-BE49-F238E27FC236}">
+                <a16:creationId xmlns:a16="http://schemas.microsoft.com/office/drawing/2014/main" id="{5F60A438-CB0B-4831-8D30-B7978F5935E9}"/>
+              </a:ext>
+            </a:extLst>
+          </p:cNvPr>
+          <p:cNvSpPr>
+            <a:spLocks noGrp="1"/>
+          </p:cNvSpPr>
+          <p:nvPr>
+            <p:ph type="title"/>
+          </p:nvPr>
+        </p:nvSpPr>
+        <p:spPr/>
+        <p:txBody>
+          <a:bodyPr/>
+          <a:lstStyle/>
+          <a:p>
+            <a:r>
+              <a:rPr lang="ru-RU" dirty="0"/>
+              <a:t>Консервативность</a:t>
+            </a:r>
+          </a:p>
+        </p:txBody>
+      </p:sp>
+      <p:pic>
+        <p:nvPicPr>
+          <p:cNvPr id="5" name="Объект 4" descr="Изображение выглядит как снимок экрана&#10;&#10;Автоматически созданное описание">
+            <a:extLst>
+              <a:ext uri="{FF2B5EF4-FFF2-40B4-BE49-F238E27FC236}">
+                <a16:creationId xmlns:a16="http://schemas.microsoft.com/office/drawing/2014/main" id="{BC68E554-0781-40B1-8E6F-4A414A44E121}"/>
+              </a:ext>
+            </a:extLst>
+          </p:cNvPr>
+          <p:cNvPicPr>
+            <a:picLocks noGrp="1" noChangeAspect="1"/>
+          </p:cNvPicPr>
+          <p:nvPr>
+            <p:ph idx="1"/>
+          </p:nvPr>
+        </p:nvPicPr>
+        <p:blipFill>
+          <a:blip r:embed="rId2">
+            <a:extLst>
+              <a:ext uri="{28A0092B-C50C-407E-A947-70E740481C1C}">
+                <a14:useLocalDpi xmlns:a14="http://schemas.microsoft.com/office/drawing/2010/main" val="0"/>
+              </a:ext>
+            </a:extLst>
+          </a:blip>
+          <a:stretch>
+            <a:fillRect/>
+          </a:stretch>
+        </p:blipFill>
+        <p:spPr>
+          <a:xfrm>
+            <a:off x="990158" y="2091574"/>
+            <a:ext cx="5105842" cy="2674852"/>
+          </a:xfrm>
+        </p:spPr>
+      </p:pic>
+      <p:pic>
+        <p:nvPicPr>
+          <p:cNvPr id="7" name="Рисунок 6" descr="Изображение выглядит как снимок экрана&#10;&#10;Автоматически созданное описание">
+            <a:extLst>
+              <a:ext uri="{FF2B5EF4-FFF2-40B4-BE49-F238E27FC236}">
+                <a16:creationId xmlns:a16="http://schemas.microsoft.com/office/drawing/2014/main" id="{4E78CB8D-1BC7-472D-9A91-3EE015EB3362}"/>
+              </a:ext>
+            </a:extLst>
+          </p:cNvPr>
+          <p:cNvPicPr>
+            <a:picLocks noChangeAspect="1"/>
+          </p:cNvPicPr>
+          <p:nvPr/>
+        </p:nvPicPr>
+        <p:blipFill>
+          <a:blip r:embed="rId3">
+            <a:extLst>
+              <a:ext uri="{28A0092B-C50C-407E-A947-70E740481C1C}">
+                <a14:useLocalDpi xmlns:a14="http://schemas.microsoft.com/office/drawing/2010/main" val="0"/>
+              </a:ext>
+            </a:extLst>
+          </a:blip>
+          <a:stretch>
+            <a:fillRect/>
+          </a:stretch>
+        </p:blipFill>
+        <p:spPr>
+          <a:xfrm>
+            <a:off x="6599370" y="2091574"/>
+            <a:ext cx="5197290" cy="2659610"/>
+          </a:xfrm>
+          <a:prstGeom prst="rect">
+            <a:avLst/>
+          </a:prstGeom>
+        </p:spPr>
+      </p:pic>
+    </p:spTree>
+    <p:extLst>
+      <p:ext uri="{BB962C8B-B14F-4D97-AF65-F5344CB8AC3E}">
+        <p14:creationId xmlns:p14="http://schemas.microsoft.com/office/powerpoint/2010/main" val="1175640692"/>
+      </p:ext>
+    </p:extLst>
+  </p:cSld>
+  <p:clrMapOvr>
+    <a:masterClrMapping/>
+  </p:clrMapOvr>
+</p:sld>
+</file>
+
+<file path=ppt/slides/slide26.xml><?xml version="1.0" encoding="utf-8"?>
+<p:sld xmlns:a="http://schemas.openxmlformats.org/drawingml/2006/main" xmlns:r="http://schemas.openxmlformats.org/officeDocument/2006/relationships" xmlns:p="http://schemas.openxmlformats.org/presentationml/2006/main">
+  <p:cSld>
+    <p:spTree>
+      <p:nvGrpSpPr>
+        <p:cNvPr id="1" name=""/>
+        <p:cNvGrpSpPr/>
+        <p:nvPr/>
+      </p:nvGrpSpPr>
+      <p:grpSpPr>
+        <a:xfrm>
+          <a:off x="0" y="0"/>
+          <a:ext cx="0" cy="0"/>
+          <a:chOff x="0" y="0"/>
+          <a:chExt cx="0" cy="0"/>
+        </a:xfrm>
+      </p:grpSpPr>
+      <p:sp>
+        <p:nvSpPr>
+          <p:cNvPr id="2" name="Заголовок 1">
+            <a:extLst>
+              <a:ext uri="{FF2B5EF4-FFF2-40B4-BE49-F238E27FC236}">
                 <a16:creationId xmlns:a16="http://schemas.microsoft.com/office/drawing/2014/main" id="{17373DB2-A142-420F-995D-48D6A021FA54}"/>
               </a:ext>
             </a:extLst>
